--- a/Presentation/Team5.pptx
+++ b/Presentation/Team5.pptx
@@ -4,16 +4,20 @@
   <p:sldMasterIdLst>
     <p:sldMasterId id="2147483660" r:id="rId1"/>
   </p:sldMasterIdLst>
+  <p:notesMasterIdLst>
+    <p:notesMasterId r:id="rId12"/>
+  </p:notesMasterIdLst>
   <p:sldIdLst>
     <p:sldId id="256" r:id="rId2"/>
     <p:sldId id="257" r:id="rId3"/>
     <p:sldId id="258" r:id="rId4"/>
-    <p:sldId id="259" r:id="rId5"/>
+    <p:sldId id="266" r:id="rId5"/>
     <p:sldId id="260" r:id="rId6"/>
-    <p:sldId id="261" r:id="rId7"/>
-    <p:sldId id="262" r:id="rId8"/>
-    <p:sldId id="263" r:id="rId9"/>
-    <p:sldId id="264" r:id="rId10"/>
+    <p:sldId id="259" r:id="rId7"/>
+    <p:sldId id="261" r:id="rId8"/>
+    <p:sldId id="262" r:id="rId9"/>
+    <p:sldId id="263" r:id="rId10"/>
+    <p:sldId id="264" r:id="rId11"/>
   </p:sldIdLst>
   <p:sldSz cx="12192000" cy="6858000"/>
   <p:notesSz cx="6858000" cy="9144000"/>
@@ -112,6 +116,11 @@
       </a:defRPr>
     </a:lvl9pPr>
   </p:defaultTextStyle>
+  <p:extLst>
+    <p:ext uri="{EFAFB233-063F-42B5-8137-9DF3F51BA10A}">
+      <p15:sldGuideLst xmlns:p15="http://schemas.microsoft.com/office/powerpoint/2012/main"/>
+    </p:ext>
+  </p:extLst>
 </p:presentation>
 </file>
 
@@ -206,7 +215,7 @@
           <inkml:trace contextRef="#ctx0" brushRef="#br0" timeOffset="3690.3958">1112 3570 140 0,'-22'4'62'0,"9"0"-49"0,-8-4-16 16,12 4 68-16,-4-4-52 16,-4 0 27-16,-1 0-29 15,-8 0 10-15,-8 4-15 0,-1 0-1 0,-4 0-3 0,-4-1 4 16,-1 1-5-16,-8 8 3 15,0-1-3-15,0 13 11 16,-9-5-10-16,9 4 17 16,0-4-15-16,0 0 7 15,0 5-8-15,5-1 6 32,-1 4-6-32,5 0 1 0,4 7-3 15,4-3-3-15,5 0 1 16,4 0 1-16,4 3 0 15,0 1 0-15,5 4 0 16,4-1 0-16,0 5 0 16,4 7 2-16,5-8-1 15,4-7 5-15,4-1-5 0,9-3 9 16,5 0-8-16,8-8 5 16,8-4-6-16,5-3 3 15,9-1-3-15,8-3 5 16,5-4-5-16,0-5 0 15,8 1 0-15,0 0 1 0,1-4-1 16,8 0 5-16,-13-4-5 0,0 0 0 16,0 1 0-16,0-5 10 15,-4 0-9-15,-1-3 0 32,5-1-1-32,0-3 1 15,-4 3-1-15,-5-19 8 16,5 0-7-16,-5 4-7 15,1 0 5-15,-10 0 5 0,1 1-5 16,-5-1-2-16,-4-4 2 16,-4 8 17-16,-5-1-14 15,-8 5 25-15,-4 0-22 16,-5-4 15-16,0 0-16 16,-13-4 6-16,-9 0-8 15,0 0-8-15,-4 4 5 0,-4 0 2 16,-1-1-2-16,1 5 3 15,-9-4-2-15,-4 0-1 16,-5 4 1-16,0-8-1 0,-4 4 0 16,0 3 0-16,-8 5 0 15,-5-4-6-15,4 11 5 32,-4 4-11-32,0 16 9 0,0-1-29 15,4 1 24-15,1-1-61 16,-5 5 53-16,4-1-113 15,5 1 98-15,8 7-193 16</inkml:trace>
           <inkml:trace contextRef="#ctx0" brushRef="#br0" timeOffset="4491.2663">28 4599 220 0,'-4'-42'98'0,"4"38"-77"0,4-11-26 0,1 7 86 0,-1-4-65 15,0 1 48-15,5-5-47 16,-5 1 8-16,1 0-18 15,-1-1 12-15,-4 8-14 0,0 5-5 16,0 3 0 0,0 15-6-16,4 8 5 15,-4 16-3-15,5 15 3 16,-1 15 1-16,0 23 0 16,1 16-3-16,-1 4 2 15,-4-4 1-15,0 0 0 16,-4 4 5-16,-1-5-4 15,1-10-3-15,0-1 2 0,-1-15 5 16,-3-15-4-16,-1-13-5 16,5-6 3-16,-1-13-126 15,1-7 100-15,4-4-252 16</inkml:trace>
           <inkml:trace contextRef="#ctx0" brushRef="#br0" timeOffset="5170.5016">-6 6075 200 0,'-22'-8'92'0,"13"4"-73"0,1 1-24 16,3 3 33-16,-3 3-23 16,8-3 18-16,-9 4-18 15,5 4 12-15,8 0-12 0,5-1 11 0,4 5-12 16,4 0 12-16,5-1-12 15,8 1 17-15,5-1-16 32,8-3 15-32,9 0-15 0,4-5 14 15,5 1-14-15,17-4 23 16,0-4-22-16,0 1 15 16,13-5-16-16,-8-4 3 15,3 1-6-15,1-5 2 16,8 1-3-16,-8 3-1 15,-5 1 1-15,-8-5 7 0,0 5-6 16,-5-1 13-16,-8 1-11 16,-9-1 6-16,-5 1-7 15,-8-1-2-15,-4 4 0 16,-9 1-1-16,-4-1 0 16,-5 0-45-16,-4-3 35 15,0-12-122-15,0 3 102 0,0-3-252 16</inkml:trace>
-          <inkml:trace contextRef="#ctx0" brushRef="#br0" timeOffset="5438.9148">1762 4330 132 0,'13'-43'59'0,"-8"12"-47"0,3 8-15 0,-3 16 68 15,-1-1-52-15,0 4 49 16,1 0-46-1,-1 12 17-15,-4 0-13 0,0 30-14 16,0 35 6 0,0 4-9-16,0 12 15 15,4 27-14-15,-4 3 1 16,0 8-3-16,5-15 10 16,-5-4-10-16,0-12 5 15,0-3-5-15,0-1-1 0,0-15 0 16,0-8 1-16,-5-11-1 15,1-12-278-15</inkml:trace>
+          <inkml:trace contextRef="#ctx0" brushRef="#br0" timeOffset="5438.9147">1762 4330 132 0,'13'-43'59'0,"-8"12"-47"0,3 8-15 0,-3 16 68 15,-1-1-52-15,0 4 49 16,1 0-46-1,-1 12 17-15,-4 0-13 0,0 30-14 16,0 35 6 0,0 4-9-16,0 12 15 15,4 27-14-15,-4 3 1 16,0 8-3-16,5-15 10 16,-5-4-10-16,0-12 5 15,0-3-5-15,0-1-1 0,0-15 0 16,0-8 1-16,-5-11-1 15,1-12-278-15</inkml:trace>
           <inkml:trace contextRef="#ctx0" brushRef="#br0" timeOffset="7173.3871">965 7343 168 0,'-52'4'78'0,"21"-4"-61"0,-21 0-21 15,35 3 51-15,-9 1-38 0,-9 0 11 16,-12 4-14-16,-1-1 7 16,-4 5-10-16,-9 0 24 0,5 3-21 15,4 12 9-15,-9 8-11 16,5-1-2-16,4 9-1 16,4-9-13-16,0 1 10 0,5 0 23 15,4-4-17-15,0 3 2 16,0 5-4-16,9-5-4 15,4-3 1-15,8 0 4 16,5 0-3-16,9 0 0 16,8 3 1-16,5-3-1 15,8 0 0-15,5 4-3 0,4 7 2 16,4-7 6-16,9 0-4 16,5-5 9-16,3 1-8 15,5-8 2-15,5-3-3 16,3-9-1-16,10-3 1 15,-1-4 10-15,0 0-9 0,14-4 11 32,-5 0-10-32,4-4 4 15,1-4-5-15,8 0-1 0,0-7 0 16,-5-8 7-16,5 0-6 16,18-12 10-16,-10 4-9 15,-3 0 2-15,-14 4-4 16,5 0-1-16,-5 0 1 15,-17 4 13-15,-8 0-11 0,-14 0 7 16,-4 4-7-16,-4-8 6 16,-9-4-6-16,-9 4 12 15,-8 0-11-15,-1 0 6 16,-12-4-7-16,-5 0 9 16,-4 1-9-16,-4-9-4 15,-18 4 1 1,-4-7 0-16,-4 7 0 15,-5 4 2-15,-4 1-1 16,0 7-3-16,-13 7 1 16,0 5 1-16,0-1 0 15,0 0 0-15,-13 5 0 16,0 3-14-16,0 0 11 0,0 4-39 16,4 4 33-16,5 4-58 0,0-1 51 15,8 5-102-15,9 11 90 16,4-4-189-1</inkml:trace>
         </inkml:traceGroup>
       </inkml:traceGroup>
@@ -275,8 +284,8 @@
               <emma:interpretation id="{1CBBD000-B425-414B-9D8C-51EF175BCE77}" emma:medium="tactile" emma:mode="ink">
                 <msink:context xmlns:msink="http://schemas.microsoft.com/ink/2010/main" type="inkWord" rotatedBoundingBox="19774,6917 20151,6917 20151,14026 19774,14026">
                   <msink:destinationLink direction="with" ref="{9C1E7A26-F5C5-4154-855B-1C1A33707AAC}"/>
+                  <msink:destinationLink direction="with" ref="{BC8CE755-AB21-4A1B-9C37-3C1E83381316}"/>
                   <msink:destinationLink direction="with" ref="{ECD1E286-A8AF-460B-AE47-205B97626B58}"/>
-                  <msink:destinationLink direction="with" ref="{BC8CE755-AB21-4A1B-9C37-3C1E83381316}"/>
                   <msink:destinationLink direction="with" ref="{D0991E04-BEBE-486C-9E15-53311FB3868F}"/>
                 </msink:context>
               </emma:interpretation>
@@ -302,7 +311,7 @@
           <inkml:trace contextRef="#ctx0" brushRef="#br0">4991 1225 72 0,'-17'-7'36'0,"17"7"-29"0,0 4-9 0,0-4 47 0,0 0-36 16,0 0 36-16,0 0-34 15,-5 0 23 1,1 0-25-16,0 0 11 16,-1 0-14-16,-3 3-1 0,-1 5-3 15,-4 0 7-15,0 0-7 16,0-1 10-16,0 1-9 15,4 0 4-15,-4 3-5 16,-4 12 2-16,4-7-3 16,0-5 16-16,4 9-13 0,0 3-4 15,5 0 0-15,4-4 0 16,9-3 0-16,-5-5 0 16,14 1 0-16,8 3 19 15,0-3-15-15,4-9 5 16,9-3-7-16,-4 0 2 0,-5 0-3 15,-4-3 19-15,0-1-16 16,-9-4 33-16,-4 0-29 0,0-11 25 16,-4 0-24-16,-5-4 11 15,-4 0-14-15,0-1 10 16,0 1-11-16,-4-4 5 16,0 4-7-16,-5 0 1 31,-4 4-3-31,-4 3 2 0,-5 9-2 15,-8 3-3-15,-5 4 1 16,-4 8-44-16,-4 3 35 16,4 5-147-16,-14 7 121 15,6 8-190 1</inkml:trace>
           <inkml:trace contextRef="#ctx0" brushRef="#br0" timeOffset="2306.0156">5013 2728 68 0,'0'0'32'0,"0"0"-25"0,0-15-8 16,0 15 42-16,4 0-33 15,-4 0 26-15,0 0-25 16,0 0 25-16,0 0-25 16,0 0 21-1,0 0-23-15,0 0 5 0,-4 0-8 16,-1 0 11-16,1 4-11 15,0-1 12-15,-5 1-12 16,0-4 9-16,-4 4-10 0,5 0 7 16,-10 0-7-16,5 0 6 15,-8 0-6-15,3-1 6 16,-3 5-6-16,3 0-5 0,1 3 2 16,4 1 0-16,0 7 0 15,4-3 0-15,5 3 0 16,4-4 2-16,8 5-1 15,1-5-1-15,13 20 1 16,-5-8-1-16,9-4 0 16,-4-4 2-16,8 0-1 0,-4-3 5 15,5-5-5-15,-5 1 17 16,0-16-14-16,-5 4 29 16,1-12-25-16,-5 5 27 15,-4-9-26-15,0 1 7 16,-8-4-12-16,-1-1 9 15,-4-3-10 1,0-4 4-16,-9 4-5 16,5 4-1-16,-13 0 0 15,-1 3 1-15,-3 5-1 16,3-1-12-16,-12 4 9 0,4 1-64 16,-9 11 51-16,5-1-209 15,-13 13 173 1,4-5-75-16</inkml:trace>
           <inkml:trace contextRef="#ctx0" brushRef="#br0" timeOffset="3593.2304">4995 4466 132 0,'-17'-4'59'0,"17"4"-47"0,-4 0-15 0,4 0 54 16,0 4-41-16,0-4 28 15,-5 4-28-15,1 0 14 16,-9 3-18-16,4-3 8 0,-8 8-10 16,-9 15 1-16,0 4-4 15,0-4 2-15,4 3-2 16,0 1 2-16,5 4-2 0,4 0 2 15,4 3-2-15,1-3-6 16,8 7 4-16,4 8 6 16,5-4-5-16,4-11 12 0,8-4-9 15,1-4 18-15,4-8-16 16,0-7 12-16,5-5-12 31,3-7 8-31,-3-3-10 0,-1-13 27 16,-8-7-23-16,-5-4 22 15,-4 0-22-15,-4-4 14 16,-5-7-16-16,-4 3 3 16,-4 4-6-16,-9 4-4 15,0 4 2-15,-5 0 3 16,1 4-3-16,-5-4 6 0,1 3-5 16,-5 9 0-16,0-1 0 15,0 5-10-15,0 7 7 16,0 3-58-16,8 5 47 15,5-4-107-15,-9 8 92 16,5-1-207 0</inkml:trace>
-          <inkml:trace contextRef="#ctx0" brushRef="#br0" timeOffset="4996.487">5060 6500 132 0,'0'4'59'0,"0"-4"-47"0,-4-4-15 0,4 4 54 15,4 0-41-15,-4 0 36 16,0 0-34-16,0 0 16 31,-4 0-20-31,0 0 6 0,-1 0-10 0,1 0 3 16,-5-3-5-16,1-1 5 16,-5 4-6-16,0 0 6 15,-5 0-6-15,5 0 14 16,-8 4-11-16,3-4 9 15,-8 3-10-15,5 1 7 16,-1 8-7-16,5-5 1 0,-1 9-3 16,1-1-3-16,4 5 1 15,0-5 1-15,4 8 0 16,0-4 2-16,9 8-1 16,0-4-6-16,9 1 4 0,0-5 6 15,8 0-5-15,-4 0 10 16,13-7-8-16,-4-1 13 0,8-7-11 15,-4 0 6-15,5-12-7 16,-5 5 15-16,0-13-14 16,-5 5 12-16,-3-9-11 15,-5 5 11-15,-5-12-12 16,-3 4 3-16,-10-4-5 31,1 4 2-31,-9 0-3 0,4 3-9 16,-4 1 6-16,0 4-18 15,-4 3 15-15,0 4-90 16,-5 8 73-16,5 0-229 16,-1 12 194-1,1-4-17-15</inkml:trace>
+          <inkml:trace contextRef="#ctx0" brushRef="#br0" timeOffset="4996.4869">5060 6500 132 0,'0'4'59'0,"0"-4"-47"0,-4-4-15 0,4 4 54 15,4 0-41-15,-4 0 36 16,0 0-34-16,0 0 16 31,-4 0-20-31,0 0 6 0,-1 0-10 0,1 0 3 16,-5-3-5-16,1-1 5 16,-5 4-6-16,0 0 6 15,-5 0-6-15,5 0 14 16,-8 4-11-16,3-4 9 15,-8 3-10-15,5 1 7 16,-1 8-7-16,5-5 1 0,-1 9-3 16,1-1-3-16,4 5 1 15,0-5 1-15,4 8 0 16,0-4 2-16,9 8-1 16,0-4-6-16,9 1 4 0,0-5 6 15,8 0-5-15,-4 0 10 16,13-7-8-16,-4-1 13 0,8-7-11 15,-4 0 6-15,5-12-7 16,-5 5 15-16,0-13-14 16,-5 5 12-16,-3-9-11 15,-5 5 11-15,-5-12-12 16,-3 4 3-16,-10-4-5 31,1 4 2-31,-9 0-3 0,4 3-9 16,-4 1 6-16,0 4-18 15,-4 3 15-15,0 4-90 16,-5 8 73-16,5 0-229 16,-1 12 194-1,1-4-17-15</inkml:trace>
           <inkml:trace contextRef="#ctx0" brushRef="#br0" timeOffset="6214.9176">5073 7961 108 0,'0'-8'52'0,"0"8"-41"0,-4 0-14 16,4 0 65-16,-4 0-49 16,-1 0 37-16,1 0-36 15,0 0 11-15,-5 0-18 16,0 0 7-16,-4 0-10 0,5 0 3 16,-5 0-5-16,0 0 10 15,-9 4-9-15,5 0 2 0,-9 3-4 16,4 1-1-16,-4 8 1 15,4-5-1-15,1 12 0 0,3-4 2 16,1 16-1-16,-1-4-3 16,10 4 1-16,-1-8 1 15,9 3 0-15,0-3 2 16,13-3-1-16,0-1 2 0,9-8-2 16,0-3 5-16,8-1-5 15,-4-3 11-15,9-8-9 16,-9 0 24-16,4-12-21 15,-4 1 31-15,-4-12-28 16,-5 0 24-16,-4-4-24 31,-4 3 14-31,-5-6-17 0,-4 3 0 16,-13 0-4-16,4 4-4 16,-8 3 1-16,4 1-5 15,-9 7 5-15,1 1-50 16,-10 11 39-16,5 0-180 15,-17 15 149-15,4-3-140 16</inkml:trace>
         </inkml:traceGroup>
       </inkml:traceGroup>
@@ -341,7 +350,6 @@
       <emma:emma xmlns:emma="http://www.w3.org/2003/04/emma" version="1.0">
         <emma:interpretation id="{85B5C136-CE2D-45C2-BAF5-095021CBC19F}" emma:medium="tactile" emma:mode="ink">
           <msink:context xmlns:msink="http://schemas.microsoft.com/ink/2010/main" type="inkDrawing" rotatedBoundingBox="25223,19657 25309,19677 25305,19691 25219,19671" semanticType="callout" shapeName="Other">
-            <msink:sourceLink direction="with" ref="{EA43B932-227C-4056-AC55-249520501806}"/>
             <msink:sourceLink direction="with" ref="{982AEDA4-D0C2-4F66-B38F-4A7F6ECD8702}"/>
           </msink:context>
         </emma:interpretation>
@@ -512,9 +520,6 @@
       <emma:emma xmlns:emma="http://www.w3.org/2003/04/emma" version="1.0">
         <emma:interpretation id="{A3A98A47-23E5-4AE4-B746-D923AE1BA3BC}" emma:medium="tactile" emma:mode="ink">
           <msink:context xmlns:msink="http://schemas.microsoft.com/ink/2010/main" type="inkDrawing" rotatedBoundingBox="31889,13474 32422,4640 32871,4667 32339,13501" semanticType="callout" shapeName="Other">
-            <msink:sourceLink direction="with" ref="{3CCC5C93-C592-416C-88A8-79BE22DC228E}"/>
-            <msink:sourceLink direction="with" ref="{C627619C-DA78-434F-B5B6-E3EF051D3711}"/>
-            <msink:sourceLink direction="with" ref="{784BC382-B9E6-4015-AF1D-C2586B46B813}"/>
             <msink:sourceLink direction="with" ref="{7BD64BF9-E0F1-4263-BD12-7A93B2EF49EF}"/>
           </msink:context>
         </emma:interpretation>
@@ -557,7 +562,6 @@
       <emma:emma xmlns:emma="http://www.w3.org/2003/04/emma" version="1.0">
         <emma:interpretation id="{9C1E7A26-F5C5-4154-855B-1C1A33707AAC}" emma:medium="tactile" emma:mode="ink">
           <msink:context xmlns:msink="http://schemas.microsoft.com/ink/2010/main" type="inkDrawing" rotatedBoundingBox="18298,7260 19678,8547 19586,8645 18206,7358" semanticType="callout" shapeName="Other">
-            <msink:sourceLink direction="with" ref="{F9AF0BC0-3FFA-43F0-BECC-A669983BF194}"/>
             <msink:sourceLink direction="with" ref="{1CBBD000-B425-414B-9D8C-51EF175BCE77}"/>
           </msink:context>
         </emma:interpretation>
@@ -642,11 +646,11 @@
       <emma:emma xmlns:emma="http://www.w3.org/2003/04/emma" version="1.0">
         <emma:interpretation id="{BB1C1F83-C235-4C6F-8E90-614B065CDB15}" emma:medium="tactile" emma:mode="ink">
           <msink:context xmlns:msink="http://schemas.microsoft.com/ink/2010/main" type="inkDrawing" rotatedBoundingBox="20796,9569 28820,2149 32267,5877 24243,13296" semanticType="callout" shapeName="Other">
-            <msink:destinationLink direction="with" ref="{57D4538E-1A09-437B-A005-77ED80B428B4}"/>
             <msink:destinationLink direction="with" ref="{299A3C2A-309C-46E1-BD22-F9F49A16039B}"/>
             <msink:destinationLink direction="with" ref="{2BCC5834-AC3A-47CF-8AAF-CB42AC1F1D44}"/>
             <msink:destinationLink direction="with" ref="{582ECCEB-8F10-4E60-B332-0AF292AB4A32}"/>
             <msink:destinationLink direction="with" ref="{EC9250FD-CC6C-407E-B72E-7143097113A0}"/>
+            <msink:destinationLink direction="with" ref="{57D4538E-1A09-437B-A005-77ED80B428B4}"/>
           </msink:context>
         </emma:interpretation>
       </emma:emma>
@@ -903,7 +907,6 @@
         <emma:interpretation id="{D0D4F843-7F7C-456E-94B2-819C4894E28B}" emma:medium="tactile" emma:mode="ink">
           <msink:context xmlns:msink="http://schemas.microsoft.com/ink/2010/main" type="inkDrawing" rotatedBoundingBox="28304,7602 31094,7452 31127,8061 28337,8211" semanticType="callout" shapeName="Other">
             <msink:sourceLink direction="from" ref="{E9EDC9E7-D4E7-4F36-902E-9C57DAFEFDBF}"/>
-            <msink:sourceLink direction="to" ref="{5340152E-969D-4A0B-BD25-B565351C3FAA}"/>
             <msink:sourceLink direction="to" ref="{3C2F1676-6F75-4826-AE14-953FF4CE58D1}"/>
           </msink:context>
         </emma:interpretation>
@@ -946,8 +949,8 @@
       <emma:emma xmlns:emma="http://www.w3.org/2003/04/emma" version="1.0">
         <emma:interpretation id="{299A3C2A-309C-46E1-BD22-F9F49A16039B}" emma:medium="tactile" emma:mode="ink">
           <msink:context xmlns:msink="http://schemas.microsoft.com/ink/2010/main" type="inkDrawing" rotatedBoundingBox="27913,9609 27914,7120 27936,7121 27934,9610" semanticType="callout" shapeName="Other">
+            <msink:sourceLink direction="with" ref="{BB1C1F83-C235-4C6F-8E90-614B065CDB15}"/>
             <msink:sourceLink direction="with" ref="{3C2F1676-6F75-4826-AE14-953FF4CE58D1}"/>
-            <msink:sourceLink direction="with" ref="{BB1C1F83-C235-4C6F-8E90-614B065CDB15}"/>
           </msink:context>
         </emma:interpretation>
       </emma:emma>
@@ -1074,8 +1077,8 @@
       <emma:emma xmlns:emma="http://www.w3.org/2003/04/emma" version="1.0">
         <emma:interpretation id="{2BCC5834-AC3A-47CF-8AAF-CB42AC1F1D44}" emma:medium="tactile" emma:mode="ink">
           <msink:context xmlns:msink="http://schemas.microsoft.com/ink/2010/main" type="inkDrawing" rotatedBoundingBox="28008,9703 31056,9493 31062,9573 28014,9784" semanticType="callout" shapeName="Other">
+            <msink:sourceLink direction="with" ref="{BB1C1F83-C235-4C6F-8E90-614B065CDB15}"/>
             <msink:sourceLink direction="with" ref="{588F0B89-E697-41B2-8D44-708E5A3759B4}"/>
-            <msink:sourceLink direction="with" ref="{BB1C1F83-C235-4C6F-8E90-614B065CDB15}"/>
           </msink:context>
         </emma:interpretation>
       </emma:emma>
@@ -1159,7 +1162,6 @@
       <emma:emma xmlns:emma="http://www.w3.org/2003/04/emma" version="1.0">
         <emma:interpretation id="{582ECCEB-8F10-4E60-B332-0AF292AB4A32}" emma:medium="tactile" emma:mode="ink">
           <msink:context xmlns:msink="http://schemas.microsoft.com/ink/2010/main" type="inkDrawing" rotatedBoundingBox="27789,5766 27875,5310 27897,5314 27811,5770" semanticType="callout" shapeName="Other">
-            <msink:sourceLink direction="with" ref="{BC6433BE-BF3E-4A2F-A800-965FC0E0CE3F}"/>
             <msink:sourceLink direction="with" ref="{F24D0DC1-C178-4F28-91F2-AD49F42F5A91}"/>
             <msink:sourceLink direction="with" ref="{BB1C1F83-C235-4C6F-8E90-614B065CDB15}"/>
           </msink:context>
@@ -1243,8 +1245,6 @@
       <emma:emma xmlns:emma="http://www.w3.org/2003/04/emma" version="1.0">
         <emma:interpretation id="{971DFF4C-93D4-45FA-BD39-D3E934290D3B}" emma:medium="tactile" emma:mode="ink">
           <msink:context xmlns:msink="http://schemas.microsoft.com/ink/2010/main" type="inkDrawing" rotatedBoundingBox="26243,5631 27788,5297 27797,5339 26252,5674" semanticType="callout" shapeName="Other">
-            <msink:sourceLink direction="with" ref="{DE8FA6ED-9A91-4232-B239-A527F078C6BA}"/>
-            <msink:sourceLink direction="with" ref="{DDC53D41-547E-4AC3-BC44-D26566127A07}"/>
             <msink:sourceLink direction="with" ref="{F24D0DC1-C178-4F28-91F2-AD49F42F5A91}"/>
           </msink:context>
         </emma:interpretation>
@@ -1287,7 +1287,6 @@
       <emma:emma xmlns:emma="http://www.w3.org/2003/04/emma" version="1.0">
         <emma:interpretation id="{EC9250FD-CC6C-407E-B72E-7143097113A0}" emma:medium="tactile" emma:mode="ink">
           <msink:context xmlns:msink="http://schemas.microsoft.com/ink/2010/main" type="inkDrawing" rotatedBoundingBox="26144,6095 26163,5563 26181,5564 26162,6096" semanticType="callout" shapeName="Other">
-            <msink:sourceLink direction="with" ref="{DE8FA6ED-9A91-4232-B239-A527F078C6BA}"/>
             <msink:sourceLink direction="with" ref="{BB1C1F83-C235-4C6F-8E90-614B065CDB15}"/>
             <msink:sourceLink direction="with" ref="{E96864F3-B19D-423C-9B6A-BBAAE0E6FB99}"/>
           </msink:context>
@@ -1331,10 +1330,9 @@
       <emma:emma xmlns:emma="http://www.w3.org/2003/04/emma" version="1.0">
         <emma:interpretation id="{E96864F3-B19D-423C-9B6A-BBAAE0E6FB99}" emma:medium="tactile" emma:mode="ink">
           <msink:context xmlns:msink="http://schemas.microsoft.com/ink/2010/main" type="inkDrawing" rotatedBoundingBox="24424,5527 26143,5343 26159,5483 24439,5668" semanticType="underline" shapeName="Other">
-            <msink:sourceLink direction="with" ref="{DE8FA6ED-9A91-4232-B239-A527F078C6BA}"/>
             <msink:sourceLink direction="with" ref="{F24D0DC1-C178-4F28-91F2-AD49F42F5A91}"/>
+            <msink:destinationLink direction="with" ref="{EC9250FD-CC6C-407E-B72E-7143097113A0}"/>
             <msink:destinationLink direction="with" ref="{4B1FD4DF-D9A9-4FB1-BCAA-94CD72E7CE0D}"/>
-            <msink:destinationLink direction="with" ref="{EC9250FD-CC6C-407E-B72E-7143097113A0}"/>
           </msink:context>
         </emma:interpretation>
       </emma:emma>
@@ -1377,7 +1375,6 @@
         <emma:interpretation id="{4B1FD4DF-D9A9-4FB1-BCAA-94CD72E7CE0D}" emma:medium="tactile" emma:mode="ink">
           <msink:context xmlns:msink="http://schemas.microsoft.com/ink/2010/main" type="inkDrawing" rotatedBoundingBox="24438,5961 24504,5664 24525,5669 24459,5966" semanticType="callout" shapeName="Other">
             <msink:sourceLink direction="with" ref="{E96864F3-B19D-423C-9B6A-BBAAE0E6FB99}"/>
-            <msink:sourceLink direction="with" ref="{A3B16A2A-4320-4E4A-A8ED-CBBF726C1708}"/>
             <msink:sourceLink direction="with" ref="{D36BE924-2FBB-47DA-B4A0-E94B158FD395}"/>
           </msink:context>
         </emma:interpretation>
@@ -1591,7 +1588,6 @@
         <emma:interpretation id="{57D4538E-1A09-437B-A005-77ED80B428B4}" emma:medium="tactile" emma:mode="ink">
           <msink:context xmlns:msink="http://schemas.microsoft.com/ink/2010/main" type="inkDrawing" rotatedBoundingBox="29891,6134 29999,5371 30033,5376 29926,6139" semanticType="callout" shapeName="Other">
             <msink:sourceLink direction="with" ref="{ABDCD9D4-BA24-44E3-9655-DC096FB0C004}"/>
-            <msink:sourceLink direction="with" ref="{3B62EB53-B4D2-41A8-9797-EEB001CD08D5}"/>
             <msink:sourceLink direction="with" ref="{BB1C1F83-C235-4C6F-8E90-614B065CDB15}"/>
           </msink:context>
         </emma:interpretation>
@@ -1634,7 +1630,6 @@
       <emma:emma xmlns:emma="http://www.w3.org/2003/04/emma" version="1.0">
         <emma:interpretation id="{BC8CE755-AB21-4A1B-9C37-3C1E83381316}" emma:medium="tactile" emma:mode="ink">
           <msink:context xmlns:msink="http://schemas.microsoft.com/ink/2010/main" type="inkDrawing" rotatedBoundingBox="17216,7498 17719,6266 17760,6283 17257,7515" semanticType="callout" shapeName="Other">
-            <msink:sourceLink direction="with" ref="{E7C1153F-C2FE-46C2-B805-0C8B17F5DC4B}"/>
             <msink:sourceLink direction="with" ref="{1CBBD000-B425-414B-9D8C-51EF175BCE77}"/>
           </msink:context>
         </emma:interpretation>
@@ -1677,9 +1672,8 @@
       <emma:emma xmlns:emma="http://www.w3.org/2003/04/emma" version="1.0">
         <emma:interpretation id="{60C8217A-7A14-4D23-9C12-ED743CBA39E3}" emma:medium="tactile" emma:mode="ink">
           <msink:context xmlns:msink="http://schemas.microsoft.com/ink/2010/main" type="inkDrawing" rotatedBoundingBox="7203,11032 7274,7137 7371,7139 7299,11034" semanticType="callout" shapeName="Other">
-            <msink:sourceLink direction="with" ref="{105C208D-2C1C-4495-A28D-BA9531F480A5}"/>
+            <msink:sourceLink direction="with" ref="{74C2E893-F39E-42F3-8297-7DC90B88665E}"/>
             <msink:sourceLink direction="with" ref="{A6399751-6CB8-451F-8D8F-128882532CCD}"/>
-            <msink:sourceLink direction="with" ref="{74C2E893-F39E-42F3-8297-7DC90B88665E}"/>
           </msink:context>
         </emma:interpretation>
       </emma:emma>
@@ -1721,13 +1715,12 @@
       <emma:emma xmlns:emma="http://www.w3.org/2003/04/emma" version="1.0">
         <emma:interpretation id="{ECD1E286-A8AF-460B-AE47-205B97626B58}" emma:medium="tactile" emma:mode="ink">
           <msink:context xmlns:msink="http://schemas.microsoft.com/ink/2010/main" type="inkDrawing" rotatedBoundingBox="17854,6127 18255,7427 18180,7450 17778,6150" semanticType="callout" shapeName="Other">
-            <msink:sourceLink direction="with" ref="{E7C1153F-C2FE-46C2-B805-0C8B17F5DC4B}"/>
             <msink:sourceLink direction="with" ref="{1CBBD000-B425-414B-9D8C-51EF175BCE77}"/>
           </msink:context>
         </emma:interpretation>
       </emma:emma>
     </inkml:annotationXML>
-    <inkml:trace contextRef="#ctx0" brushRef="#br0">2837 482 156 0,'0'-35'69'0,"0"35"-55"0,0-4-18 0,0 4 73 0,0-7-55 15,0-1 29-15,0 4-32 16,0 23 14 0,0 1-10-16,0-1-11 0,0 4 13 15,0 0-13-15,0 4 3 16,0 0-5-16,4 12 5 16,0-5-6-1,5 1 11-15,0 3-9 16,-1 1 4-16,5 7-5 15,0 0 8-15,5 28-8 0,-1-9 5 16,5 1-6-16,-1-5 6 16,1 1-6-16,0-8 14 15,4 0-11-15,-5-4 9 16,5 0-10-16,-4-4-1 0,0-3-1 16,-5-5 10-16,-4-7-9 15,0 0 8-15,0 0-7 16,-4-4 1-16,-5-4-3 15,0-8 2-15,-4 1-2 16,0 3-1 0,0-4-2-16,0-11 1 0,-4-4-33 15,4 0 27-15,0 0-309 16,0-4 247 0,0 4-31-16</inkml:trace>
+    <inkml:trace contextRef="#ctx0" brushRef="#br0">2837 482 156 0,'0'-35'69'0,"0"35"-55"0,0-4-18 0,0 4 73 0,0-7-55 15,0-1 29-15,0 4-32 16,0 23 14 0,0 1-10-16,0-1-11 0,0 4 13 15,0 0-13-15,0 4 3 16,0 0-5-16,4 12 5 16,0-5-6-1,5 1 11-15,0 3-9 16,-1 1 4-16,5 7-5 15,0 0 8-15,5 28-8 0,-2-9 5 16,6 1-6-16,-1-5 6 16,1 1-6-16,0-8 14 15,4 0-11-15,-5-4 9 16,5 0-10-16,-4-4-1 0,-1-3-1 16,-4-5 10-16,-4-7-9 15,0 0 8-15,0 0-7 16,-4-4 1-16,-5-4-3 15,0-8 2-15,-4 1-2 16,0 3-1 0,0-4-2-16,0-11 1 0,-4-4-33 15,4 0 27-15,0 0-309 16,0-4 247 0,0 4-31-16</inkml:trace>
   </inkml:traceGroup>
 </inkml:ink>
 </file>
@@ -1964,22 +1957,22 @@
               </emma:one-of>
             </emma:emma>
           </inkml:annotationXML>
-          <inkml:trace contextRef="#ctx0" brushRef="#br0" timeOffset="-8971.4546">2049-428 124 0,'-4'0'55'0,"4"19"-43"0,-18-7-15 0,14-9 65 0,0 1-49 16,4 0 21 0,0 12-25-16,-5 3-5 15,1 4-5-15,-5 4 0 0,1 0-2 16,-1 4 2-16,-4 0-52 16,4-4 41-16,1 3-127 15,-1 9 107-15,0-8-12 16</inkml:trace>
+          <inkml:trace contextRef="#ctx0" brushRef="#br0" timeOffset="-8971.4545">2049-428 124 0,'-4'0'55'0,"4"19"-43"0,-18-7-15 0,14-9 65 0,0 1-49 16,4 0 21 0,0 12-25-16,-5 3-5 15,1 4-5-15,-5 4 0 0,1 0-2 16,-1 4 2-16,-4 0-52 16,4-4 41-16,1 3-127 15,-1 9 107-15,0-8-12 16</inkml:trace>
           <inkml:trace contextRef="#ctx0" brushRef="#br0" timeOffset="-8617.4335">2123-370 96 0,'52'-4'46'0,"-22"23"-37"0,14-7-11 0,-18-9 41 15,17-6-31-15,5-1 19 16,-1 8-19-16,10-8-11 16,8 0 4-16,-5 12-19 0,-8-12 14 0,-4 0-138 15</inkml:trace>
           <inkml:trace contextRef="#ctx0" brushRef="#br0" timeOffset="-5649.3974">2413 373 120 0,'0'-4'55'0,"5"4"-43"0,-5 0-15 0,0 0 43 16,0 0-32-16,0 0 25 15,0 0-24-15,0 0 6 0,0 0-11 16,0 0 6-16,0-3-7 0,0 3-5 16,4-4 2-16,-4 4-6 15,9-4 5-15,-1 4-17 16,1-4 14-16,-13 4-32 16,-1 0 14-16,1 0 14 15,-9 0 6-15,0 0 2 16,4 0-2-16,1 0 1 15,-1 0 4-15,0 0-3 16,5 0 3-16,0 0-2 16,-1 0 5-1,5 0-5-15,-4 0 3 16,0 0-3-16,-1 0 8 16,1 0-7-16,0 0 5 15,-1 0-6-15,1 0 0 16,4 0 0-16,0 0-1 0,0 0 0 15,0 0 0-15,9 0 0 16,8-4 2-16,13 0-1 0,1 4-6 16,8-4 4-1,4 1-20-15,9 3 17 0,4 0-145 16</inkml:trace>
           <inkml:trace contextRef="#ctx0" brushRef="#br0" timeOffset="-10436.3423">2847-343 152 0,'0'-27'69'0,"0"27"-55"0,0-4-18 0,0 4 34 15,-5 11-2-15,1 1-20 16,0 3 8-16,-5 8-12 16,0 4-2-16,1 12-1 0,-10 11 7 0,-8 12-6 15,5 7-9-15,-5 4 5 16,0 0 1-16,4-7 1 15,0-1-87-15,1-3 68 16,3-4-128 0</inkml:trace>
           <inkml:trace contextRef="#ctx0" brushRef="#br0" timeOffset="-11291.162">2721-236 4 0,'-9'39'6'0,"-17"-16"-5"0,9 8-1 15,13-12-5-15</inkml:trace>
           <inkml:trace contextRef="#ctx0" brushRef="#br0" timeOffset="-7500.3038">2825-201 108 0,'-4'0'52'0,"4"0"-41"0,0 4-14 0,0-4 43 16,0 0-32-16,4 4 22 16,5-4-22-16,4 0 21 15,4 0-22-15,5 0 11 0,4-4-13 16,4 0 5-16,22-4-7 0,0 1 4 15,0-1-6-15,13-4 0 16,5 1 0-16,-1-1-15 16,-4 5 11-16,0-1-41 15,-9 4 34-15,1 0-66 16,-5 0 58 0,0 4-99-1</inkml:trace>
           <inkml:trace contextRef="#ctx0" brushRef="#br0" timeOffset="-14150.4339">3926-35 108 0,'-4'4'49'0,"-1"19"-39"0,1-8-12 0,8-7 19 15,-4-4-14-15,0-4 21 0,0 4-18 16,0-4 25-16,0 0-23 16,0 0 1-16,0 0-6 15,-4-8 4-15,4 0-6 0,0 1 0 16,-4-9-3-1,-5 1 1-15,9-1 1 0,-4 1 0 16,4-1 2-16,-5-3-1 0,1 4 2 16,0-1-2-16,-1-3-1 15,1 0 1-15,0-4-1 16,-1 0 0-16,-3-1 2 16,3-3-1-16,-3-7 8 31,-1 3-7-31,0 0 10 15,5 4-9-15,0 4-1 0,-1 0-1 16,1 4-10-16,0 7 7 16,-1 4-30-16,5 8 25 15,0 4-174 1</inkml:trace>
-          <inkml:trace contextRef="#ctx0" brushRef="#br0" timeOffset="-39915.1393">1200 431 156 0,'30'0'69'0,"0"0"-55"0,9-4-18 16,-4 4 48-16,4-4-36 16,9 0 15-16,-1 1-17 15,1 3-9-15,4 0 3 16,0 0-79-16,-4 3 61 15,-5 1-130 1</inkml:trace>
+          <inkml:trace contextRef="#ctx0" brushRef="#br0" timeOffset="-39915.1392">1200 431 156 0,'30'0'69'0,"0"0"-55"0,9-4-18 16,-4 4 48-16,4-4-36 16,9 0 15-16,-1 1-17 15,1 3-9-15,4 0 3 16,0 0-79-16,-4 3 61 15,-5 1-130 1</inkml:trace>
           <inkml:trace contextRef="#ctx0" brushRef="#br0" timeOffset="-2417.9529">1330-336 156 0,'4'-4'72'0,"5"4"-57"15,-5 0-19-15,-4 0 81 16,13 8-19-16,0 0-39 16,-4 3 1-16,-1 9-15 15,5 3 4-15,-13 0-6 0,9 4-2 0,-9 11 0 16,-4 5-4-16,-5-1 2 15,0 4-89-15,1-7 71 16,3-4-151 0,1-1 130-16,0-3-33 15</inkml:trace>
-          <inkml:trace contextRef="#ctx0" brushRef="#br0" timeOffset="-39429.9279">1460 157 140 0,'0'4'65'0,"0"0"-51"0,0 8-17 15,-9-1 32-15,0 16-24 16,1 0 13-16,-1 0-13 0,-4 0 5 15,0 4-7-15,0 0-24 0,0 4 16 16,4-5-174-16</inkml:trace>
+          <inkml:trace contextRef="#ctx0" brushRef="#br0" timeOffset="-39429.9278">1460 157 140 0,'0'4'65'0,"0"0"-51"0,0 8-17 15,-9-1 32-15,0 16-24 16,1 0 13-16,-1 0-13 0,-4 0 5 15,0 4-7-15,0 0-24 0,0 4 16 16,4-5-174-16</inkml:trace>
           <inkml:trace contextRef="#ctx0" brushRef="#br0" timeOffset="-16420.9442">4607-93 108 0,'-13'4'49'0,"13"23"-39"0,-9 11-12 0,5-22 27 16,-1 3-20-16,1 4 4 16,-5 4-7-16,9 4-6 15,-4 0 3-15,4 3-104 32,0 5 83-32,0 0-27 0</inkml:trace>
-          <inkml:trace contextRef="#ctx0" brushRef="#br0" timeOffset="-17222.599">5573-286 84 0,'-21'0'39'0,"16"0"-31"0,-8 0-10 0,9 0 33 15,-5 4-25-15,-4 0 9 0,-8 0-11 31,-14 0 3-31,5 0-5 16,-1-1-6-16,-3 1 3 0,-5-4-3 16,4 0 3-16,-9 0 1 15,-12 0 0-15,8 0 0 16,-8 4 0-16,0 0 2 16,12 0-1-16,-8 0-12 15,-4 0 9-15,8 3-72 0,5-3 57 16,0 4-38-16</inkml:trace>
+          <inkml:trace contextRef="#ctx0" brushRef="#br0" timeOffset="-17222.5989">5573-286 84 0,'-21'0'39'0,"16"0"-31"0,-8 0-10 0,9 0 33 15,-5 4-25-15,-4 0 9 0,-8 0-11 31,-14 0 3-31,5 0-5 16,-1-1-6-16,-3 1 3 0,-5-4-3 16,4 0 3-16,-9 0 1 15,-12 0 0-15,8 0 0 16,-8 4 0-16,0 0 2 16,12 0-1-16,-8 0-12 15,-4 0 9-15,8 3-72 0,5-3 57 16,0 4-38-16</inkml:trace>
           <inkml:trace contextRef="#ctx0" brushRef="#br0" timeOffset="-21278.4946">5456 181 108 0,'0'15'52'0,"0"20"-41"0,0 15-14 0,0-31 35 15,0 8-26-15,0 4 6 16,0 4-8-16,0 11-3 16,0 8 0-16,0-8-35 15,0-4 27-15,0-3-118 16</inkml:trace>
           <inkml:trace contextRef="#ctx0" brushRef="#br0" timeOffset="-19343.5947">4741 123 124 0,'-22'-4'59'0,"44"-4"-47"0,-5 8-15 0,-8 0 51 16,4 0-38-16,4 0 33 0,9 0-32 16,5 0 11-16,3-4-16 15,18 4-4-15,0 0 0 0,13 4-5 16,5 0 2-16,3 0-55 16,6 0 44-16,-1 0-111 15,0 0 94-15,4 3-46 31</inkml:trace>
           <inkml:trace contextRef="#ctx0" brushRef="#br0" timeOffset="-15645.2725">4732-605 120 0,'26'0'55'0,"-21"0"-43"0,-5 11-15 31,0-3 43-31,0 7-32 0,0 5 25 16,0 3-24-16,-9 15 11 16,-4 1-14-16,9-1-6 0,-1 1 0 15,1-1-11-15,0 1 8 16,-1-1-195 0</inkml:trace>
-          <inkml:trace contextRef="#ctx0" brushRef="#br0" timeOffset="-18094.3996">5604-613 96 0,'0'0'46'0,"0"0"-37"0,4 0-11 15,-4 0 55-15,0 0-42 16,4 4 41-16,-4 3-39 0,9 5 5 16,-5 3-13-16,5 9-3 15,-5 10-1-15,1 9-1 0,-1 3 0 16,0 4 2 0,1 8-1-16,-5 19 2 15,8-8-2-15,-3-3-57 16,-1-1 45-16,0-11-157 15</inkml:trace>
+          <inkml:trace contextRef="#ctx0" brushRef="#br0" timeOffset="-18094.3995">5604-613 96 0,'0'0'46'0,"0"0"-37"0,4 0-11 15,-4 0 55-15,0 0-42 16,4 4 41-16,-4 3-39 0,9 5 5 16,-5 3-13-16,5 9-3 15,-5 10-1-15,1 9-1 0,-1 3 0 16,0 4 2 0,1 8-1-16,-5 19 2 15,8-8-2-15,-3-3-57 16,-1-1 45-16,0-11-157 15</inkml:trace>
           <inkml:trace contextRef="#ctx0" brushRef="#br0" timeOffset="-20779.0011">5491 150 108 0,'35'-4'52'0,"-9"4"-41"0,30-8-14 0,-21 8 32 15,8-4-24-15,13 1 27 16,5-1-24-16,13 0-18 16,-1 0 9-16,-3 0-158 15</inkml:trace>
         </inkml:traceGroup>
       </inkml:traceGroup>
@@ -2031,11 +2024,11 @@
           <inkml:trace contextRef="#ctx0" brushRef="#br0" timeOffset="-36670.9315">98 1699 132 0,'-17'0'62'0,"34"4"-49"0,-3-1-16 0,-6-3 46 0,5 0-35 16,9 0 37-16,13 0-34 15,4-3 17-15,17-1-20 16,5 0-2-16,-1 0-4 0,10 0-35 15,12 0 26-15,5 0-68 16,-1 1 58-16,5 3-136 31</inkml:trace>
           <inkml:trace contextRef="#ctx0" brushRef="#br0" timeOffset="2419.8919">155 508 116 0,'-4'0'52'0,"4"0"-41"0,0 4-14 0,0-4 49 16,0 0-37-16,0 4 33 16,0 4-31-16,-5-1 11 15,1 13-16 1,4 18-4-16,0-3 0 0,0-1 3 16,0 1-4-16,0 4-3 15,-4 3 2-15,4 4-3 16,0-3 2-16,0-5-75 15,0 1 60-15,0-1-138 16</inkml:trace>
           <inkml:trace contextRef="#ctx0" brushRef="#br0" timeOffset="3284.4257">259 978 220 0,'17'0'101'0,"1"0"-79"0,8 0-28 0,-13 0 35 0,13 0-24 16,8 0 4-16,1 0-7 15,0-4-54 1,4 4 41-16,-5 0-209 0</inkml:trace>
-          <inkml:trace contextRef="#ctx0" brushRef="#br0" timeOffset="-38760.0227">688 878 132 0,'30'0'59'0,"-21"4"-47"0,21-4-15 0,-12 0 18 0,3 11-13 15,5-11 0-15,0 0-1 16,5-3-43-16,-1-1 33 0,-4 0-107 16</inkml:trace>
-          <inkml:trace contextRef="#ctx0" brushRef="#br0" timeOffset="-35385.0031">1009 1649 124 0,'4'-4'55'0,"0"4"-43"0,-8 0-15 0,4 0 40 16,0 0-30-16,0 0 35 15,0 7-32-15,0 5 9 16,-4 3-13-16,-5 9-2 0,0 3-2 0,-4 3-2 16,0 17 1-16,-4-5-1 15,0 0 0-15,-1-3-28 16,5-4 22-16,0-8-66 16,0-4 56-16,5-4-117 15</inkml:trace>
-          <inkml:trace contextRef="#ctx0" brushRef="#br0" timeOffset="-44783.4477">1213 446 96 0,'-5'4'46'0,"5"0"-37"0,-4 4-11 0,4-4 47 15,0 3-36-15,0 5 5 16,-4 3-9-16,-1 12-1 15,-3 12-3-15,-1 15-1 0,-8 4 1 16,-10 11 4-16,1 8-4 16,-4 8-31-16,0 19 24 15,-5-4-130-15</inkml:trace>
+          <inkml:trace contextRef="#ctx0" brushRef="#br0" timeOffset="-38760.0226">688 878 132 0,'30'0'59'0,"-21"4"-47"0,21-4-15 0,-12 0 18 0,3 11-13 15,5-11 0-15,0 0-1 16,5-3-43-16,-1-1 33 0,-4 0-107 16</inkml:trace>
+          <inkml:trace contextRef="#ctx0" brushRef="#br0" timeOffset="-35385.003">1009 1649 124 0,'4'-4'55'0,"0"4"-43"0,-8 0-15 0,4 0 40 16,0 0-30-16,0 0 35 15,0 7-32-15,0 5 9 16,-4 3-13-16,-5 9-2 0,0 3-2 0,-4 3-2 16,0 17 1-16,-4-5-1 15,0 0 0-15,-1-3-28 16,5-4 22-16,0-8-66 16,0-4 56-16,5-4-117 15</inkml:trace>
+          <inkml:trace contextRef="#ctx0" brushRef="#br0" timeOffset="-44783.4476">1213 446 96 0,'-5'4'46'0,"5"0"-37"0,-4 4-11 0,4-4 47 15,0 3-36-15,0 5 5 16,-4 3-9-16,-1 12-1 15,-3 12-3-15,-1 15-1 0,-8 4 1 16,-10 11 4-16,1 8-4 16,-4 8-31-16,0 19 24 15,-5-4-130-15</inkml:trace>
           <inkml:trace contextRef="#ctx0" brushRef="#br0" timeOffset="-43598.1153">1039 1132 112 0,'-9'-4'52'0,"9"4"-41"0,0 0-14 0,0 0 49 0,0 0-37 15,0 0 30 1,13 8-3-16,9-4-26 15,4 4 4-15,0-4-10 0,5-1-6 0,-1 1 2 16,5 0 3-16,12-4-3 16,1-4-50-16,4 0 39 15,-4-3-127-15,-1-1 106 16,1 0-35-16</inkml:trace>
-          <inkml:trace contextRef="#ctx0" brushRef="#br0" timeOffset="-37324.7643">1204 1263 112 0,'4'-11'52'0,"-4"11"-41"0,0 0-14 16,0 0 43-16,0 7-32 0,0 9 14 16,-4-1-16-16,0 5 10 15,-1 3-11-15,-3 0-1 0,-1 0-2 16,0 0 1-16,-4-4-2 16,0 1-3-16,4-5 1 15,1-3-19-15,-1-5 16 16,9-7-27-16,9 0-27 15,-1-4 43-15,1-3-2 16,0-5 11-16,0 1 5 16,-1-1 1-16,1-3 16 15,-5 7-12-15,1 4 35 16,-5 4-30-16,0 8 18 31,-5 3-19-31,-3 9-8 0,-5-1 1 16,0 8-4-16,-1 4 2 15,6-4-83-15,-10 0 66 16,5 0-64-16</inkml:trace>
+          <inkml:trace contextRef="#ctx0" brushRef="#br0" timeOffset="-37324.7642">1204 1263 112 0,'4'-11'52'0,"-4"11"-41"0,0 0-14 16,0 0 43-16,0 7-32 0,0 9 14 16,-4-1-16-16,0 5 10 15,-1 3-11-15,-3 0-1 0,-1 0-2 16,0 0 1-16,-4-4-2 16,0 1-3-16,4-5 1 15,1-3-19-15,-1-5 16 16,9-7-27-16,9 0-27 15,-1-4 43-15,1-3-2 16,0-5 11-16,0 1 5 16,-1-1 1-16,1-3 16 15,-5 7-12-15,1 4 35 16,-5 4-30-16,0 8 18 31,-5 3-19-31,-3 9-8 0,-5-1 1 16,0 8-4-16,-1 4 2 15,6-4-83-15,-10 0 66 16,5 0-64-16</inkml:trace>
         </inkml:traceGroup>
         <inkml:traceGroup>
           <inkml:annotationXML>
@@ -2063,11 +2056,11 @@
             </emma:emma>
           </inkml:annotationXML>
           <inkml:trace contextRef="#ctx0" brushRef="#br0" timeOffset="-30062.6217">2899 1433 120 0,'8'0'55'0,"1"4"-43"0,4-4-15 0,-4 4 68 16,4-1-52-16,4-3 33 15,18 0-34-15,4 4 13 0,-5-4-19 16,-8 0 17-16,26 0-18 0,-8 0-5 16,17-4 1-16,30 1-1 15,-5 3 0-15,-8 0-9 16,-8-4 7-16,-5 4-66 15,-13 0 53-15,-9 4-182 32</inkml:trace>
-          <inkml:trace contextRef="#ctx0" brushRef="#br0" timeOffset="-41233.107">2184 955 188 0,'-9'-27'85'0,"9"27"-67"0,4 4-23 16,-4 11 50-1,-4 8-40 1,-1 8 0-16,-3 8-2 16,-1 26-3-16,-8-3-107 15,4-4 84-15,-9 7-123 16</inkml:trace>
+          <inkml:trace contextRef="#ctx0" brushRef="#br0" timeOffset="-41233.1069">2184 955 188 0,'-9'-27'85'0,"9"27"-67"0,4 4-23 16,-4 11 50-1,-4 8-40 1,-1 8 0-16,-3 8-2 16,-1 26-3-16,-8-3-107 15,4-4 84-15,-9 7-123 16</inkml:trace>
           <inkml:trace contextRef="#ctx0" brushRef="#br0" timeOffset="-41611.6545">1451 1298 156 0,'35'-27'69'0,"-14"27"-55"0,14-4-18 0,-13-4 56 16,4-3-42-16,8 7 6 0,10 8-11 15,3 7-7-15,-3 5 2 16,-1-16-56-16,0 11 44 0,5 1-145 16,4-4 121-1,-4-1 1-15</inkml:trace>
           <inkml:trace contextRef="#ctx0" brushRef="#br0" timeOffset="-30394.1927">3644 1009 168 0,'9'-8'75'0,"0"8"-59"0,-1 8-20 0,-3 0 53 0,-1 3-39 16,13 5 10-16,-8 7-13 15,-9 4-3-15,0 11-2 16,0 9-35-16,-4-5 26 0,-1 4-205 15</inkml:trace>
-          <inkml:trace contextRef="#ctx0" brushRef="#br0" timeOffset="-33580.6651">1932 1421 88 0,'0'4'42'0,"4"-4"-33"0,5-4-11 15,0 4 21-15,4 0-15 16,8 0 12-16,5 0-11 16,5-4 16-16,8 1-16 0,4-1 18 15,5 0-18-15,4 0-2 0,9 0-1 16,-1 0-8-16,-16 4 5 0,-10 0 3 16,14-4-2-16,8 1-28 15,1-1 23-15,-10 0-55 16,-8 0 46-1,-4 0-73-15</inkml:trace>
-          <inkml:trace contextRef="#ctx0" brushRef="#br0" timeOffset="-31916.8302">3449 211 116 0,'0'-3'55'0,"0"3"-43"0,0 30-15 0,0-18 40 0,0 7-30 15,-4 4 9-15,-5 4-11 16,-4 8-9-16,-4 4 4 15,4 7-12-15,0 12 9 0,0-4-153 16</inkml:trace>
+          <inkml:trace contextRef="#ctx0" brushRef="#br0" timeOffset="-33580.665">1932 1421 88 0,'0'4'42'0,"4"-4"-33"0,5-4-11 15,0 4 21-15,4 0-15 16,8 0 12-16,5 0-11 16,5-4 16-16,8 1-16 0,4-1 18 15,5 0-18-15,4 0-2 0,9 0-1 16,-1 0-8-16,-16 4 5 0,-10 0 3 16,14-4-2-16,8 1-28 15,1-1 23-15,-10 0-55 16,-8 0 46-1,-4 0-73-15</inkml:trace>
+          <inkml:trace contextRef="#ctx0" brushRef="#br0" timeOffset="-31916.8301">3449 211 116 0,'0'-3'55'0,"0"3"-43"0,0 30-15 0,0-18 40 0,0 7-30 15,-4 4 9-15,-5 4-11 16,-4 8-9-16,-4 4 4 15,4 7-12-15,0 12 9 0,0-4-153 16</inkml:trace>
           <inkml:trace contextRef="#ctx0" brushRef="#br0" timeOffset="-34482.65">1702 1433 140 0,'5'-4'62'0,"-5"4"-49"0,4 8-16 16,-4-1 35-16,0 5-26 0,0 3 14 16,0 16-14-16,0 0 2 15,-4 8-6-15,-1 7 2 0,1 4-3 16,-5 19-3-16,1 1 1 0,-1-1-61 16,-4-4 49-16,4 9-133 15</inkml:trace>
           <inkml:trace contextRef="#ctx0" brushRef="#br0" timeOffset="-34969.2452">801 2123 92 0,'4'3'42'0,"5"1"-33"0,-1-4-11 0,1 4 44 16,0-4-34-16,4 0 26 16,4 0-25-16,5 0 3 15,4 0-8-15,8 0 8 16,10 0-9-16,-1 0 4 0,5-4-5 0,-1 0-1 15,10 1 0-15,8-5 4 16,9 4-4-16,-5-4 11 0,5 4-9 16,4 1-1-1,0-5-1-15,-5 0 7 0,-8 4-6 16,9 0-4-16,-9 1 2 16,-9 3-6-16,-4 0 5 15,-8 0-78-15,-5 0 61 16,-9 0-122-1</inkml:trace>
           <inkml:trace contextRef="#ctx0" brushRef="#br0" timeOffset="7901.0277">2140 1075 72 0,'-9'7'36'0,"9"-7"-29"0,0 0-9 16,0 0 19-16,9 0-14 16,0-4 13-16,4 1-12 15,4-5-2-15,5 0-1 0,4 0-1 16,-4 1 0-16,8-1-20 15,-4 4 16-15,-9 0-5 0,9 0 7 16,-8 1 4-16,-5 3-2 16,-5 0 6-16,-3 3-5 15,-10 5 17-15,-3 4-14 16,-1 3 7 0,-4 1-8-16,-4 3-2 15,-1 0 0-15,1 0 1 16,0-3-1-16,-1-1-3 15,5-3 1-15,0-1-13 16,5-7 11-16,8-4-100 16</inkml:trace>
@@ -2075,14 +2068,14 @@
           <inkml:trace contextRef="#ctx0" brushRef="#br0" timeOffset="8703.6508">2543 1263 64 0,'-43'66'29'0,"8"-47"-23"0,1 0-7 0,21-11 0 16,0 0 0-16,0-1-64 16</inkml:trace>
           <inkml:trace contextRef="#ctx0" brushRef="#br0" timeOffset="8481.6644">2721 1032 108 0,'-56'19'49'0,"38"1"-39"0,-8 10-12 0,13-14 7 16,-4 3-4-16,-9 12-1 0,-4 11 1 16,-5-3-1-16,5-4 0 15,-1-8-9-15,10-4 7 16,3-8-108-16</inkml:trace>
           <inkml:trace contextRef="#ctx0" brushRef="#br0" timeOffset="-25707.5177">3575 1687 132 0,'-13'-8'59'0,"9"8"-47"0,-1 4-15 15,1 0 49-15,0 8-37 0,-1 3 5 16,-3 8-9-16,8 4-4 16,-5 23 0-16,1-3-1 0,0-1 0 15,-1 4-59-15,1-12 46 16,4 1-127-16</inkml:trace>
-          <inkml:trace contextRef="#ctx0" brushRef="#br0" timeOffset="8265.8263">2543 1101 60 0,'-17'20'29'0,"4"-5"-23"0,-4 8-7 0,4-11 19 15,-13 11-14-15,4 12 1 32,0-1-3-32,1-3-4 0,3-8 1 15,1-3-80-15</inkml:trace>
+          <inkml:trace contextRef="#ctx0" brushRef="#br0" timeOffset="8265.8262">2543 1101 60 0,'-17'20'29'0,"4"-5"-23"0,-4 8-7 0,4-11 19 15,-13 11-14-15,4 12 1 32,0-1-3-32,1-3-4 0,3-8 1 15,1-3-80-15</inkml:trace>
           <inkml:trace contextRef="#ctx0" brushRef="#br0" timeOffset="9000.5537">2756 1117 104 0,'-39'31'49'0,"8"-8"-39"0,-3 23-12 0,21-19-1 16,-5 8 2-16,-8-1 0 0,0-3 1 15,-4 0 0-15,4-4 0 16,4-8-51-16,9-3 40 15</inkml:trace>
-          <inkml:trace contextRef="#ctx0" brushRef="#br0" timeOffset="9266.6676">2899 1105 132 0,'-35'27'59'0,"13"-4"-47"0,-8 31-15 16,13-23 12-16,-14 8-8 16,-8-1 17-16,0-3-14 15,5 0 1-15,-1-5-3 16,5-3-7-16,8-7 4 0,5-5-160 16</inkml:trace>
+          <inkml:trace contextRef="#ctx0" brushRef="#br0" timeOffset="9266.6675">2899 1105 132 0,'-35'27'59'0,"13"-4"-47"0,-8 31-15 16,13-23 12-16,-14 8-8 16,-8-1 17-16,0-3-14 15,5 0 1-15,-1-5-3 16,5-3-7-16,8-7 4 0,5-5-160 16</inkml:trace>
           <inkml:trace contextRef="#ctx0" brushRef="#br0" timeOffset="9536.083">2998 1082 160 0,'-21'16'75'0,"3"-1"-59"0,-12 8-20 0,17-7 53 16,-9 11-39-16,1 7 22 15,-10 5-24-15,-8-1-4 16,5-7-2-16,3-4-8 0,5-8 5 16,5-3-87-16,3-5 69 15</inkml:trace>
           <inkml:trace contextRef="#ctx0" brushRef="#br0" timeOffset="9805.2118">2847 1063 184 0,'-26'15'82'0,"13"1"-65"0,-5 7-21 16,5-8 62-16,-8 1-47 15,3 11 14-15,1 7-18 0,0-7-10 32,4 0 3-32,4-7-32 0,5-5 25 0,12-7-101 15,14-16 84-15,0-11-117 16</inkml:trace>
-          <inkml:trace contextRef="#ctx0" brushRef="#br0" timeOffset="-43116.7958">1811 396 120 0,'0'-7'55'0,"-5"7"-43"0,5-4-15 0,0 4 51 16,0 0-38-1,-8 11 16-15,-1 9-7 32,-4 7-14-32,-4 27-2 0,-1 3-2 0,1 13-4 15,-5 7 2-15,1-4-94 16,-1 4 74 0,0 12-99-16</inkml:trace>
-          <inkml:trace contextRef="#ctx0" brushRef="#br0" timeOffset="-33116.7215">3011 1387 132 0,'0'3'62'0,"0"-3"-49"0,-4 12-16 0,4-4 43 16,0 7-32-16,-4 4 5 15,-1 16-8-15,-3 0-4 16,-1-1 0-16,0 5-1 0,1 3 0 16,-5 1-34-16,0-5 27 15,4 9-152-15</inkml:trace>
-          <inkml:trace contextRef="#ctx0" brushRef="#br0" timeOffset="-32764.3145">2500 2030 128 0,'91'-15'59'0,"-52"7"-47"0,48 0-15 16,-53 4 12-16,14-7-8 16,0-1-14-16,12 1 11 0,-3 3-124 15,-10 0 99-15,1 4 4 32</inkml:trace>
+          <inkml:trace contextRef="#ctx0" brushRef="#br0" timeOffset="-43116.7957">1811 396 120 0,'0'-7'55'0,"-5"7"-43"0,5-4-15 0,0 4 51 16,0 0-38-1,-8 11 16-15,-1 9-7 32,-4 7-14-32,-4 27-2 0,-1 3-2 0,1 13-4 15,-5 7 2-15,1-4-94 16,-1 4 74 0,0 12-99-16</inkml:trace>
+          <inkml:trace contextRef="#ctx0" brushRef="#br0" timeOffset="-33116.7214">3011 1387 132 0,'0'3'62'0,"0"-3"-49"0,-4 12-16 0,4-4 43 16,0 7-32-16,-4 4 5 15,-1 16-8-15,-3 0-4 16,-1-1 0-16,0 5-1 0,1 3 0 16,-5 1-34-16,0-5 27 15,4 9-152-15</inkml:trace>
+          <inkml:trace contextRef="#ctx0" brushRef="#br0" timeOffset="-32764.3144">2500 2030 128 0,'91'-15'59'0,"-52"7"-47"0,48 0-15 16,-53 4 12-16,14-7-8 16,0-1-14-16,12 1 11 0,-3 3-124 15,-10 0 99-15,1 4 4 32</inkml:trace>
           <inkml:trace contextRef="#ctx0" brushRef="#br0" timeOffset="-31099.3378">2686 994 96 0,'87'0'46'0,"-61"-4"-37"0,30-4-11 0,-25 8 41 0,12 0-31 15,9-8 14-15,4 4-16 16,5 1-1-16,4-5-3 16,5 0-2-16,-5-7 1 0,-5 3 1 15,-3 5-1-15,-5-1-1 0,-5 0 1 16,-8 4-10-16,0 0 7 16,-4 1-49-1,0 3 39-15,-5 0-98 16</inkml:trace>
           <inkml:trace contextRef="#ctx0" brushRef="#br0" timeOffset="-28758.8007">3579 1063 64 0,'5'4'29'0,"3"-4"-23"0,14 0-7 0,-13 0 50 16,4 0-39-16,13-4 45 15,8 0-42 1,10 0 45-16,-1 0-44 15,18 1 7-15,8-5-14 16,5 4 0-16,-1 0-5 0,1 0-6 16,4 0 3-16,-4 1-36 15,-5-1 28-15,-8 0-57 16,0 0 50-16,-9 4-122 16</inkml:trace>
           <inkml:trace contextRef="#ctx0" brushRef="#br0" timeOffset="-29376.9058">4182 342 128 0,'-5'0'59'0,"5"8"-47"0,-4 4-15 0,4-1 23 0,0 9-16 16,0 3 1-16,-4 4-3 16,-1 11 4-16,1 12-5 15,4-4 3-15,-9 1-3 0,9-9-43 16,0-3 34-16,0-4-122 16</inkml:trace>
@@ -2092,12 +2085,12 @@
           <inkml:trace contextRef="#ctx0" brushRef="#br0" timeOffset="9537.083">3076 1067 128 0,'-47'11'59'0,"34"1"-47"0,-13 7-15 15,13-7 37-15,-9 3-27 16,-8 16 23-16,-1 8-23 16,-12-5 0-16,4 5-5 15,4-8-32-15,5-8 23 0,4-4-162 31</inkml:trace>
           <inkml:trace contextRef="#ctx0" brushRef="#br0" timeOffset="10084.1136">3050 1105 184 0,'-34'20'82'0,"21"-5"-65"0,-13 8-21 0,13-11 37 16,-9 22-27-16,-4 1 6 15,0 0-8-15,4-8-3 16,5-4 0 0,4-4-80-16,4-7 62 0,5-5-148 15</inkml:trace>
           <inkml:trace contextRef="#ctx0" brushRef="#br0" timeOffset="10654.1106">3280 1063 156 0,'-21'15'72'0,"8"1"-57"0,-13 7-19 0,12-8 28 16,-12 12-20-16,-4 12 24 16,-5-1-21-16,1 1-3 15,3-8-2-15,5-4-8 0,5-4 5 0,3-4-81 16,10-7 64-16,8-9-120 16</inkml:trace>
-          <inkml:trace contextRef="#ctx0" brushRef="#br0" timeOffset="10368.8853">3250 1021 188 0,'-13'7'85'0,"0"9"-67"0,-9 7-23 15,13-8 25-15,-12 4-17 16,-10 5 1-16,1 22-2 16,4-8 7-16,0-3-7 15,4 0-26-15,1-8 19 0,12-8-133 16,0-4 107-16,9-3-55 15</inkml:trace>
+          <inkml:trace contextRef="#ctx0" brushRef="#br0" timeOffset="10368.8852">3250 1021 188 0,'-13'7'85'0,"0"9"-67"0,-9 7-23 15,13-8 25-15,-12 4-17 16,-10 5 1-16,1 22-2 16,4-8 7-16,0-3-7 15,4 0-26-15,1-8 19 0,12-8-133 16,0-4 107-16,9-3-55 15</inkml:trace>
           <inkml:trace contextRef="#ctx0" brushRef="#br0" timeOffset="10970.1829">3475 1032 148 0,'-21'12'69'0,"8"-1"-55"0,-18 12-18 16,14-7 65-16,-5 3-49 15,-4 12 29-15,-8 11-30 32,-1 1 5-32,-4-1-11 0,4-7-9 0,-4-4 4 15,17-8-23-15,5-4 17 16,17-11-117-1,9-8-17 1</inkml:trace>
           <inkml:trace contextRef="#ctx0" brushRef="#br0" timeOffset="10655.1106">3441 1013 168 0,'-9'4'75'0,"-17"3"-59"0,-13 9-20 0,30-5 45 15,-8 9-33-15,-5 3 19 16,-4 11-19-16,-4 9 1 15,0-1-7-15,-1-3-15 0,5-1 11 0,4-11-118 16,5-7 94-16</inkml:trace>
           <inkml:trace contextRef="#ctx0" brushRef="#br0" timeOffset="11223.3303">3532 1059 208 0,'-13'12'92'0,"4"-1"-73"0,-13 12-24 0,14-7 44 15,-14 3-32-15,0 20 15 32,-12 3-16-32,-1 4-6 0,5-7 0 15,-1-5-23-15,5-3 18 0,5-4-132 16,8-8 106-16,4-3-100 16</inkml:trace>
           <inkml:trace contextRef="#ctx0" brushRef="#br0" timeOffset="11224.3303">3592 1132 224 0,'-17'20'101'0,"4"-5"-79"0,-9 4-28 0,14 1 49 0,-5 10-35 31,0 5 0-31,-9-8-5 0,5 0 3 15,-1-4-5-15,-3-4-31 0,3-3 24 16,14-12-124 0,17-1-28-1</inkml:trace>
-          <inkml:trace contextRef="#ctx0" brushRef="#br0" timeOffset="11508.5259">3670 1159 200 0,'-4'12'88'0,"4"-4"-69"0,-4 7-24 16,-1-7 92-16,1 19-70 16,-5 7 42-16,-4-7-43 15,0 0 11-15,-4-4-20 0,4 1-7 0,4-5 1 16,1 0-85 0,3 0-209-1</inkml:trace>
+          <inkml:trace contextRef="#ctx0" brushRef="#br0" timeOffset="11508.5258">3670 1159 200 0,'-4'12'88'0,"4"-4"-69"0,-4 7-24 16,-1-7 92-16,1 19-70 16,-5 7 42-16,-4-7-43 15,0 0 11-15,-4-4-20 0,4 1-7 0,4-5 1 16,1 0-85 0,3 0-209-1</inkml:trace>
         </inkml:traceGroup>
         <inkml:traceGroup>
           <inkml:annotationXML>
@@ -2125,7 +2118,7 @@
             </emma:emma>
           </inkml:annotationXML>
           <inkml:trace contextRef="#ctx0" brushRef="#br0" timeOffset="-22581.3449">5274 1456 144 0,'-4'0'65'0,"4"0"-51"0,4-4-17 0,-4 4 49 0,5 0-37 16,-1 0 13-16,0 0-15 15,9 0 4-15,5 0-8 16,8 0 4-16,8-4-6 0,-8 0 11 16,22 1-9-16,-5-1 10 15,14-4-10-15,-1 4 2 16,22-4-4-16,-13 1-1 0,9-1 1 16,-9 0 4-16,8 4-4 15,-12 1-25-15,0-1 19 16,-9 0-57-16,-5 0 47 15,-8 0-167 1</inkml:trace>
-          <inkml:trace contextRef="#ctx0" brushRef="#br0" timeOffset="-23303.6791">5287 1001 148 0,'0'-11'65'0,"0"11"-51"0,9-4-17 16,-5 4 74-16,-4 0-57 0,0 0 49 15,0 0-47-15,0 0 9 16,0 4-18-16,0 0 1 0,0 11-6 16,0 0-4-16,0 16 2 15,0-8 3-15,0 24-3 16,-4-9 3-16,-5 8-2 0,9-7-85 15,-4 7 67-15,0-11-158 16,-1 3 134 0,-4 9-38-16</inkml:trace>
+          <inkml:trace contextRef="#ctx0" brushRef="#br0" timeOffset="-23303.679">5287 1001 148 0,'0'-11'65'0,"0"11"-51"0,9-4-17 16,-5 4 74-16,-4 0-57 0,0 0 49 15,0 0-47-15,0 0 9 16,0 4-18-16,0 0 1 0,0 11-6 16,0 0-4-16,0 16 2 15,0-8 3-15,0 24-3 16,-4-9 3-16,-5 8-2 0,9-7-85 15,-4 7 67-15,0-11-158 16,-1 3 134 0,-4 9-38-16</inkml:trace>
           <inkml:trace contextRef="#ctx0" brushRef="#br0" timeOffset="-28274.6843">4858 870 116 0,'0'-4'55'0,"0"12"-43"0,0-8-15 16,0 12 63-1,0 11-18-15,0 4-24 16,-4 4-9 0,-5-1-7-16,9 5-1 0,-4 0-38 0,4-4 29 15,0 7-176 1</inkml:trace>
           <inkml:trace contextRef="#ctx0" brushRef="#br0" timeOffset="-24884.9475">4203 1676 28 0,'22'-4'13'0,"-5"0"-11"0,18 0-2 0,-17 4 51 15,16-4-40-15,10 0 52 16,-5 0-47-16,-9 1 48 15,31-9-48 1,-14 4 8-16,23-7-16 16,21-4-6-16,-22 7 0 15,-17 4-11-15,-4 1 7 0,12-1-69 16,-12 0 56-16,-13 4-124 16</inkml:trace>
           <inkml:trace contextRef="#ctx0" brushRef="#br0" timeOffset="-24584.3056">5183 1510 132 0,'-4'8'59'0,"-5"-5"-47"0,5 24-15 0,4-7 40 31,-5 3-30-31,-3 8 18 0,8 11-19 16,-13 12 14-16,0 8-15 15,4-1-5-15,-13-3 0 0,5 0-59 16,4-12 46-16,4 4-144 15</inkml:trace>
@@ -2389,7 +2382,7 @@
           <inkml:trace contextRef="#ctx0" brushRef="#br0" timeOffset="2782.9385">847 51 88 0,'0'0'42'0,"9"0"-33"0,-5 0-11 0,-4 0 38 15,0 0-29-15,0 0 23 16,0 0-22-16,0 0 15 15,0 0-17-15,0 0 14 0,0 0-15 16,0 0 11-16,0 0-11 0,0 7 2 16,0 1-5-16,-4 4 10 0,4 3-9 15,0 4-1 1,0 0-1-16,0 5-4 0,0-1 2 16,0-4 6-16,0 4-4 15,0-7 3-15,0 7-3 16,0-12-1-16,0-3 1 31,0-4 1-31,0 7-1 16,0-15-1-1,0-3 1-15,0-5-1 16,0 1 0-16,0-5 0 16,0 1 0-16,0-1 2 15,0-7-1-15,0 8-1 16,0-1 1-16,0 1-1 0,0 3 0 15,0 1 0-15,-4 3 0 16,-1 1 16-16,1 3-12 16,0 0 4-16,-1 4-6 15,1 8 5-15,0 3-6 16,4 4 6-16,0 5-6 16,0 3 6-16,0 0-6 0,0 4 0 15,0 0 0-15,0 8 1 0,0-1-1 16,0-3-3-16,0 0 1 15,0-4 4-15,0 4-3 16,0-4 0-16,-5 0 1 16,5-4-1-16,0-4 0 31,0-4 0-31,0-3 0 0,0 0 0 16,5-5 0-16,-5 1-48 15,4-4 38-15,5 0-224 16</inkml:trace>
           <inkml:trace contextRef="#ctx0" brushRef="#br0" timeOffset="3739.6545">839 625 120 0,'4'-20'55'0,"0"24"-43"0,1 0-15 0,-5-4 46 16,0 0-35-16,0 0 23 16,4 0-23-16,-4 0 15 0,0 0-17 15,0 0 14-15,0 0-15 0,0 0 11 16,4 12 5 0,-4-1-15-16,5 1 3 15,-1-1-7-15,0 1 10 16,1-4-9-16,-1-1 10 31,0 1-10-31,5 0 10 0,0-4-10 16,-5-1 2-16,5 1-4 15,-1 0 5-15,5 0-5 16,-4 0 11-16,13 4-9 16,-5-5-1-16,13 5-1 0,-8-4 1 15,4 4-1-15,-4-4 5 16,8 3-5-16,-4 1-3 0,0 0 2 15,0-4 3-15,0 3-3 16,-4-3 0-16,-1 0 1 16,-3 0-4-16,-1 0 2 15,-4-1 9-15,0 1-6 16,0 0-7-16,-4 0 5 16,-1 0-1-1,1-4 1-15,-5 0 0 16,1 4 0-16,-1-4 0 15,0 4 0-15,1-4-14 16,-1 3 11-16,-4-3-89 16,0 0 72-16,0 0-172 15,9 4 147 1,-5 0-25-16</inkml:trace>
           <inkml:trace contextRef="#ctx0" brushRef="#br0" timeOffset="16471.1421">1086 93 108 0,'0'-4'52'0,"0"4"-41"0,17 0-14 0,-13 0 46 0,1 0-35 16,-1 0 31-16,0 0-29 16,1 0 1-16,-1 0-8 15,0 0 7-15,1 0-8 0,-5 0-1 16,0-4 0-16,0 4 7 15,4 0-6-15,-4 0 10 32,0 0-9-32,0 0 7 0,0 0-7 15,0 0 6-15,0 0-6 16,0 0 12-16,0 0-11 16,0 0-2-16,0 4-1 15,0 0-1-15,0 4 0 16,0-1 2-16,0 5-1 15,0-1-3-15,0 5 1 0,0-1 1 16,0 1 0-16,0-1 5 16,0-3-4-16,0 3-3 15,4-3 2-15,1-5 8 0,-1-3-6 16,0 0-7-16,1-8 5 16,-1 0 2-16,0-3-2 31,1-1 3-31,-1-11-2 0,0 7-1 15,1-3 1-15,-1-1-1 16,0 1 0-16,1 3 0 16,-5-7 0-16,0 4 0 15,0-1 0-15,0 5 2 16,0-5-1-16,0 1-3 16,0 3 1-16,0 1-2 0,0-1 2 15,0 4 26-15,0 1-20 16,0-1 16-16,-5 4-16 15,5 0 6-15,-4 8-8 16,0 0 4-16,-1 0-6 16,5 0 6-16,-4 3-6 15,0 1 11-15,-1 4-9 0,1-5 2 16,0 5-4-16,4-4-1 0,-5 3 1 16,1 1-1-1,0 3 0-15,4-3 2 0,-5 7-1 16,5-4 8-16,-4 5-7 15,4-5-1-15,-4 4 0 32,4-3 4-32,-5 11-4 0,1-8 6 15,0 8-6-15,-1-4-3 16,1 0 2-16,0-3 3 16,-1-1-3-16,5 0 0 15,-4 0 1-15,4-3 1 16,0 3-1-16,0-4 5 15,-4 1-5-15,-1-5 3 0,1 1-3 16,4 0-1-16,0-1 1 16,0 1 4-16,-9-1-4 15,5-3-3-15,4 0 2 16,0-1 0-16,0 1 0 16,0 0 0-16,0-1 0 0,0 1 0 31,0-4 0-31,0 0 0 15,0 0 0-15,0 0-51 16,0 3 40-16,0 1-94 0,0 0 81 16,0-4-217-1</inkml:trace>
-          <inkml:trace contextRef="#ctx0" brushRef="#br0" timeOffset="17691.1309">1081 709 76 0,'0'-3'36'0,"0"3"-29"0,0-4-9 0,0 4 38 16,0 0-29-16,0 0 26 0,0-4-24 15,0 0 34 1,0 0-33-16,0 0 32 0,9 0-31 16,-5 1 8-16,1 3-13 0,-1 0 18 0,0-4-18 15,1 0 17-15,3 4-18 16,-3 0 12-16,3 0-12 15,-3 0 11-15,3 0-12 16,-3 0-2-16,3 0-1 16,-3 0 1-16,3 4-1 15,1 0-3-15,0-4 1 0,-1 0 6 16,1 3-4-16,0 1 3 16,-1 0-3-16,1-4-1 15,0 4 1-15,-1 0 1 16,1 0-1-16,0-4 5 15,-1 4-5-15,1-1-3 32,0 1 2-32,-1 0 5 0,5 0-4 15,-4-4 9-15,4 4-8 16,-4 0-1-16,4 0 0 0,-5-1 1 16,5 1-1-16,-4-4 5 15,8 4-5 1,-4-4-3-16,5 4 2 0,-5 0 3 15,4 0-3-15,-4 0 0 0,0-1 1 16,0 1-4-16,0 0 2 16,0 0 1-16,0 0 0 15,-4 0 2-15,-1 0-1 16,1-1 2-16,0 5-2 16,-1-4-3-16,1 4 1 31,0-5 6-31,-1 5-4 0,1-4 3 15,0 4-3-15,-1-4-1 16,5-1 1-16,0 1 4 16,0 0-4-16,0 0 9 15,0 0-8-15,0 0 5 0,0 0-6 16,-4-1 6-16,0 5-6 16,-1 0 3-16,1-4-3 0,-5 0-1 15,1-1 1-15,-1 1 1 16,0 0-1-16,1 0-6 15,-5 0 4-15,0 0-64 16,-5-4 50-16,1 0-137 16,0 0 117-16,-1 0-150 31</inkml:trace>
+          <inkml:trace contextRef="#ctx0" brushRef="#br0" timeOffset="17691.1308">1081 709 76 0,'0'-3'36'0,"0"3"-29"0,0-4-9 0,0 4 38 16,0 0-29-16,0 0 26 0,0-4-24 15,0 0 34 1,0 0-33-16,0 0 32 0,9 0-31 16,-5 1 8-16,1 3-13 0,-1 0 18 0,0-4-18 15,1 0 17-15,3 4-18 16,-3 0 12-16,3 0-12 15,-3 0 11-15,3 0-12 16,-3 0-2-16,3 0-1 16,-3 0 1-16,3 4-1 15,1 0-3-15,0-4 1 0,-1 0 6 16,1 3-4-16,0 1 3 16,-1 0-3-16,1-4-1 15,0 4 1-15,-1 0 1 16,1 0-1-16,0-4 5 15,-1 4-5-15,1-1-3 32,0 1 2-32,-1 0 5 0,5 0-4 15,-4-4 9-15,4 4-8 16,-4 0-1-16,4 0 0 0,-5-1 1 16,5 1-1-16,-4-4 5 15,8 4-5 1,-4-4-3-16,5 4 2 0,-5 0 3 15,4 0-3-15,-4 0 0 0,0-1 1 16,0 1-4-16,0 0 2 16,0 0 1-16,0 0 0 15,-4 0 2-15,-1 0-1 16,1-1 2-16,0 5-2 16,-1-4-3-16,1 4 1 31,0-5 6-31,-1 5-4 0,1-4 3 15,0 4-3-15,-1-4-1 16,5-1 1-16,0 1 4 16,0 0-4-16,0 0 9 15,0 0-8-15,0 0 5 0,0 0-6 16,-4-1 6-16,0 5-6 16,-1 0 3-16,1-4-3 0,-5 0-1 15,1-1 1-15,-1 1 1 16,0 0-1-16,1 0-6 15,-5 0 4-15,0 0-64 16,-5-4 50-16,1 0-137 16,0 0 117-16,-1 0-150 31</inkml:trace>
           <inkml:trace contextRef="#ctx0" brushRef="#br0" timeOffset="22144.9971">1268 0 92 0,'-5'0'42'0,"5"0"-33"0,5 0-11 0,-5 0 52 16,4 0-40-16,0 0 34 16,1 0-33-16,-1 0 16 0,5 0-19 15,-1 0 15-15,1 0-18 0,0 0 9 16,4 0-10-16,0 0 15 0,8 4-15 16,-3-4-2-16,3 8 0 15,-3 0 0-15,3-1-1 16,1 1-1-16,0 0 1 15,-5 0-1-15,5-1 0 16,-5 1 2-16,0 0-1 16,1-1 2-16,-1 1-2 0,-4 0 5 15,9 0-5-15,-5-1 0 16,5 5 0-16,-5-1-1 16,0 1 0-16,-4-1-3 15,0 5 2-15,-4-5 9 16,4 5-6-16,-4-1-1 0,-1 8 0 31,1-3 1-31,0 7-1 16,-1-4-1-16,5 0 1 15,-4 0 1-15,4 0-1 16,-4-4 2-16,4 4-2 0,-4-3-1 16,-1-1 1-1,1-4 13-15,0 5-11 0,-1-5 7 16,1 8-7-16,-5-4 4 0,1 5-6 15,-1-5 9-15,0 0-8 16,1-3 5-16,-5-1-6 16,8 0 6-16,-8 5-6 15,0-5 3-15,0 4-3 16,0-3 11-16,5 3-10 16,-5 0-3-1,4 1 1-15,-4-1 8 16,4 0-6-16,-4 0-1 15,5 4 0-15,-5 1 4 16,0 3-4-16,0-4 0 16,0 0 0-16,0-4-1 0,0-4 0 15,0 1-40-15,0-5 32 16,0 1-124-16,0-4 103 16,0-4-177-1</inkml:trace>
         </inkml:traceGroup>
       </inkml:traceGroup>
@@ -2466,7 +2459,7 @@
             </emma:emma>
           </inkml:annotationXML>
           <inkml:trace contextRef="#ctx0" brushRef="#br0" timeOffset="18493.121">1783 1022 100 0,'-4'-31'46'0,"4"31"-37"0,-17 0-11 0,17 0 61 0,0 0-47 15,0 0 60-15,-5 0-54 0,5 0 39 16,-4-8-43-16,0 0 35 0,4 1-36 15,0 3 7-15,-9 0-14 16,0 4 4-16,5 11-7 16,0 1-2-16,-1 7 0 31,1-3 1-31,4 3-1 16,0 0-1-16,4 4 1 0,1-3-1 15,-1 3 0-15,0-4 0 16,1 8 0-16,-5-4 2 15,0 0-1-15,0-4 2 16,4 1-2-16,-4-5-1 16,9-7 1-16,-5 0-7 0,0-5 5 15,1 1-48-15,-5-8 39 16,0 1-50-16,0-5 45 16,0 4-43-16,-5-4 43 15,1 1-17-15,4-5 23 16,0 0-6-16,-9-3 11 15,5 0 2-15,0-1 2 0,-1 5 22 16,1-1-17-16,0 1 51 16,-1-1-43-16,1 4 31 15,0 4-32-15,-1 1 10 16,1 10-16-16,0 1 19 16,-1 7-19-16,1-3 14 0,4 11-15 31,0-4 6-31,0 4-8 15,0-3 1-15,0-1-3 0,0-4-1 16,0 1 1-16,0-5-35 16,0-3 27-16,0 0-186 15,9 0 151-15,-1-5-97 16</inkml:trace>
-          <inkml:trace contextRef="#ctx0" brushRef="#br0" timeOffset="19373.7109">1801 1264 136 0,'-5'-23'62'0,"5"23"-49"0,0 0-16 0,0 0 57 16,0 8-43-16,0 0 30 15,0-1-31-15,0-3 15 16,0-8-19-16,0 4 8 0,5-4-10 16,-1 4-2-16,0-3-1 0,1 3 4 15,3-4-4-15,1 0 3 0,0 0-3 16,-1 0-6-16,6-4 4 16,-6 5 0-16,5-5 1 15,-4 0 2-15,0 0-1 16,-1 1-1-16,1-5 1 31,0 5-1-31,-9-1 0 0,8 4-6 16,-8 0 5-16,0 0-36 15,0 4 28-15,0 0-111 16</inkml:trace>
+          <inkml:trace contextRef="#ctx0" brushRef="#br0" timeOffset="19373.7108">1801 1264 136 0,'-5'-23'62'0,"5"23"-49"0,0 0-16 0,0 0 57 16,0 8-43-16,0 0 30 15,0-1-31-15,0-3 15 16,0-8-19-16,0 4 8 0,5-4-10 16,-1 4-2-16,0-3-1 0,1 3 4 15,3-4-4-15,1 0 3 0,0 0-3 16,-1 0-6-16,6-4 4 16,-6 5 0-16,5-5 1 15,-4 0 2-15,0 0-1 16,-1 1-1-16,1-5 1 31,0 5-1-31,-9-1 0 0,8 4-6 16,-8 0 5-16,0 0-36 15,0 4 28-15,0 0-111 16</inkml:trace>
           <inkml:trace contextRef="#ctx0" brushRef="#br0" timeOffset="22430.2637">1857 1126 44 0,'-9'11'23'0,"9"-11"-19"0,0 8-5 0,0-4-6 16,5 0 5-16,-1-1-38 15</inkml:trace>
           <inkml:trace contextRef="#ctx0" brushRef="#br0" timeOffset="19726.4589">1831 875 132 0,'-4'0'62'0,"4"0"-49"0,4 12-16 16,-4-8 35-16,4 3-26 15,1-3 9-15,-1 12-11 16,0-1 6-16,1 12-7 15,-1-4 1-15,1 0-3 0,-1-4-1 16,0 1 1-16,1-1-27 16,-1-4 21-16,0 1-167 15</inkml:trace>
           <inkml:trace contextRef="#ctx0" brushRef="#br0" timeOffset="20777.8686">1966 1110 80 0,'4'-11'39'0,"-4"11"-31"0,4-4-10 15,1 4 38-15,-1 0-29 16,-4 0 32-16,0-4-30 15,0 0 27-15,0-8-27 16,0 1 9-16,0 11-12 16,0 0 4-16,0-12-7 0,0 5 1 15,0-1-3-15,0 0 8 16,0-7-7-16,0 3 16 0,0 1-14 16,0-1 12-16,0 1-11 15,0-1 11-15,0 0-12 16,0 5 12-16,0-5-12 0,0 1-5 15,0-1 1-15,0 4 0 16,0-3 0-16,0-1 2 16,-4 1-1-16,4 3 8 0,-5 0-7 15,5 1-35-15,0-1 27 16,0 4-83-16,-4 0 69 16,4 0-160-1</inkml:trace>
@@ -2598,22 +2591,22 @@
               </emma:one-of>
             </emma:emma>
           </inkml:annotationXML>
-          <inkml:trace contextRef="#ctx0" brushRef="#br0">37 1776 156 0,'22'-4'69'0,"-22"4"-55"0,30-4-18 15,-21 4 56-15,4 0-42 0,-4 0 17 16,4 0-20-16,0 0 19 16,-4 0-20-16,-1 0 14 0,1 4-15 0,0-4 6 15,-5 4-8-15,1-1 12 16,3 1-11-16,-3 0 3 15,-1 8-5-15,0-5 5 16,1 5-6-16,-1 0 6 16,0-1-6-16,1 1 11 15,-1 3-9-15,-4-3 4 0,5 3-5 16,-5-3 8-16,4 7-8 16,-4-4 16-16,0 5-14 15,0-5 4-15,0 4-6 16,0-3 10-16,0-1-9 15,0-3 7-15,0-1-7 16,0-3 9 0,0 0-9-16,0-1-1 15,0 5-1-15,0-4 1 16,0-1-1-16,0-3-6 16,0 0 4-16,0 0 11 0,0 0-8 15,0 0 11-15,-4-1-10 16,-1-3 13-16,-4 0-12 15,5 0 0-15,-9 4-2 0,0-4 7 16,-4 0-7-16,-1 0 2 16,-4 0-3-16,5 0-1 15,-1 4 1-15,1 0-7 16,0-4 5-16,3 0-95 16,6 0 75-16,3 0-236 31,10-4 198-31,-1 0-68 15</inkml:trace>
+          <inkml:trace contextRef="#ctx0" brushRef="#br0">37 1776 156 0,'22'-4'69'0,"-22"4"-55"0,30-4-18 15,-21 4 56-15,3 0-42 0,-3 0 17 16,4 0-20-16,0 0 19 16,-4 0-20-16,-1 0 14 0,1 4-15 0,0-4 6 15,-5 4-8-15,1-1 12 16,3 1-11-16,-3 0 3 15,-1 8-5-15,0-5 5 16,1 5-6-16,-1 0 6 16,0-1-6-16,1 1 11 15,-1 3-9-15,-4-3 4 0,5 3-5 16,-5-3 8-16,4 7-8 16,-4-4 16-16,0 5-14 15,0-5 4-15,0 4-6 16,0-3 10-16,0-1-9 15,0-3 7-15,0-1-7 16,0-3 9 0,0 0-9-16,0-1-1 15,0 5-1-15,0-4 1 16,0-1-1-16,0-3-6 16,0 0 4-16,0 0 11 0,0 0-8 15,0 0 11-15,-4-1-10 16,-1-3 13-16,-4 0-12 15,5 0 0-15,-9 4-2 0,0-4 7 16,-4 0-7-16,-1 0 2 16,-4 0-3-16,5 0-1 15,-1 4 1-15,2 0-7 16,-1-4 5-16,3 0-95 16,6 0 75-16,3 0-236 31,10-4 198-31,-1 0-68 15</inkml:trace>
           <inkml:trace contextRef="#ctx0" brushRef="#br0" timeOffset="-532.2713">32 1845 140 0,'0'-4'65'0,"0"4"-51"0,4 0-17 0,-4 0 63 15,4 0-48-15,-4 0 32 0,0 4-32 16,0-4 24-16,5 8-27 16,-5-1 9-16,0 1-12 0,0 0 7 15,0 7-10-15,0-3 16 16,0 7-15-16,0-4 7 15,-5 9-8-15,1-5-5 0,0 12 2 32,-1-4 5-32,1 7-4 15,0 1-3-15,4-8 2 0,0-4-87 16,0-15 68-16,0-1-231 16</inkml:trace>
-          <inkml:trace contextRef="#ctx0" brushRef="#br0" timeOffset="353.9747">390 1918 244 0,'0'-4'108'0,"0"4"-85"0,9 0-29 16,-5 0 80-16,5 0-60 15,0 0 41-15,17 0-41 16,-4 0 12-16,8 0-19 15,-4 0-1-15,9 0-4 0,-9 0 1 32,5 0-2-32,-5 0-3 0,0 0 1 15,-4 0 4-15,0 0-3 16,-5 0-47-16,1 0 37 16,-5 0-98-16,0 4 83 15,-5 0-238 1</inkml:trace>
-          <inkml:trace contextRef="#ctx0" brushRef="#br0" timeOffset="1973.0778">11 2558 152 0,'9'-8'69'0,"-9"8"-55"0,21-4-18 0,-16 4 59 15,8 0-44-15,0 0 32 16,4 0-31-16,-4 0-1 15,5 4-8-15,-5-4 21 0,0 4-19 0,-4 0 15 16,-1 0-15-16,1-1 14 16,-4 1-14-16,-1 0 3 15,0 0-6-15,1 0 8 16,-1 4-8-16,-4-1 10 16,4 1-9-16,-4 0 7 15,0 7-7 1,0-3 4-16,0 7-6 15,0-4 3-15,0 5-3 16,0-5 11-16,0 16-10 16,0 0 8-16,0 0-7 15,0-8 1-15,0 4-3 0,0-4 5 16,0-4-5-16,0 0 9 16,0-3-8-16,0-5-1 0,0 1 0 15,0-1 15-15,0-3-12 16,0 0 10-16,0-4-11 15,0-1 4-15,-4 1-5 16,0 0-1-16,-1 0 0 16,1 0-1-16,-5-4 0 31,5 0 2-31,-9 0-1 0,0 0 2 16,-5 0-2-16,5 0-1 15,-9 0 1-15,5 0-4 16,-1 0 2-16,1 0-22 15,4-4 18-15,0 4-138 16,9-4 112-16,-1 0-253 16</inkml:trace>
+          <inkml:trace contextRef="#ctx0" brushRef="#br0" timeOffset="353.9747">389 1918 244 0,'0'-4'108'0,"0"4"-85"0,9 0-29 16,-5 0 80-16,5 0-60 15,0 0 41-15,17 0-41 16,-4 0 12-16,8 0-19 15,-4 0-1-15,9 0-4 0,-9 0 1 32,5 0-2-32,-6 0-3 0,1 0 1 15,-4 0 4-15,0 0-3 16,-5 0-47-16,1 0 37 16,-5 0-98-16,0 4 83 15,-5 0-238 1</inkml:trace>
+          <inkml:trace contextRef="#ctx0" brushRef="#br0" timeOffset="1973.0778">11 2558 152 0,'9'-8'69'0,"-9"8"-55"0,21-4-18 0,-16 4 59 15,8 0-44-15,0 0 32 16,4 0-31-16,-5 0-1 15,6 4-8-15,-5-4 21 0,0 4-19 0,-4 0 15 16,-1 0-15-16,1-1 14 16,-4 1-14-16,-1 0 3 15,0 0-6-15,1 0 8 16,-1 4-8-16,-4-1 10 16,4 1-9-16,-4 0 7 15,0 7-7 1,0-3 4-16,0 7-6 15,0-4 3-15,0 5-3 16,0-5 11-16,0 16-10 16,0 0 8-16,0 0-7 15,0-8 1-15,0 4-3 0,0-4 5 16,0-4-5-16,0 0 9 16,0-3-8-16,0-5-1 0,0 1 0 15,0-1 15-15,0-3-12 16,0 0 10-16,0-4-11 15,0-1 4-15,-4 1-5 16,0 0-1-16,-1 0 0 16,1 0-1-16,-5-4 0 31,5 0 2-31,-9 0-1 0,0 0 2 16,-5 0-2-16,5 0-1 15,-8 0 1-15,4 0-4 16,-1 0 2-16,1 0-22 15,4-4 18-15,0 4-138 16,9-4 112-16,-1 0-253 16</inkml:trace>
           <inkml:trace contextRef="#ctx0" brushRef="#br0" timeOffset="1256.2499">-16 2585 152 0,'-5'0'69'0,"5"0"-55"0,0 4-18 0,0-4 67 15,5 3-50-15,-5 1 18 16,4 8-22-16,0-4 25 16,-4 7-26-16,0 0 16 0,0 5-18 0,0-1 6 15,0 16-9-15,0-1 4 16,-4-3-6-16,4-4 0 15,-4-4 0-15,-1-4-1 16,5 1 0-16,0-5 2 16,0-3-1-16,0-1-85 15,5-3 67 1,-5-4-222 0</inkml:trace>
-          <inkml:trace contextRef="#ctx0" brushRef="#br0" timeOffset="2173.1844">380 2670 216 0,'-4'0'98'0,"4"0"-77"0,4 3-26 16,-4 1 75-16,9 0-56 16,0-4 43-16,17 0-43 15,-4 0 35-15,13 0-36 16,-5 0 29-16,9 0-31 0,-4 0 0 16,5 0-8-16,-6 0 1 0,-3 0-3 15,-5 0-1-15,-4 0 1 16,-5 0 1-16,-8 4-1 15,-5-4-82-15,-8 4 64 16,4 0-325-16,-4-1 265 16,-1 1 8-16</inkml:trace>
-          <inkml:trace contextRef="#ctx0" brushRef="#br0" timeOffset="3762.6793">-34 3405 152 0,'5'-7'69'0,"-5"7"-55"0,17-8-18 16,-13 8 73-16,10-4-55 15,-1 4 43-15,8-4-43 16,-3 0 24-16,4 1-28 15,-5-1 6-15,1 4-12 16,-5 0 1-16,0 4-4 16,-5-1 8-16,1 5-7 15,-5 0 10-15,1 7-9 16,-1 5 7-16,-4 3-7 16,0-4 1-16,0 0-3 15,0-3 2-15,0 3-2 16,0-4 8-16,0 1-7 0,0-1 2 15,0 4-3-15,0-3 8 16,0 3-7-16,0-4 2 16,0 1-3-16,0-5 2 15,0 9-2-15,0-5-1 0,0 4 1 16,0-3 1-16,0-1-1 16,0-3 2-16,0-1-2 15,0-3 2-15,0 0-2 0,0-1 13 16,-4 1-10-16,-1-4 9 15,-3 0-10-15,-1 0-4 16,-4-4 1-16,0 0 5 16,-5 0-4-16,5 0 3 31,-4-4-3-31,-1 0-3 0,5 0 1 16,0 0 1-16,0 4 0 15,5 0-79-15,-1 0 62 16,0 0-209-16,9 0 174 15,0 0-99 1</inkml:trace>
+          <inkml:trace contextRef="#ctx0" brushRef="#br0" timeOffset="2173.1843">379 2670 216 0,'-4'0'98'0,"4"0"-77"0,4 3-26 16,-4 1 75-16,9 0-56 16,0-4 43-16,17 0-43 15,-4 0 35-15,13 0-36 16,-5 0 29-16,9 0-31 0,-4 0 0 16,5 0-8-16,-7 0 1 0,-2 0-3 15,-5 0-1-15,-4 0 1 16,-5 0 1-16,-8 4-1 15,-5-4-82-15,-8 4 64 16,4 0-325-16,-4-1 265 16,-1 1 8-16</inkml:trace>
+          <inkml:trace contextRef="#ctx0" brushRef="#br0" timeOffset="3762.6793">-34 3405 152 0,'5'-7'69'0,"-5"7"-55"0,17-8-18 16,-13 8 73-16,10-4-55 15,-1 4 43-15,8-4-43 16,-3 0 24-16,4 1-28 15,-5-1 6-15,0 4-12 16,-4 0 1-16,0 4-4 16,-5-1 8-16,1 5-7 15,-5 0 10-15,1 7-9 16,-1 5 7-16,-4 3-7 16,0-4 1-16,0 0-3 15,0-3 2-15,0 3-2 16,0-4 8-16,0 1-7 0,0-1 2 15,0 4-3-15,0-3 8 16,0 3-7-16,0-4 2 16,0 1-3-16,0-5 2 15,0 9-2-15,0-5-1 0,0 4 1 16,0-3 1-16,0-1-1 16,0-3 2-16,0-1-2 15,0-3 2-15,0 0-2 0,0-1 13 16,-4 1-10-16,-1-4 9 15,-3 0-10-15,-1 0-4 16,-4-4 1-16,0 0 5 16,-5 0-4-16,6 0 3 31,-5-4-3-31,-1 0-3 0,5 0 1 16,0 0 1-16,0 4 0 15,5 0-79-15,-1 0 62 16,0 0-209-16,9 0 174 15,0 0-99 1</inkml:trace>
           <inkml:trace contextRef="#ctx0" brushRef="#br0" timeOffset="3223.0567">-103 3421 188 0,'13'-8'85'0,"-13"8"-67"0,0 8-23 0,0-8 50 0,4 11-37 16,0-3 9-16,1 15-12 16,-1-3 16-16,0 3-16 0,-4-4 15 0,0 8-15 15,0-4 9-15,0 4-11 16,0-4 13-16,0 8-12 15,0-4-2-15,0 0-1 16,0-4 1-16,0-4-1 16,0-3-1-16,0-5 1 31,0 1-80-31,5-8 62 0,-1-4-187 16,1-12 157-1,-1 4-25-15</inkml:trace>
-          <inkml:trace contextRef="#ctx0" brushRef="#br0" timeOffset="4508.6757">302 3540 200 0,'-9'0'88'0,"9"0"-69"0,0 4-24 16,0 0 47-16,5-4-34 15,-5 0 36-15,8 4-33 16,-3 0 28-16,8 0-29 16,0-4 18-16,13 0-21 0,0 0 35 0,9 0-32 15,-4 0 24-15,8 0-25 16,-4 0 9-16,4-8-13 16,-9 0 2-16,1 4-5 15,-5 0 10-15,0 1-9 0,-4-1 2 16,-5 0-4-16,-3 0-1 15,-6 0 1-15,1 0-1 16,-5 4 0-16,1 0-59 16,-5 8 46-16,0-4-200 0,-5 4 165 15,1-1-163 1</inkml:trace>
+          <inkml:trace contextRef="#ctx0" brushRef="#br0" timeOffset="4508.6757">301 3540 200 0,'-9'0'88'0,"9"0"-69"0,0 4-24 16,0 0 47-16,5-4-34 15,-5 0 36-15,8 4-33 16,-3 0 28-16,8 0-29 16,0-4 18-16,13 0-21 0,0 0 35 0,9 0-32 15,-4 0 24-15,8 0-25 16,-4 0 9-16,4-8-13 16,-9 0 2-16,1 4-5 15,-6 0 10-15,1 1-9 0,-4-1 2 16,-5 0-4-16,-3 0-1 15,-6 0 1-15,1 0-1 16,-5 4 0-16,1 0-59 16,-5 8 46-16,0-4-200 0,-5 4 165 15,1-1-163 1</inkml:trace>
           <inkml:trace contextRef="#ctx0" brushRef="#br0" timeOffset="6000.1363">-130 4253 188 0,'0'-8'85'0,"0"8"-67"0,22 0-23 0,-17 0 50 0,3 0-37 16,1 0 20-16,4 0-20 15,0 0 6-15,0 0-10 16,0 0 15-16,0 4-15 0,0-4 10 16,1 4-11-16,-6 0 13 15,1 4-12-15,0-1 12 16,-5 1-12-16,0 0 9 0,-4 3-10 15,0-3 4-15,0 4-5 16,0-1 5-16,0 5-6 16,0-5 9-16,0 8-8 15,0-3 2-15,0-1-3 16,0-3-1-16,0-1 1 16,0 1 4-16,-4 3-4 0,0-3 6 15,-1-1-6-15,1 1 6 16,4 0-6-16,0-1 6 15,0 1-6-15,0-5 11 0,0 1-9 16,0 0 2-16,4-4-4 16,-4 0 8-16,5-1-7 31,-5 1-1-31,0 0 0 0,0 0 1 16,0 0-1-16,0-4 8 15,-5 0-7-15,1 0 7 16,-5 0-6-16,5 0-2 15,-5 0 0-15,0 0-1 16,-4 0 0-16,5 0 2 16,-14 0-1-16,4 0 5 0,1 0-5 15,0 0-8-15,3 0 5 16,1 0 1-16,5 0 1 16,-1 0-51-16,5 0 40 15,-1 0-181-15,14 0 149 16,0 0-176-1</inkml:trace>
-          <inkml:trace contextRef="#ctx0" brushRef="#br0" timeOffset="6400.4967">298 4392 216 0,'-5'-4'98'0,"5"4"-77"0,0-4-26 0,0 4 81 15,5 0-61-15,-5 0 39 16,4 0-39-16,0 0 17 16,14 0-24-16,-5 0 1 0,22-4-6 15,-5 0-2 1,9 1 0-16,-4 3 4 16,13-4-4-16,-8 4 0 15,3-4 0-15,-4 0-1 0,1 4 0 16,-10 0 0-16,-4 0 0 15,0 0-68-15,-17 0 54 16,0 0-312 0</inkml:trace>
+          <inkml:trace contextRef="#ctx0" brushRef="#br0" timeOffset="6400.4967">297 4392 216 0,'-5'-4'98'0,"5"4"-77"0,0-4-26 0,0 4 81 15,5 0-61-15,-5 0 39 16,4 0-39-16,0 0 17 16,14 0-24-16,-5 0 1 0,22-4-6 15,-5 0-2 1,9 1 0-16,-4 3 4 16,13-4-4-16,-8 4 0 15,3-4 0-15,-5 0-1 0,2 4 0 16,-10 0 0-16,-4 0 0 15,0 0-68-15,-17 0 54 16,0 0-312 0</inkml:trace>
           <inkml:trace contextRef="#ctx0" brushRef="#br0" timeOffset="5383.4291">-156 4326 156 0,'22'-11'72'0,"-22"11"-57"0,4-4-19 0,-4 4 59 0,5 0-44 15,-5 0 30-15,0 4-31 16,0 0 29-16,0-1-30 15,0 1 19-15,0 4-21 0,0 0 10 16,-5 11-12-16,1-4 8 16,0 5-10-16,-1-5 2 31,1 4-4-31,0-3 2 0,-1 3-2 16,1-4-1-16,4 1 1 15,0-5-4-15,4 1 2 16,1-4-128-16,8-4 101 15,-5-1-197 1</inkml:trace>
-          <inkml:trace contextRef="#ctx0" brushRef="#br0" timeOffset="-215329.4192">189-1457 96 0,'17'4'46'0,"-30"-8"-37"0,4 8-11 16,5-4 30-16,-5 15-23 15,0-3 16-15,-4 7-16 16,-4 0 23-16,-5 0-22 15,-4 8 23-15,0 4-22 0,-5 4 5 0,1 19-8 16,-5 8 5-16,4-1-6 16,10 1-2-16,12 3 0 15,13 1-4-15,9-8 2 16,14-8 15-16,12-4-11 0,4-8 21 16,18-7-18-16,5-11 17 31,-1-5-18-31,18-11 9 15,0-8-10-15,0-4-2 16,-5-7-1-16,5-12-1 0,-9-8 0 16,-13-3 5-16,-4-5-4 15,-18-18 9-15,-13-1-8 16,-8 0 24-16,-10 1-20 16,-21 7 12-16,-9 0-13 0,-13 0 2 15,-12 8-5-15,-10 11-15 16,-13 12 11-16,-4 11-65 15,-18 16 52-15,1 4-151 16,-1 15 128 0,-4 12-85-16</inkml:trace>
-          <inkml:trace contextRef="#ctx0" brushRef="#br0" timeOffset="-4244.09">1 96 108 0,'5'0'49'0,"-5"0"-39"0,8 0-12 0,-3 0 55 16,-1 0-42-16,0 0 46 15,5 0-42-15,0 0 28 0,4 0-31 16,-4 0 10-16,4 0-16 0,0 0 13 16,4 0-14-16,-4 0 14 15,13-4-14-15,-4 4 17 0,9-4-17 16,-5 4 12-16,9-4-12 15,-5 0-1-15,14-3-2 32,-9 7-2-32,4-4 1 15,-4 0 1-15,4 0-1 16,-4 0-1-16,0 0 1 0,-5 0 4 16,1 1-4-16,-5-1-5 15,0 4 3-15,-4 0 8 16,0-4-5-16,-5 0 2 15,-4 0-3-15,0 4 5 0,-4-4-5 16,0 4 0-16,-5-4 0 16,0 4-4-16,-8 0 2 15,0 0-2-15,-9 0 2 16,0 0 6-16,-9 0-4 16,4 0-3-16,-17 0 2 15,5 0 3-15,-9 0-3 0,4 0-5 16,-9 0 4-16,9 0 6 15,-8 0-5-15,4 0 1 16,-1 4 0-16,10-4-7 16,-1 4 5-16,5-4 0 0,4 4 1 15,5-4 0-15,8 4 0 32,0 0 0-32,14-4 0 15,-5 0 2-15,17 0-1 16,-4 0-1-16,22-4 1 0,-9 4-1 15,22-4 0-15,-4 0 8 16,13 0-6-16,-9 0 5 16,4 1-6-16,-4-1 6 15,0 0-6-15,-5 0 3 0,-8 0-3 16,-4 0 5-16,-5 4-5 16,0 0 17-16,-17 0-14 15,-5 0-4-15,-17 4 0 16,0-4 3-16,-18 4-3 15,5 0 12-15,-22 4-10 16,9-5 11 0,-13 1-10-16,8 0 2 15,-12 0-4-15,8 0 2 16,0 0-2-16,8-4-3 16,1 4 1-16,4-4-58 15,5 3 46-15,4-3-281 16,-1 8 229-16,6-4-57 15</inkml:trace>
-          <inkml:trace contextRef="#ctx0" brushRef="#br0" timeOffset="-2911.1713">306 816 188 0,'-13'-4'85'0,"13"4"-67"0,-13-4-23 16,13 4 55-16,-4 0-40 16,-1 0 33-16,1 0-32 15,0 0 16-15,4-3-19 32,0-1 9-32,4 0-12 0,0 0 11 0,5 0-12 15,0 0 6-15,8 0-7 16,1 1 12-16,12-5-11 15,-4 0 12-15,9 1-12 16,-4-1-5-16,4-4 1 16,-5 8 5-16,1 1-4 15,-5-1 3-15,-4 0-3 0,-5 0-1 16,-4 0 1-16,-4 0-1 16,-9 4 0-16,0 0 0 15,-4 0 0-15,-1 0 0 16,-17 0 0-16,5 0 0 0,-14 0 0 15,5 0 2-15,-9-4-1 32,5 4-6-32,-9 0 4 0,4 0 6 15,4 0-5-15,5 0-2 16,4 0 2 0,1 0 3-16,7-3-3 0,6 3-2 15,16-4 1-15,-3 0 4 16,17 0-3-16,-5 0-2 15,22 0 1-15,-4 0 9 0,9-3-6 16,-9 3 2-16,8-4-3 16,-4 4 13-16,5-3-10 15,-9 3 9-15,0 0-10 16,-5 0 4-16,-4 0-5 16,-4 0 2-16,-9 1-3 15,0-1 2-15,-13 4-2 0,0 0 2 16,-13 0-2-16,0 0-3 15,-13 4 1-15,4-1-2 16,-17 1 2-16,9 0 4 0,-10 0-3 16,5 0 3-16,-4 0-2 15,4-1-1-15,-4 5 1 32,9-4-1-32,-1 0 0 0,5 0 0 15,8 0 0-15,1-1 0 16,13-3 0-16,-1 0-6 15,14 0 5-15,-5 0-39 16,14 0 31-16,-5 0-53 16,9 0 48-16,-5 0-92 15,14 0 81-15,-5 0-96 0,4 0 91 16,-4 0-105 0</inkml:trace>
-          <inkml:trace contextRef="#ctx0" brushRef="#br0" timeOffset="-1550.2011">286 1213 164 0,'-18'0'75'0,"18"0"-59"0,-17 0-20 0,17 0 67 0,-5 8-50 0,1-4 15 16,0-1-20-16,-1 1 4 16,1 0-9-16,-1 0 9 0,5 0-9 15,0-4 16-15,14 0-15 16,-1 0 10-16,8 0-11 16,1 0 16-16,13 0-15 15,-4 0 15-15,12 0-14 0,-4 0 9 16,5-4-11-16,-5 0-10 15,1 0 6-15,-10 0 3 16,-4 4-2-16,-4 0 3 16,-9 0-2-16,0 0-3 15,-13 4 1-15,0-4 1 16,-13 4 0 0,4 0 0-16,-21-4 0 15,4 0 2-15,-5 0-1 16,5 0-1-16,-13 0 1 15,8 0-1-15,-8 4 0 16,4-4 0-16,5 0 0 16,3 0 0-16,6 0 0 15,-1 0 0-15,9 0 0 0,4 0-6 16,18-4 5-16,0 0 3 0,17 0-2 16,-5 0 0-16,19 1 1 15,-5-1 21-15,13-4-17 16,-9 0-2-16,4 1-1 15,-3 3 0-15,-1 0-1 16,-4 0 8 0,0 0-7-16,-9 0 5 15,4 1-6-15,-4 3 6 16,1 0-6-16,-1 0 28 16,-5 0-22-16,-3 0-3 15,-1 0-2-15,-4 0 6 16,-4 0-6-16,0 0-9 15,-13-4 5-15,-1 0 4 0,-12 8-2 16,4 0 0-16,-14-1 1 16,6 1-41-16,-14 0 32 15,9 0-205-15,-5 0 166 16,5 0-153 0</inkml:trace>
+          <inkml:trace contextRef="#ctx0" brushRef="#br0" timeOffset="-215329.4192">188-1457 96 0,'17'4'46'0,"-30"-8"-37"0,4 8-11 16,5-4 30-16,-5 15-23 15,0-3 16-15,-4 7-16 16,-4 0 23-16,-5 0-22 15,-3 8 23-15,-1 4-22 0,-5 4 5 0,1 19-8 16,-5 8 5-16,4-1-6 16,10 1-2-16,12 3 0 15,13 1-4-15,9-8 2 16,14-8 15-16,12-4-11 0,4-8 21 16,18-7-18-16,4-11 17 31,0-5-18-31,18-11 9 15,0-8-10-15,0-4-2 16,-5-7-1-16,5-12-1 0,-10-8 0 16,-12-3 5-16,-4-5-4 15,-18-18 9-15,-13-1-8 16,-8 0 24-16,-10 1-20 16,-21 7 12-16,-9 0-13 0,-13 0 2 15,-12 8-5-15,-10 11-15 16,-13 12 11-16,-3 11-65 15,-19 16 52-15,1 4-151 16,-1 15 128 0,-4 12-85-16</inkml:trace>
+          <inkml:trace contextRef="#ctx0" brushRef="#br0" timeOffset="-4244.09">1 96 108 0,'5'0'49'0,"-5"0"-39"0,8 0-12 0,-3 0 55 16,-1 0-42-16,0 0 46 15,5 0-42-15,0 0 28 0,4 0-31 16,-4 0 10-16,4 0-16 0,0 0 13 16,3 0-14-16,-3 0 14 15,13-4-14-15,-4 4 17 0,9-4-17 16,-5 4 12-16,9-4-12 15,-5 0-1-15,14-3-2 32,-9 7-2-32,4-4 1 15,-4 0 1-15,4 0-1 16,-4 0-1-16,0 0 1 0,-5 0 4 16,1 1-4-16,-6-1-5 15,1 4 3-15,-4 0 8 16,0-4-5-16,-5 0 2 15,-4 0-3-15,0 4 5 0,-4-4-5 16,0 4 0-16,-5-4 0 16,0 4-4-16,-8 0 2 15,0 0-2-15,-9 0 2 16,0 0 6-16,-9 0-4 16,4 0-3-16,-17 0 2 15,5 0 3-15,-8 0-3 0,3 0-5 16,-9 0 4-16,9 0 6 15,-8 0-5-15,4 0 1 16,-1 4 0-16,10-4-7 16,-1 4 5-16,5-4 0 0,4 4 1 15,5-4 0-15,8 4 0 32,0 0 0-32,14-4 0 15,-5 0 2-15,17 0-1 16,-4 0-1-16,22-4 1 0,-9 4-1 15,22-4 0-15,-4 0 8 16,13 0-6-16,-9 0 5 16,4 1-6-16,-4-1 6 15,-1 0-6-15,-4 0 3 0,-8 0-3 16,-4 0 5-16,-5 4-5 16,0 0 17-16,-17 0-14 15,-5 0-4-15,-17 4 0 16,0-4 3-16,-18 4-3 15,5 0 12-15,-22 4-10 16,9-5 11 0,-12 1-10-16,7 0 2 15,-12 0-4-15,8 0 2 16,0 0-2-16,8-4-3 16,1 4 1-16,4-4-58 15,5 3 46-15,4-3-281 16,-1 8 229-16,6-4-57 15</inkml:trace>
+          <inkml:trace contextRef="#ctx0" brushRef="#br0" timeOffset="-2911.1713">305 816 188 0,'-13'-4'85'0,"13"4"-67"0,-13-4-23 16,13 4 55-16,-4 0-40 16,-1 0 33-16,1 0-32 15,0 0 16-15,4-3-19 32,0-1 9-32,4 0-12 0,0 0 11 0,5 0-12 15,0 0 6-15,8 0-7 16,1 1 12-16,12-5-11 15,-4 0 12-15,9 1-12 16,-4-1-5-16,4-4 1 16,-5 8 5-16,1 1-4 15,-5-1 3-15,-4 0-3 0,-5 0-1 16,-4 0 1-16,-4 0-1 16,-9 4 0-16,0 0 0 15,-4 0 0-15,-1 0 0 16,-17 0 0-16,5 0 0 0,-14 0 0 15,5 0 2-15,-9-4-1 32,5 4-6-32,-9 0 4 0,4 0 6 15,4 0-5-15,5 0-2 16,4 0 2 0,1 0 3-16,7-3-3 0,6 3-2 15,16-4 1-15,-3 0 4 16,17 0-3-16,-5 0-2 15,22 0 1-15,-4 0 9 0,9-3-6 16,-9 3 2-16,8-4-3 16,-4 4 13-16,5-3-10 15,-9 3 9-15,-1 0-10 16,-4 0 4-16,-4 0-5 16,-4 0 2-16,-9 1-3 15,0-1 2-15,-13 4-2 0,0 0 2 16,-13 0-2-16,0 0-3 15,-13 4 1-15,4-1-2 16,-17 1 2-16,10 0 4 0,-11 0-3 16,5 0 3-16,-4 0-2 15,4-1-1-15,-4 5 1 32,9-4-1-32,-1 0 0 0,5 0 0 15,8 0 0-15,1-1 0 16,13-3 0-16,-1 0-6 15,14 0 5-15,-5 0-39 16,14 0 31-16,-5 0-53 16,9 0 48-16,-5 0-92 15,14 0 81-15,-5 0-96 0,4 0 91 16,-4 0-105 0</inkml:trace>
+          <inkml:trace contextRef="#ctx0" brushRef="#br0" timeOffset="-1550.2011">285 1213 164 0,'-18'0'75'0,"18"0"-59"0,-17 0-20 0,17 0 67 0,-5 8-50 0,1-4 15 16,0-1-20-16,-1 1 4 16,1 0-9-16,-1 0 9 0,5 0-9 15,0-4 16-15,14 0-15 16,-1 0 10-16,8 0-11 16,1 0 16-16,13 0-15 15,-4 0 15-15,12 0-14 0,-4 0 9 16,5-4-11-16,-5 0-10 15,1 0 6-15,-10 0 3 16,-4 4-2-16,-5 0 3 16,-8 0-2-16,0 0-3 15,-13 4 1-15,0-4 1 16,-13 4 0 0,4 0 0-16,-20-4 0 15,3 0 2-15,-5 0-1 16,5 0-1-16,-13 0 1 15,8 0-1-15,-8 4 0 16,4-4 0-16,5 0 0 16,3 0 0-16,6 0 0 15,-1 0 0-15,9 0 0 0,4 0-6 16,18-4 5-16,0 0 3 0,17 0-2 16,-5 0 0-16,19 1 1 15,-5-1 21-15,13-4-17 16,-9 0-2-16,4 1-1 15,-3 3 0-15,-1 0-1 16,-5 0 8 0,1 0-7-16,-9 0 5 15,4 1-6-15,-4 3 6 16,1 0-6-16,-1 0 28 16,-5 0-22-16,-3 0-3 15,-1 0-2-15,-4 0 6 16,-4 0-6-16,0 0-9 15,-13-4 5-15,-1 0 4 0,-12 8-2 16,4 0 0-16,-14-1 1 16,6 1-41-16,-14 0 32 15,9 0-205-15,-5 0 166 16,5 0-153 0</inkml:trace>
         </inkml:traceGroup>
       </inkml:traceGroup>
     </inkml:traceGroup>
@@ -2788,7 +2781,7 @@
           <inkml:trace contextRef="#ctx0" brushRef="#br0" timeOffset="2170.7956">2630 21 196 0,'8'-15'88'0,"-8"15"-69"0,9-8-24 0,-5 8 50 16,1 0-37-16,-5 0 20 15,0 0-20-15,0 0 15 16,-5 0-18-16,1 0 23 0,-9 0-21 15,0 0 11-15,-9 0-13 16,5 0 5-16,-9 4-7 16,4 0 1-1,-4 7-3-15,5-3-3 16,-1 11 1-16,5 0 4 16,-1 12-3-16,5-4 6 15,5 12-5-15,3-5-3 16,10 1 2-16,-1-4 17 15,9-4-14-15,0-4 11 0,13-4-11 16,-4-3 10-16,4-1-10 0,-5-7-7 16,5-4 4-16,-4 0-9 15,0-4 6-15,-1 0-82 16,1-4 67-16,-5 0-224 16,1 0 187-1,-5 0-34-15</inkml:trace>
           <inkml:trace contextRef="#ctx0" brushRef="#br0" timeOffset="2517.747">2842 98 160 0,'-9'16'75'0,"9"-16"-59"0,-4 26-20 0,4-22 51 16,0 16-38-16,0-5 13 15,0 16-15-15,0-8 12 16,0 4-14-16,0-4 23 0,13 0-22 0,-4-4 26 16,12 1-24-16,-3-1 40 15,8-7-36-15,-5-1 17 16,10-7-21-16,-5 0-2 15,8-4-4-15,-3 0-4 16,4 0 1-16,-5 0-27 31,-4-4 22-31,-4 0-113 0,-5 0 92 16,-4 0-216 0</inkml:trace>
           <inkml:trace contextRef="#ctx0" brushRef="#br0" timeOffset="2771.1508">2864 125 232 0,'-9'-8'105'0,"9"8"-83"0,22-3-28 0,-18 3 74 16,13 0-55-16,-4 0 35 15,13-4-35-15,-4 0 18 31,8-4-23-31,-4 0 4 0,13 1-8 0,-8-1-70 16,-1 0 52-16,-4 4-312 16</inkml:trace>
-          <inkml:trace contextRef="#ctx0" brushRef="#br0" timeOffset="3086.7826">2864-37 300 0,'17'-23'134'0,"-17"23"-105"0,22 0-37 16,-18 0 64-16,9 0-46 15,0 0 11-15,0 0-14 16,0 0-5-16,4-4-1 0,-4 0-13 15,5 1 10-15,-1-1-100 0,0-4 79 16,-4 4-240 15,14 0 202-31,-6 0 3 0</inkml:trace>
+          <inkml:trace contextRef="#ctx0" brushRef="#br0" timeOffset="3086.7825">2864-37 300 0,'17'-23'134'0,"-17"23"-105"0,22 0-37 16,-18 0 64-16,9 0-46 15,0 0 11-15,0 0-14 16,0 0-5-16,4-4-1 0,-4 0-13 15,5 1 10-15,-1-1-100 0,0-4 79 16,-4 4-240 15,14 0 202-31,-6 0 3 0</inkml:trace>
           <inkml:trace contextRef="#ctx0" brushRef="#br0" timeOffset="3372.0899">3488-152 188 0,'-56'0'85'0,"56"0"-67"0,-48 3-23 0,44 1 47 16,-9 0-34-16,4 0 22 15,0 8-22-15,5-5 21 16,8 9-22-1,1-5 30-15,16 5-28 0,-3-5 13 16,16 5-16-16,-3-5 5 16,3 12-8-16,-3-3-2 15,-1 7 0-15,-4-4 1 0,-9 8-1 16,-4-4 13-16,-4 7-10 16,-5-3 26-16,-12 0-23 15,-1-8 16-15,-8 0-17 0,-1-4 6 16,-3-7-9-16,3-1 1 15,-8-3-3-15,5 0-40 16,-5-24 31-16,4 5-194 16,0-5 158-16,5 5-172 15</inkml:trace>
         </inkml:traceGroup>
       </inkml:traceGroup>
@@ -2871,8 +2864,8 @@
       <emma:emma xmlns:emma="http://www.w3.org/2003/04/emma" version="1.0">
         <emma:interpretation id="{868EDA2A-373F-4465-A954-82238417E749}" emma:medium="tactile" emma:mode="ink">
           <msink:context xmlns:msink="http://schemas.microsoft.com/ink/2010/main" type="inkDrawing" rotatedBoundingBox="1508,12413 1517,13996 1481,13997 1472,12414" semanticType="callout" shapeName="Other">
+            <msink:sourceLink direction="with" ref="{74C2E893-F39E-42F3-8297-7DC90B88665E}"/>
             <msink:sourceLink direction="with" ref="{13BC84D5-3238-4F66-9C18-BD3A5D4FF97D}"/>
-            <msink:sourceLink direction="with" ref="{74C2E893-F39E-42F3-8297-7DC90B88665E}"/>
           </msink:context>
         </emma:interpretation>
       </emma:emma>
@@ -2914,8 +2907,8 @@
       <emma:emma xmlns:emma="http://www.w3.org/2003/04/emma" version="1.0">
         <emma:interpretation id="{B03B8D69-C2C9-4B26-8E43-6D82A742C8E9}" emma:medium="tactile" emma:mode="ink">
           <msink:context xmlns:msink="http://schemas.microsoft.com/ink/2010/main" type="inkDrawing" rotatedBoundingBox="3590,14119 3754,12271 3839,12278 3674,14126" semanticType="callout" shapeName="Other">
+            <msink:sourceLink direction="with" ref="{74C2E893-F39E-42F3-8297-7DC90B88665E}"/>
             <msink:sourceLink direction="with" ref="{13BC84D5-3238-4F66-9C18-BD3A5D4FF97D}"/>
-            <msink:sourceLink direction="with" ref="{74C2E893-F39E-42F3-8297-7DC90B88665E}"/>
           </msink:context>
         </emma:interpretation>
       </emma:emma>
@@ -3039,9 +3032,7 @@
     <inkml:annotationXML>
       <emma:emma xmlns:emma="http://www.w3.org/2003/04/emma" version="1.0">
         <emma:interpretation id="{D8F01988-5C62-49C1-82A5-4C776D4D1E34}" emma:medium="tactile" emma:mode="ink">
-          <msink:context xmlns:msink="http://schemas.microsoft.com/ink/2010/main" type="inkDrawing" rotatedBoundingBox="10537,10640 10672,7177 10806,7182 10671,10645" semanticType="callout" shapeName="Other">
-            <msink:sourceLink direction="with" ref="{9AE6FBA3-ED9D-460F-8413-6CCA90CA19EE}"/>
-          </msink:context>
+          <msink:context xmlns:msink="http://schemas.microsoft.com/ink/2010/main" type="inkDrawing" rotatedBoundingBox="10537,10640 10672,7177 10806,7182 10671,10645" semanticType="callout" shapeName="Other"/>
         </emma:interpretation>
       </emma:emma>
     </inkml:annotationXML>
@@ -3082,10 +3073,8 @@
       <emma:emma xmlns:emma="http://www.w3.org/2003/04/emma" version="1.0">
         <emma:interpretation id="{48BDEBFD-5592-4502-8662-4F478D4E5973}" emma:medium="tactile" emma:mode="ink">
           <msink:context xmlns:msink="http://schemas.microsoft.com/ink/2010/main" type="inkDrawing" rotatedBoundingBox="7229,11037 10616,11402 10519,12302 7132,11938" semanticType="callout" shapeName="Other">
-            <msink:sourceLink direction="with" ref="{9AE6FBA3-ED9D-460F-8413-6CCA90CA19EE}"/>
+            <msink:sourceLink direction="with" ref="{74C2E893-F39E-42F3-8297-7DC90B88665E}"/>
             <msink:sourceLink direction="with" ref="{B1BDA4F4-8182-4AD4-8EF4-EE478676EA65}"/>
-            <msink:sourceLink direction="with" ref="{105C208D-2C1C-4495-A28D-BA9531F480A5}"/>
-            <msink:sourceLink direction="with" ref="{74C2E893-F39E-42F3-8297-7DC90B88665E}"/>
           </msink:context>
         </emma:interpretation>
       </emma:emma>
@@ -3177,7 +3166,7 @@
           </inkml:annotationXML>
           <inkml:trace contextRef="#ctx0" brushRef="#br0">-8838 1756 152 0,'-13'-16'69'0,"18"8"-55"0,3 1-18 16,1 3 59-16,4-4-44 16,13-3 38-16,17-1-36 15,5 4 15-15,13 1-20 16,-1 3 9-16,-3 8-12 0,-1 7-6 0,0 9 1 16,-8 6 0-16,-5 5 0 15,-8 4 25-15,-9 0-20 16,-9 3 24-16,-12 5-22 0,-10-1 28 15,-8 12-27-15,-8-4 13 16,-1-4-15-16,-4-7-4 31,-4-5 0-31,-5-10 0 0,0-5-1 16,5-11-31-16,0-5 23 16,4-14-132-16,0-16 108 15,8 4-212 1</inkml:trace>
           <inkml:trace contextRef="#ctx0" brushRef="#br0" timeOffset="-382.3936">-8595 1702 220 0,'9'-20'101'15,"-5"17"-79"-15,0-1-28 0,-4 4 74 0,0 0-55 16,5 11 13-16,-1 5-18 31,0 11 14-31,1 3-17 0,-1 1 12 0,0 4-12 16,1 3-1-16,-1 5-2 15,0-1 4-15,1 8-5 16,-1 0-22-16,-4-7 16 16,4-8-152-16,-4-9 123 15,0-2-170 1</inkml:trace>
-          <inkml:trace contextRef="#ctx0" brushRef="#br0" timeOffset="818.5562">-8183 2187 176 0,'4'0'82'0,"5"0"-65"0,4 0-21 16,-5 0 59-16,10 0-44 16,12 12 4-16,1-5-9 15,3 1-5-15,-3-4 0 16,-5 0-153-16,17 4 120 16,-8-5-88-1</inkml:trace>
+          <inkml:trace contextRef="#ctx0" brushRef="#br0" timeOffset="818.5561">-8183 2187 176 0,'4'0'82'0,"5"0"-65"0,4 0-21 16,-5 0 59-16,10 0-44 16,12 12 4-16,1-5-9 15,3 1-5-15,-3-4 0 16,-5 0-153-16,17 4 120 16,-8-5-88-1</inkml:trace>
           <inkml:trace contextRef="#ctx0" brushRef="#br0" timeOffset="550.1658">-7992 1914 244 0,'-9'-4'111'0,"5"8"-87"0,-1-1-30 16,-3 5 43-16,-1 4-30 31,0 7 23-31,5 4-23 0,-5 8 11 16,1 19-13-16,-1 0 11 0,0-4-12 15,5-3-2-15,0-5-1 16,-1-7-1-16,1 0 0 16,4-12 5-16,0-3-4 15,0-5-25-15,4-11 19 16,1-4-49-16,3-7 41 0,-3-20-22 16,-1-11 26-16,5-9 5 15,-5-3 2-15,-4 4 2 16,0 4 0-16,0 0 16 15,0-4-12-15,0 19 43 16,9 12-36-16,4 7 18 16,0 8-21-1,4 12 26-15,0 15-26 16,1 8 30-16,3 19-29 16,1 8 16-16,0 0-19 15,-5-4-3-15,0-8-1 16,5-4 0-16,-5-7-1 0,-4-8-17 15,0-4 12-15,-4-8-166 16,0-3 133-16,-14-4-223 16</inkml:trace>
           <inkml:trace contextRef="#ctx0" brushRef="#br0" timeOffset="1120.4606">-7849 1917 168 0,'13'-7'78'0,"-13"7"-61"0,60 0-21 0,-51 0 45 0,21 0-33 15,18-4 11-15,-9 4-13 16,-9 0-10-16,22 0 4 16,-13 0-121-16,9 0 94 15,-9 0-96-15</inkml:trace>
           <inkml:trace contextRef="#ctx0" brushRef="#br0" timeOffset="1119.4606">-7503 1987 296 0,'-13'4'131'0,"13"-4"-103"0,-8 19-35 16,8-15 62-16,-5 11-45 0,5-3 20 16,0 22-22-16,0 17 6 15,0-1-10-15,5-8 6 0,-1 0-7 16,5 5-5-16,-5-9 2 15,0-7-104-15,1-12 82 16,-1-3-276 0,-4-13 230-1,0 1 11-15</inkml:trace>
@@ -3185,15 +3174,15 @@
           <inkml:trace contextRef="#ctx0" brushRef="#br0" timeOffset="5923.2589">-7208 2314 176 0,'9'-7'78'0,"-1"10"-61"0,5-3-21 0,5 0 53 16,3 0-39-16,5 0 16 15,5-3-19-15,4-1-4 0,-1 4-1 16,1-4-126-16,0 4 98 16,4-4-120-16</inkml:trace>
           <inkml:trace contextRef="#ctx0" brushRef="#br0" timeOffset="5591.0678">-7061 1863 236 0,'5'-38'108'0,"-1"15"-85"0,1 15-29 0,-5 8 55 0,4 0-40 16,9 19 16 0,0 5 8-16,0 6-25 15,4 9 14-15,1 7-17 0,-1 27 6 16,-4-3-8-16,0-9-2 16,4-3 0-16,-4-4 4 0,0 0-4 15,0-12 3-15,0-7-3 16,-4-8-15-16,0-4 12 15,-5-4-205-15,-4-15 162 16,-4-15-141 0</inkml:trace>
           <inkml:trace contextRef="#ctx0" brushRef="#br0" timeOffset="6945.2633">-6501 1601 252 0,'0'-11'111'0,"4"19"-87"0,13-1-30 15,-8 1 38-15,13 4-27 16,-5 7 27-16,5 8-24 16,8 11 10-16,0-3-13 31,1 0-3-31,-1 3-1 0,0 5 1 0,-4-1-1 16,0 0 2-16,-4-7-2 15,-5 4 2-15,-4-1-2 16,0 5-1-16,0-13 1 0,0-7-139 15,13-34-98 1</inkml:trace>
-          <inkml:trace contextRef="#ctx0" brushRef="#br0" timeOffset="6644.4238">-6285 1706 140 0,'-8'-4'65'0,"3"11"-51"0,-3 9-17 15,8-9 71 1,-5 17-54-16,1 3 40 16,0 3-40-16,-1 5 20 15,1 7-24-15,0 5-1 0,-1 10-6 16,5 5 4-16,0-12-6 16,5-7 3-16,-1-5-3 0,0-7 2 15,1-8-2-15,-1-4-138 16,0-11 108-16,5-4-159 15</inkml:trace>
+          <inkml:trace contextRef="#ctx0" brushRef="#br0" timeOffset="6644.4237">-6285 1706 140 0,'-8'-4'65'0,"3"11"-51"0,-3 9-17 15,8-9 71 1,-5 17-54-16,1 3 40 16,0 3-40-16,-1 5 20 15,1 7-24-15,0 5-1 0,-1 10-6 16,5 5 4-16,0-12-6 16,5-7 3-16,-1-5-3 0,0-7 2 15,1-8-2-15,-1-4-138 16,0-11 108-16,5-4-159 15</inkml:trace>
           <inkml:trace contextRef="#ctx0" brushRef="#br0" timeOffset="7261.7971">-5730 1474 212 0,'-4'0'98'0,"4"35"-77"0,-17 23-26 0,12-35 30 0,-8 12-21 16,-4 3 16-16,-5 8-15 15,-4 1-5-15,0-1 0 16,5-4 8-16,-1-3-6 0,5-5-4 16,4-7 2-16,4-7-37 15,5-5 29-15,-1-7-120 16,5-16 99-16,5-3-98 15</inkml:trace>
           <inkml:trace contextRef="#ctx0" brushRef="#br0" timeOffset="7546.5581">-5847 1521 168 0,'9'-89'75'0,"-5"70"-59"0,1-4-20 16,-1 19 93-16,5 0-71 16,-1 4 19-1,-3 8-26-15,3 11 18 16,-3 19-22-16,-1 12 25 0,0 8-24 15,1 12 21-15,3-5-22 16,-3 4 16-16,-1 1-17 16,0-5 3-16,1 12-7 15,3-3 5-15,-3-13-6 16,3-7 6-16,1-8-6 0,-5-7-3 16,5-8 2-16,0-8-93 15,-1-8 73-15,5-3-292 16,0-4 241-1,-4-5 20-15</inkml:trace>
           <inkml:trace contextRef="#ctx0" brushRef="#br0" timeOffset="8179.2412">-5478 2102 212 0,'-13'-7'98'0,"4"7"-77"0,0 0-26 0,5 4 78 15,-5-1-59-15,-4 13 32 16,0-1-33-16,0 8 9 0,5 4-16 15,-1 0 8-15,5 0-11 0,8 0-1 16,5 0-1-16,8-8 4 16,5 1-4-16,8-5 3 15,5-3-3-15,4-8 22 16,4-8-18-16,5-4 6 16,4-4-7-1,-9-3-6-15,-4-24 2 16,-9 1 3-16,-8-1-3 0,-5 1 0 15,-12-1 1-15,-18 5-1 16,-9-1 0-16,-8 8 8 16,-1 4-6-16,-12 4-1 15,0 3 0-15,-1 9-4 16,10 3 2-16,-1 4-19 0,9 4 16 16,9 3-167-16,12 5 134 15,14-1-206 1</inkml:trace>
           <inkml:trace contextRef="#ctx0" brushRef="#br0" timeOffset="8447.6429">-5054 1914 168 0,'-21'-8'75'0,"8"0"-59"0,4 4-20 15,9 4 76-15,4 0-58 16,5 0 21-16,4 0-25 15,9 0 27-15,12 4-28 16,10 4 24-16,4 3-24 0,4 5 9 16,0 7-13-16,-5 8-3 15,-3 0-1-15,-5 15 1 0,-9 4-1 16,-4-8-3-16,-13 8 1 0,-9-3 29 16,-8-5-22-16,-9 4 23 15,-9-7-22-15,-8-5 8 16,-5-7-11-16,-4-3-2 15,0-9-1-15,5-3-10 16,3-5 7-16,10-18-125 16,12-9 100-16,13 1-269 15</inkml:trace>
-          <inkml:trace contextRef="#ctx0" brushRef="#br0" timeOffset="8197.3778">-4980 1968 304 0,'-13'11'138'0,"9"12"-109"0,4 8-37 0,0-16 47 16,4 16-32-16,0 8 3 0,5 3-7 15,0-3-2-15,4-1 0 16,0-3 4-16,0-4-4 0,0-8-59 16,0-4 46-16,0-11-265 15,0 0 215 1,-4-8-18-16</inkml:trace>
+          <inkml:trace contextRef="#ctx0" brushRef="#br0" timeOffset="8197.3777">-4980 1968 304 0,'-13'11'138'0,"9"12"-109"0,4 8-37 0,0-16 47 16,4 16-32-16,0 8 3 0,5 3-7 15,0-3-2-15,4-1 0 16,0-3 4-16,0-4-4 0,0-8-59 16,0-4 46-16,0-11-265 15,0 0 215 1,-4-8-18-16</inkml:trace>
           <inkml:trace contextRef="#ctx0" brushRef="#br0" timeOffset="8797.0202">-4525 2068 252 0,'-13'-8'115'0,"13"8"-91"0,-8 4-30 16,8 0 60-16,-5 3-44 16,1 5 22-16,0 7-23 15,-5 8 3-15,0 8-8 0,1 0 5 16,-1 3-6-16,5-3-2 0,-1 7 0 0,5-7 1 15,0 0-1-15,5-5 13 16,3-3-10-16,5-4 28 16,13-3-24-16,5-5 10 15,3-7-12-15,5 0 1 16,5-5-5-16,-1-3-1 31,-4 0 0-31,0 0-1 0,-4-7 0 16,-9-1-48-16,-5 4 38 15,-3 0-145-15,-5-15-113 32</inkml:trace>
-          <inkml:trace contextRef="#ctx0" brushRef="#br0" timeOffset="9065.5976">-4551 2314 252 0,'-13'-7'115'0,"13"10"-91"0,0-6-30 0,5 3 63 15,3-4-46-15,14 4 4 16,8-4-9-16,5 0 1 31,0-4-6-31,4 1-196 0,-9-5 154 0,-4 1-127 16</inkml:trace>
-          <inkml:trace contextRef="#ctx0" brushRef="#br0" timeOffset="9404.2569">-4455 1960 300 0,'-5'-4'134'0,"23"8"-105"0,-1-4-37 0,-4 0 33 16,4 0-21-16,9 0 1 15,9 0-3-15,4-4 1 16,0 4-2-16,9-4 2 0,-14 4-2 0,-8 0-20 15,5 0 15-15,-5 0-13 0,0 0 13 16,-5 0-7-16,1 0 8 16,0 0 13-16,-5 0-8 15,-4 4 28-15,-4 4-23 16,-5 3 5-16,-4 8-8 31,-4 5 3-31,-1-1-6 0,1 19 0 16,0 4 0-16,-1-3-4 15,1 3 2-15,4-4 4 16,0-3-3-16,0-1 3 16,4 1-2-16,9-12 2 15,5 0-2-15,4-8 22 16,17-3-18-16,0-5 15 0,4-3-15 16,0-8 6-16,1 0-8 15,-5 0-19-15,0 0 13 16,-9 4-349-1,5 0 276-15,8-16-19 16</inkml:trace>
+          <inkml:trace contextRef="#ctx0" brushRef="#br0" timeOffset="9065.5975">-4551 2314 252 0,'-13'-7'115'0,"13"10"-91"0,0-6-30 0,5 3 63 15,3-4-46-15,14 4 4 16,8-4-9-16,5 0 1 31,0-4-6-31,4 1-196 0,-9-5 154 0,-4 1-127 16</inkml:trace>
+          <inkml:trace contextRef="#ctx0" brushRef="#br0" timeOffset="9404.2568">-4455 1960 300 0,'-5'-4'134'0,"23"8"-105"0,-1-4-37 0,-4 0 33 16,4 0-21-16,9 0 1 15,9 0-3-15,4-4 1 16,0 4-2-16,9-4 2 0,-14 4-2 0,-8 0-20 15,5 0 15-15,-5 0-13 0,0 0 13 16,-5 0-7-16,1 0 8 16,0 0 13-16,-5 0-8 15,-4 4 28-15,-4 4-23 16,-5 3 5-16,-4 8-8 31,-4 5 3-31,-1-1-6 0,1 19 0 16,0 4 0-16,-1-3-4 15,1 3 2-15,4-4 4 16,0-3-3-16,0-1 3 16,4 1-2-16,9-12 2 15,5 0-2-15,4-8 22 16,17-3-18-16,0-5 15 0,4-3-15 16,0-8 6-16,1 0-8 15,-5 0-19-15,0 0 13 16,-9 4-349-1,5 0 276-15,8-16-19 16</inkml:trace>
         </inkml:traceGroup>
         <inkml:traceGroup>
           <inkml:annotationXML>
@@ -3221,7 +3210,7 @@
             </emma:emma>
           </inkml:annotationXML>
           <inkml:trace contextRef="#ctx0" brushRef="#br0" timeOffset="-354866.5721">-4 216 132 0,'0'-7'62'0,"9"-1"-49"0,0-3-16 0,4 3 49 0,4-4-37 16,13-15 39-16,5 0-36 15,8 0 27-15,5 0-29 16,4 4 15-16,0 4-19 0,-4 7 0 16,0 5-4-16,4 7-2 0,-13 7 1 15,-9 13 1-15,-8 11-1 16,-18 3 5-16,-8 5-5 15,-9-1-17 1,-5 8 13-16,-3 1 4 16,-5-1-2-16,-5-4 13 15,-3 1-10-15,3-5 3 16,5-3-4-16,5 3-3 16,3-7 1-16,5-8 1 15,5 1 0-15,3-5 0 16,10-8 0-16,8-3 25 0,8 0-20 15,10-8 10-15,-1 0-11 16,5-4 9-16,-1 4-10 16,-8-4 2-16,5 4-4 15,-5 0 5-15,-9 0-5 16,-4 0 0-16,-4 4 0 16,-9-4-7-16,0 0 5 0,0 4-112 15,-5 3 89-15,1-3-219 16</inkml:trace>
-          <inkml:trace contextRef="#ctx0" brushRef="#br0" timeOffset="-355497.5087">192-49 120 0,'0'-4'55'0,"0"4"-43"0,0 7-15 0,0 1 46 0,0 4-35 16,0 11 43-16,0 12-39 15,0 7 50-15,0 8-46 16,0 8 45-16,-14 3-46 0,6 1 21 15,-1 4-26 1,-4-1 5-16,4 20-11 16,1-12 6-16,-1-7-7 15,0-12 4-15,1-4-6 16,3-12 3-16,1-3-3 16,4-8-1-16,-4-8 1 15,4-7-116-15,0-12 90 16,0-4-254-16</inkml:trace>
+          <inkml:trace contextRef="#ctx0" brushRef="#br0" timeOffset="-355497.5086">192-49 120 0,'0'-4'55'0,"0"4"-43"0,0 7-15 0,0 1 46 0,0 4-35 16,0 11 43-16,0 12-39 15,0 7 50-15,0 8-46 16,0 8 45-16,-14 3-46 0,6 1 21 15,-1 4-26 1,-4-1 5-16,4 20-11 16,1-12 6-16,-1-7-7 15,0-12 4-15,1-4-6 16,3-12 3-16,1-3-3 16,4-8-1-16,-4-8 1 15,4-7-116-15,0-12 90 16,0-4-254-16</inkml:trace>
           <inkml:trace contextRef="#ctx0" brushRef="#br0" timeOffset="-353866.4585">694 428 168 0,'-4'-3'78'0,"8"-1"-61"0,5-12-21 16,0 12 53-16,4 1-39 16,0-5 22-16,8-4-24 0,10 1-4 15,-1-1-2-15,0 1-2 0,5-1 0 16,0 4 8-16,-1 1-6 16,1-1-43-16,0 0 33 0,-5 4-141 15,5 1 115 1,4 3-62-16</inkml:trace>
           <inkml:trace contextRef="#ctx0" brushRef="#br0" timeOffset="-354366.4051">751 475 136 0,'-13'7'62'0,"4"1"-49"0,-4 7-16 0,9-7 35 16,-1 4-26-16,1 3 26 15,0 4-24 1,4 5 15-16,0 6-17 16,4 9 20-16,0-1-20 0,1-3 14 15,8-4-15-15,0 0 14 16,8-4-14-16,5-4 11 0,0-4-11 16,0-3 16-16,5-1-16 15,-1-7 12-15,0-1-12 16,1 1-1-16,-5-8-2 0,0 0-2 15,-5-4 1-15,-3 0-1 16,-1 0 0-16,-4 1-17 16,-4-1 13-16,-5 0-102 15,-4 0 83-15,-4-4-199 16</inkml:trace>
           <inkml:trace contextRef="#ctx0" brushRef="#br0" timeOffset="-354131.4792">690 590 224 0,'13'-15'101'0,"0"11"-79"0,13-11-28 0,-13 7 71 15,9 0-52-15,4 0 21 16,0 1-25-16,0 3-2 16,0 0-5-16,0 0-4 0,-5 4 1 0,1 0-5 15,-5 0 5-15,-4 4-134 16,0 0 105-16,-4 4-174 16</inkml:trace>
@@ -3230,19 +3219,19 @@
           <inkml:trace contextRef="#ctx0" brushRef="#br0" timeOffset="-353150.855">1813 444 232 0,'-5'8'105'0,"5"3"-83"0,0 12-28 0,5 0 60 0,-1 4-44 15,0 16 28-15,-4 11-28 16,5 0 6-16,-5 0-12 15,4-4-2-15,0-12-1 0,-4 8 4 16,5-11 2 0,-1-8-5-16,0-15-60 0,1-5 46 15,-1-11-212 1,0-3 174-16,9-13-57 16</inkml:trace>
           <inkml:trace contextRef="#ctx0" brushRef="#br0" timeOffset="-351596.2333">2372 636 192 0,'13'-15'85'0,"4"11"-67"0,14-7-23 0,-14 7 30 16,13 0-21-16,5 0-1 15,4 0-1-15,4 4-70 16,9-4 54-16,9 1-152 15</inkml:trace>
           <inkml:trace contextRef="#ctx0" brushRef="#br0" timeOffset="-351796.8747">2658 255 212 0,'0'-15'95'0,"4"11"-75"0,-8 4-25 0,4 0 22 0,0 7-15 15,0 9 11-15,-4 3-10 16,-5 12 18-16,0 4-16 16,-4 11 18-16,-4 12-18 0,-5 26 4 15,1-6-7-15,-1-9 5 16,0-7-6-16,1-12 3 15,-1 0-3 1,5-8-1-16,-1-11 1 16,10-16 4-1,3-15-60-15,5-11 44 0,9-12-47 16,0-27 43-16,-1-8-25 16,1-4 29-16,8-7-8 15,-4-4 14-15,5 3 3 16,-5-3 1-16,0-4 20 0,0 4-15 15,0 7 58-15,0 12-48 16,0 12 42-16,0 11-42 16,0 12 7-16,0 19-14 15,0 23 17-15,4 15-18 16,5 20 25-16,4 0-23 16,-9 8 10-16,9 3-13 0,-4 23 2 15,4-3-5-15,0-16 8 16,-5-3-8-16,1-13-4 15,0 1 2-15,-1-4 5 16,-3-12-4-16,-5-7-112 16</inkml:trace>
-          <inkml:trace contextRef="#ctx0" brushRef="#br0" timeOffset="-351111.2418">2892 463 200 0,'0'-15'92'0,"13"11"-73"0,13-4-24 15,-4 4 47-15,8-3-34 16,9 7 22-16,13-8-22 0,0 8 24 15,-17 4-24-15,-5 0 1 0,5 3-6 16,4 9-2-16,-13 3 0 16,-13 4 1-16,-13 4-1 0,-9-4 5 15,-13 0-5-15,-4 0 3 16,0-3-3-16,0 7-37 16,0-16 28-16,9 8-252 15,4-19 203 1,9-3-10-16</inkml:trace>
+          <inkml:trace contextRef="#ctx0" brushRef="#br0" timeOffset="-351111.2417">2892 463 200 0,'0'-15'92'0,"13"11"-73"0,13-4-24 15,-4 4 47-15,8-3-34 16,9 7 22-16,13-8-22 0,0 8 24 15,-17 4-24-15,-5 0 1 0,5 3-6 16,4 9-2-16,-13 3 0 16,-13 4 1-16,-13 4-1 0,-9-4 5 15,-13 0-5-15,-4 0 3 16,0-3-3-16,0 7-37 16,0-16 28-16,9 8-252 15,4-19 203 1,9-3-10-16</inkml:trace>
           <inkml:trace contextRef="#ctx0" brushRef="#br0" timeOffset="-351348.7903">3096 532 240 0,'-9'-3'108'0,"9"10"-85"0,-4 9-29 0,4-5 74 16,4 9-55-16,0 14 19 0,1 16-23 15,3 0 5-15,1 4-10 16,0 12-2-16,-5-8-1 0,0-4 1 16,5-4-1-16,-5-4 5 15,1-8-5-15,-1-7 0 16,0-8 0-16,1-7-122 16,3-9 95-16,-8-7-232 15</inkml:trace>
           <inkml:trace contextRef="#ctx0" brushRef="#br0" timeOffset="-350610.2623">3447 448 176 0,'4'-23'82'0,"22"23"-65"0,13-16-21 0,-21 12 56 15,8 0-42-15,13 1 36 16,4 10-34-16,5 1 33 15,-9 0-34-15,-9-1 6 0,5 13-12 16,4 11 25-16,-9 7-23 16,-17-3 13-16,-17 3-14 0,-9 8 2 15,-18-7-6-15,1-4 5 16,-5-8-6-16,1-4-61 0,3-8 47 16,5-3-290-1,0-8 236-15</inkml:trace>
-          <inkml:trace contextRef="#ctx0" brushRef="#br0" timeOffset="-350879.3781">3564 479 244 0,'-9'11'111'0,"9"4"-87"0,-4 12-30 16,4-11 43-16,0 7-30 16,0 27 9-16,0 4-12 0,0 0-2 15,0-4-1-15,0 4-1 0,4 0 0 16,1-8-20-16,-1-11 16 16,0-8-153-1,-4-4 123-15</inkml:trace>
+          <inkml:trace contextRef="#ctx0" brushRef="#br0" timeOffset="-350879.378">3564 479 244 0,'-9'11'111'0,"9"4"-87"0,-4 12-30 16,4-11 43-16,0 7-30 16,0 27 9-16,0 4-12 0,0 0-2 15,0-4-1-15,0 4-1 0,4 0 0 16,1-8-20-16,-1-11 16 16,0-8-153-1,-4-4 123-15</inkml:trace>
         </inkml:traceGroup>
         <inkml:traceGroup>
           <inkml:annotationXML>
             <emma:emma xmlns:emma="http://www.w3.org/2003/04/emma" version="1.0">
               <emma:interpretation id="{F24D0DC1-C178-4F28-91F2-AD49F42F5A91}" emma:medium="tactile" emma:mode="ink">
                 <msink:context xmlns:msink="http://schemas.microsoft.com/ink/2010/main" type="inkWord" rotatedBoundingBox="23268,3157 30696,2760 30751,3786 23323,4183">
-                  <msink:destinationLink direction="with" ref="{E96864F3-B19D-423C-9B6A-BBAAE0E6FB99}"/>
                   <msink:destinationLink direction="with" ref="{582ECCEB-8F10-4E60-B332-0AF292AB4A32}"/>
                   <msink:destinationLink direction="with" ref="{971DFF4C-93D4-45FA-BD39-D3E934290D3B}"/>
+                  <msink:destinationLink direction="with" ref="{E96864F3-B19D-423C-9B6A-BBAAE0E6FB99}"/>
                 </msink:context>
               </emma:interpretation>
               <emma:one-of disjunction-type="recognition" id="oneOf2">
@@ -3274,15 +3263,15 @@
           <inkml:trace contextRef="#ctx0" brushRef="#br0" timeOffset="31700.5082">11072-699 212 0,'0'-4'95'0,"4"8"-75"0,0 8-25 16,1-5 111-16,3 9-84 15,1 7 54-15,4 8-56 16,0 11 26-16,0 12-34 16,0 0-1-16,-4-15-8 0,-1-5 4 15,1 9-6-15,4 14 3 0,-4-6-3 16,-1-13-54-16,1-3 42 16,-5-8-153-16,1-4 126 15,3-4-214 1</inkml:trace>
           <inkml:trace contextRef="#ctx0" brushRef="#br0" timeOffset="32318.1844">11284-348 300 0,'26'0'134'0,"-4"-12"-105"0,8-19-37 0,-4 28 53 16,9-13-37-16,12 1 5 15,5-1-8-15,5 1-7 16,-5 3 2-16,4 1-126 0,-17 3 99 0,-8 4-229 15</inkml:trace>
           <inkml:trace contextRef="#ctx0" brushRef="#br0" timeOffset="32317.1844">11340-718 232 0,'-13'-23'105'0,"18"23"-83"0,3-4-28 16,1 0 83-16,13-4-62 15,4 8 23-15,4 0-27 0,0 0-7 16,5 8-2-16,-5 4-5 0,-4 3 2 15,-4 8-2-15,-4 12 2 16,-10 3 4-16,-8 24-3 16,-4 4-2-16,0-5 1 0,-1 1 4 15,1 3-3-15,4-11 3 32,4-19-2-32,1-8 5 0,12 0-5 15,13 0 9-15,9-8-8 16,0-7 5-16,0-12-6 15,0-8 0-15,-4-4 0 16,4-3-80-16,-13 0 62 16,-9-9-282-1</inkml:trace>
-          <inkml:trace contextRef="#ctx0" brushRef="#br0" timeOffset="33087.2718">12004-283 224 0,'8'-7'101'15,"10"-1"-79"-15,25 8-28 16,-17 0 77-16,9-4-57 0,4 0 17 15,4 0-21-15,5 4-4 16,-5-4-4-16,5 1-119 0,-18 3 92 16,-8 0-205-1</inkml:trace>
+          <inkml:trace contextRef="#ctx0" brushRef="#br0" timeOffset="33087.2717">12004-283 224 0,'8'-7'101'15,"10"-1"-79"-15,25 8-28 16,-17 0 77-16,9-4-57 0,4 0 17 15,4 0-21-15,5 4-4 16,-5-4-4-16,5 1-119 0,-18 3 92 16,-8 0-205-1</inkml:trace>
           <inkml:trace contextRef="#ctx0" brushRef="#br0" timeOffset="32538.8948">12164-637 236 0,'-13'-4'108'0,"-4"8"-85"0,4 11-29 15,4-3 60-15,-4 7-44 16,4 4 22-16,1 23-23 16,3 1-2-16,-3 3-5 15,3-4-2-15,1-4 1 0,4-3 7 16,0-8-6-16,0-8-23 16,0-8 16-16,0-3-73 0,13-20-24 15,0-11 73 1,-4-16-106-1,-1 0 104-15,-3 5-25 16</inkml:trace>
-          <inkml:trace contextRef="#ctx0" brushRef="#br0" timeOffset="32817.6737">12177-845 208 0,'0'-27'92'0,"0"27"-73"0,0 4-24 16,4 3 41-16,1 5-29 0,3 19 37 16,1 3-34-16,8 9 35 15,9 11-34-15,5 19 28 0,-1 0-29 16,-4-3 23-16,13-5-24 15,-4-3 3-15,-1-5-8 32,-3-10 0-32,-5-9-3 0,-5-7-9 15,1-8 6-15,-9-4-125 16,4-3 100-16,-8-5-260 16</inkml:trace>
-          <inkml:trace contextRef="#ctx0" brushRef="#br0" timeOffset="33657.7372">12420-803 208 0,'21'-4'92'0,"-21"4"-73"0,57 0-24 16,-31 0 86-16,4 0-65 16,22-4 37-16,0 1-38 15,0-1-1 1,0 0-9-16,0 4-7 0,-4 0 2 15,-5 4-163-15,-8 0 128 16,-9-1-170 0</inkml:trace>
+          <inkml:trace contextRef="#ctx0" brushRef="#br0" timeOffset="32817.6736">12177-845 208 0,'0'-27'92'0,"0"27"-73"0,0 4-24 16,4 3 41-16,1 5-29 0,3 19 37 16,1 3-34-16,8 9 35 15,9 11-34-15,5 19 28 0,-1 0-29 16,-4-3 23-16,13-5-24 15,-4-3 3-15,-1-5-8 32,-3-10 0-32,-5-9-3 0,-5-7-9 15,1-8 6-15,-9-4-125 16,4-3 100-16,-8-5-260 16</inkml:trace>
+          <inkml:trace contextRef="#ctx0" brushRef="#br0" timeOffset="33657.7371">12420-803 208 0,'21'-4'92'0,"-21"4"-73"0,57 0-24 16,-31 0 86-16,4 0-65 16,22-4 37-16,0 1-38 15,0-1-1 1,0 0-9-16,0 4-7 0,-4 0 2 15,-5 4-163-15,-8 0 128 16,-9-1-170 0</inkml:trace>
           <inkml:trace contextRef="#ctx0" brushRef="#br0" timeOffset="33372.4966">12819-637 272 0,'-5'8'121'0,"10"3"-95"0,3 12-33 0,1-7 85 16,4 7-63-16,4 23 42 16,5 0-42-16,0-3 3 15,-1-1-12-15,1-3-1 0,0-5-4 16,-5-3 8-16,5-4-7 0,-9-8-29 15,0-3 22-15,-5-5-159 32,-8-11-116-17</inkml:trace>
           <inkml:trace contextRef="#ctx0" brushRef="#br0" timeOffset="33937.9033">13317-791 296 0,'0'0'131'0,"0"15"-103"0,4 8-35 0,-4-11 57 15,9-1-41-15,0 9 16 0,-1 10-18 16,10 5 5-16,-18 11-9 16,8 8 1-16,-3 0-3 0,-5 0 2 15,0-4-2-15,0-7 2 16,0-5-2-16,13-7-54 15,-9-8 42-15,9-7-170 32,9-5 140-32,-1-7-152 15</inkml:trace>
           <inkml:trace contextRef="#ctx0" brushRef="#br0" timeOffset="34206.0466">13907-799 264 0,'-13'0'121'0,"0"19"-95"0,0-3-33 0,4-1 34 16,0 4-23-16,-4 12 8 31,0 8-9-31,-4-1-2 0,13 24 0 15,-5 0 4-15,18-9-4 0,4-6 6 16,8-9-6-16,10-7 0 16,12-8 0-16,9-11 7 15,0-5-6-15,-9-7 5 16,9-7-6-16,-4-28 0 16,-9 0 0-16,-9-7 4 0,-12 0-4 15,-14-5-5-15,-4 5 3 0,-17 7-3 16,-18-7 3-16,-8 3 1 15,-9 9 0-15,4-1-6 16,0 15 5-16,5 13-70 16,17 3 56-16,0 0-256 31</inkml:trace>
-          <inkml:trace contextRef="#ctx0" brushRef="#br0" timeOffset="34505.503">14435-849 244 0,'22'-4'111'0,"-13"12"-87"0,-5 7-30 16,13 1 71-16,-4 3-52 15,9 4 32-15,-5 8-33 0,1 3 4 16,-5 13-11-16,0 3 8 0,0 8-10 15,-5-4 2-15,1-1-4 16,-5-6 2-16,9-5-2 0,-8-7-48 16,3-8 37-1,-3-8-159-15,3-4 130 0</inkml:trace>
-          <inkml:trace contextRef="#ctx0" brushRef="#br0" timeOffset="34805.8977">14470-888 152 0,'-35'-3'69'0,"35"10"-55"0,18 9-18 0,-14-5 39 0,9 8-28 15,4 8 14-15,-4 8-15 16,9-8 16-16,8 19-17 15,5 4 29-15,4 1-26 0,9 6 24 16,0-7-23-16,-1-7 6 16,5-5-11-16,-4-7-2 0,4-8-1 31,-9-7-1-31,5-9 0 16,-13-7 5-16,4-3-4 15,-9-17 6-15,-4-7-6 16,-9-4 3-16,-12-3-3 0,-5-9 22 15,0 1-18-15,-5 0 20 16,-3-8-18-16,-1-1 27 16,0-2-26-16,5 6 16 0,-5-7-18 15,9 8 6-15,0 0-9 16,9 7-8-16,0 8 5 16,-1 8-1-16,5 4 1 15,0 15-118-15,-4 0 93 16,4 20-286-1</inkml:trace>
+          <inkml:trace contextRef="#ctx0" brushRef="#br0" timeOffset="34505.5029">14435-849 244 0,'22'-4'111'0,"-13"12"-87"0,-5 7-30 16,13 1 71-16,-4 3-52 15,9 4 32-15,-5 8-33 0,1 3 4 16,-5 13-11-16,0 3 8 0,0 8-10 15,-5-4 2-15,1-1-4 16,-5-6 2-16,9-5-2 0,-8-7-48 16,3-8 37-1,-3-8-159-15,3-4 130 0</inkml:trace>
+          <inkml:trace contextRef="#ctx0" brushRef="#br0" timeOffset="34805.8976">14470-888 152 0,'-35'-3'69'0,"35"10"-55"0,18 9-18 0,-14-5 39 0,9 8-28 15,4 8 14-15,-4 8-15 16,9-8 16-16,8 19-17 15,5 4 29-15,4 1-26 0,9 6 24 16,0-7-23-16,-1-7 6 16,5-5-11-16,-4-7-2 0,4-8-1 31,-9-7-1-31,5-9 0 16,-13-7 5-16,4-3-4 15,-9-17 6-15,-4-7-6 16,-9-4 3-16,-12-3-3 0,-5-9 22 15,0 1-18-15,-5 0 20 16,-3-8-18-16,-1-1 27 16,0-2-26-16,5 6 16 0,-5-7-18 15,9 8 6-15,0 0-9 16,9 7-8-16,0 8 5 16,-1 8-1-16,5 4 1 15,0 15-118-15,-4 0 93 16,4 20-286-1</inkml:trace>
         </inkml:traceGroup>
       </inkml:traceGroup>
     </inkml:traceGroup>
@@ -3321,9 +3310,9 @@
     <inkml:annotationXML>
       <emma:emma xmlns:emma="http://www.w3.org/2003/04/emma" version="1.0">
         <emma:interpretation id="{7BD64BF9-E0F1-4263-BD12-7A93B2EF49EF}" emma:medium="tactile" emma:mode="ink">
-          <msink:context xmlns:msink="http://schemas.microsoft.com/ink/2010/main" type="inkDrawing" rotatedBoundingBox="14160,5606 32274,3790 33314,14173 15201,15988" semanticType="container" shapeName="Other">
+          <msink:context xmlns:msink="http://schemas.microsoft.com/ink/2010/main" type="inkDrawing" rotatedBoundingBox="14160,5606 32274,3790 33314,14173 15201,15988" semanticType="9" shapeName="Other">
+            <msink:destinationLink direction="with" ref="{A3A98A47-23E5-4AE4-B746-D923AE1BA3BC}"/>
             <msink:destinationLink direction="with" ref="{DBD951C1-A55C-4716-B882-45C77310C459}"/>
-            <msink:destinationLink direction="with" ref="{A3A98A47-23E5-4AE4-B746-D923AE1BA3BC}"/>
           </msink:context>
         </emma:interpretation>
       </emma:emma>
@@ -3331,29 +3320,573 @@
     <inkml:trace contextRef="#ctx0" brushRef="#br0">80-9 164 0,'0'-4'75'0,"4"4"-59"0,-4 0-20 16,0 0 56-16,0 0-42 15,0 0 28 1,0 0-11-16,4 8-19 16,1-1 19-16,-1 5-21 0,-4 3-3 15,0 8-1-15,0 4 12 0,0 12-11 16,0 19 1-16,0-4-2 15,0 3 1-15,-4 9-2 16,-1-1 2-16,1 1-2 16,0 3-1-16,4 1 1 15,-5 18-4-15,1 5 2 16,-5-8 4 0,9 7-3-16,-8-3 3 15,3-1-2-15,1 9-1 16,0 10 1-16,-1-3 1 15,1 1-1-15,0-9-1 0,4 0 1 16,0 8 7-16,8 8-6 16,1-4 7-16,-5 7-6 15,1-14 9-15,-1-5-9 16,0 8 2-16,1 8-4 0,-1-8 8 16,0 4-7-16,-4-8 5 15,0 0-6-15,0-4 6 16,0 16-6-16,0-4 3 15,0 4-3-15,0-16 11 16,0-4-10 0,0 1 3-16,0 3-4 15,0 4-6-15,0-3 4 16,0 3 6-16,-4-4-5 16,0 1 4-16,4-1-3 15,-9 16-6-15,0-4 4 16,1 19 3-16,-1-4-2 15,5-11 0-15,-1 0 1 0,1 15 15 16,0-8-12-16,-9 4 7 16,13-11-8-16,0 0-2 15,0 19 0-15,0-8 1 16,4-11-1-16,-4 4-1 0,4-5 1 16,9-3 1-16,-4 19-1 15,0-11 5-15,-1-1-5 0,1-3 9 16,0-8-8-16,-1 0 7 15,1 16-6-15,4-12 4 16,0 0-6-16,-4-4 14 16,-1-4-11-16,1 0 6 15,0 12-7-15,-1-8-2 32,1-8 0-32,0 4 4 0,-1-15-4 15,-3-4 0-15,-1 0 0 16,0-8 7-16,1 12-6 15,-5-8 5-15,4-8-6 16,-4-7 9-16,0-4-8 16,0-4 2-16,0-4-3 15,0-8 2-15,0-7-2 0,-4-4 5 16,4-4-5-16,0-4 0 0,0 0 0 16,0-4 1-16,-5-4-1 15,1-3-34-15,0-4 26 16,4-8-124-16,-5 0 102 15,5-4-342 17</inkml:trace>
     <inkml:trace contextRef="#ctx0" brushRef="#br0" timeOffset="-1918.5957">201-133 116 0,'-26'12'52'0,"22"-12"-41"0,4 0-14 15,0 0 40-15,0 0-30 0,8 4 37 16,5-4-33-16,5 0 26 15,3 0-28-15,10 0 9 0,8 0-12 16,0 0 7-16,8 0-10 16,1 0 2-16,8 0-4 15,9 0 16-15,5 0-13 16,8-4 7 0,9 4-8-16,4 0 18 15,4 0-17-15,5 0 2 16,8 0-4-16,0 0 1 15,14 0-2-15,-1 4 13 16,22-8-10-16,5 0 6 0,3 4-7 16,10-4 12-16,3 0-11 15,5 4 14-15,9 0-13 0,9-3 11 16,8-5-11-16,8 0 2 16,-3 0-5-16,-1-3 2 15,-4 3-3-15,-13-3 5 16,-13 3-5-16,-4 0 25 15,-22 1-20-15,-13 3 12 16,-13-4-13 0,-17 4-3-16,-13 0-1 15,-14 4 10-15,-16 0-9 16,-14 0-3-16,-8 4 1 16,-14 0-107-16,-12 4 84 15,-18 3-319 1</inkml:trace>
     <inkml:trace contextRef="#ctx0" brushRef="#br0" timeOffset="1549.177">5130-52 120 0,'-5'-3'55'0,"5"6"-43"0,-4 1-15 0,4 4 65 15,0-4-49-15,0 3 23 16,0 1-25-16,0 0 15 0,0 0-19 16,0 3 24-16,0 5-23 0,0 3 10 15,0 8-13-15,-4 7 11 16,-1 5-12-16,-3 15 3 0,3 4-5 15,-3 3 10-15,-5 9-9 16,0-1 4-16,4 4-5 16,-4 4 5-16,0 16-6 15,4 3 6-15,1 4-6 0,3-3 9 16,1 3-8-16,0 12 5 16,-1 7-6-16,1 1 6 15,0-5-6-15,-1 1 3 16,5-1-3-16,0 16 2 15,0-4-2-15,-4 8 5 16,4-4-5 0,0 16 6-16,-4-9-6 15,4 5-3-15,0-4 2 16,0-4 5-16,0 15-4 16,0-8 14-16,0 1-11 0,0-8 6 15,0 11-7-15,0-7 4 16,0 4-6-16,0 18 3 15,0-10-3-15,0 10 2 0,0-14-2 16,0 3 11-16,-5-19-10 16,1 0 0-16,0 16-1 15,-1-9 4-15,1-3-4 16,0-15 6-16,-1-1-6 16,1 16 9-16,0-12-8 15,-1-3 5 1,1-9-6-16,0-7 6 15,4 0-6-15,-5 16-3 16,5-12 2-16,-4-8 3 16,0 8-3-16,4-20 9 15,0-3-7-15,0 0-1 16,0 4 0-16,0 3-1 16,0-3 0-16,4-12 2 0,-4 11-1 15,4-14-3-15,1-1 1 16,-1-4 4-16,0 1-3 15,1 18 0-15,-1-11 1 16,0-4-1-16,-4 1 0 0,0-1 0 16,0-8 0-16,0-3 8 15,0 0-6-15,0-5 2 16,0 1-3-16,0 0 5 0,0 4-5 16,0-5 11-16,0-6-9 15,0-9 7-15,-4 0-7 16,0-11-2-16,-1-4 0 15,1 0 7-15,0-8-6 32,-1 4-9-32,1-3 5 0,0-5-136 15,-5 8 108-15,-4 4-342 16</inkml:trace>
-    <inkml:trace contextRef="#ctx0" brushRef="#br0" timeOffset="2835.5446">106 9211 132 0,'-18'-7'59'0,"14"3"-47"0,-5 0-15 0,9 4 49 16,0-4-37-16,0 0 25 0,0 0-25 16,0 0 17-16,0 1-19 15,5-1-4-15,3 0-1 0,5 4 6 16,0 0-6-16,5 0-1 16,3 0 0-16,5 4 1 0,5 0-1 15,8-1 8-15,8 5-7 16,1 0 10-16,0-4-9 15,-1 0 7-15,5-4-7 16,5 0 15-16,-1 0-14 16,5 0 1-16,0 0-3 15,-1 0-2 1,10 3 1-16,-1 1-1 16,-4 0 0-16,-4 0 2 15,4 0-1-15,0 0 11 16,0-1-10-16,0 1 11 15,4-4-10-15,5 4 18 16,4-4-16-16,-5 0 1 16,1 0-4-16,13-4 1 0,0 0-2 15,4 1 5-15,0-1-5 0,8 4 11 16,-3 0-9-16,3-4 7 16,1 0-7-16,0 0 6 15,-1 4-6-15,5 0-2 16,-4 4 0-16,-4 0 7 15,8-4-6-15,0 0 2 0,4 4-3 16,-4 0 27-16,4-1-21 16,-4-3 5-16,9 0-8 15,0 0 11-15,0-3-11 16,4 3 14-16,-5 0-13 16,-8 0-3-16,5 0 0 31,-10 0 9-31,-3 3-9 0,-5 1 11 15,-5 4-10-15,-8 0 4 16,-8-1-5-16,-9 1 2 16,-14 0-3-16,-8-4 5 15,-4 0-5-15,-9-1-25 16,-13-3-180-16,-9 12 158 16,-4-20-250-1</inkml:trace>
+    <inkml:trace contextRef="#ctx0" brushRef="#br0" timeOffset="2835.5445">106 9211 132 0,'-18'-7'59'0,"14"3"-47"0,-5 0-15 0,9 4 49 16,0-4-37-16,0 0 25 0,0 0-25 16,0 0 17-16,0 1-19 15,5-1-4-15,3 0-1 0,5 4 6 16,0 0-6-16,5 0-1 16,3 0 0-16,5 4 1 0,5 0-1 15,8-1 8-15,8 5-7 16,1 0 10-16,0-4-9 15,-1 0 7-15,5-4-7 16,5 0 15-16,-1 0-14 16,5 0 1-16,0 0-3 15,-1 0-2 1,10 3 1-16,-1 1-1 16,-4 0 0-16,-4 0 2 15,4 0-1-15,0 0 11 16,0-1-10-16,0 1 11 15,4-4-10-15,5 4 18 16,4-4-16-16,-5 0 1 16,1 0-4-16,13-4 1 0,0 0-2 15,4 1 5-15,0-1-5 0,8 4 11 16,-3 0-9-16,3-4 7 16,1 0-7-16,0 0 6 15,-1 4-6-15,5 0-2 16,-4 4 0-16,-4 0 7 15,8-4-6-15,0 0 2 0,4 4-3 16,-4 0 27-16,4-1-21 16,-4-3 5-16,9 0-8 15,0 0 11-15,0-3-11 16,4 3 14-16,-5 0-13 16,-8 0-3-16,5 0 0 31,-10 0 9-31,-3 3-9 0,-5 1 11 15,-5 4-10-15,-8 0 4 16,-8-1-5-16,-9 1 2 16,-14 0-3-16,-8-4 5 15,-4 0-5-15,-9-1-25 16,-13-3-180-16,-9 12 158 16,-4-20-250-1</inkml:trace>
     <inkml:trace contextRef="#ctx0" brushRef="#br0" timeOffset="60516.1873">1775 7390 168 0,'-9'0'78'0,"9"0"-61"0,-26 0-21 0,22 0 59 16,-5 0-44-16,0 0 32 16,-4 0-31-16,0 0 10 15,-4 0-16-15,-1 0 10 0,-8-3-11 16,5 3 5-16,-10-4-7 16,5 4 9-16,-13-4-9 0,9 0 18 15,-9 0-16-15,9 0 7 16,-5-3-9-16,5-1 4 15,-5-4-6-15,5 5 6 16,-9-1-6-16,4 0 0 16,-4-11 0-16,9 4 4 0,-5-5-4 31,9 5 3-31,-4-8-3 16,4 3 5-16,-5-3-5 15,5 0-3-15,-4-11 2 0,4 7 3 16,-9-12-3-16,9 4 0 15,-4-7 1-15,4 7 1 16,-4-11-1-16,4 11-3 16,0-7 1-16,4 7 6 0,0-11-4 15,5 8-8-15,-5-5 5 16,-8-18 7-16,4-5-5 16,4 1-2-16,9 22 2 15,4 8 0-15,1-7 0 16,-10-39 8-16,10 39-6 31,3 11 2-31,1-8-3 0,0 9 8 16,-5-13-7-16,5 9-4 15,-1-13 2-15,1 9 3 16,-5-20-3-16,-4-42 6 16,0 15-5-16,5 8 3 15,-1 4-3-15,-4 15 2 16,0 8-2-16,0-16 8 0,0 9-7 15,0-1 2-15,4 4-3 16,-4-12 5-16,5-3-5 16,-1 0 0-16,0 3 0 0,1 1 1 15,-1 7-1-15,0 4 2 16,1-4-2-16,-5 8-1 16,4 0 1-1,-4 4-7-15,0 3 5 16,0 5-45-16,0-5 36 15,0 13-128-15,0 3 107 16</inkml:trace>
     <inkml:trace contextRef="#ctx0" brushRef="#br0" timeOffset="101462.1268">17254 432 148 0,'0'-4'65'15,"22"-19"-51"-15,-31 11-17 0,22 8 57 0,-13 1-43 16,4-1 35-16,5 4-34 15,-9 0 13-15,0 0-18 16,0 0 2-16,-13 15-9 0,9 8 0 16,-9-4 3-16,0 5-3 15,0 3 0-15,-1 3 1 16,1 1-4-16,5 8 2 16,-1 7 1-16,-4-4 0 15,9 5-3-15,-9-1 2 16,0 4 1-1,8 19 0-15,-8 1 2 16,0-5-1-16,0 1-3 16,5-1 1-16,-5 4-2 0,0 1 2 15,0-1 4-15,0 1-3 16,8 14-2-16,-12 5 1 16,-5-8 4-16,9 7-3 15,-4-3-2-15,4 0 1 0,-4-4 1 16,4 23 0-16,-5-8 2 15,14 1-1-15,-5-1-6 16,-4-4 4-16,9-3 8 16,-9 7-5-16,9 8-1 15,-5-7 0-15,0 11 7 16,1-16-6 0,-5 1 5-16,8-5-6 15,-3 16 6-15,3-7-6 16,1-5 6-16,-5 0-6 15,9-7 6-15,0-4-6 16,0 0 3-16,0 8-3 16,0-1-1-16,0-3 1 15,0 0-1-15,0 7 0 0,0-11 2 16,0 0-1-16,0 0 13 16,0 15-10-16,0-7 6 15,0-4-7-15,0 15 1 16,0-19-3-16,-4-4 8 0,-5 4-7 15,9-4 2-15,-4 19-3 16,0-7 8-16,-5-4-7 0,9 11-4 16,-4-15 2-16,-5 0 5 15,9-4-4-15,-4 8 9 16,-5 3-8-16,9-3 10 16,0-8-9-16,0 4 7 15,0-8-7-15,0-3 1 31,0-1-3-31,-4 0-1 0,4 4 1 16,-5 5 1-16,5-9-1 16,0-7-1-16,0-24 1 15,0 1-1-15,0-5 0 16,0-3 2-16,5 4-1 16,-5-4-79-16,0-4 61 15,0-4-305-15</inkml:trace>
     <inkml:trace contextRef="#ctx0" brushRef="#br0" timeOffset="102911.9745">9737 7787 136 0,'18'0'62'0,"-5"0"-49"0,0 0-16 0,-5 0 35 0,5 0-26 16,5 0 28-16,3 4-25 15,5-4 15-15,9 0-18 16,0 0 6-16,4 0-9 0,0 0 9 15,9 0-9-15,-5 0-1 16,5 0-1 0,4 0 4-16,0-4-4 15,0 4 11-15,0-4-9 16,13 1 2-16,-5-1-4 16,5 0 2-16,0 0-2 15,0 0-3-15,9 4 1 16,0-4 1-16,-22 4 0 15,-9 0 2-15,22-4-1 0,-8 1 8 0,12-1-7 16,39-4 2-16,1 0-3 16,-10 4 11-16,-34 1-10 15,-13-1 3-15,22 0-4 16,-9 0 5-16,17 0-5 16,48-3-3-16,-13 3 2 15,-4 0 3-15,-35 4-3 0,-8 0 3 16,21-4-2-16,47 0 8 15,-3-4-7-15,-10 1 5 16,-38 7-6-16,-13 0 0 16,17-4 0-16,87-4 4 15,-31 4-4-15,-4 0 6 32,-65 4-6-32,-4 0 3 0,17 0-3 15,-13 0 8-15,21-3-7 16,-16-1 5-16,25 4-6 15,-21 0 6-15,30-12-6 16,-13 4 3-16,9 1-3 16,-18-1-1-16,22 0 1 0,-13 4 1 15,13-3-1-15,-17 3 16 0,17-8-13 16,-17 5 4-16,12-1-6 16,-16 0-1-16,8 1 0 15,-18-1 13-15,5 0-11 16,-13 0 24-16,5 5-21 15,-18-1 12-15,8-4-13 32,-12 4 2-32,-5 0-5 0,-8 0-1 15,-4 1 0-15,-1-1-10 16,-13 0 7-16,1 0-86 16,-5 0 69-16,0 0-237 15,-13 0 198 1,-5 4-72-16</inkml:trace>
     <inkml:trace contextRef="#ctx0" brushRef="#br0" timeOffset="45631.9082">3469 7699 112 0,'-8'0'52'0,"8"0"-41"0,-9 4-14 16,9-4 43-16,-4 3-32 15,4-3 22-15,-5 0-22 16,1 0 13-16,0 4-16 16,-1-4 6-16,-3 4-8 0,3 0 4 15,-8 0-6 1,5-4 14-16,-1 0-11 15,0 0 6-15,5 4-7 16,0-1 6-16,-1 1-6 16,1 0 4-16,0 0-6 0,-1 0 3 15,5 4-3-15,0-5 8 16,5 5-7-16,-1 0 7 16,5 7-6-16,-5-3-2 0,9 7 0 15,0-3 15-15,9 3-12 16,-5-4 1-16,13 4-3 15,-4-3 4-15,9 7-5 16,-5-4-3-16,9 4 2 16,-4 1 5-16,8-1-4 15,-8 0 6-15,8 4-6 0,-3-4 9 16,3 8-8-16,-4-4 10 16,0-4-9-16,-4 0 2 15,4 0-4-15,-5-4 5 16,1 1-5-16,-5-1 9 15,5-4-8-15,-9-3 5 16,9-1-6 0,-9 1 3-16,4-1-3 15,-4-3-1-15,4 0 1 16,-4 0-1-16,0-1 0 16,-8 1 0-16,-1 0 0 0,-4-4-20 15,0-1 16-15,0 1-75 16,-4 0 62-16,-1 0-117 15,1 0 102-15,0-4-114 16</inkml:trace>
     <inkml:trace contextRef="#ctx0" brushRef="#br0" timeOffset="99943.3679">9174 7622 116 0,'9'0'55'0,"-1"-8"-43"0,5 12-15 0,-4-12 46 15,8 0-35-15,9 4 31 0,0-3-29 16,0-1 18-16,5-7-21 16,-1 3 2-16,0 1-7 0,5-1 10 15,0 4-9-15,-5 1 2 16,13-1-4-16,-4 4 5 15,0 0-5-15,0 0 3 0,-4 0-3 16,0 1 2-16,-1 3-2 16,5 0 16-16,5-4-13 15,-5 4 10-15,0 0-11 0,0 0 4 16,4 0-5-16,1 0-1 16,3 0 0-16,-3 4-1 15,3-1 0-15,-3 1 0 31,-1 0 0-31,0 0 0 0,-4 4 0 16,-4 3 0-16,0-3 0 16,4 7-6-16,4-7 5 15,-4 8-34-15,-4-16 28 16,-1 0-71-16,-3 11 60 16,-1 4-166-1</inkml:trace>
-    <inkml:trace contextRef="#ctx0" brushRef="#br0" timeOffset="51510.4937">4575 1507 76 0,'-18'4'36'0,"10"-1"-29"0,-10 5-9 0,14-4 27 16,0 4-20-16,-5 3 15 15,-4 1-15-15,0 3 6 16,0 5-8-16,-4-1-2 0,-1 19 0 31,-3-3 1-31,-1 4-1 16,0-5-1-16,1 5 1 0,-5-1 1 15,0-3-1-15,0 11-3 16,0-3 1-16,0-1 1 16,0 0 0-16,0 5 14 15,-9-1-11-15,0 8 15 16,1 7-13-16,3-3 3 0,1-4-6 15,0-4 2-15,4 0-3 0,-5 0 19 16,5 0-16-16,0-7 10 16,-4-1-10-16,-5 1 12 15,5-1-12-15,-1 0 12 16,1 1-12-16,0 7 6 16,-1 12-7-1,1-9-2-15,0-6 0 16,-1-1 13-16,1-4-11 15,4-7 15-15,-9 11-13 16,5-3 0-16,-9-5-3 16,4 1 12-16,1-5-10 15,3 1 3-15,-3 0-5 0,3-1 5 16,1 1-6-16,-9-4 9 16,4 7-8-16,5 9 10 0,4-9-9 15,0-3 4-15,0-4-5 16,0 0-1-16,4-8 0 15,5 0-7-15,4-4 5 16,0-7-316 0</inkml:trace>
+    <inkml:trace contextRef="#ctx0" brushRef="#br0" timeOffset="51510.4936">4575 1507 76 0,'-18'4'36'0,"10"-1"-29"0,-10 5-9 0,14-4 27 16,0 4-20-16,-5 3 15 15,-4 1-15-15,0 3 6 16,0 5-8-16,-4-1-2 0,-1 19 0 31,-3-3 1-31,-1 4-1 16,0-5-1-16,1 5 1 0,-5-1 1 15,0-3-1-15,0 11-3 16,0-3 1-16,0-1 1 16,0 0 0-16,0 5 14 15,-9-1-11-15,0 8 15 16,1 7-13-16,3-3 3 0,1-4-6 15,0-4 2-15,4 0-3 0,-5 0 19 16,5 0-16-16,0-7 10 16,-4-1-10-16,-5 1 12 15,5-1-12-15,-1 0 12 16,1 1-12-16,0 7 6 16,-1 12-7-1,1-9-2-15,0-6 0 16,-1-1 13-16,1-4-11 15,4-7 15-15,-9 11-13 16,5-3 0-16,-9-5-3 16,4 1 12-16,1-5-10 15,3 1 3-15,-3 0-5 0,3-1 5 16,1 1-6-16,-9-4 9 16,4 7-8-16,5 9 10 0,4-9-9 15,0-3 4-15,0-4-5 16,0 0-1-16,4-8 0 15,5 0-7-15,4-4 5 16,0-7-316 0</inkml:trace>
     <inkml:trace contextRef="#ctx0" brushRef="#br0" timeOffset="334501.5564">5247 6527 84 0,'4'0'39'0,"-4"0"-31"0,4 0-10 0,1 0 27 16,-1 0-20-16,0 0 9 16,5 0-10-16,0 0 3 15,4-4-5-15,0 4 2 16,0-3-3-16,0 3-1 0,4 0 1 15,-4 0 4-15,9-4-4 16,-5 0-3-16,9 0 2 0,-4 0-3 16,12 0 2-16,-8 1 1 15,18-1 0-15,-5 0 0 16,8-4 0-16,-8 0-3 16,18-3 2-16,-10 3 4 15,18-3-3-15,-12-1 3 16,16-11-2-16,-13 4-1 0,18-4 1 15,-9-1-4-15,17 1 2 16,-12 0 1-16,12 0 0 16,-13 0-3-16,18 0 2 15,-9 4 15-15,9-5-11 0,-14 5 1 16,19-4-2 0,-14 4-2-1,8-1 1-15,-12 5 1 0,8 0-1 16,-12-1-3-16,3 1 1 15,-8 3-2-15,0 1 2 0,-13 3-142 16</inkml:trace>
     <inkml:trace contextRef="#ctx0" brushRef="#br0" timeOffset="331734.4862">5316 2844 44 0,'-4'0'23'0,"4"0"-19"0,0 4-5 0,0-4 28 16,-5 3-22-16,1-3 21 16,0 4-19-16,-1-4 21 15,1 0-21-15,4 0 16 16,0 4-17-16,0 0 6 15,-4 0-9 1,-1 0-5-16,1 0 2 16,4-4 3-16,-4 3-3 0,-1 1-2 15,1 0 1-15,0 0 4 0,4-4-3 16,0 0-2-16,0 0 1 16,0 0 1-16,13 0 0 15,-5 0 0-15,10-4 0 16,-1 0 5-16,9 0-4 15,-4 1-5-15,8-5 3 0,-4 4 6 16,9-4-5-16,-5 1-2 16,13-1 2-16,-4 0 25 15,9 1-20-15,-9-1 7 16,9-4-8-16,-9 5-3 16,13-1 0-16,-9 4 1 0,9-8-1 15,-8 1 2-15,8-1-2 16,-9 5-3-16,13-5 1 15,-8 0 1-15,13 1 0 16,-9-1 0-16,13 1 0 16,-13-1 0-16,13-3 0 31,-9 3 5-31,13-3-4 0,-12 3 0 16,21 1 0-16,-18-1-4 15,5 1 2-15,-8-1 4 16,4 0-3-16,-9 1-5 0,8 3 4 15,-12 1 0-15,4-1 1 16,-9 0 5-16,5 0-4 16,-9 5-5-16,9-13 3 0,-9 5-3 15,17-1 3-15,-8 0 1 16,4 1 0-16,-9 3-14 16,5 0 11-16,-9 1-123 15,-5-1 99 1,-3 0-35-16</inkml:trace>
-    <inkml:trace contextRef="#ctx0" brushRef="#br0" timeOffset="39588.5904">2143 3900 168 0,'17'-20'78'0,"-17"20"-61"0,39-11-21 0,-30 11 84 16,13-4-64-16,-5 0 29 0,18 0-33 16,-5 0 13-16,18 4-19 15,-9 0 8-15,21 0-10 0,-8 0 3 16,18 4-5-16,-10-4 13 15,14 0-11-15,-13 0 0 16,4 0-2-16,-9 0-4 16,1 0 1-1,-10 0 9-15,-3 0-6 16,-10 0 10-16,-3 4-9 16,-5 0 2-16,-5 0-4 15,1 0-3-15,0-1 1 16,-9 1 4-16,0 4-3 15,-5-4 0-15,5 4 1 16,0-1 1-16,0 5-1 0,-4-1-6 16,4 5 4-16,0-5 0 0,0 1 1 15,0-1-68-15,0 1 54 16,-4-4-211 0,4 3 174-16,0-3-58 15</inkml:trace>
-    <inkml:trace contextRef="#ctx0" brushRef="#br0" timeOffset="40805.6459">2121 5364 148 0,'-21'4'65'0,"16"-1"-51"0,-3 5-17 0,8-4 54 16,0 4-41-16,0-1 28 15,4 1-28-15,5 4 25 16,12-1-26-16,14-3 21 0,8 0-23 0,18-1 36 16,8-3-33-16,18-4 43 15,4-4-40-15,4-3 19 16,-4-1-23-16,-4 0 3 16,-4 0-8-16,-10 1 0 15,-12 3-3-15,-9 0-3 16,-9 0 1-16,-8 4-24 0,-13 0 19 15,-9 0-213-15,-9 4 171 16,-4 4-154 0</inkml:trace>
+    <inkml:trace contextRef="#ctx0" brushRef="#br0" timeOffset="39588.5903">2143 3900 168 0,'17'-20'78'0,"-17"20"-61"0,39-11-21 0,-30 11 84 16,13-4-64-16,-5 0 29 0,18 0-33 16,-5 0 13-16,18 4-19 15,-9 0 8-15,21 0-10 0,-8 0 3 16,18 4-5-16,-10-4 13 15,14 0-11-15,-13 0 0 16,4 0-2-16,-9 0-4 16,1 0 1-1,-10 0 9-15,-3 0-6 16,-10 0 10-16,-3 4-9 16,-5 0 2-16,-5 0-4 15,1 0-3-15,0-1 1 16,-9 1 4-16,0 4-3 15,-5-4 0-15,5 4 1 16,0-1 1-16,0 5-1 0,-4-1-6 16,4 5 4-16,0-5 0 0,0 1 1 15,0-1-68-15,0 1 54 16,-4-4-211 0,4 3 174-16,0-3-58 15</inkml:trace>
+    <inkml:trace contextRef="#ctx0" brushRef="#br0" timeOffset="40805.6458">2121 5364 148 0,'-21'4'65'0,"16"-1"-51"0,-3 5-17 0,8-4 54 16,0 4-41-16,0-1 28 15,4 1-28-15,5 4 25 16,12-1-26-16,14-3 21 0,8 0-23 0,18-1 36 16,8-3-33-16,18-4 43 15,4-4-40-15,4-3 19 16,-4-1-23-16,-4 0 3 16,-4 0-8-16,-10 1 0 15,-12 3-3-15,-9 0-3 16,-9 0 1-16,-8 4-24 0,-13 0 19 15,-9 0-213-15,-9 4 171 16,-4 4-154 0</inkml:trace>
     <inkml:trace contextRef="#ctx0" brushRef="#br0" timeOffset="333035.8224">5216 4793 80 0,'-8'4'39'0,"8"-4"-31"0,-5 8-10 0,5-4 24 16,0 0-18-16,-4 0 10 16,0-1-10-16,4 1 9 15,0 0-10-15,0 0 4 16,0 0-5-16,0 0 2 15,4 0-3 1,0-4 19-16,5 0-16 16,0 0 5-16,12-4-7 15,1 0 2-15,8-4-3 16,-4 0 2-16,9-3-2 0,-5 3-3 0,9-3 1 16,-4 3 4-16,21-4-3 15,18-3 3-15,-26 7-2 16,-5 0-3-16,18 1 1 0,-9-1 1 15,13-7 0 1,-9 3 2-16,18-7-1 0,-13 3 2 16,12 1-2-16,-12 0 11 15,17-1-10-15,-9 1-3 16,14-1 1-16,-14 1 0 16,22-4 0-1,-9 3-3-15,5-3 2 16,-13 4 9-16,17-1-6 15,-13 1 2-15,4-4-3 16,-8-1 2-16,0 5-2 16,-14 3-6-16,1 1 4 15,-9-1-188 1</inkml:trace>
     <inkml:trace contextRef="#ctx0" brushRef="#br0" timeOffset="336074.8606">5342 8022 108 0,'17'-4'49'0,"-17"4"-39"0,9-7-12 16,-5 7 35-16,1 0-26 0,-1 0 17 16,5-4-18-16,-5 0 3 15,9 0-7-15,-4 0 10 0,4 1-9 16,0-1 2-16,8-4-4 16,1 4 5-16,4 0-5 15,-4 0 3-15,17-7-3 16,-5 3-1-1,10-3 1-15,-10 3-1 16,14-8 0-16,-9 1 0 16,13 0 0-16,-8-1 2 15,16-3-1-15,-12 4-3 0,21-5 1 16,-12 5-2-16,12-4 2 16,-8 3 1-16,17-11 0 15,-13 4 2-15,17-8-1 0,-13 4-3 16,18 0 1-16,-9 4 1 15,4-8 0-15,-12 8-3 16,17 0 2-16,-14 4 4 16,1-4-3-16,-9 3-14 15,0 5 12-15,-13 4-177 16</inkml:trace>
-    <inkml:trace contextRef="#ctx0" brushRef="#br0" timeOffset="49755.2311">4570 4720 156 0,'0'0'69'0,"-4"0"-55"0,4 0-18 0,0 0 48 16,-4 0-36-16,-1 0 29 15,1 0-28-15,0-4 7 16,-5 1-12-16,0-1 1 0,1 0-4 16,-1 0 11-16,-4 0-10 0,0 0 3 15,0-3-4-15,-4-1 5 16,-1 4-5-16,-3-4 6 0,-1 1-6 15,0-1 6-15,1 0-6 16,-5-3 11-16,4-1-9 16,0 0 7-16,1 1-7 31,-1 3 1-31,0 1-3 0,1-1 2 16,-1 0-2-16,0 4 2 15,5-3-2-15,-5 3 2 16,1 0-2-16,-5 0-1 15,4 0 1-15,-4 0-1 16,4 0 0-16,1 1 2 16,-5-5-1-16,4 0-1 15,-4 4 1-15,4 0-1 16,-4 1 2-16,-4-1-1 16,0 4-3-16,-1 0 1 15,1 0 6-15,-1 0-4 16,5 0-36-16,0 0 27 0,5 0-173 31,3 0 140-31,1-4-90 16</inkml:trace>
+    <inkml:trace contextRef="#ctx0" brushRef="#br0" timeOffset="49755.231">4570 4720 156 0,'0'0'69'0,"-4"0"-55"0,4 0-18 0,0 0 48 16,-4 0-36-16,-1 0 29 15,1 0-28-15,0-4 7 16,-5 1-12-16,0-1 1 0,1 0-4 16,-1 0 11-16,-4 0-10 0,0 0 3 15,0-3-4-15,-4-1 5 16,-1 4-5-16,-3-4 6 0,-1 1-6 15,0-1 6-15,1 0-6 16,-5-3 11-16,4-1-9 16,0 0 7-16,1 1-7 31,-1 3 1-31,0 1-3 0,1-1 2 16,-1 0-2-16,0 4 2 15,5-3-2-15,-5 3 2 16,1 0-2-16,-5 0-1 15,4 0 1-15,-4 0-1 16,4 0 0-16,1 1 2 16,-5-5-1-16,4 0-1 15,-4 4 1-15,4 0-1 16,-4 1 2-16,-4-1-1 16,0 4-3-16,-1 0 1 15,1 0 6-15,-1 0-4 16,5 0-36-16,0 0 27 0,5 0-173 31,3 0 140-31,1-4-90 16</inkml:trace>
     <inkml:trace contextRef="#ctx0" brushRef="#br0" timeOffset="40104.3589">3469 4046 152 0,'5'-4'69'0,"-5"4"-55"0,8 0-18 0,-3 0 70 15,-1 4-53-15,0 0 33 16,1 3-34-16,-1 1 21 31,0 11-24-31,1-3 23 0,-1 19-24 0,-4 26 18 16,0 5-19-16,-4-1 7 16,-1 8-10-16,-3-3 9 15,-5 3-10-15,0 0 2 16,0 8-4-16,0 4 13 15,0-8-10-15,4-4 9 16,0-11-10-16,1-4 7 0,3-1-7 16,1-10-13-16,0-9 8 15,-1-7 14-15,5-4-9 16,0-8-4-16,0-3 1 16,0-5-76-16,5 1 60 15,-5-5-197-15,4 1 165 16,5-12-101-16</inkml:trace>
-    <inkml:trace contextRef="#ctx0" brushRef="#br0" timeOffset="47087.8279">4687 6635 112 0,'-21'-4'52'0,"21"4"-41"0,-5 0-14 0,5 0 43 15,0 0-32-15,0 0 31 16,-4 0-30-16,0 0 21 16,-1 0-22-16,1 0 1 0,0 0-6 15,-1 0 7-15,-3 0-8 16,3 0 5-16,-3-7-6 15,-1 3 9-15,0 0-8 0,1 0 10 16,-5 0-9-16,0 0 10 16,-5-7-10-16,5 3 4 15,-4 0-5-15,4 1 5 16,-13-5-6-16,4 1 11 0,1-1-9 16,3 0 16-16,-3 1-15 31,3-1 12-31,-3-3-11 0,-5 3 5 15,0-3-7-15,4 0 6 16,-4-9-6-16,4 5-2 16,-4-8 0-16,5 4 4 15,-5-4-4-15,4 4-3 16,-8 0 2-16,4-4 0 16,0 4 0-16,0 4 2 0,0-5-1 15,4 5 2-15,-4-4-2 16,4 4-1-16,-4-4 1 15,5 3 7-15,-5-7-6 16,4 4-1-16,-4-4 0 16,4 4 13-16,0-4-11 15,5 4-4 1,0 0 1-16,-1 0 3 16,1-4-3-16,0 4 9 15,-1-16-7-15,1 8-1 16,0 1 0-16,4 3 1 15,-5-4-1-15,5 4-1 16,-4-4 1-16,4 8-1 0,-4-8 0 16,4 8-3-16,-5 0 2 0,5 4 4 15,0-1-3-15,0 5-25 16,0 3 20-16,5 1-214 16,3 7 171-16,5 4-120 15</inkml:trace>
+    <inkml:trace contextRef="#ctx0" brushRef="#br0" timeOffset="47087.8278">4687 6635 112 0,'-21'-4'52'0,"21"4"-41"0,-5 0-14 0,5 0 43 15,0 0-32-15,0 0 31 16,-4 0-30-16,0 0 21 16,-1 0-22-16,1 0 1 0,0 0-6 15,-1 0 7-15,-3 0-8 16,3 0 5-16,-3-7-6 15,-1 3 9-15,0 0-8 0,1 0 10 16,-5 0-9-16,0 0 10 16,-5-7-10-16,5 3 4 15,-4 0-5-15,4 1 5 16,-13-5-6-16,4 1 11 0,1-1-9 16,3 0 16-16,-3 1-15 31,3-1 12-31,-3-3-11 0,-5 3 5 15,0-3-7-15,4 0 6 16,-4-9-6-16,4 5-2 16,-4-8 0-16,5 4 4 15,-5-4-4-15,4 4-3 16,-8 0 2-16,4-4 0 16,0 4 0-16,0 4 2 0,0-5-1 15,4 5 2-15,-4-4-2 16,4 4-1-16,-4-4 1 15,5 3 7-15,-5-7-6 16,4 4-1-16,-4-4 0 16,4 4 13-16,0-4-11 15,5 4-4 1,0 0 1-16,-1 0 3 16,1-4-3-16,0 4 9 15,-1-16-7-15,1 8-1 16,0 1 0-16,4 3 1 15,-5-4-1-15,5 4-1 16,-4-4 1-16,4 8-1 0,-4-8 0 16,4 8-3-16,-5 0 2 0,5 4 4 15,0-1-3-15,0 5-25 16,0 3 20-16,5 1-214 16,3 7 171-16,5 4-120 15</inkml:trace>
     <inkml:trace contextRef="#ctx0" brushRef="#br0" timeOffset="48253.4952">4718 5086 104 0,'-5'-7'49'0,"5"7"-39"0,-4 0-12 0,4 0 38 0,-9 0-29 16,1 3 9-16,-5 5-11 16,0 4 19-16,0 3-18 15,-5 1 17-15,1-1-18 0,0 4 7 16,-1 4-9-16,1 4 6 16,0-4-6-16,-1 1-2 31,1-1 0-31,0 0-1 0,-1 0 0 15,-3 4 2-15,3 0-1 16,-3 4-1-16,-1-1 1 16,0 9-7-16,1 7 5 15,-5-3 8-15,4 3-5 16,-4-8-4-16,0-3 2 16,4 0 5-16,-4-4-4 0,5 3 11 15,3-7-9-15,5-4-1 16,-8 0-1-16,3 1-1 0,-3 3 0 15,-1-4 14-15,0 7-11 16,5-6 10-16,-5 6-10 16,5-6 13-16,-5 10-12 31,5-3-2-31,-5 8-1 0,5-5-1 16,-5 1 0-16,5-4 14 15,-9 7-11-15,4-11 4 16,-4 4-5-16,4-8-1 15,1 8 0-15,3-4-1 16,-3 4 0-16,3-4 2 16,1 4-1-16,0-8 11 0,-1 4-10 15,1-4 14-15,0 4-12 16,-1-4 12-16,1 4-12 16,0-4 0-16,-1 4-2 15,1-4 1-15,0 16-2 16,-1-9 5-16,-3 5-5 0,3-4 0 31,-8 0 0-31,5 0 1 0,3-8-1 16,5 0-12-16,0-4 9 15,5-3-308 1</inkml:trace>
     <inkml:trace contextRef="#ctx0" brushRef="#br0" timeOffset="58231.2283">2225 1407 132 0,'5'-16'59'0,"-5"20"-47"0,4-4-15 16,-4 8 49-16,0-1-12 15,-4-3-23-15,-1 0 1 0,-3 0-9 16,-1 0-5-16,-4 0 2 0,0 0 5 31,-4-1-4-31,-1 5 0 0,-8-4 0 16,5 4-4-16,-10-1 2 15,-3 1 1-15,8 4 0 16,-5-1 2-16,1 5-1 16,4 3-1-16,-4 0 1 15,-1 0-1-15,-3 8 0 16,-1 4 2-16,0 8-1 0,1-5-1 15,-1 1 1-15,0 0 1 16,-4-1-1-16,0 1-3 16,4 8 1-16,1 3-2 15,-10-12 2-15,5 1 4 16,0 0-3-16,0 3-2 16,0 1 1-16,5-1 6 0,-10 1-4 15,5 7-3-15,-4 12 2 16,4-8-3-16,4 0 2 15,1 0 4-15,-1-7-3 16,0 3 3-16,1 4-2 0,-5-4-1 16,8 0 1-16,1-3 4 31,0 3-4-31,4-4 11 0,-5 16-9 16,5 4 4-16,5-8-5 15,-1-4 16-15,4 0-14 16,5-4 7-16,0 0-8 15,0 1 9-15,0-1-9 16,0 0 4-16,5 0-5 16,-5 1 5-16,0-5-6 0,0 8 9 15,0 4-8-15,0-4 7 16,0-4-6-16,0-7 1 16,0-4-3-16,4-1-23 15,0-7 17-15,5-8-286 16</inkml:trace>
-    <inkml:trace contextRef="#ctx0" brushRef="#br0" timeOffset="82680.0626">7518-936 184 0,'9'4'82'0,"-1"0"-65"0,10-1-21 0,-10 1 45 15,5-4-33-15,18 4 28 16,-1-4-27-16,0 0 12 15,1 0-15-15,3-4 13 0,5 4-14 16,5-4 9-16,3 1-11 16,1-1 13-16,0 0-12 15,4 0 3 1,0 0-5-16,4 0 2 16,5 0-3-16,0 1-1 15,-5-1 1-15,-8 0 7 0,25 0-6 16,1 0-4-16,0 0 2 15,-1 1 0-15,5-1 0 16,5 0 5-16,-1 0-4 16,1 0 11-16,8 0-9 0,-5 0-1 15,5 1-1-15,5-1 1 16,-1 0-1-16,0 4 8 16,1-4-7-16,-1 0 5 15,5 0-6-15,-1 0 6 16,6-3-6-16,-1 3 9 15,-5-4-8-15,10 0-1 0,-5 1 0 16,0-1 7-16,8 0-6 16,-8 1-4-16,-4-5 2 15,30 8 3-15,-8-3-3 16,-1-1 3-16,-4 0-2 16,0 0 2-16,-9 5-2 0,9-1-9 31,-4 0 6-31,0 0 10 15,8-4-7-15,-12 1 6 0,-1-1-6 16,9 4 0-16,-9 0 0 16,1 8 4-16,8-8-4 15,-9 0 6-15,0 0-6 16,9 12 3-16,-4-12-3 16,0 0 2-16,4 1-2 0,-9 3 2 15,1 0-2-15,8 0 2 16,-5 7-2-16,5 1-1 15,5-12 1-15,-9 0-1 16,4 0 0-16,0 4 2 16,0-3-1-16,4-1-1 15,-4 0 1 1,-4-4-7-16,-9 8 5 16,0 0 3-16,-9-11-2 15,-4 11 0-15,-4-8 1 16,0 4 4-16,-14 0-4 15,10 0 0-15,-18 0 0 16,21 1 1-16,-8-1-1 16,-4-4-6-16,0 4 4 0,-5 0 0 15,-8 1 1-15,8 3 0 16,-12-4 0-16,-5 0 0 16,-9 4 0-16,5-4 2 0,-9 4-1 15,8 0-3-15,5 0 1 16,-4 0 4-16,-5 0-3 15,1 0 3-15,-10 0-2 0,10 0 2 16,-1 0-2-16,5 0-6 16,-5 4 4-16,0 0 3 15,1 3-2-15,-5-3 0 16,-5 0 1-16,-3-4-1 16,-1 4 0-16,0-4-3 31,-4 4 2-31,5 7 4 0,8-3-3 15,-18 0 9-15,10-1-7 16,-18-14-32-16,4 11 24 16,-4-1-57-16,0 1 48 15,-4-4-128-15,0 4-108 32</inkml:trace>
+    <inkml:trace contextRef="#ctx0" brushRef="#br0" timeOffset="82680.0625">7518-936 184 0,'9'4'82'0,"-1"0"-65"0,10-1-21 0,-10 1 45 15,5-4-33-15,18 4 28 16,-1-4-27-16,0 0 12 15,1 0-15-15,3-4 13 0,5 4-14 16,5-4 9-16,3 1-11 16,1-1 13-16,0 0-12 15,4 0 3 1,0 0-5-16,4 0 2 16,5 0-3-16,0 1-1 15,-5-1 1-15,-8 0 7 0,25 0-6 16,1 0-4-16,0 0 2 15,-1 1 0-15,5-1 0 16,5 0 5-16,-1 0-4 16,1 0 11-16,8 0-9 0,-5 0-1 15,5 1-1-15,5-1 1 16,-1 0-1-16,0 4 8 16,1-4-7-16,-1 0 5 15,5 0-6-15,-1 0 6 16,6-3-6-16,-1 3 9 15,-5-4-8-15,10 0-1 0,-5 1 0 16,0-1 7-16,8 0-6 16,-8 1-4-16,-4-5 2 15,30 8 3-15,-8-3-3 16,-1-1 3-16,-4 0-2 16,0 0 2-16,-9 5-2 0,9-1-9 31,-4 0 6-31,0 0 10 15,8-4-7-15,-12 1 6 0,-1-1-6 16,9 4 0-16,-9 0 0 16,1 8 4-16,8-8-4 15,-9 0 6-15,0 0-6 16,9 12 3-16,-4-12-3 16,0 0 2-16,4 1-2 0,-9 3 2 15,1 0-2-15,8 0 2 16,-5 7-2-16,5 1-1 15,5-12 1-15,-9 0-1 16,4 0 0-16,0 4 2 16,0-3-1-16,4-1-1 15,-4 0 1 1,-4-4-7-16,-9 8 5 16,0 0 3-16,-9-11-2 15,-4 11 0-15,-4-8 1 16,0 4 4-16,-14 0-4 15,10 0 0-15,-18 0 0 16,21 1 1-16,-8-1-1 16,-4-4-6-16,0 4 4 0,-5 0 0 15,-8 1 1-15,8 3 0 16,-12-4 0-16,-5 0 0 16,-9 4 0-16,5-4 2 0,-9 4-1 15,8 0-3-15,5 0 1 16,-4 0 4-16,-5 0-3 15,1 0 3-15,-10 0-2 0,10 0 2 16,-1 0-2-16,5 0-6 16,-5 4 4-16,0 0 3 15,1 3-2-15,-5-3 0 16,-5 0 1-16,-3-4-1 16,-1 4 0-16,0-4-3 31,-4 4 2-31,5 7 4 0,8-3-3 15,-18 0 9-15,10-1-7 16,-18-14-32-16,4 11 24 16,-4-1-57-16,0 1 48 15,-4-4-128-15,0 4-108 32</inkml:trace>
     <inkml:trace contextRef="#ctx0" brushRef="#br0" timeOffset="85860.5551">7869 9009 140 0,'22'-4'62'0,"-5"4"-49"0,18 4-16 0,-13-4 51 16,-1 0-38-16,1 0 33 16,4 0-32-16,0-4 11 0,4 0-16 15,5 4 13-15,0 0-14 0,12 0 11 16,1 0-11-16,0-4 5 15,-1 4-7-15,1 0 15 16,13 0-14-16,4-4 15 16,0 0-14-16,8 1 6 31,10-5-8-31,-5 4 6 0,0-4-6 16,22 1 4-16,-9 3-6 15,4-12 6-15,9-3-6 16,4 8 3-16,1-1-3 15,8-7 8-15,0 3-7 16,8 1-1-16,1-1 0 16,4 5 7-16,5-4-6 0,3-1 2 15,10 5-3-15,-5-1 8 16,8-3-7-16,1-1 5 16,0 1-6-16,4-1 3 15,-52 9-3-15,-13-1 2 0,39-4-2 16,82-7-1-16,-82 8 1 31,-17 3 7-31,39-8-6 0,160-14-12 16,-169 18 8-16,-22 0 17 15,35-3-12-15,-21 4 2 16,38-5-3-16,-25 5-2 16,42-1 1-16,-34 0 4 15,35 5-4-15,-26-1 0 16,17 0 0-16,-17 1 4 0,21 3-4 15,-34 0 17-15,25 4-14 16,-21 0 1-16,14 0-3 16,-23 0 4-16,13 4-5 15,-25-4 3-15,34 0-3 16,-31 0 5-16,10 4-5 16,-14-1-3-16,5 5 2 0,-26 0 11 15,17 0-9-15,-18-5 3 16,10 1-4-16,-23 0 8 0,-3 0-7 15,-9 0 10-15,-14 0-9 16,1 0 7-16,-13-1-7 16,-9 1-5-16,-9-4 2 31,-8 0-17-31,-5 0 13 0,-4 0-85 16,-9 0 69-16,1 0-230 15,-5 4 193-15,0 0-123 16</inkml:trace>
     <inkml:trace contextRef="#ctx0" brushRef="#br0" timeOffset="59178.8679">1978 4713 116 0,'-30'-4'52'0,"30"4"-41"0,-9-4-14 16,5 4 60-16,-5 0-46 16,1-4 47-16,-5 0-43 15,0 0 26-15,-5 0-31 16,-3 1 12-16,-10-1-16 0,-3 4-1 0,-1-4-3 15,0 0 10-15,-4 4-10 16,0-8 5-16,0 1-5 16,0-1 8-16,4 0-8 15,-8-3 2-15,4 3-3 16,0-4 2-16,0 1-2 16,4-1 2-16,-4 1-2 0,5-1 11 15,-10-3-10-15,-3 3 0 16,-1-3-1-16,0-1 4 0,1-3-4 15,3 4 0-15,1-5 0 16,0-3 4-16,-1 0-4 16,10-8 0-16,-10 4 0 31,5 0 1-31,5 4-1 0,-1 0-1 16,0-4 1-16,5 4 1 15,-5 0-1-15,0 4-3 16,-4 3 1-16,0 1-2 15,5 3 2-15,-5 1-5 16,4 3 5-16,5 0-45 16,4 4 36-16,4 4-131 0,5 0 109 15,8 4-138 1</inkml:trace>
   </inkml:traceGroup>
 </inkml:ink>
+</file>
+
+<file path=ppt/notesMasters/notesMaster1.xml><?xml version="1.0" encoding="utf-8"?>
+<p:notesMaster xmlns:a="http://schemas.openxmlformats.org/drawingml/2006/main" xmlns:r="http://schemas.openxmlformats.org/officeDocument/2006/relationships" xmlns:p="http://schemas.openxmlformats.org/presentationml/2006/main">
+  <p:cSld>
+    <p:bg>
+      <p:bgRef idx="1001">
+        <a:schemeClr val="bg1"/>
+      </p:bgRef>
+    </p:bg>
+    <p:spTree>
+      <p:nvGrpSpPr>
+        <p:cNvPr id="1" name=""/>
+        <p:cNvGrpSpPr/>
+        <p:nvPr/>
+      </p:nvGrpSpPr>
+      <p:grpSpPr>
+        <a:xfrm>
+          <a:off x="0" y="0"/>
+          <a:ext cx="0" cy="0"/>
+          <a:chOff x="0" y="0"/>
+          <a:chExt cx="0" cy="0"/>
+        </a:xfrm>
+      </p:grpSpPr>
+      <p:sp>
+        <p:nvSpPr>
+          <p:cNvPr id="2" name="Header Placeholder 1"/>
+          <p:cNvSpPr>
+            <a:spLocks noGrp="1"/>
+          </p:cNvSpPr>
+          <p:nvPr>
+            <p:ph type="hdr" sz="quarter"/>
+          </p:nvPr>
+        </p:nvSpPr>
+        <p:spPr>
+          <a:xfrm>
+            <a:off x="0" y="0"/>
+            <a:ext cx="2971800" cy="458788"/>
+          </a:xfrm>
+          <a:prstGeom prst="rect">
+            <a:avLst/>
+          </a:prstGeom>
+        </p:spPr>
+        <p:txBody>
+          <a:bodyPr vert="horz" lIns="91440" tIns="45720" rIns="91440" bIns="45720" rtlCol="0"/>
+          <a:lstStyle>
+            <a:lvl1pPr algn="l">
+              <a:defRPr sz="1200"/>
+            </a:lvl1pPr>
+          </a:lstStyle>
+          <a:p>
+            <a:endParaRPr lang="en-GB"/>
+          </a:p>
+        </p:txBody>
+      </p:sp>
+      <p:sp>
+        <p:nvSpPr>
+          <p:cNvPr id="3" name="Date Placeholder 2"/>
+          <p:cNvSpPr>
+            <a:spLocks noGrp="1"/>
+          </p:cNvSpPr>
+          <p:nvPr>
+            <p:ph type="dt" idx="1"/>
+          </p:nvPr>
+        </p:nvSpPr>
+        <p:spPr>
+          <a:xfrm>
+            <a:off x="3884613" y="0"/>
+            <a:ext cx="2971800" cy="458788"/>
+          </a:xfrm>
+          <a:prstGeom prst="rect">
+            <a:avLst/>
+          </a:prstGeom>
+        </p:spPr>
+        <p:txBody>
+          <a:bodyPr vert="horz" lIns="91440" tIns="45720" rIns="91440" bIns="45720" rtlCol="0"/>
+          <a:lstStyle>
+            <a:lvl1pPr algn="r">
+              <a:defRPr sz="1200"/>
+            </a:lvl1pPr>
+          </a:lstStyle>
+          <a:p>
+            <a:fld id="{0B5FF9F3-B8F7-44D8-B55E-59E955E4F250}" type="datetimeFigureOut">
+              <a:rPr lang="en-GB" smtClean="0"/>
+              <a:t>14/12/2015</a:t>
+            </a:fld>
+            <a:endParaRPr lang="en-GB"/>
+          </a:p>
+        </p:txBody>
+      </p:sp>
+      <p:sp>
+        <p:nvSpPr>
+          <p:cNvPr id="4" name="Slide Image Placeholder 3"/>
+          <p:cNvSpPr>
+            <a:spLocks noGrp="1" noRot="1" noChangeAspect="1"/>
+          </p:cNvSpPr>
+          <p:nvPr>
+            <p:ph type="sldImg" idx="2"/>
+          </p:nvPr>
+        </p:nvSpPr>
+        <p:spPr>
+          <a:xfrm>
+            <a:off x="685800" y="1143000"/>
+            <a:ext cx="5486400" cy="3086100"/>
+          </a:xfrm>
+          <a:prstGeom prst="rect">
+            <a:avLst/>
+          </a:prstGeom>
+          <a:noFill/>
+          <a:ln w="12700">
+            <a:solidFill>
+              <a:prstClr val="black"/>
+            </a:solidFill>
+          </a:ln>
+        </p:spPr>
+        <p:txBody>
+          <a:bodyPr vert="horz" lIns="91440" tIns="45720" rIns="91440" bIns="45720" rtlCol="0" anchor="ctr"/>
+          <a:lstStyle/>
+          <a:p>
+            <a:endParaRPr lang="en-GB"/>
+          </a:p>
+        </p:txBody>
+      </p:sp>
+      <p:sp>
+        <p:nvSpPr>
+          <p:cNvPr id="5" name="Notes Placeholder 4"/>
+          <p:cNvSpPr>
+            <a:spLocks noGrp="1"/>
+          </p:cNvSpPr>
+          <p:nvPr>
+            <p:ph type="body" sz="quarter" idx="3"/>
+          </p:nvPr>
+        </p:nvSpPr>
+        <p:spPr>
+          <a:xfrm>
+            <a:off x="685800" y="4400550"/>
+            <a:ext cx="5486400" cy="3600450"/>
+          </a:xfrm>
+          <a:prstGeom prst="rect">
+            <a:avLst/>
+          </a:prstGeom>
+        </p:spPr>
+        <p:txBody>
+          <a:bodyPr vert="horz" lIns="91440" tIns="45720" rIns="91440" bIns="45720" rtlCol="0"/>
+          <a:lstStyle/>
+          <a:p>
+            <a:pPr lvl="0"/>
+            <a:r>
+              <a:rPr lang="en-US" smtClean="0"/>
+              <a:t>Click to edit Master text styles</a:t>
+            </a:r>
+          </a:p>
+          <a:p>
+            <a:pPr lvl="1"/>
+            <a:r>
+              <a:rPr lang="en-US" smtClean="0"/>
+              <a:t>Second level</a:t>
+            </a:r>
+          </a:p>
+          <a:p>
+            <a:pPr lvl="2"/>
+            <a:r>
+              <a:rPr lang="en-US" smtClean="0"/>
+              <a:t>Third level</a:t>
+            </a:r>
+          </a:p>
+          <a:p>
+            <a:pPr lvl="3"/>
+            <a:r>
+              <a:rPr lang="en-US" smtClean="0"/>
+              <a:t>Fourth level</a:t>
+            </a:r>
+          </a:p>
+          <a:p>
+            <a:pPr lvl="4"/>
+            <a:r>
+              <a:rPr lang="en-US" smtClean="0"/>
+              <a:t>Fifth level</a:t>
+            </a:r>
+            <a:endParaRPr lang="en-GB"/>
+          </a:p>
+        </p:txBody>
+      </p:sp>
+      <p:sp>
+        <p:nvSpPr>
+          <p:cNvPr id="6" name="Footer Placeholder 5"/>
+          <p:cNvSpPr>
+            <a:spLocks noGrp="1"/>
+          </p:cNvSpPr>
+          <p:nvPr>
+            <p:ph type="ftr" sz="quarter" idx="4"/>
+          </p:nvPr>
+        </p:nvSpPr>
+        <p:spPr>
+          <a:xfrm>
+            <a:off x="0" y="8685213"/>
+            <a:ext cx="2971800" cy="458787"/>
+          </a:xfrm>
+          <a:prstGeom prst="rect">
+            <a:avLst/>
+          </a:prstGeom>
+        </p:spPr>
+        <p:txBody>
+          <a:bodyPr vert="horz" lIns="91440" tIns="45720" rIns="91440" bIns="45720" rtlCol="0" anchor="b"/>
+          <a:lstStyle>
+            <a:lvl1pPr algn="l">
+              <a:defRPr sz="1200"/>
+            </a:lvl1pPr>
+          </a:lstStyle>
+          <a:p>
+            <a:endParaRPr lang="en-GB"/>
+          </a:p>
+        </p:txBody>
+      </p:sp>
+      <p:sp>
+        <p:nvSpPr>
+          <p:cNvPr id="7" name="Slide Number Placeholder 6"/>
+          <p:cNvSpPr>
+            <a:spLocks noGrp="1"/>
+          </p:cNvSpPr>
+          <p:nvPr>
+            <p:ph type="sldNum" sz="quarter" idx="5"/>
+          </p:nvPr>
+        </p:nvSpPr>
+        <p:spPr>
+          <a:xfrm>
+            <a:off x="3884613" y="8685213"/>
+            <a:ext cx="2971800" cy="458787"/>
+          </a:xfrm>
+          <a:prstGeom prst="rect">
+            <a:avLst/>
+          </a:prstGeom>
+        </p:spPr>
+        <p:txBody>
+          <a:bodyPr vert="horz" lIns="91440" tIns="45720" rIns="91440" bIns="45720" rtlCol="0" anchor="b"/>
+          <a:lstStyle>
+            <a:lvl1pPr algn="r">
+              <a:defRPr sz="1200"/>
+            </a:lvl1pPr>
+          </a:lstStyle>
+          <a:p>
+            <a:fld id="{DD801837-D9B4-4140-8B18-11EA6BF1B100}" type="slidenum">
+              <a:rPr lang="en-GB" smtClean="0"/>
+              <a:t>‹#›</a:t>
+            </a:fld>
+            <a:endParaRPr lang="en-GB"/>
+          </a:p>
+        </p:txBody>
+      </p:sp>
+    </p:spTree>
+    <p:extLst>
+      <p:ext uri="{BB962C8B-B14F-4D97-AF65-F5344CB8AC3E}">
+        <p14:creationId xmlns:p14="http://schemas.microsoft.com/office/powerpoint/2010/main" val="4270256661"/>
+      </p:ext>
+    </p:extLst>
+  </p:cSld>
+  <p:clrMap bg1="lt1" tx1="dk1" bg2="lt2" tx2="dk2" accent1="accent1" accent2="accent2" accent3="accent3" accent4="accent4" accent5="accent5" accent6="accent6" hlink="hlink" folHlink="folHlink"/>
+  <p:notesStyle>
+    <a:lvl1pPr marL="0" algn="l" defTabSz="914400" rtl="0" eaLnBrk="1" latinLnBrk="0" hangingPunct="1">
+      <a:defRPr sz="1200" kern="1200">
+        <a:solidFill>
+          <a:schemeClr val="tx1"/>
+        </a:solidFill>
+        <a:latin typeface="+mn-lt"/>
+        <a:ea typeface="+mn-ea"/>
+        <a:cs typeface="+mn-cs"/>
+      </a:defRPr>
+    </a:lvl1pPr>
+    <a:lvl2pPr marL="457200" algn="l" defTabSz="914400" rtl="0" eaLnBrk="1" latinLnBrk="0" hangingPunct="1">
+      <a:defRPr sz="1200" kern="1200">
+        <a:solidFill>
+          <a:schemeClr val="tx1"/>
+        </a:solidFill>
+        <a:latin typeface="+mn-lt"/>
+        <a:ea typeface="+mn-ea"/>
+        <a:cs typeface="+mn-cs"/>
+      </a:defRPr>
+    </a:lvl2pPr>
+    <a:lvl3pPr marL="914400" algn="l" defTabSz="914400" rtl="0" eaLnBrk="1" latinLnBrk="0" hangingPunct="1">
+      <a:defRPr sz="1200" kern="1200">
+        <a:solidFill>
+          <a:schemeClr val="tx1"/>
+        </a:solidFill>
+        <a:latin typeface="+mn-lt"/>
+        <a:ea typeface="+mn-ea"/>
+        <a:cs typeface="+mn-cs"/>
+      </a:defRPr>
+    </a:lvl3pPr>
+    <a:lvl4pPr marL="1371600" algn="l" defTabSz="914400" rtl="0" eaLnBrk="1" latinLnBrk="0" hangingPunct="1">
+      <a:defRPr sz="1200" kern="1200">
+        <a:solidFill>
+          <a:schemeClr val="tx1"/>
+        </a:solidFill>
+        <a:latin typeface="+mn-lt"/>
+        <a:ea typeface="+mn-ea"/>
+        <a:cs typeface="+mn-cs"/>
+      </a:defRPr>
+    </a:lvl4pPr>
+    <a:lvl5pPr marL="1828800" algn="l" defTabSz="914400" rtl="0" eaLnBrk="1" latinLnBrk="0" hangingPunct="1">
+      <a:defRPr sz="1200" kern="1200">
+        <a:solidFill>
+          <a:schemeClr val="tx1"/>
+        </a:solidFill>
+        <a:latin typeface="+mn-lt"/>
+        <a:ea typeface="+mn-ea"/>
+        <a:cs typeface="+mn-cs"/>
+      </a:defRPr>
+    </a:lvl5pPr>
+    <a:lvl6pPr marL="2286000" algn="l" defTabSz="914400" rtl="0" eaLnBrk="1" latinLnBrk="0" hangingPunct="1">
+      <a:defRPr sz="1200" kern="1200">
+        <a:solidFill>
+          <a:schemeClr val="tx1"/>
+        </a:solidFill>
+        <a:latin typeface="+mn-lt"/>
+        <a:ea typeface="+mn-ea"/>
+        <a:cs typeface="+mn-cs"/>
+      </a:defRPr>
+    </a:lvl6pPr>
+    <a:lvl7pPr marL="2743200" algn="l" defTabSz="914400" rtl="0" eaLnBrk="1" latinLnBrk="0" hangingPunct="1">
+      <a:defRPr sz="1200" kern="1200">
+        <a:solidFill>
+          <a:schemeClr val="tx1"/>
+        </a:solidFill>
+        <a:latin typeface="+mn-lt"/>
+        <a:ea typeface="+mn-ea"/>
+        <a:cs typeface="+mn-cs"/>
+      </a:defRPr>
+    </a:lvl7pPr>
+    <a:lvl8pPr marL="3200400" algn="l" defTabSz="914400" rtl="0" eaLnBrk="1" latinLnBrk="0" hangingPunct="1">
+      <a:defRPr sz="1200" kern="1200">
+        <a:solidFill>
+          <a:schemeClr val="tx1"/>
+        </a:solidFill>
+        <a:latin typeface="+mn-lt"/>
+        <a:ea typeface="+mn-ea"/>
+        <a:cs typeface="+mn-cs"/>
+      </a:defRPr>
+    </a:lvl8pPr>
+    <a:lvl9pPr marL="3657600" algn="l" defTabSz="914400" rtl="0" eaLnBrk="1" latinLnBrk="0" hangingPunct="1">
+      <a:defRPr sz="1200" kern="1200">
+        <a:solidFill>
+          <a:schemeClr val="tx1"/>
+        </a:solidFill>
+        <a:latin typeface="+mn-lt"/>
+        <a:ea typeface="+mn-ea"/>
+        <a:cs typeface="+mn-cs"/>
+      </a:defRPr>
+    </a:lvl9pPr>
+  </p:notesStyle>
+</p:notesMaster>
+</file>
+
+<file path=ppt/notesSlides/notesSlide1.xml><?xml version="1.0" encoding="utf-8"?>
+<p:notes xmlns:a="http://schemas.openxmlformats.org/drawingml/2006/main" xmlns:r="http://schemas.openxmlformats.org/officeDocument/2006/relationships" xmlns:p="http://schemas.openxmlformats.org/presentationml/2006/main">
+  <p:cSld>
+    <p:spTree>
+      <p:nvGrpSpPr>
+        <p:cNvPr id="1" name=""/>
+        <p:cNvGrpSpPr/>
+        <p:nvPr/>
+      </p:nvGrpSpPr>
+      <p:grpSpPr>
+        <a:xfrm>
+          <a:off x="0" y="0"/>
+          <a:ext cx="0" cy="0"/>
+          <a:chOff x="0" y="0"/>
+          <a:chExt cx="0" cy="0"/>
+        </a:xfrm>
+      </p:grpSpPr>
+      <p:sp>
+        <p:nvSpPr>
+          <p:cNvPr id="2" name="Slide Image Placeholder 1"/>
+          <p:cNvSpPr>
+            <a:spLocks noGrp="1" noRot="1" noChangeAspect="1"/>
+          </p:cNvSpPr>
+          <p:nvPr>
+            <p:ph type="sldImg"/>
+          </p:nvPr>
+        </p:nvSpPr>
+        <p:spPr/>
+      </p:sp>
+      <p:sp>
+        <p:nvSpPr>
+          <p:cNvPr id="3" name="Notes Placeholder 2"/>
+          <p:cNvSpPr>
+            <a:spLocks noGrp="1"/>
+          </p:cNvSpPr>
+          <p:nvPr>
+            <p:ph type="body" idx="1"/>
+          </p:nvPr>
+        </p:nvSpPr>
+        <p:spPr/>
+        <p:txBody>
+          <a:bodyPr/>
+          <a:lstStyle/>
+          <a:p>
+            <a:r>
+              <a:rPr lang="en-GB" dirty="0" smtClean="0"/>
+              <a:t>Original idea was that</a:t>
+            </a:r>
+            <a:r>
+              <a:rPr lang="en-GB" baseline="0" dirty="0" smtClean="0"/>
+              <a:t> current crime visualisations only report historic data and we thought there was a good opportunity to add some analysis to that.</a:t>
+            </a:r>
+          </a:p>
+          <a:p>
+            <a:r>
+              <a:rPr lang="en-GB" baseline="0" dirty="0" smtClean="0"/>
+              <a:t>	- We were quite ignorant of the data, the reason why </a:t>
+            </a:r>
+            <a:endParaRPr lang="en-GB" dirty="0"/>
+          </a:p>
+        </p:txBody>
+      </p:sp>
+      <p:sp>
+        <p:nvSpPr>
+          <p:cNvPr id="4" name="Slide Number Placeholder 3"/>
+          <p:cNvSpPr>
+            <a:spLocks noGrp="1"/>
+          </p:cNvSpPr>
+          <p:nvPr>
+            <p:ph type="sldNum" sz="quarter" idx="10"/>
+          </p:nvPr>
+        </p:nvSpPr>
+        <p:spPr/>
+        <p:txBody>
+          <a:bodyPr/>
+          <a:lstStyle/>
+          <a:p>
+            <a:fld id="{DD801837-D9B4-4140-8B18-11EA6BF1B100}" type="slidenum">
+              <a:rPr lang="en-GB" smtClean="0"/>
+              <a:t>4</a:t>
+            </a:fld>
+            <a:endParaRPr lang="en-GB"/>
+          </a:p>
+        </p:txBody>
+      </p:sp>
+    </p:spTree>
+    <p:extLst>
+      <p:ext uri="{BB962C8B-B14F-4D97-AF65-F5344CB8AC3E}">
+        <p14:creationId xmlns:p14="http://schemas.microsoft.com/office/powerpoint/2010/main" val="2472139083"/>
+      </p:ext>
+    </p:extLst>
+  </p:cSld>
+  <p:clrMapOvr>
+    <a:masterClrMapping/>
+  </p:clrMapOvr>
+</p:notes>
+</file>
+
+<file path=ppt/notesSlides/notesSlide2.xml><?xml version="1.0" encoding="utf-8"?>
+<p:notes xmlns:a="http://schemas.openxmlformats.org/drawingml/2006/main" xmlns:r="http://schemas.openxmlformats.org/officeDocument/2006/relationships" xmlns:p="http://schemas.openxmlformats.org/presentationml/2006/main">
+  <p:cSld>
+    <p:spTree>
+      <p:nvGrpSpPr>
+        <p:cNvPr id="1" name=""/>
+        <p:cNvGrpSpPr/>
+        <p:nvPr/>
+      </p:nvGrpSpPr>
+      <p:grpSpPr>
+        <a:xfrm>
+          <a:off x="0" y="0"/>
+          <a:ext cx="0" cy="0"/>
+          <a:chOff x="0" y="0"/>
+          <a:chExt cx="0" cy="0"/>
+        </a:xfrm>
+      </p:grpSpPr>
+      <p:sp>
+        <p:nvSpPr>
+          <p:cNvPr id="2" name="Slide Image Placeholder 1"/>
+          <p:cNvSpPr>
+            <a:spLocks noGrp="1" noRot="1" noChangeAspect="1"/>
+          </p:cNvSpPr>
+          <p:nvPr>
+            <p:ph type="sldImg"/>
+          </p:nvPr>
+        </p:nvSpPr>
+        <p:spPr/>
+      </p:sp>
+      <p:sp>
+        <p:nvSpPr>
+          <p:cNvPr id="3" name="Notes Placeholder 2"/>
+          <p:cNvSpPr>
+            <a:spLocks noGrp="1"/>
+          </p:cNvSpPr>
+          <p:nvPr>
+            <p:ph type="body" idx="1"/>
+          </p:nvPr>
+        </p:nvSpPr>
+        <p:spPr/>
+        <p:txBody>
+          <a:bodyPr/>
+          <a:lstStyle/>
+          <a:p>
+            <a:r>
+              <a:rPr lang="en-GB" dirty="0" smtClean="0"/>
+              <a:t>Comment on its exploratory nature.</a:t>
+            </a:r>
+            <a:r>
+              <a:rPr lang="en-GB" baseline="0" dirty="0" smtClean="0"/>
+              <a:t> All these types of people can use the app and may gain something from it but it isn’t projecting a single message to </a:t>
+            </a:r>
+            <a:r>
+              <a:rPr lang="en-GB" baseline="0" smtClean="0"/>
+              <a:t>a single type of person. </a:t>
+            </a:r>
+            <a:endParaRPr lang="en-GB"/>
+          </a:p>
+        </p:txBody>
+      </p:sp>
+      <p:sp>
+        <p:nvSpPr>
+          <p:cNvPr id="4" name="Slide Number Placeholder 3"/>
+          <p:cNvSpPr>
+            <a:spLocks noGrp="1"/>
+          </p:cNvSpPr>
+          <p:nvPr>
+            <p:ph type="sldNum" sz="quarter" idx="10"/>
+          </p:nvPr>
+        </p:nvSpPr>
+        <p:spPr/>
+        <p:txBody>
+          <a:bodyPr/>
+          <a:lstStyle/>
+          <a:p>
+            <a:fld id="{DD801837-D9B4-4140-8B18-11EA6BF1B100}" type="slidenum">
+              <a:rPr lang="en-GB" smtClean="0"/>
+              <a:t>9</a:t>
+            </a:fld>
+            <a:endParaRPr lang="en-GB"/>
+          </a:p>
+        </p:txBody>
+      </p:sp>
+    </p:spTree>
+    <p:extLst>
+      <p:ext uri="{BB962C8B-B14F-4D97-AF65-F5344CB8AC3E}">
+        <p14:creationId xmlns:p14="http://schemas.microsoft.com/office/powerpoint/2010/main" val="446436855"/>
+      </p:ext>
+    </p:extLst>
+  </p:cSld>
+  <p:clrMapOvr>
+    <a:masterClrMapping/>
+  </p:clrMapOvr>
+</p:notes>
 </file>
 
 <file path=ppt/slideLayouts/slideLayout1.xml><?xml version="1.0" encoding="utf-8"?>
@@ -3569,7 +4102,7 @@
           <a:p>
             <a:fld id="{BDDAFA7A-6445-4002-8C74-4055B96B083F}" type="datetimeFigureOut">
               <a:rPr lang="en-US" smtClean="0"/>
-              <a:t>14-Dec-15</a:t>
+              <a:t>12/14/2015</a:t>
             </a:fld>
             <a:endParaRPr lang="en-US"/>
           </a:p>
@@ -3860,7 +4393,7 @@
           <a:p>
             <a:fld id="{BDDAFA7A-6445-4002-8C74-4055B96B083F}" type="datetimeFigureOut">
               <a:rPr lang="en-US" smtClean="0"/>
-              <a:t>14-Dec-15</a:t>
+              <a:t>12/14/2015</a:t>
             </a:fld>
             <a:endParaRPr lang="en-US"/>
           </a:p>
@@ -4119,7 +4652,7 @@
           <a:p>
             <a:fld id="{BDDAFA7A-6445-4002-8C74-4055B96B083F}" type="datetimeFigureOut">
               <a:rPr lang="en-US" smtClean="0"/>
-              <a:t>14-Dec-15</a:t>
+              <a:t>12/14/2015</a:t>
             </a:fld>
             <a:endParaRPr lang="en-US"/>
           </a:p>
@@ -4588,7 +5121,7 @@
           <a:p>
             <a:fld id="{BDDAFA7A-6445-4002-8C74-4055B96B083F}" type="datetimeFigureOut">
               <a:rPr lang="en-US" smtClean="0"/>
-              <a:t>14-Dec-15</a:t>
+              <a:t>12/14/2015</a:t>
             </a:fld>
             <a:endParaRPr lang="en-US"/>
           </a:p>
@@ -4768,7 +5301,7 @@
           <a:p>
             <a:fld id="{BDDAFA7A-6445-4002-8C74-4055B96B083F}" type="datetimeFigureOut">
               <a:rPr lang="en-US" smtClean="0"/>
-              <a:t>14-Dec-15</a:t>
+              <a:t>12/14/2015</a:t>
             </a:fld>
             <a:endParaRPr lang="en-US"/>
           </a:p>
@@ -5344,7 +5877,7 @@
           <a:p>
             <a:fld id="{BDDAFA7A-6445-4002-8C74-4055B96B083F}" type="datetimeFigureOut">
               <a:rPr lang="en-US" smtClean="0"/>
-              <a:t>14-Dec-15</a:t>
+              <a:t>12/14/2015</a:t>
             </a:fld>
             <a:endParaRPr lang="en-US"/>
           </a:p>
@@ -5676,7 +6209,7 @@
           <a:p>
             <a:fld id="{BDDAFA7A-6445-4002-8C74-4055B96B083F}" type="datetimeFigureOut">
               <a:rPr lang="en-US" smtClean="0"/>
-              <a:t>14-Dec-15</a:t>
+              <a:t>12/14/2015</a:t>
             </a:fld>
             <a:endParaRPr lang="en-US"/>
           </a:p>
@@ -5851,7 +6384,7 @@
           <a:p>
             <a:fld id="{BDDAFA7A-6445-4002-8C74-4055B96B083F}" type="datetimeFigureOut">
               <a:rPr lang="en-US" smtClean="0"/>
-              <a:t>14-Dec-15</a:t>
+              <a:t>12/14/2015</a:t>
             </a:fld>
             <a:endParaRPr lang="en-US"/>
           </a:p>
@@ -6031,7 +6564,7 @@
           <a:p>
             <a:fld id="{BDDAFA7A-6445-4002-8C74-4055B96B083F}" type="datetimeFigureOut">
               <a:rPr lang="en-US" smtClean="0"/>
-              <a:t>14-Dec-15</a:t>
+              <a:t>12/14/2015</a:t>
             </a:fld>
             <a:endParaRPr lang="en-US"/>
           </a:p>
@@ -6211,7 +6744,7 @@
           <a:p>
             <a:fld id="{BDDAFA7A-6445-4002-8C74-4055B96B083F}" type="datetimeFigureOut">
               <a:rPr lang="en-US" smtClean="0"/>
-              <a:t>14-Dec-15</a:t>
+              <a:t>12/14/2015</a:t>
             </a:fld>
             <a:endParaRPr lang="en-US"/>
           </a:p>
@@ -6475,7 +7008,7 @@
           <a:p>
             <a:fld id="{BDDAFA7A-6445-4002-8C74-4055B96B083F}" type="datetimeFigureOut">
               <a:rPr lang="en-US" smtClean="0"/>
-              <a:t>14-Dec-15</a:t>
+              <a:t>12/14/2015</a:t>
             </a:fld>
             <a:endParaRPr lang="en-US"/>
           </a:p>
@@ -6774,7 +7307,7 @@
           <a:p>
             <a:fld id="{BDDAFA7A-6445-4002-8C74-4055B96B083F}" type="datetimeFigureOut">
               <a:rPr lang="en-US" smtClean="0"/>
-              <a:t>14-Dec-15</a:t>
+              <a:t>12/14/2015</a:t>
             </a:fld>
             <a:endParaRPr lang="en-US"/>
           </a:p>
@@ -7211,7 +7744,7 @@
           <a:p>
             <a:fld id="{BDDAFA7A-6445-4002-8C74-4055B96B083F}" type="datetimeFigureOut">
               <a:rPr lang="en-US" smtClean="0"/>
-              <a:t>14-Dec-15</a:t>
+              <a:t>12/14/2015</a:t>
             </a:fld>
             <a:endParaRPr lang="en-US"/>
           </a:p>
@@ -7336,7 +7869,7 @@
           <a:p>
             <a:fld id="{BDDAFA7A-6445-4002-8C74-4055B96B083F}" type="datetimeFigureOut">
               <a:rPr lang="en-US" smtClean="0"/>
-              <a:t>14-Dec-15</a:t>
+              <a:t>12/14/2015</a:t>
             </a:fld>
             <a:endParaRPr lang="en-US"/>
           </a:p>
@@ -7438,7 +7971,7 @@
           <a:p>
             <a:fld id="{BDDAFA7A-6445-4002-8C74-4055B96B083F}" type="datetimeFigureOut">
               <a:rPr lang="en-US" smtClean="0"/>
-              <a:t>14-Dec-15</a:t>
+              <a:t>12/14/2015</a:t>
             </a:fld>
             <a:endParaRPr lang="en-US"/>
           </a:p>
@@ -7728,7 +8261,7 @@
           <a:p>
             <a:fld id="{BDDAFA7A-6445-4002-8C74-4055B96B083F}" type="datetimeFigureOut">
               <a:rPr lang="en-US" smtClean="0"/>
-              <a:t>14-Dec-15</a:t>
+              <a:t>12/14/2015</a:t>
             </a:fld>
             <a:endParaRPr lang="en-US"/>
           </a:p>
@@ -8026,7 +8559,7 @@
           <a:p>
             <a:fld id="{BDDAFA7A-6445-4002-8C74-4055B96B083F}" type="datetimeFigureOut">
               <a:rPr lang="en-US" smtClean="0"/>
-              <a:t>14-Dec-15</a:t>
+              <a:t>12/14/2015</a:t>
             </a:fld>
             <a:endParaRPr lang="en-US"/>
           </a:p>
@@ -8264,7 +8797,7 @@
           <a:p>
             <a:fld id="{BDDAFA7A-6445-4002-8C74-4055B96B083F}" type="datetimeFigureOut">
               <a:rPr lang="en-US" smtClean="0"/>
-              <a:t>14-Dec-15</a:t>
+              <a:t>12/14/2015</a:t>
             </a:fld>
             <a:endParaRPr lang="en-US"/>
           </a:p>
@@ -9092,6 +9625,101 @@
 </p:sld>
 </file>
 
+<file path=ppt/slides/slide10.xml><?xml version="1.0" encoding="utf-8"?>
+<p:sld xmlns:a="http://schemas.openxmlformats.org/drawingml/2006/main" xmlns:r="http://schemas.openxmlformats.org/officeDocument/2006/relationships" xmlns:p="http://schemas.openxmlformats.org/presentationml/2006/main">
+  <p:cSld>
+    <p:spTree>
+      <p:nvGrpSpPr>
+        <p:cNvPr id="1" name=""/>
+        <p:cNvGrpSpPr/>
+        <p:nvPr/>
+      </p:nvGrpSpPr>
+      <p:grpSpPr>
+        <a:xfrm>
+          <a:off x="0" y="0"/>
+          <a:ext cx="0" cy="0"/>
+          <a:chOff x="0" y="0"/>
+          <a:chExt cx="0" cy="0"/>
+        </a:xfrm>
+      </p:grpSpPr>
+      <p:sp>
+        <p:nvSpPr>
+          <p:cNvPr id="2" name="Title 1"/>
+          <p:cNvSpPr>
+            <a:spLocks noGrp="1"/>
+          </p:cNvSpPr>
+          <p:nvPr>
+            <p:ph type="title"/>
+          </p:nvPr>
+        </p:nvSpPr>
+        <p:spPr/>
+        <p:txBody>
+          <a:bodyPr/>
+          <a:lstStyle/>
+          <a:p>
+            <a:r>
+              <a:rPr lang="en-US" dirty="0" smtClean="0"/>
+              <a:t>Potential grow</a:t>
+            </a:r>
+            <a:endParaRPr lang="en-US" dirty="0"/>
+          </a:p>
+        </p:txBody>
+      </p:sp>
+      <p:sp>
+        <p:nvSpPr>
+          <p:cNvPr id="3" name="Content Placeholder 2"/>
+          <p:cNvSpPr>
+            <a:spLocks noGrp="1"/>
+          </p:cNvSpPr>
+          <p:nvPr>
+            <p:ph idx="1"/>
+          </p:nvPr>
+        </p:nvSpPr>
+        <p:spPr/>
+        <p:txBody>
+          <a:bodyPr/>
+          <a:lstStyle/>
+          <a:p>
+            <a:r>
+              <a:rPr lang="en-US" dirty="0" smtClean="0"/>
+              <a:t>Other cities in UK</a:t>
+            </a:r>
+          </a:p>
+          <a:p>
+            <a:r>
+              <a:rPr lang="en-US" dirty="0" smtClean="0"/>
+              <a:t>Including other human activity datasets</a:t>
+            </a:r>
+          </a:p>
+          <a:p>
+            <a:r>
+              <a:rPr lang="en-US" dirty="0" smtClean="0"/>
+              <a:t>Prediction</a:t>
+            </a:r>
+            <a:endParaRPr lang="en-US" dirty="0"/>
+          </a:p>
+        </p:txBody>
+      </p:sp>
+    </p:spTree>
+    <p:extLst>
+      <p:ext uri="{BB962C8B-B14F-4D97-AF65-F5344CB8AC3E}">
+        <p14:creationId xmlns:p14="http://schemas.microsoft.com/office/powerpoint/2010/main" val="1678848181"/>
+      </p:ext>
+    </p:extLst>
+  </p:cSld>
+  <p:clrMapOvr>
+    <a:masterClrMapping/>
+  </p:clrMapOvr>
+  <p:timing>
+    <p:tnLst>
+      <p:par>
+        <p:cTn id="1" dur="indefinite" restart="never" nodeType="tmRoot"/>
+      </p:par>
+    </p:tnLst>
+  </p:timing>
+</p:sld>
+</file>
+
 <file path=ppt/slides/slide2.xml><?xml version="1.0" encoding="utf-8"?>
 <p:sld xmlns:a="http://schemas.openxmlformats.org/drawingml/2006/main" xmlns:r="http://schemas.openxmlformats.org/officeDocument/2006/relationships" xmlns:p="http://schemas.openxmlformats.org/presentationml/2006/main">
   <p:cSld>
@@ -9145,14 +9773,33 @@
         <p:spPr/>
         <p:txBody>
           <a:bodyPr>
-            <a:normAutofit/>
+            <a:normAutofit lnSpcReduction="10000"/>
           </a:bodyPr>
           <a:lstStyle/>
           <a:p>
             <a:r>
               <a:rPr lang="en-US" dirty="0" smtClean="0"/>
-              <a:t>The Scenario</a:t>
-            </a:r>
+              <a:t>The </a:t>
+            </a:r>
+            <a:r>
+              <a:rPr lang="en-US" dirty="0" smtClean="0"/>
+              <a:t>Scenario</a:t>
+            </a:r>
+          </a:p>
+          <a:p>
+            <a:pPr lvl="1"/>
+            <a:r>
+              <a:rPr lang="en-US" dirty="0" smtClean="0"/>
+              <a:t>The idea</a:t>
+            </a:r>
+          </a:p>
+          <a:p>
+            <a:pPr lvl="1"/>
+            <a:r>
+              <a:rPr lang="en-US" dirty="0" smtClean="0"/>
+              <a:t>The data</a:t>
+            </a:r>
+            <a:endParaRPr lang="en-US" dirty="0" smtClean="0"/>
           </a:p>
           <a:p>
             <a:r>
@@ -9358,2292 +10005,88 @@
           <a:lstStyle/>
           <a:p>
             <a:r>
-              <a:rPr lang="en-US" dirty="0" smtClean="0"/>
-              <a:t>The app - Overview</a:t>
-            </a:r>
-            <a:endParaRPr lang="en-US" dirty="0"/>
+              <a:rPr lang="en-GB" dirty="0" smtClean="0"/>
+              <a:t>The idea</a:t>
+            </a:r>
+            <a:endParaRPr lang="en-GB" dirty="0"/>
           </a:p>
         </p:txBody>
       </p:sp>
-      <mc:AlternateContent xmlns:mc="http://schemas.openxmlformats.org/markup-compatibility/2006">
-        <mc:Choice xmlns:p14="http://schemas.microsoft.com/office/powerpoint/2010/main" Requires="p14">
-          <p:contentPart p14:bwMode="auto" r:id="rId2">
-            <p14:nvContentPartPr>
-              <p14:cNvPr id="22" name="Ink 21"/>
-              <p14:cNvContentPartPr/>
-              <p14:nvPr/>
-            </p14:nvContentPartPr>
-            <p14:xfrm>
-              <a:off x="541220" y="1541197"/>
-              <a:ext cx="774720" cy="2986560"/>
-            </p14:xfrm>
-          </p:contentPart>
-        </mc:Choice>
-        <mc:Fallback>
-          <p:pic>
-            <p:nvPicPr>
-              <p:cNvPr id="22" name="Ink 21"/>
-              <p:cNvPicPr/>
-              <p:nvPr/>
-            </p:nvPicPr>
-            <p:blipFill>
-              <a:blip r:embed="rId3"/>
-              <a:stretch>
-                <a:fillRect/>
-              </a:stretch>
-            </p:blipFill>
-            <p:spPr>
-              <a:xfrm>
-                <a:off x="526460" y="1532557"/>
-                <a:ext cx="808200" cy="3011400"/>
-              </a:xfrm>
-              <a:prstGeom prst="rect">
-                <a:avLst/>
-              </a:prstGeom>
-            </p:spPr>
-          </p:pic>
-        </mc:Fallback>
-      </mc:AlternateContent>
-      <mc:AlternateContent xmlns:mc="http://schemas.openxmlformats.org/markup-compatibility/2006">
-        <mc:Choice xmlns:p14="http://schemas.microsoft.com/office/powerpoint/2010/main" Requires="p14">
-          <p:contentPart p14:bwMode="auto" r:id="rId4">
-            <p14:nvContentPartPr>
-              <p14:cNvPr id="32" name="Ink 31"/>
-              <p14:cNvContentPartPr/>
-              <p14:nvPr/>
-            </p14:nvContentPartPr>
-            <p14:xfrm>
-              <a:off x="1188860" y="1883557"/>
-              <a:ext cx="1394640" cy="1121400"/>
-            </p14:xfrm>
-          </p:contentPart>
-        </mc:Choice>
-        <mc:Fallback>
-          <p:pic>
-            <p:nvPicPr>
-              <p:cNvPr id="32" name="Ink 31"/>
-              <p:cNvPicPr/>
-              <p:nvPr/>
-            </p:nvPicPr>
-            <p:blipFill>
-              <a:blip r:embed="rId5"/>
-              <a:stretch>
-                <a:fillRect/>
-              </a:stretch>
-            </p:blipFill>
-            <p:spPr>
-              <a:xfrm>
-                <a:off x="1180940" y="1867357"/>
-                <a:ext cx="1416240" cy="1154880"/>
-              </a:xfrm>
-              <a:prstGeom prst="rect">
-                <a:avLst/>
-              </a:prstGeom>
-            </p:spPr>
-          </p:pic>
-        </mc:Fallback>
-      </mc:AlternateContent>
-      <mc:AlternateContent xmlns:mc="http://schemas.openxmlformats.org/markup-compatibility/2006">
-        <mc:Choice xmlns:p14="http://schemas.microsoft.com/office/powerpoint/2010/main" Requires="p14">
-          <p:contentPart p14:bwMode="auto" r:id="rId6">
-            <p14:nvContentPartPr>
-              <p14:cNvPr id="34" name="Ink 33"/>
-              <p14:cNvContentPartPr/>
-              <p14:nvPr/>
-            </p14:nvContentPartPr>
-            <p14:xfrm>
-              <a:off x="1284620" y="3256957"/>
-              <a:ext cx="1293840" cy="114840"/>
-            </p14:xfrm>
-          </p:contentPart>
-        </mc:Choice>
-        <mc:Fallback>
-          <p:pic>
-            <p:nvPicPr>
-              <p:cNvPr id="34" name="Ink 33"/>
-              <p:cNvPicPr/>
-              <p:nvPr/>
-            </p:nvPicPr>
-            <p:blipFill>
-              <a:blip r:embed="rId7"/>
-              <a:stretch>
-                <a:fillRect/>
-              </a:stretch>
-            </p:blipFill>
-            <p:spPr>
-              <a:xfrm>
-                <a:off x="1271660" y="3240397"/>
-                <a:ext cx="1317960" cy="145440"/>
-              </a:xfrm>
-              <a:prstGeom prst="rect">
-                <a:avLst/>
-              </a:prstGeom>
-            </p:spPr>
-          </p:pic>
-        </mc:Fallback>
-      </mc:AlternateContent>
-      <mc:AlternateContent xmlns:mc="http://schemas.openxmlformats.org/markup-compatibility/2006">
-        <mc:Choice xmlns:p14="http://schemas.microsoft.com/office/powerpoint/2010/main" Requires="p14">
-          <p:contentPart p14:bwMode="auto" r:id="rId8">
-            <p14:nvContentPartPr>
-              <p14:cNvPr id="38" name="Ink 37"/>
-              <p14:cNvContentPartPr/>
-              <p14:nvPr/>
-            </p14:nvContentPartPr>
-            <p14:xfrm>
-              <a:off x="2605460" y="2575477"/>
-              <a:ext cx="43920" cy="1395000"/>
-            </p14:xfrm>
-          </p:contentPart>
-        </mc:Choice>
-        <mc:Fallback>
-          <p:pic>
-            <p:nvPicPr>
-              <p:cNvPr id="38" name="Ink 37"/>
-              <p:cNvPicPr/>
-              <p:nvPr/>
-            </p:nvPicPr>
-            <p:blipFill>
-              <a:blip r:embed="rId9"/>
-              <a:stretch>
-                <a:fillRect/>
-              </a:stretch>
-            </p:blipFill>
-            <p:spPr>
-              <a:xfrm>
-                <a:off x="2591420" y="2562877"/>
-                <a:ext cx="71640" cy="1422000"/>
-              </a:xfrm>
-              <a:prstGeom prst="rect">
-                <a:avLst/>
-              </a:prstGeom>
-            </p:spPr>
-          </p:pic>
-        </mc:Fallback>
-      </mc:AlternateContent>
-      <mc:AlternateContent xmlns:mc="http://schemas.openxmlformats.org/markup-compatibility/2006">
-        <mc:Choice xmlns:p14="http://schemas.microsoft.com/office/powerpoint/2010/main" Requires="p14">
-          <p:contentPart p14:bwMode="auto" r:id="rId10">
-            <p14:nvContentPartPr>
-              <p14:cNvPr id="40" name="Ink 39"/>
-              <p14:cNvContentPartPr/>
-              <p14:nvPr/>
-            </p14:nvContentPartPr>
-            <p14:xfrm>
-              <a:off x="2574140" y="2463517"/>
-              <a:ext cx="1320840" cy="320760"/>
-            </p14:xfrm>
-          </p:contentPart>
-        </mc:Choice>
-        <mc:Fallback>
-          <p:pic>
-            <p:nvPicPr>
-              <p:cNvPr id="40" name="Ink 39"/>
-              <p:cNvPicPr/>
-              <p:nvPr/>
-            </p:nvPicPr>
-            <p:blipFill>
-              <a:blip r:embed="rId11"/>
-              <a:stretch>
-                <a:fillRect/>
-              </a:stretch>
-            </p:blipFill>
-            <p:spPr>
-              <a:xfrm>
-                <a:off x="2562980" y="2446957"/>
-                <a:ext cx="1348200" cy="350280"/>
-              </a:xfrm>
-              <a:prstGeom prst="rect">
-                <a:avLst/>
-              </a:prstGeom>
-            </p:spPr>
-          </p:pic>
-        </mc:Fallback>
-      </mc:AlternateContent>
-      <mc:AlternateContent xmlns:mc="http://schemas.openxmlformats.org/markup-compatibility/2006">
-        <mc:Choice xmlns:p14="http://schemas.microsoft.com/office/powerpoint/2010/main" Requires="p14">
-          <p:contentPart p14:bwMode="auto" r:id="rId12">
-            <p14:nvContentPartPr>
-              <p14:cNvPr id="43" name="Ink 42"/>
-              <p14:cNvContentPartPr/>
-              <p14:nvPr/>
-            </p14:nvContentPartPr>
-            <p14:xfrm>
-              <a:off x="3818660" y="2585197"/>
-              <a:ext cx="70200" cy="1247400"/>
-            </p14:xfrm>
-          </p:contentPart>
-        </mc:Choice>
-        <mc:Fallback>
-          <p:pic>
-            <p:nvPicPr>
-              <p:cNvPr id="43" name="Ink 42"/>
-              <p:cNvPicPr/>
-              <p:nvPr/>
-            </p:nvPicPr>
-            <p:blipFill>
-              <a:blip r:embed="rId13"/>
-              <a:stretch>
-                <a:fillRect/>
-              </a:stretch>
-            </p:blipFill>
-            <p:spPr>
-              <a:xfrm>
-                <a:off x="3802460" y="2575477"/>
-                <a:ext cx="98640" cy="1263600"/>
-              </a:xfrm>
-              <a:prstGeom prst="rect">
-                <a:avLst/>
-              </a:prstGeom>
-            </p:spPr>
-          </p:pic>
-        </mc:Fallback>
-      </mc:AlternateContent>
-      <mc:AlternateContent xmlns:mc="http://schemas.openxmlformats.org/markup-compatibility/2006">
-        <mc:Choice xmlns:p14="http://schemas.microsoft.com/office/powerpoint/2010/main" Requires="p14">
-          <p:contentPart p14:bwMode="auto" r:id="rId14">
-            <p14:nvContentPartPr>
-              <p14:cNvPr id="50" name="Ink 49"/>
-              <p14:cNvContentPartPr/>
-              <p14:nvPr/>
-            </p14:nvContentPartPr>
-            <p14:xfrm>
-              <a:off x="2603300" y="3973717"/>
-              <a:ext cx="1208880" cy="364680"/>
-            </p14:xfrm>
-          </p:contentPart>
-        </mc:Choice>
-        <mc:Fallback>
-          <p:pic>
-            <p:nvPicPr>
-              <p:cNvPr id="50" name="Ink 49"/>
-              <p:cNvPicPr/>
-              <p:nvPr/>
-            </p:nvPicPr>
-            <p:blipFill>
-              <a:blip r:embed="rId15"/>
-              <a:stretch>
-                <a:fillRect/>
-              </a:stretch>
-            </p:blipFill>
-            <p:spPr>
-              <a:xfrm>
-                <a:off x="2592860" y="3967597"/>
-                <a:ext cx="1231920" cy="388080"/>
-              </a:xfrm>
-              <a:prstGeom prst="rect">
-                <a:avLst/>
-              </a:prstGeom>
-            </p:spPr>
-          </p:pic>
-        </mc:Fallback>
-      </mc:AlternateContent>
-      <mc:AlternateContent xmlns:mc="http://schemas.openxmlformats.org/markup-compatibility/2006">
-        <mc:Choice xmlns:p14="http://schemas.microsoft.com/office/powerpoint/2010/main" Requires="p14">
-          <p:contentPart p14:bwMode="auto" r:id="rId16">
-            <p14:nvContentPartPr>
-              <p14:cNvPr id="62" name="Ink 61"/>
-              <p14:cNvContentPartPr/>
-              <p14:nvPr/>
-            </p14:nvContentPartPr>
-            <p14:xfrm>
-              <a:off x="2399900" y="1049831"/>
-              <a:ext cx="8653680" cy="1286280"/>
-            </p14:xfrm>
-          </p:contentPart>
-        </mc:Choice>
-        <mc:Fallback>
-          <p:pic>
-            <p:nvPicPr>
-              <p:cNvPr id="62" name="Ink 61"/>
-              <p:cNvPicPr/>
-              <p:nvPr/>
-            </p:nvPicPr>
-            <p:blipFill>
-              <a:blip r:embed="rId17"/>
-              <a:stretch>
-                <a:fillRect/>
-              </a:stretch>
-            </p:blipFill>
-            <p:spPr>
-              <a:xfrm>
-                <a:off x="2390180" y="1033991"/>
-                <a:ext cx="8673840" cy="1321560"/>
-              </a:xfrm>
-              <a:prstGeom prst="rect">
-                <a:avLst/>
-              </a:prstGeom>
-            </p:spPr>
-          </p:pic>
-        </mc:Fallback>
-      </mc:AlternateContent>
-      <mc:AlternateContent xmlns:mc="http://schemas.openxmlformats.org/markup-compatibility/2006">
-        <mc:Choice xmlns:p14="http://schemas.microsoft.com/office/powerpoint/2010/main" Requires="p14">
-          <p:contentPart p14:bwMode="auto" r:id="rId18">
-            <p14:nvContentPartPr>
-              <p14:cNvPr id="72" name="Ink 71"/>
-              <p14:cNvContentPartPr/>
-              <p14:nvPr/>
-            </p14:nvContentPartPr>
-            <p14:xfrm>
-              <a:off x="5406260" y="1589471"/>
-              <a:ext cx="6369480" cy="3813086"/>
-            </p14:xfrm>
-          </p:contentPart>
-        </mc:Choice>
-        <mc:Fallback>
-          <p:pic>
-            <p:nvPicPr>
-              <p:cNvPr id="72" name="Ink 71"/>
-              <p:cNvPicPr/>
-              <p:nvPr/>
-            </p:nvPicPr>
-            <p:blipFill>
-              <a:blip r:embed="rId19"/>
-              <a:stretch>
-                <a:fillRect/>
-              </a:stretch>
-            </p:blipFill>
-            <p:spPr>
-              <a:xfrm>
-                <a:off x="5387180" y="1569671"/>
-                <a:ext cx="6394680" cy="3849446"/>
-              </a:xfrm>
-              <a:prstGeom prst="rect">
-                <a:avLst/>
-              </a:prstGeom>
-            </p:spPr>
-          </p:pic>
-        </mc:Fallback>
-      </mc:AlternateContent>
-      <mc:AlternateContent xmlns:mc="http://schemas.openxmlformats.org/markup-compatibility/2006">
-        <mc:Choice xmlns:p14="http://schemas.microsoft.com/office/powerpoint/2010/main" Requires="p14">
-          <p:contentPart p14:bwMode="auto" r:id="rId20">
-            <p14:nvContentPartPr>
-              <p14:cNvPr id="88" name="Ink 87"/>
-              <p14:cNvContentPartPr/>
-              <p14:nvPr/>
-            </p14:nvContentPartPr>
-            <p14:xfrm>
-              <a:off x="7118060" y="2489831"/>
-              <a:ext cx="136800" cy="2560680"/>
-            </p14:xfrm>
-          </p:contentPart>
-        </mc:Choice>
-        <mc:Fallback>
-          <p:pic>
-            <p:nvPicPr>
-              <p:cNvPr id="88" name="Ink 87"/>
-              <p:cNvPicPr/>
-              <p:nvPr/>
-            </p:nvPicPr>
-            <p:blipFill>
-              <a:blip r:embed="rId21"/>
-              <a:stretch>
-                <a:fillRect/>
-              </a:stretch>
-            </p:blipFill>
-            <p:spPr>
-              <a:xfrm>
-                <a:off x="7104740" y="2471471"/>
-                <a:ext cx="167760" cy="2594160"/>
-              </a:xfrm>
-              <a:prstGeom prst="rect">
-                <a:avLst/>
-              </a:prstGeom>
-            </p:spPr>
-          </p:pic>
-        </mc:Fallback>
-      </mc:AlternateContent>
-      <mc:AlternateContent xmlns:mc="http://schemas.openxmlformats.org/markup-compatibility/2006">
-        <mc:Choice xmlns:p14="http://schemas.microsoft.com/office/powerpoint/2010/main" Requires="p14">
-          <p:contentPart p14:bwMode="auto" r:id="rId22">
-            <p14:nvContentPartPr>
-              <p14:cNvPr id="91" name="Ink 90"/>
-              <p14:cNvContentPartPr/>
-              <p14:nvPr/>
-            </p14:nvContentPartPr>
-            <p14:xfrm>
-              <a:off x="9080420" y="7076591"/>
-              <a:ext cx="31320" cy="7526"/>
-            </p14:xfrm>
-          </p:contentPart>
-        </mc:Choice>
-        <mc:Fallback>
-          <p:pic>
-            <p:nvPicPr>
-              <p:cNvPr id="91" name="Ink 90"/>
-              <p:cNvPicPr/>
-              <p:nvPr/>
-            </p:nvPicPr>
-            <p:blipFill>
-              <a:blip r:embed="rId23"/>
-              <a:stretch>
-                <a:fillRect/>
-              </a:stretch>
-            </p:blipFill>
-            <p:spPr>
-              <a:xfrm>
-                <a:off x="9063500" y="7059747"/>
-                <a:ext cx="65160" cy="41214"/>
-              </a:xfrm>
-              <a:prstGeom prst="rect">
-                <a:avLst/>
-              </a:prstGeom>
-            </p:spPr>
-          </p:pic>
-        </mc:Fallback>
-      </mc:AlternateContent>
-      <mc:AlternateContent xmlns:mc="http://schemas.openxmlformats.org/markup-compatibility/2006">
-        <mc:Choice xmlns:p14="http://schemas.microsoft.com/office/powerpoint/2010/main" Requires="p14">
-          <p:contentPart p14:bwMode="auto" r:id="rId24">
-            <p14:nvContentPartPr>
-              <p14:cNvPr id="111" name="Ink 110"/>
-              <p14:cNvContentPartPr/>
-              <p14:nvPr/>
-            </p14:nvContentPartPr>
-            <p14:xfrm>
-              <a:off x="3924500" y="3331151"/>
-              <a:ext cx="1379880" cy="78120"/>
-            </p14:xfrm>
-          </p:contentPart>
-        </mc:Choice>
-        <mc:Fallback>
-          <p:pic>
-            <p:nvPicPr>
-              <p:cNvPr id="111" name="Ink 110"/>
-              <p:cNvPicPr/>
-              <p:nvPr/>
-            </p:nvPicPr>
-            <p:blipFill>
-              <a:blip r:embed="rId25"/>
-              <a:stretch>
-                <a:fillRect/>
-              </a:stretch>
-            </p:blipFill>
-            <p:spPr>
-              <a:xfrm>
-                <a:off x="3909380" y="3311351"/>
-                <a:ext cx="1404360" cy="114120"/>
-              </a:xfrm>
-              <a:prstGeom prst="rect">
-                <a:avLst/>
-              </a:prstGeom>
-            </p:spPr>
-          </p:pic>
-        </mc:Fallback>
-      </mc:AlternateContent>
-      <mc:AlternateContent xmlns:mc="http://schemas.openxmlformats.org/markup-compatibility/2006">
-        <mc:Choice xmlns:p14="http://schemas.microsoft.com/office/powerpoint/2010/main" Requires="p14">
-          <p:contentPart p14:bwMode="auto" r:id="rId26">
-            <p14:nvContentPartPr>
-              <p14:cNvPr id="117" name="Ink 116"/>
-              <p14:cNvContentPartPr/>
-              <p14:nvPr/>
-            </p14:nvContentPartPr>
-            <p14:xfrm>
-              <a:off x="8139020" y="1666151"/>
-              <a:ext cx="106560" cy="3385080"/>
-            </p14:xfrm>
-          </p:contentPart>
-        </mc:Choice>
-        <mc:Fallback>
-          <p:pic>
-            <p:nvPicPr>
-              <p:cNvPr id="117" name="Ink 116"/>
-              <p:cNvPicPr/>
-              <p:nvPr/>
-            </p:nvPicPr>
-            <p:blipFill>
-              <a:blip r:embed="rId27"/>
-              <a:stretch>
-                <a:fillRect/>
-              </a:stretch>
-            </p:blipFill>
-            <p:spPr>
-              <a:xfrm>
-                <a:off x="8123900" y="1658951"/>
-                <a:ext cx="137160" cy="3406680"/>
-              </a:xfrm>
-              <a:prstGeom prst="rect">
-                <a:avLst/>
-              </a:prstGeom>
-            </p:spPr>
-          </p:pic>
-        </mc:Fallback>
-      </mc:AlternateContent>
-      <mc:AlternateContent xmlns:mc="http://schemas.openxmlformats.org/markup-compatibility/2006">
-        <mc:Choice xmlns:p14="http://schemas.microsoft.com/office/powerpoint/2010/main" Requires="p14">
-          <p:contentPart p14:bwMode="auto" r:id="rId28">
-            <p14:nvContentPartPr>
-              <p14:cNvPr id="121" name="Ink 120"/>
-              <p14:cNvContentPartPr/>
-              <p14:nvPr/>
-            </p14:nvContentPartPr>
-            <p14:xfrm>
-              <a:off x="3786620" y="3778271"/>
-              <a:ext cx="49320" cy="371520"/>
-            </p14:xfrm>
-          </p:contentPart>
-        </mc:Choice>
-        <mc:Fallback>
-          <p:pic>
-            <p:nvPicPr>
-              <p:cNvPr id="121" name="Ink 120"/>
-              <p:cNvPicPr/>
-              <p:nvPr/>
-            </p:nvPicPr>
-            <p:blipFill>
-              <a:blip r:embed="rId29"/>
-              <a:stretch>
-                <a:fillRect/>
-              </a:stretch>
-            </p:blipFill>
-            <p:spPr>
-              <a:xfrm>
-                <a:off x="3769340" y="3770711"/>
-                <a:ext cx="74160" cy="392400"/>
-              </a:xfrm>
-              <a:prstGeom prst="rect">
-                <a:avLst/>
-              </a:prstGeom>
-            </p:spPr>
-          </p:pic>
-        </mc:Fallback>
-      </mc:AlternateContent>
-      <mc:AlternateContent xmlns:mc="http://schemas.openxmlformats.org/markup-compatibility/2006">
-        <mc:Choice xmlns:p14="http://schemas.microsoft.com/office/powerpoint/2010/main" Requires="p14">
-          <p:contentPart p14:bwMode="auto" r:id="rId30">
-            <p14:nvContentPartPr>
-              <p14:cNvPr id="125" name="Ink 124"/>
-              <p14:cNvContentPartPr/>
-              <p14:nvPr/>
-            </p14:nvContentPartPr>
-            <p14:xfrm>
-              <a:off x="11579540" y="1680191"/>
-              <a:ext cx="252360" cy="3175560"/>
-            </p14:xfrm>
-          </p:contentPart>
-        </mc:Choice>
-        <mc:Fallback>
-          <p:pic>
-            <p:nvPicPr>
-              <p:cNvPr id="125" name="Ink 124"/>
-              <p:cNvPicPr/>
-              <p:nvPr/>
-            </p:nvPicPr>
-            <p:blipFill>
-              <a:blip r:embed="rId31"/>
-              <a:stretch>
-                <a:fillRect/>
-              </a:stretch>
-            </p:blipFill>
-            <p:spPr>
-              <a:xfrm>
-                <a:off x="11560460" y="1672631"/>
-                <a:ext cx="280800" cy="3193920"/>
-              </a:xfrm>
-              <a:prstGeom prst="rect">
-                <a:avLst/>
-              </a:prstGeom>
-            </p:spPr>
-          </p:pic>
-        </mc:Fallback>
-      </mc:AlternateContent>
-      <mc:AlternateContent xmlns:mc="http://schemas.openxmlformats.org/markup-compatibility/2006">
-        <mc:Choice xmlns:p14="http://schemas.microsoft.com/office/powerpoint/2010/main" Requires="p14">
-          <p:contentPart p14:bwMode="auto" r:id="rId32">
-            <p14:nvContentPartPr>
-              <p14:cNvPr id="160" name="Ink 159"/>
-              <p14:cNvContentPartPr/>
-              <p14:nvPr/>
-            </p14:nvContentPartPr>
-            <p14:xfrm>
-              <a:off x="6570860" y="2632031"/>
-              <a:ext cx="513720" cy="450360"/>
-            </p14:xfrm>
-          </p:contentPart>
-        </mc:Choice>
-        <mc:Fallback>
-          <p:pic>
-            <p:nvPicPr>
-              <p:cNvPr id="160" name="Ink 159"/>
-              <p:cNvPicPr/>
-              <p:nvPr/>
-            </p:nvPicPr>
-            <p:blipFill>
-              <a:blip r:embed="rId33"/>
-              <a:stretch>
-                <a:fillRect/>
-              </a:stretch>
-            </p:blipFill>
-            <p:spPr>
-              <a:xfrm>
-                <a:off x="6562940" y="2625191"/>
-                <a:ext cx="528480" cy="468720"/>
-              </a:xfrm>
-              <a:prstGeom prst="rect">
-                <a:avLst/>
-              </a:prstGeom>
-            </p:spPr>
-          </p:pic>
-        </mc:Fallback>
-      </mc:AlternateContent>
-      <mc:AlternateContent xmlns:mc="http://schemas.openxmlformats.org/markup-compatibility/2006">
-        <mc:Choice xmlns:p14="http://schemas.microsoft.com/office/powerpoint/2010/main" Requires="p14">
-          <p:contentPart p14:bwMode="auto" r:id="rId34">
-            <p14:nvContentPartPr>
-              <p14:cNvPr id="163" name="Ink 162"/>
-              <p14:cNvContentPartPr/>
-              <p14:nvPr/>
-            </p14:nvContentPartPr>
-            <p14:xfrm>
-              <a:off x="6052460" y="4494311"/>
-              <a:ext cx="548640" cy="427320"/>
-            </p14:xfrm>
-          </p:contentPart>
-        </mc:Choice>
-        <mc:Fallback>
-          <p:pic>
-            <p:nvPicPr>
-              <p:cNvPr id="163" name="Ink 162"/>
-              <p:cNvPicPr/>
-              <p:nvPr/>
-            </p:nvPicPr>
-            <p:blipFill>
-              <a:blip r:embed="rId35"/>
-              <a:stretch>
-                <a:fillRect/>
-              </a:stretch>
-            </p:blipFill>
-            <p:spPr>
-              <a:xfrm>
-                <a:off x="6039860" y="4475951"/>
-                <a:ext cx="578880" cy="461880"/>
-              </a:xfrm>
-              <a:prstGeom prst="rect">
-                <a:avLst/>
-              </a:prstGeom>
-            </p:spPr>
-          </p:pic>
-        </mc:Fallback>
-      </mc:AlternateContent>
-      <mc:AlternateContent xmlns:mc="http://schemas.openxmlformats.org/markup-compatibility/2006">
-        <mc:Choice xmlns:p14="http://schemas.microsoft.com/office/powerpoint/2010/main" Requires="p14">
-          <p:contentPart p14:bwMode="auto" r:id="rId36">
-            <p14:nvContentPartPr>
-              <p14:cNvPr id="174" name="Ink 173"/>
-              <p14:cNvContentPartPr/>
-              <p14:nvPr/>
-            </p14:nvContentPartPr>
-            <p14:xfrm>
-              <a:off x="8686220" y="2113631"/>
-              <a:ext cx="2930400" cy="2624040"/>
-            </p14:xfrm>
-          </p:contentPart>
-        </mc:Choice>
-        <mc:Fallback>
-          <p:pic>
-            <p:nvPicPr>
-              <p:cNvPr id="174" name="Ink 173"/>
-              <p:cNvPicPr/>
-              <p:nvPr/>
-            </p:nvPicPr>
-            <p:blipFill>
-              <a:blip r:embed="rId37"/>
-              <a:stretch>
-                <a:fillRect/>
-              </a:stretch>
-            </p:blipFill>
-            <p:spPr>
-              <a:xfrm>
-                <a:off x="8669660" y="2099231"/>
-                <a:ext cx="2953800" cy="2655000"/>
-              </a:xfrm>
-              <a:prstGeom prst="rect">
-                <a:avLst/>
-              </a:prstGeom>
-            </p:spPr>
-          </p:pic>
-        </mc:Fallback>
-      </mc:AlternateContent>
-      <mc:AlternateContent xmlns:mc="http://schemas.openxmlformats.org/markup-compatibility/2006">
-        <mc:Choice xmlns:p14="http://schemas.microsoft.com/office/powerpoint/2010/main" Requires="p14">
-          <p:contentPart p14:bwMode="auto" r:id="rId38">
-            <p14:nvContentPartPr>
-              <p14:cNvPr id="176" name="Ink 175"/>
-              <p14:cNvContentPartPr/>
-              <p14:nvPr/>
-            </p14:nvContentPartPr>
-            <p14:xfrm>
-              <a:off x="10223060" y="2479391"/>
-              <a:ext cx="9720" cy="89640"/>
-            </p14:xfrm>
-          </p:contentPart>
-        </mc:Choice>
-        <mc:Fallback>
-          <p:pic>
-            <p:nvPicPr>
-              <p:cNvPr id="176" name="Ink 175"/>
-              <p:cNvPicPr/>
-              <p:nvPr/>
-            </p:nvPicPr>
-            <p:blipFill>
-              <a:blip r:embed="rId39"/>
-              <a:stretch>
-                <a:fillRect/>
-              </a:stretch>
-            </p:blipFill>
-            <p:spPr>
-              <a:xfrm>
-                <a:off x="10214420" y="2466071"/>
-                <a:ext cx="33480" cy="114120"/>
-              </a:xfrm>
-              <a:prstGeom prst="rect">
-                <a:avLst/>
-              </a:prstGeom>
-            </p:spPr>
-          </p:pic>
-        </mc:Fallback>
-      </mc:AlternateContent>
-      <mc:AlternateContent xmlns:mc="http://schemas.openxmlformats.org/markup-compatibility/2006">
-        <mc:Choice xmlns:p14="http://schemas.microsoft.com/office/powerpoint/2010/main" Requires="p14">
-          <p:contentPart p14:bwMode="auto" r:id="rId40">
-            <p14:nvContentPartPr>
-              <p14:cNvPr id="179" name="Ink 178"/>
-              <p14:cNvContentPartPr/>
-              <p14:nvPr/>
-            </p14:nvContentPartPr>
-            <p14:xfrm>
-              <a:off x="10236740" y="2399831"/>
-              <a:ext cx="767880" cy="57240"/>
-            </p14:xfrm>
-          </p:contentPart>
-        </mc:Choice>
-        <mc:Fallback>
-          <p:pic>
-            <p:nvPicPr>
-              <p:cNvPr id="179" name="Ink 178"/>
-              <p:cNvPicPr/>
-              <p:nvPr/>
-            </p:nvPicPr>
-            <p:blipFill>
-              <a:blip r:embed="rId41"/>
-              <a:stretch>
-                <a:fillRect/>
-              </a:stretch>
-            </p:blipFill>
-            <p:spPr>
-              <a:xfrm>
-                <a:off x="10228820" y="2385791"/>
-                <a:ext cx="788040" cy="79200"/>
-              </a:xfrm>
-              <a:prstGeom prst="rect">
-                <a:avLst/>
-              </a:prstGeom>
-            </p:spPr>
-          </p:pic>
-        </mc:Fallback>
-      </mc:AlternateContent>
-      <mc:AlternateContent xmlns:mc="http://schemas.openxmlformats.org/markup-compatibility/2006">
-        <mc:Choice xmlns:p14="http://schemas.microsoft.com/office/powerpoint/2010/main" Requires="p14">
-          <p:contentPart p14:bwMode="auto" r:id="rId42">
-            <p14:nvContentPartPr>
-              <p14:cNvPr id="180" name="Ink 179"/>
-              <p14:cNvContentPartPr/>
-              <p14:nvPr/>
-            </p14:nvContentPartPr>
-            <p14:xfrm>
-              <a:off x="10236740" y="2394431"/>
-              <a:ext cx="821160" cy="218520"/>
-            </p14:xfrm>
-          </p:contentPart>
-        </mc:Choice>
-        <mc:Fallback>
-          <p:pic>
-            <p:nvPicPr>
-              <p:cNvPr id="180" name="Ink 179"/>
-              <p:cNvPicPr/>
-              <p:nvPr/>
-            </p:nvPicPr>
-            <p:blipFill>
-              <a:blip r:embed="rId43"/>
-              <a:stretch>
-                <a:fillRect/>
-              </a:stretch>
-            </p:blipFill>
-            <p:spPr>
-              <a:xfrm>
-                <a:off x="10224860" y="2387951"/>
-                <a:ext cx="848160" cy="236880"/>
-              </a:xfrm>
-              <a:prstGeom prst="rect">
-                <a:avLst/>
-              </a:prstGeom>
-            </p:spPr>
-          </p:pic>
-        </mc:Fallback>
-      </mc:AlternateContent>
-      <mc:AlternateContent xmlns:mc="http://schemas.openxmlformats.org/markup-compatibility/2006">
-        <mc:Choice xmlns:p14="http://schemas.microsoft.com/office/powerpoint/2010/main" Requires="p14">
-          <p:contentPart p14:bwMode="auto" r:id="rId44">
-            <p14:nvContentPartPr>
-              <p14:cNvPr id="182" name="Ink 181"/>
-              <p14:cNvContentPartPr/>
-              <p14:nvPr/>
-            </p14:nvContentPartPr>
-            <p14:xfrm>
-              <a:off x="10227380" y="2744351"/>
-              <a:ext cx="10080" cy="104040"/>
-            </p14:xfrm>
-          </p:contentPart>
-        </mc:Choice>
-        <mc:Fallback>
-          <p:pic>
-            <p:nvPicPr>
-              <p:cNvPr id="182" name="Ink 181"/>
-              <p:cNvPicPr/>
-              <p:nvPr/>
-            </p:nvPicPr>
-            <p:blipFill>
-              <a:blip r:embed="rId45"/>
-              <a:stretch>
-                <a:fillRect/>
-              </a:stretch>
-            </p:blipFill>
-            <p:spPr>
-              <a:xfrm>
-                <a:off x="10216580" y="2733191"/>
-                <a:ext cx="36720" cy="129240"/>
-              </a:xfrm>
-              <a:prstGeom prst="rect">
-                <a:avLst/>
-              </a:prstGeom>
-            </p:spPr>
-          </p:pic>
-        </mc:Fallback>
-      </mc:AlternateContent>
-      <mc:AlternateContent xmlns:mc="http://schemas.openxmlformats.org/markup-compatibility/2006">
-        <mc:Choice xmlns:p14="http://schemas.microsoft.com/office/powerpoint/2010/main" Requires="p14">
-          <p:contentPart p14:bwMode="auto" r:id="rId46">
-            <p14:nvContentPartPr>
-              <p14:cNvPr id="184" name="Ink 183"/>
-              <p14:cNvContentPartPr/>
-              <p14:nvPr/>
-            </p14:nvContentPartPr>
-            <p14:xfrm>
-              <a:off x="10202180" y="2712671"/>
-              <a:ext cx="994320" cy="229320"/>
-            </p14:xfrm>
-          </p:contentPart>
-        </mc:Choice>
-        <mc:Fallback>
-          <p:pic>
-            <p:nvPicPr>
-              <p:cNvPr id="184" name="Ink 183"/>
-              <p:cNvPicPr/>
-              <p:nvPr/>
-            </p:nvPicPr>
-            <p:blipFill>
-              <a:blip r:embed="rId47"/>
-              <a:stretch>
-                <a:fillRect/>
-              </a:stretch>
-            </p:blipFill>
-            <p:spPr>
-              <a:xfrm>
-                <a:off x="10191380" y="2695031"/>
-                <a:ext cx="1022760" cy="263520"/>
-              </a:xfrm>
-              <a:prstGeom prst="rect">
-                <a:avLst/>
-              </a:prstGeom>
-            </p:spPr>
-          </p:pic>
-        </mc:Fallback>
-      </mc:AlternateContent>
-      <mc:AlternateContent xmlns:mc="http://schemas.openxmlformats.org/markup-compatibility/2006">
-        <mc:Choice xmlns:p14="http://schemas.microsoft.com/office/powerpoint/2010/main" Requires="p14">
-          <p:contentPart p14:bwMode="auto" r:id="rId48">
-            <p14:nvContentPartPr>
-              <p14:cNvPr id="187" name="Ink 186"/>
-              <p14:cNvContentPartPr/>
-              <p14:nvPr/>
-            </p14:nvContentPartPr>
-            <p14:xfrm>
-              <a:off x="10047380" y="2563631"/>
-              <a:ext cx="10080" cy="896400"/>
-            </p14:xfrm>
-          </p:contentPart>
-        </mc:Choice>
-        <mc:Fallback>
-          <p:pic>
-            <p:nvPicPr>
-              <p:cNvPr id="187" name="Ink 186"/>
-              <p:cNvPicPr/>
-              <p:nvPr/>
-            </p:nvPicPr>
-            <p:blipFill>
-              <a:blip r:embed="rId49"/>
-              <a:stretch>
-                <a:fillRect/>
-              </a:stretch>
-            </p:blipFill>
-            <p:spPr>
-              <a:xfrm>
-                <a:off x="10034420" y="2558591"/>
-                <a:ext cx="37080" cy="916560"/>
-              </a:xfrm>
-              <a:prstGeom prst="rect">
-                <a:avLst/>
-              </a:prstGeom>
-            </p:spPr>
-          </p:pic>
-        </mc:Fallback>
-      </mc:AlternateContent>
-      <mc:AlternateContent xmlns:mc="http://schemas.openxmlformats.org/markup-compatibility/2006">
-        <mc:Choice xmlns:p14="http://schemas.microsoft.com/office/powerpoint/2010/main" Requires="p14">
-          <p:contentPart p14:bwMode="auto" r:id="rId50">
-            <p14:nvContentPartPr>
-              <p14:cNvPr id="188" name="Ink 187"/>
-              <p14:cNvContentPartPr/>
-              <p14:nvPr/>
-            </p14:nvContentPartPr>
-            <p14:xfrm>
-              <a:off x="10206500" y="3057551"/>
-              <a:ext cx="359640" cy="195840"/>
-            </p14:xfrm>
-          </p:contentPart>
-        </mc:Choice>
-        <mc:Fallback>
-          <p:pic>
-            <p:nvPicPr>
-              <p:cNvPr id="188" name="Ink 187"/>
-              <p:cNvPicPr/>
-              <p:nvPr/>
-            </p:nvPicPr>
-            <p:blipFill>
-              <a:blip r:embed="rId51"/>
-              <a:stretch>
-                <a:fillRect/>
-              </a:stretch>
-            </p:blipFill>
-            <p:spPr>
-              <a:xfrm>
-                <a:off x="10193540" y="3040271"/>
-                <a:ext cx="390960" cy="227880"/>
-              </a:xfrm>
-              <a:prstGeom prst="rect">
-                <a:avLst/>
-              </a:prstGeom>
-            </p:spPr>
-          </p:pic>
-        </mc:Fallback>
-      </mc:AlternateContent>
-      <mc:AlternateContent xmlns:mc="http://schemas.openxmlformats.org/markup-compatibility/2006">
-        <mc:Choice xmlns:p14="http://schemas.microsoft.com/office/powerpoint/2010/main" Requires="p14">
-          <p:contentPart p14:bwMode="auto" r:id="rId52">
-            <p14:nvContentPartPr>
-              <p14:cNvPr id="190" name="Ink 189"/>
-              <p14:cNvContentPartPr/>
-              <p14:nvPr/>
-            </p14:nvContentPartPr>
-            <p14:xfrm>
-              <a:off x="10037300" y="2321351"/>
-              <a:ext cx="1302840" cy="1128960"/>
-            </p14:xfrm>
-          </p:contentPart>
-        </mc:Choice>
-        <mc:Fallback>
-          <p:pic>
-            <p:nvPicPr>
-              <p:cNvPr id="190" name="Ink 189"/>
-              <p:cNvPicPr/>
-              <p:nvPr/>
-            </p:nvPicPr>
-            <p:blipFill>
-              <a:blip r:embed="rId53"/>
-              <a:stretch>
-                <a:fillRect/>
-              </a:stretch>
-            </p:blipFill>
-            <p:spPr>
-              <a:xfrm>
-                <a:off x="10030100" y="2305151"/>
-                <a:ext cx="1326960" cy="1150920"/>
-              </a:xfrm>
-              <a:prstGeom prst="rect">
-                <a:avLst/>
-              </a:prstGeom>
-            </p:spPr>
-          </p:pic>
-        </mc:Fallback>
-      </mc:AlternateContent>
-      <mc:AlternateContent xmlns:mc="http://schemas.openxmlformats.org/markup-compatibility/2006">
-        <mc:Choice xmlns:p14="http://schemas.microsoft.com/office/powerpoint/2010/main" Requires="p14">
-          <p:contentPart p14:bwMode="auto" r:id="rId54">
-            <p14:nvContentPartPr>
-              <p14:cNvPr id="193" name="Ink 192"/>
-              <p14:cNvContentPartPr/>
-              <p14:nvPr/>
-            </p14:nvContentPartPr>
-            <p14:xfrm>
-              <a:off x="10085180" y="3439151"/>
-              <a:ext cx="1097280" cy="83520"/>
-            </p14:xfrm>
-          </p:contentPart>
-        </mc:Choice>
-        <mc:Fallback>
-          <p:pic>
-            <p:nvPicPr>
-              <p:cNvPr id="193" name="Ink 192"/>
-              <p:cNvPicPr/>
-              <p:nvPr/>
-            </p:nvPicPr>
-            <p:blipFill>
-              <a:blip r:embed="rId55"/>
-              <a:stretch>
-                <a:fillRect/>
-              </a:stretch>
-            </p:blipFill>
-            <p:spPr>
-              <a:xfrm>
-                <a:off x="10077260" y="3421151"/>
-                <a:ext cx="1119600" cy="109440"/>
-              </a:xfrm>
-              <a:prstGeom prst="rect">
-                <a:avLst/>
-              </a:prstGeom>
-            </p:spPr>
-          </p:pic>
-        </mc:Fallback>
-      </mc:AlternateContent>
-      <mc:AlternateContent xmlns:mc="http://schemas.openxmlformats.org/markup-compatibility/2006">
-        <mc:Choice xmlns:p14="http://schemas.microsoft.com/office/powerpoint/2010/main" Requires="p14">
-          <p:contentPart p14:bwMode="auto" r:id="rId56">
-            <p14:nvContentPartPr>
-              <p14:cNvPr id="195" name="Ink 194"/>
-              <p14:cNvContentPartPr/>
-              <p14:nvPr/>
-            </p14:nvContentPartPr>
-            <p14:xfrm>
-              <a:off x="10095260" y="1917071"/>
-              <a:ext cx="720000" cy="22320"/>
-            </p14:xfrm>
-          </p:contentPart>
-        </mc:Choice>
-        <mc:Fallback>
-          <p:pic>
-            <p:nvPicPr>
-              <p:cNvPr id="195" name="Ink 194"/>
-              <p:cNvPicPr/>
-              <p:nvPr/>
-            </p:nvPicPr>
-            <p:blipFill>
-              <a:blip r:embed="rId57"/>
-              <a:stretch>
-                <a:fillRect/>
-              </a:stretch>
-            </p:blipFill>
-            <p:spPr>
-              <a:xfrm>
-                <a:off x="10083740" y="1903751"/>
-                <a:ext cx="740160" cy="48240"/>
-              </a:xfrm>
-              <a:prstGeom prst="rect">
-                <a:avLst/>
-              </a:prstGeom>
-            </p:spPr>
-          </p:pic>
-        </mc:Fallback>
-      </mc:AlternateContent>
-      <mc:AlternateContent xmlns:mc="http://schemas.openxmlformats.org/markup-compatibility/2006">
-        <mc:Choice xmlns:p14="http://schemas.microsoft.com/office/powerpoint/2010/main" Requires="p14">
-          <p:contentPart p14:bwMode="auto" r:id="rId58">
-            <p14:nvContentPartPr>
-              <p14:cNvPr id="201" name="Ink 200"/>
-              <p14:cNvContentPartPr/>
-              <p14:nvPr/>
-            </p14:nvContentPartPr>
-            <p14:xfrm>
-              <a:off x="10008860" y="1911671"/>
-              <a:ext cx="29880" cy="165600"/>
-            </p14:xfrm>
-          </p:contentPart>
-        </mc:Choice>
-        <mc:Fallback>
-          <p:pic>
-            <p:nvPicPr>
-              <p:cNvPr id="201" name="Ink 200"/>
-              <p:cNvPicPr/>
-              <p:nvPr/>
-            </p:nvPicPr>
-            <p:blipFill>
-              <a:blip r:embed="rId59"/>
-              <a:stretch>
-                <a:fillRect/>
-              </a:stretch>
-            </p:blipFill>
-            <p:spPr>
-              <a:xfrm>
-                <a:off x="9995540" y="1902311"/>
-                <a:ext cx="56880" cy="188280"/>
-              </a:xfrm>
-              <a:prstGeom prst="rect">
-                <a:avLst/>
-              </a:prstGeom>
-            </p:spPr>
-          </p:pic>
-        </mc:Fallback>
-      </mc:AlternateContent>
-      <mc:AlternateContent xmlns:mc="http://schemas.openxmlformats.org/markup-compatibility/2006">
-        <mc:Choice xmlns:p14="http://schemas.microsoft.com/office/powerpoint/2010/main" Requires="p14">
-          <p:contentPart p14:bwMode="auto" r:id="rId60">
-            <p14:nvContentPartPr>
-              <p14:cNvPr id="202" name="Ink 201"/>
-              <p14:cNvContentPartPr/>
-              <p14:nvPr/>
-            </p14:nvContentPartPr>
-            <p14:xfrm>
-              <a:off x="9450140" y="1922111"/>
-              <a:ext cx="557280" cy="116280"/>
-            </p14:xfrm>
-          </p:contentPart>
-        </mc:Choice>
-        <mc:Fallback>
-          <p:pic>
-            <p:nvPicPr>
-              <p:cNvPr id="202" name="Ink 201"/>
-              <p:cNvPicPr/>
-              <p:nvPr/>
-            </p:nvPicPr>
-            <p:blipFill>
-              <a:blip r:embed="rId61"/>
-              <a:stretch>
-                <a:fillRect/>
-              </a:stretch>
-            </p:blipFill>
-            <p:spPr>
-              <a:xfrm>
-                <a:off x="9440060" y="1912751"/>
-                <a:ext cx="572400" cy="135720"/>
-              </a:xfrm>
-              <a:prstGeom prst="rect">
-                <a:avLst/>
-              </a:prstGeom>
-            </p:spPr>
-          </p:pic>
-        </mc:Fallback>
-      </mc:AlternateContent>
-      <mc:AlternateContent xmlns:mc="http://schemas.openxmlformats.org/markup-compatibility/2006">
-        <mc:Choice xmlns:p14="http://schemas.microsoft.com/office/powerpoint/2010/main" Requires="p14">
-          <p:contentPart p14:bwMode="auto" r:id="rId62">
-            <p14:nvContentPartPr>
-              <p14:cNvPr id="203" name="Ink 202"/>
-              <p14:cNvContentPartPr/>
-              <p14:nvPr/>
-            </p14:nvContentPartPr>
-            <p14:xfrm>
-              <a:off x="9415580" y="2003471"/>
-              <a:ext cx="9000" cy="191520"/>
-            </p14:xfrm>
-          </p:contentPart>
-        </mc:Choice>
-        <mc:Fallback>
-          <p:pic>
-            <p:nvPicPr>
-              <p:cNvPr id="203" name="Ink 202"/>
-              <p:cNvPicPr/>
-              <p:nvPr/>
-            </p:nvPicPr>
-            <p:blipFill>
-              <a:blip r:embed="rId63"/>
-              <a:stretch>
-                <a:fillRect/>
-              </a:stretch>
-            </p:blipFill>
-            <p:spPr>
-              <a:xfrm>
-                <a:off x="9401900" y="1991951"/>
-                <a:ext cx="33120" cy="208440"/>
-              </a:xfrm>
-              <a:prstGeom prst="rect">
-                <a:avLst/>
-              </a:prstGeom>
-            </p:spPr>
-          </p:pic>
-        </mc:Fallback>
-      </mc:AlternateContent>
-      <mc:AlternateContent xmlns:mc="http://schemas.openxmlformats.org/markup-compatibility/2006">
-        <mc:Choice xmlns:p14="http://schemas.microsoft.com/office/powerpoint/2010/main" Requires="p14">
-          <p:contentPart p14:bwMode="auto" r:id="rId64">
-            <p14:nvContentPartPr>
-              <p14:cNvPr id="206" name="Ink 205"/>
-              <p14:cNvContentPartPr/>
-              <p14:nvPr/>
-            </p14:nvContentPartPr>
-            <p14:xfrm>
-              <a:off x="8797820" y="1951991"/>
-              <a:ext cx="619920" cy="84960"/>
-            </p14:xfrm>
-          </p:contentPart>
-        </mc:Choice>
-        <mc:Fallback>
-          <p:pic>
-            <p:nvPicPr>
-              <p:cNvPr id="206" name="Ink 205"/>
-              <p:cNvPicPr/>
-              <p:nvPr/>
-            </p:nvPicPr>
-            <p:blipFill>
-              <a:blip r:embed="rId65"/>
-              <a:stretch>
-                <a:fillRect/>
-              </a:stretch>
-            </p:blipFill>
-            <p:spPr>
-              <a:xfrm>
-                <a:off x="8789900" y="1936151"/>
-                <a:ext cx="639360" cy="108720"/>
-              </a:xfrm>
-              <a:prstGeom prst="rect">
-                <a:avLst/>
-              </a:prstGeom>
-            </p:spPr>
-          </p:pic>
-        </mc:Fallback>
-      </mc:AlternateContent>
-      <mc:AlternateContent xmlns:mc="http://schemas.openxmlformats.org/markup-compatibility/2006">
-        <mc:Choice xmlns:p14="http://schemas.microsoft.com/office/powerpoint/2010/main" Requires="p14">
-          <p:contentPart p14:bwMode="auto" r:id="rId66">
-            <p14:nvContentPartPr>
-              <p14:cNvPr id="207" name="Ink 206"/>
-              <p14:cNvContentPartPr/>
-              <p14:nvPr/>
-            </p14:nvContentPartPr>
-            <p14:xfrm>
-              <a:off x="8803220" y="2041271"/>
-              <a:ext cx="26280" cy="106200"/>
-            </p14:xfrm>
-          </p:contentPart>
-        </mc:Choice>
-        <mc:Fallback>
-          <p:pic>
-            <p:nvPicPr>
-              <p:cNvPr id="207" name="Ink 206"/>
-              <p:cNvPicPr/>
-              <p:nvPr/>
-            </p:nvPicPr>
-            <p:blipFill>
-              <a:blip r:embed="rId67"/>
-              <a:stretch>
-                <a:fillRect/>
-              </a:stretch>
-            </p:blipFill>
-            <p:spPr>
-              <a:xfrm>
-                <a:off x="8792420" y="2033711"/>
-                <a:ext cx="44280" cy="119160"/>
-              </a:xfrm>
-              <a:prstGeom prst="rect">
-                <a:avLst/>
-              </a:prstGeom>
-            </p:spPr>
-          </p:pic>
-        </mc:Fallback>
-      </mc:AlternateContent>
-      <mc:AlternateContent xmlns:mc="http://schemas.openxmlformats.org/markup-compatibility/2006">
-        <mc:Choice xmlns:p14="http://schemas.microsoft.com/office/powerpoint/2010/main" Requires="p14">
-          <p:contentPart p14:bwMode="auto" r:id="rId68">
-            <p14:nvContentPartPr>
-              <p14:cNvPr id="221" name="Ink 220"/>
-              <p14:cNvContentPartPr/>
-              <p14:nvPr/>
-            </p14:nvContentPartPr>
-            <p14:xfrm>
-              <a:off x="8819060" y="3652991"/>
-              <a:ext cx="42120" cy="992880"/>
-            </p14:xfrm>
-          </p:contentPart>
-        </mc:Choice>
-        <mc:Fallback>
-          <p:pic>
-            <p:nvPicPr>
-              <p:cNvPr id="221" name="Ink 220"/>
-              <p:cNvPicPr/>
-              <p:nvPr/>
-            </p:nvPicPr>
-            <p:blipFill>
-              <a:blip r:embed="rId69"/>
-              <a:stretch>
-                <a:fillRect/>
-              </a:stretch>
-            </p:blipFill>
-            <p:spPr>
-              <a:xfrm>
-                <a:off x="8801420" y="3642911"/>
-                <a:ext cx="74880" cy="1020600"/>
-              </a:xfrm>
-              <a:prstGeom prst="rect">
-                <a:avLst/>
-              </a:prstGeom>
-            </p:spPr>
-          </p:pic>
-        </mc:Fallback>
-      </mc:AlternateContent>
-      <mc:AlternateContent xmlns:mc="http://schemas.openxmlformats.org/markup-compatibility/2006">
-        <mc:Choice xmlns:p14="http://schemas.microsoft.com/office/powerpoint/2010/main" Requires="p14">
-          <p:contentPart p14:bwMode="auto" r:id="rId70">
-            <p14:nvContentPartPr>
-              <p14:cNvPr id="223" name="Ink 222"/>
-              <p14:cNvContentPartPr/>
-              <p14:nvPr/>
-            </p14:nvContentPartPr>
-            <p14:xfrm>
-              <a:off x="8920940" y="3546791"/>
-              <a:ext cx="2341440" cy="96480"/>
-            </p14:xfrm>
-          </p:contentPart>
-        </mc:Choice>
-        <mc:Fallback>
-          <p:pic>
-            <p:nvPicPr>
-              <p:cNvPr id="223" name="Ink 222"/>
-              <p:cNvPicPr/>
-              <p:nvPr/>
-            </p:nvPicPr>
-            <p:blipFill>
-              <a:blip r:embed="rId71"/>
-              <a:stretch>
-                <a:fillRect/>
-              </a:stretch>
-            </p:blipFill>
-            <p:spPr>
-              <a:xfrm>
-                <a:off x="8914100" y="3532391"/>
-                <a:ext cx="2355120" cy="127800"/>
-              </a:xfrm>
-              <a:prstGeom prst="rect">
-                <a:avLst/>
-              </a:prstGeom>
-            </p:spPr>
-          </p:pic>
-        </mc:Fallback>
-      </mc:AlternateContent>
-      <mc:AlternateContent xmlns:mc="http://schemas.openxmlformats.org/markup-compatibility/2006">
-        <mc:Choice xmlns:p14="http://schemas.microsoft.com/office/powerpoint/2010/main" Requires="p14">
-          <p:contentPart p14:bwMode="auto" r:id="rId72">
-            <p14:nvContentPartPr>
-              <p14:cNvPr id="225" name="Ink 224"/>
-              <p14:cNvContentPartPr/>
-              <p14:nvPr/>
-            </p14:nvContentPartPr>
-            <p14:xfrm>
-              <a:off x="11293340" y="3591431"/>
-              <a:ext cx="27360" cy="1032840"/>
-            </p14:xfrm>
-          </p:contentPart>
-        </mc:Choice>
-        <mc:Fallback>
-          <p:pic>
-            <p:nvPicPr>
-              <p:cNvPr id="225" name="Ink 224"/>
-              <p:cNvPicPr/>
-              <p:nvPr/>
-            </p:nvPicPr>
-            <p:blipFill>
-              <a:blip r:embed="rId73"/>
-              <a:stretch>
-                <a:fillRect/>
-              </a:stretch>
-            </p:blipFill>
-            <p:spPr>
-              <a:xfrm>
-                <a:off x="11276420" y="3584591"/>
-                <a:ext cx="55080" cy="1055520"/>
-              </a:xfrm>
-              <a:prstGeom prst="rect">
-                <a:avLst/>
-              </a:prstGeom>
-            </p:spPr>
-          </p:pic>
-        </mc:Fallback>
-      </mc:AlternateContent>
-      <mc:AlternateContent xmlns:mc="http://schemas.openxmlformats.org/markup-compatibility/2006">
-        <mc:Choice xmlns:p14="http://schemas.microsoft.com/office/powerpoint/2010/main" Requires="p14">
-          <p:contentPart p14:bwMode="auto" r:id="rId74">
-            <p14:nvContentPartPr>
-              <p14:cNvPr id="227" name="Ink 226"/>
-              <p14:cNvContentPartPr/>
-              <p14:nvPr/>
-            </p14:nvContentPartPr>
-            <p14:xfrm>
-              <a:off x="8851100" y="4619231"/>
-              <a:ext cx="2458080" cy="83160"/>
-            </p14:xfrm>
-          </p:contentPart>
-        </mc:Choice>
-        <mc:Fallback>
-          <p:pic>
-            <p:nvPicPr>
-              <p:cNvPr id="227" name="Ink 226"/>
-              <p:cNvPicPr/>
-              <p:nvPr/>
-            </p:nvPicPr>
-            <p:blipFill>
-              <a:blip r:embed="rId75"/>
-              <a:stretch>
-                <a:fillRect/>
-              </a:stretch>
-            </p:blipFill>
-            <p:spPr>
-              <a:xfrm>
-                <a:off x="8842100" y="4598351"/>
-                <a:ext cx="2484000" cy="122760"/>
-              </a:xfrm>
-              <a:prstGeom prst="rect">
-                <a:avLst/>
-              </a:prstGeom>
-            </p:spPr>
-          </p:pic>
-        </mc:Fallback>
-      </mc:AlternateContent>
-      <mc:AlternateContent xmlns:mc="http://schemas.openxmlformats.org/markup-compatibility/2006">
-        <mc:Choice xmlns:p14="http://schemas.microsoft.com/office/powerpoint/2010/main" Requires="p14">
-          <p:contentPart p14:bwMode="auto" r:id="rId76">
-            <p14:nvContentPartPr>
-              <p14:cNvPr id="264" name="Ink 263"/>
-              <p14:cNvContentPartPr/>
-              <p14:nvPr/>
-            </p14:nvContentPartPr>
-            <p14:xfrm>
-              <a:off x="10771700" y="1935431"/>
-              <a:ext cx="37800" cy="275040"/>
-            </p14:xfrm>
-          </p:contentPart>
-        </mc:Choice>
-        <mc:Fallback>
-          <p:pic>
-            <p:nvPicPr>
-              <p:cNvPr id="264" name="Ink 263"/>
-              <p:cNvPicPr/>
-              <p:nvPr/>
-            </p:nvPicPr>
-            <p:blipFill>
-              <a:blip r:embed="rId77"/>
-              <a:stretch>
-                <a:fillRect/>
-              </a:stretch>
-            </p:blipFill>
-            <p:spPr>
-              <a:xfrm>
-                <a:off x="10758740" y="1926071"/>
-                <a:ext cx="62640" cy="289800"/>
-              </a:xfrm>
-              <a:prstGeom prst="rect">
-                <a:avLst/>
-              </a:prstGeom>
-            </p:spPr>
-          </p:pic>
-        </mc:Fallback>
-      </mc:AlternateContent>
-      <mc:AlternateContent xmlns:mc="http://schemas.openxmlformats.org/markup-compatibility/2006">
-        <mc:Choice xmlns:p14="http://schemas.microsoft.com/office/powerpoint/2010/main" Requires="p14">
-          <p:contentPart p14:bwMode="auto" r:id="rId78">
-            <p14:nvContentPartPr>
-              <p14:cNvPr id="276" name="Ink 275"/>
-              <p14:cNvContentPartPr/>
-              <p14:nvPr/>
-            </p14:nvContentPartPr>
-            <p14:xfrm>
-              <a:off x="6198260" y="2259431"/>
-              <a:ext cx="184680" cy="440640"/>
-            </p14:xfrm>
-          </p:contentPart>
-        </mc:Choice>
-        <mc:Fallback>
-          <p:pic>
-            <p:nvPicPr>
-              <p:cNvPr id="276" name="Ink 275"/>
-              <p:cNvPicPr/>
-              <p:nvPr/>
-            </p:nvPicPr>
-            <p:blipFill>
-              <a:blip r:embed="rId79"/>
-              <a:stretch>
-                <a:fillRect/>
-              </a:stretch>
-            </p:blipFill>
-            <p:spPr>
-              <a:xfrm>
-                <a:off x="6184580" y="2250791"/>
-                <a:ext cx="208440" cy="462600"/>
-              </a:xfrm>
-              <a:prstGeom prst="rect">
-                <a:avLst/>
-              </a:prstGeom>
-            </p:spPr>
-          </p:pic>
-        </mc:Fallback>
-      </mc:AlternateContent>
-      <mc:AlternateContent xmlns:mc="http://schemas.openxmlformats.org/markup-compatibility/2006">
-        <mc:Choice xmlns:p14="http://schemas.microsoft.com/office/powerpoint/2010/main" Requires="p14">
-          <p:contentPart p14:bwMode="auto" r:id="rId80">
-            <p14:nvContentPartPr>
-              <p14:cNvPr id="277" name="Ink 276"/>
-              <p14:cNvContentPartPr/>
-              <p14:nvPr/>
-            </p14:nvContentPartPr>
-            <p14:xfrm>
-              <a:off x="6428660" y="2205791"/>
-              <a:ext cx="132840" cy="470880"/>
-            </p14:xfrm>
-          </p:contentPart>
-        </mc:Choice>
-        <mc:Fallback>
-          <p:pic>
-            <p:nvPicPr>
-              <p:cNvPr id="277" name="Ink 276"/>
-              <p:cNvPicPr/>
-              <p:nvPr/>
-            </p:nvPicPr>
-            <p:blipFill>
-              <a:blip r:embed="rId81"/>
-              <a:stretch>
-                <a:fillRect/>
-              </a:stretch>
-            </p:blipFill>
-            <p:spPr>
-              <a:xfrm>
-                <a:off x="6413180" y="2192471"/>
-                <a:ext cx="167040" cy="502560"/>
-              </a:xfrm>
-              <a:prstGeom prst="rect">
-                <a:avLst/>
-              </a:prstGeom>
-            </p:spPr>
-          </p:pic>
-        </mc:Fallback>
-      </mc:AlternateContent>
-      <mc:AlternateContent xmlns:mc="http://schemas.openxmlformats.org/markup-compatibility/2006">
-        <mc:Choice xmlns:p14="http://schemas.microsoft.com/office/powerpoint/2010/main" Requires="p14">
-          <p:contentPart p14:bwMode="auto" r:id="rId82">
-            <p14:nvContentPartPr>
-              <p14:cNvPr id="278" name="Ink 277"/>
-              <p14:cNvContentPartPr/>
-              <p14:nvPr/>
-            </p14:nvContentPartPr>
-            <p14:xfrm>
-              <a:off x="6211940" y="2758751"/>
-              <a:ext cx="321480" cy="27000"/>
-            </p14:xfrm>
-          </p:contentPart>
-        </mc:Choice>
-        <mc:Fallback>
-          <p:pic>
-            <p:nvPicPr>
-              <p:cNvPr id="278" name="Ink 277"/>
-              <p:cNvPicPr/>
-              <p:nvPr/>
-            </p:nvPicPr>
-            <p:blipFill>
-              <a:blip r:embed="rId83"/>
-              <a:stretch>
-                <a:fillRect/>
-              </a:stretch>
-            </p:blipFill>
-            <p:spPr>
-              <a:xfrm>
-                <a:off x="6205100" y="2741111"/>
-                <a:ext cx="339120" cy="51840"/>
-              </a:xfrm>
-              <a:prstGeom prst="rect">
-                <a:avLst/>
-              </a:prstGeom>
-            </p:spPr>
-          </p:pic>
-        </mc:Fallback>
-      </mc:AlternateContent>
-      <mc:AlternateContent xmlns:mc="http://schemas.openxmlformats.org/markup-compatibility/2006">
-        <mc:Choice xmlns:p14="http://schemas.microsoft.com/office/powerpoint/2010/main" Requires="p14">
-          <p:contentPart p14:bwMode="auto" r:id="rId84">
-            <p14:nvContentPartPr>
-              <p14:cNvPr id="279" name="Ink 278"/>
-              <p14:cNvContentPartPr/>
-              <p14:nvPr/>
-            </p14:nvContentPartPr>
-            <p14:xfrm>
-              <a:off x="6155420" y="3459671"/>
-              <a:ext cx="28440" cy="397800"/>
-            </p14:xfrm>
-          </p:contentPart>
-        </mc:Choice>
-        <mc:Fallback>
-          <p:pic>
-            <p:nvPicPr>
-              <p:cNvPr id="279" name="Ink 278"/>
-              <p:cNvPicPr/>
-              <p:nvPr/>
-            </p:nvPicPr>
-            <p:blipFill>
-              <a:blip r:embed="rId85"/>
-              <a:stretch>
-                <a:fillRect/>
-              </a:stretch>
-            </p:blipFill>
-            <p:spPr>
-              <a:xfrm>
-                <a:off x="6138500" y="3448511"/>
-                <a:ext cx="62280" cy="425880"/>
-              </a:xfrm>
-              <a:prstGeom prst="rect">
-                <a:avLst/>
-              </a:prstGeom>
-            </p:spPr>
-          </p:pic>
-        </mc:Fallback>
-      </mc:AlternateContent>
-      <mc:AlternateContent xmlns:mc="http://schemas.openxmlformats.org/markup-compatibility/2006">
-        <mc:Choice xmlns:p14="http://schemas.microsoft.com/office/powerpoint/2010/main" Requires="p14">
-          <p:contentPart p14:bwMode="auto" r:id="rId86">
-            <p14:nvContentPartPr>
-              <p14:cNvPr id="318" name="Ink 317"/>
-              <p14:cNvContentPartPr/>
-              <p14:nvPr/>
-            </p14:nvContentPartPr>
-            <p14:xfrm>
-              <a:off x="8904380" y="2367071"/>
-              <a:ext cx="45360" cy="1057320"/>
-            </p14:xfrm>
-          </p:contentPart>
-        </mc:Choice>
-        <mc:Fallback>
-          <p:pic>
-            <p:nvPicPr>
-              <p:cNvPr id="318" name="Ink 317"/>
-              <p:cNvPicPr/>
-              <p:nvPr/>
-            </p:nvPicPr>
-            <p:blipFill>
-              <a:blip r:embed="rId87"/>
-              <a:stretch>
-                <a:fillRect/>
-              </a:stretch>
-            </p:blipFill>
-            <p:spPr>
-              <a:xfrm>
-                <a:off x="8889260" y="2352671"/>
-                <a:ext cx="67680" cy="1089720"/>
-              </a:xfrm>
-              <a:prstGeom prst="rect">
-                <a:avLst/>
-              </a:prstGeom>
-            </p:spPr>
-          </p:pic>
-        </mc:Fallback>
-      </mc:AlternateContent>
-      <mc:AlternateContent xmlns:mc="http://schemas.openxmlformats.org/markup-compatibility/2006">
-        <mc:Choice xmlns:p14="http://schemas.microsoft.com/office/powerpoint/2010/main" Requires="p14">
-          <p:contentPart p14:bwMode="auto" r:id="rId88">
-            <p14:nvContentPartPr>
-              <p14:cNvPr id="319" name="Ink 318"/>
-              <p14:cNvContentPartPr/>
-              <p14:nvPr/>
-            </p14:nvContentPartPr>
-            <p14:xfrm>
-              <a:off x="8911580" y="3633911"/>
-              <a:ext cx="2294280" cy="1040040"/>
-            </p14:xfrm>
-          </p:contentPart>
-        </mc:Choice>
-        <mc:Fallback>
-          <p:pic>
-            <p:nvPicPr>
-              <p:cNvPr id="319" name="Ink 318"/>
-              <p:cNvPicPr/>
-              <p:nvPr/>
-            </p:nvPicPr>
-            <p:blipFill>
-              <a:blip r:embed="rId89"/>
-              <a:stretch>
-                <a:fillRect/>
-              </a:stretch>
-            </p:blipFill>
-            <p:spPr>
-              <a:xfrm>
-                <a:off x="8903300" y="3624551"/>
-                <a:ext cx="2308680" cy="1054440"/>
-              </a:xfrm>
-              <a:prstGeom prst="rect">
-                <a:avLst/>
-              </a:prstGeom>
-            </p:spPr>
-          </p:pic>
-        </mc:Fallback>
-      </mc:AlternateContent>
-      <mc:AlternateContent xmlns:mc="http://schemas.openxmlformats.org/markup-compatibility/2006">
-        <mc:Choice xmlns:p14="http://schemas.microsoft.com/office/powerpoint/2010/main" Requires="p14">
-          <p:contentPart p14:bwMode="auto" r:id="rId90">
-            <p14:nvContentPartPr>
-              <p14:cNvPr id="325" name="Ink 324"/>
-              <p14:cNvContentPartPr/>
-              <p14:nvPr/>
-            </p14:nvContentPartPr>
-            <p14:xfrm>
-              <a:off x="8949020" y="2358431"/>
-              <a:ext cx="868320" cy="21960"/>
-            </p14:xfrm>
-          </p:contentPart>
-        </mc:Choice>
-        <mc:Fallback>
-          <p:pic>
-            <p:nvPicPr>
-              <p:cNvPr id="325" name="Ink 324"/>
-              <p:cNvPicPr/>
-              <p:nvPr/>
-            </p:nvPicPr>
-            <p:blipFill>
-              <a:blip r:embed="rId91"/>
-              <a:stretch>
-                <a:fillRect/>
-              </a:stretch>
-            </p:blipFill>
-            <p:spPr>
-              <a:xfrm>
-                <a:off x="8939660" y="2347991"/>
-                <a:ext cx="890640" cy="44280"/>
-              </a:xfrm>
-              <a:prstGeom prst="rect">
-                <a:avLst/>
-              </a:prstGeom>
-            </p:spPr>
-          </p:pic>
-        </mc:Fallback>
-      </mc:AlternateContent>
-      <mc:AlternateContent xmlns:mc="http://schemas.openxmlformats.org/markup-compatibility/2006">
-        <mc:Choice xmlns:p14="http://schemas.microsoft.com/office/powerpoint/2010/main" Requires="p14">
-          <p:contentPart p14:bwMode="auto" r:id="rId92">
-            <p14:nvContentPartPr>
-              <p14:cNvPr id="326" name="Ink 325"/>
-              <p14:cNvContentPartPr/>
-              <p14:nvPr/>
-            </p14:nvContentPartPr>
-            <p14:xfrm>
-              <a:off x="5238140" y="3302317"/>
-              <a:ext cx="289440" cy="174240"/>
-            </p14:xfrm>
-          </p:contentPart>
-        </mc:Choice>
-        <mc:Fallback>
-          <p:pic>
-            <p:nvPicPr>
-              <p:cNvPr id="326" name="Ink 325"/>
-              <p:cNvPicPr/>
-              <p:nvPr/>
-            </p:nvPicPr>
-            <p:blipFill>
-              <a:blip r:embed="rId93"/>
-              <a:stretch>
-                <a:fillRect/>
-              </a:stretch>
-            </p:blipFill>
-            <p:spPr>
-              <a:xfrm>
-                <a:off x="5232020" y="3282517"/>
-                <a:ext cx="315000" cy="208800"/>
-              </a:xfrm>
-              <a:prstGeom prst="rect">
-                <a:avLst/>
-              </a:prstGeom>
-            </p:spPr>
-          </p:pic>
-        </mc:Fallback>
-      </mc:AlternateContent>
-      <mc:AlternateContent xmlns:mc="http://schemas.openxmlformats.org/markup-compatibility/2006">
-        <mc:Choice xmlns:p14="http://schemas.microsoft.com/office/powerpoint/2010/main" Requires="p14">
-          <p:contentPart p14:bwMode="auto" r:id="rId94">
-            <p14:nvContentPartPr>
-              <p14:cNvPr id="328" name="Ink 327"/>
-              <p14:cNvContentPartPr/>
-              <p14:nvPr/>
-            </p14:nvContentPartPr>
-            <p14:xfrm>
-              <a:off x="9861980" y="2394431"/>
-              <a:ext cx="75240" cy="1056240"/>
-            </p14:xfrm>
-          </p:contentPart>
-        </mc:Choice>
-        <mc:Fallback>
-          <p:pic>
-            <p:nvPicPr>
-              <p:cNvPr id="328" name="Ink 327"/>
-              <p:cNvPicPr/>
-              <p:nvPr/>
-            </p:nvPicPr>
-            <p:blipFill>
-              <a:blip r:embed="rId95"/>
-              <a:stretch>
-                <a:fillRect/>
-              </a:stretch>
-            </p:blipFill>
-            <p:spPr>
-              <a:xfrm>
-                <a:off x="9854780" y="2387231"/>
-                <a:ext cx="99720" cy="1075320"/>
-              </a:xfrm>
-              <a:prstGeom prst="rect">
-                <a:avLst/>
-              </a:prstGeom>
-            </p:spPr>
-          </p:pic>
-        </mc:Fallback>
-      </mc:AlternateContent>
-      <mc:AlternateContent xmlns:mc="http://schemas.openxmlformats.org/markup-compatibility/2006">
-        <mc:Choice xmlns:p14="http://schemas.microsoft.com/office/powerpoint/2010/main" Requires="p14">
-          <p:contentPart p14:bwMode="auto" r:id="rId96">
-            <p14:nvContentPartPr>
-              <p14:cNvPr id="329" name="Ink 328"/>
-              <p14:cNvContentPartPr/>
-              <p14:nvPr/>
-            </p14:nvContentPartPr>
-            <p14:xfrm>
-              <a:off x="8891420" y="3442031"/>
-              <a:ext cx="977760" cy="30960"/>
-            </p14:xfrm>
-          </p:contentPart>
-        </mc:Choice>
-        <mc:Fallback>
-          <p:pic>
-            <p:nvPicPr>
-              <p:cNvPr id="329" name="Ink 328"/>
-              <p:cNvPicPr/>
-              <p:nvPr/>
-            </p:nvPicPr>
-            <p:blipFill>
-              <a:blip r:embed="rId97"/>
-              <a:stretch>
-                <a:fillRect/>
-              </a:stretch>
-            </p:blipFill>
-            <p:spPr>
-              <a:xfrm>
-                <a:off x="8884940" y="3426191"/>
-                <a:ext cx="999720" cy="60480"/>
-              </a:xfrm>
-              <a:prstGeom prst="rect">
-                <a:avLst/>
-              </a:prstGeom>
-            </p:spPr>
-          </p:pic>
-        </mc:Fallback>
-      </mc:AlternateContent>
-      <mc:AlternateContent xmlns:mc="http://schemas.openxmlformats.org/markup-compatibility/2006">
-        <mc:Choice xmlns:p14="http://schemas.microsoft.com/office/powerpoint/2010/main" Requires="p14">
-          <p:contentPart p14:bwMode="auto" r:id="rId98">
-            <p14:nvContentPartPr>
-              <p14:cNvPr id="334" name="Ink 333"/>
-              <p14:cNvContentPartPr/>
-              <p14:nvPr/>
-            </p14:nvContentPartPr>
-            <p14:xfrm>
-              <a:off x="9068180" y="2778551"/>
-              <a:ext cx="727560" cy="507960"/>
-            </p14:xfrm>
-          </p:contentPart>
-        </mc:Choice>
-        <mc:Fallback>
-          <p:pic>
-            <p:nvPicPr>
-              <p:cNvPr id="334" name="Ink 333"/>
-              <p:cNvPicPr/>
-              <p:nvPr/>
-            </p:nvPicPr>
-            <p:blipFill>
-              <a:blip r:embed="rId99"/>
-              <a:stretch>
-                <a:fillRect/>
-              </a:stretch>
-            </p:blipFill>
-            <p:spPr>
-              <a:xfrm>
-                <a:off x="9050900" y="2763431"/>
-                <a:ext cx="758880" cy="538560"/>
-              </a:xfrm>
-              <a:prstGeom prst="rect">
-                <a:avLst/>
-              </a:prstGeom>
-            </p:spPr>
-          </p:pic>
-        </mc:Fallback>
-      </mc:AlternateContent>
-      <mc:AlternateContent xmlns:mc="http://schemas.openxmlformats.org/markup-compatibility/2006">
-        <mc:Choice xmlns:p14="http://schemas.microsoft.com/office/powerpoint/2010/main" Requires="p14">
-          <p:contentPart p14:bwMode="auto" r:id="rId100">
-            <p14:nvContentPartPr>
-              <p14:cNvPr id="346" name="Ink 345"/>
-              <p14:cNvContentPartPr/>
-              <p14:nvPr/>
-            </p14:nvContentPartPr>
-            <p14:xfrm>
-              <a:off x="8262140" y="1828151"/>
-              <a:ext cx="386640" cy="2174400"/>
-            </p14:xfrm>
-          </p:contentPart>
-        </mc:Choice>
-        <mc:Fallback>
-          <p:pic>
-            <p:nvPicPr>
-              <p:cNvPr id="346" name="Ink 345"/>
-              <p:cNvPicPr/>
-              <p:nvPr/>
-            </p:nvPicPr>
-            <p:blipFill>
-              <a:blip r:embed="rId101"/>
-              <a:stretch>
-                <a:fillRect/>
-              </a:stretch>
-            </p:blipFill>
-            <p:spPr>
-              <a:xfrm>
-                <a:off x="8245970" y="1820231"/>
-                <a:ext cx="420776" cy="2201760"/>
-              </a:xfrm>
-              <a:prstGeom prst="rect">
-                <a:avLst/>
-              </a:prstGeom>
-            </p:spPr>
-          </p:pic>
-        </mc:Fallback>
-      </mc:AlternateContent>
-      <mc:AlternateContent xmlns:mc="http://schemas.openxmlformats.org/markup-compatibility/2006">
-        <mc:Choice xmlns:p14="http://schemas.microsoft.com/office/powerpoint/2010/main" Requires="p14">
-          <p:contentPart p14:bwMode="auto" r:id="rId102">
-            <p14:nvContentPartPr>
-              <p14:cNvPr id="363" name="Ink 362"/>
-              <p14:cNvContentPartPr/>
-              <p14:nvPr/>
-            </p14:nvContentPartPr>
-            <p14:xfrm>
-              <a:off x="10011740" y="7060751"/>
-              <a:ext cx="360" cy="360"/>
-            </p14:xfrm>
-          </p:contentPart>
-        </mc:Choice>
-        <mc:Fallback>
-          <p:pic>
-            <p:nvPicPr>
-              <p:cNvPr id="363" name="Ink 362"/>
-              <p:cNvPicPr/>
-              <p:nvPr/>
-            </p:nvPicPr>
-            <p:blipFill>
-              <a:blip r:embed="rId103"/>
-              <a:stretch>
-                <a:fillRect/>
-              </a:stretch>
-            </p:blipFill>
-            <p:spPr>
-              <a:xfrm>
-                <a:off x="9994820" y="7043831"/>
-                <a:ext cx="34200" cy="34200"/>
-              </a:xfrm>
-              <a:prstGeom prst="rect">
-                <a:avLst/>
-              </a:prstGeom>
-            </p:spPr>
-          </p:pic>
-        </mc:Fallback>
-      </mc:AlternateContent>
-      <mc:AlternateContent xmlns:mc="http://schemas.openxmlformats.org/markup-compatibility/2006">
-        <mc:Choice xmlns:p14="http://schemas.microsoft.com/office/powerpoint/2010/main" Requires="p14">
-          <p:contentPart p14:bwMode="auto" r:id="rId104">
-            <p14:nvContentPartPr>
-              <p14:cNvPr id="370" name="Ink 369"/>
-              <p14:cNvContentPartPr/>
-              <p14:nvPr/>
-            </p14:nvContentPartPr>
-            <p14:xfrm>
-              <a:off x="7335140" y="2434751"/>
-              <a:ext cx="772560" cy="117720"/>
-            </p14:xfrm>
-          </p:contentPart>
-        </mc:Choice>
-        <mc:Fallback>
-          <p:pic>
-            <p:nvPicPr>
-              <p:cNvPr id="370" name="Ink 369"/>
-              <p:cNvPicPr/>
-              <p:nvPr/>
-            </p:nvPicPr>
-            <p:blipFill>
-              <a:blip r:embed="rId105"/>
-              <a:stretch>
-                <a:fillRect/>
-              </a:stretch>
-            </p:blipFill>
-            <p:spPr>
-              <a:xfrm>
-                <a:off x="7325060" y="2421431"/>
-                <a:ext cx="789840" cy="141480"/>
-              </a:xfrm>
-              <a:prstGeom prst="rect">
-                <a:avLst/>
-              </a:prstGeom>
-            </p:spPr>
-          </p:pic>
-        </mc:Fallback>
-      </mc:AlternateContent>
-      <mc:AlternateContent xmlns:mc="http://schemas.openxmlformats.org/markup-compatibility/2006">
-        <mc:Choice xmlns:p14="http://schemas.microsoft.com/office/powerpoint/2010/main" Requires="p14">
-          <p:contentPart p14:bwMode="auto" r:id="rId106">
-            <p14:nvContentPartPr>
-              <p14:cNvPr id="413" name="Ink 412"/>
-              <p14:cNvContentPartPr/>
-              <p14:nvPr/>
-            </p14:nvContentPartPr>
-            <p14:xfrm>
-              <a:off x="446540" y="5325911"/>
-              <a:ext cx="1303200" cy="307800"/>
-            </p14:xfrm>
-          </p:contentPart>
-        </mc:Choice>
-        <mc:Fallback>
-          <p:pic>
-            <p:nvPicPr>
-              <p:cNvPr id="413" name="Ink 412"/>
-              <p:cNvPicPr/>
-              <p:nvPr/>
-            </p:nvPicPr>
-            <p:blipFill>
-              <a:blip r:embed="rId107"/>
-              <a:stretch>
-                <a:fillRect/>
-              </a:stretch>
-            </p:blipFill>
-            <p:spPr>
-              <a:xfrm>
-                <a:off x="431780" y="5314391"/>
-                <a:ext cx="1335960" cy="338400"/>
-              </a:xfrm>
-              <a:prstGeom prst="rect">
-                <a:avLst/>
-              </a:prstGeom>
-            </p:spPr>
-          </p:pic>
-        </mc:Fallback>
-      </mc:AlternateContent>
-      <mc:AlternateContent xmlns:mc="http://schemas.openxmlformats.org/markup-compatibility/2006">
-        <mc:Choice xmlns:p14="http://schemas.microsoft.com/office/powerpoint/2010/main" Requires="p14">
-          <p:contentPart p14:bwMode="auto" r:id="rId108">
-            <p14:nvContentPartPr>
-              <p14:cNvPr id="414" name="Ink 413"/>
-              <p14:cNvContentPartPr/>
-              <p14:nvPr/>
-            </p14:nvContentPartPr>
-            <p14:xfrm>
-              <a:off x="1425740" y="3499597"/>
-              <a:ext cx="1160280" cy="1380634"/>
-            </p14:xfrm>
-          </p:contentPart>
-        </mc:Choice>
-        <mc:Fallback>
-          <p:pic>
-            <p:nvPicPr>
-              <p:cNvPr id="414" name="Ink 413"/>
-              <p:cNvPicPr/>
-              <p:nvPr/>
-            </p:nvPicPr>
-            <p:blipFill>
-              <a:blip r:embed="rId109"/>
-              <a:stretch>
-                <a:fillRect/>
-              </a:stretch>
-            </p:blipFill>
-            <p:spPr>
-              <a:xfrm>
-                <a:off x="1415300" y="3480517"/>
-                <a:ext cx="1189440" cy="1410875"/>
-              </a:xfrm>
-              <a:prstGeom prst="rect">
-                <a:avLst/>
-              </a:prstGeom>
-            </p:spPr>
-          </p:pic>
-        </mc:Fallback>
-      </mc:AlternateContent>
-      <mc:AlternateContent xmlns:mc="http://schemas.openxmlformats.org/markup-compatibility/2006">
-        <mc:Choice xmlns:p14="http://schemas.microsoft.com/office/powerpoint/2010/main" Requires="p14">
-          <p:contentPart p14:bwMode="auto" r:id="rId110">
-            <p14:nvContentPartPr>
-              <p14:cNvPr id="415" name="Ink 414"/>
-              <p14:cNvContentPartPr/>
-              <p14:nvPr/>
-            </p14:nvContentPartPr>
-            <p14:xfrm>
-              <a:off x="531140" y="4469077"/>
-              <a:ext cx="12240" cy="570240"/>
-            </p14:xfrm>
-          </p:contentPart>
-        </mc:Choice>
-        <mc:Fallback>
-          <p:pic>
-            <p:nvPicPr>
-              <p:cNvPr id="415" name="Ink 414"/>
-              <p:cNvPicPr/>
-              <p:nvPr/>
-            </p:nvPicPr>
-            <p:blipFill>
-              <a:blip r:embed="rId111"/>
-              <a:stretch>
-                <a:fillRect/>
-              </a:stretch>
-            </p:blipFill>
-            <p:spPr>
-              <a:xfrm>
-                <a:off x="516020" y="4454317"/>
-                <a:ext cx="42120" cy="591840"/>
-              </a:xfrm>
-              <a:prstGeom prst="rect">
-                <a:avLst/>
-              </a:prstGeom>
-            </p:spPr>
-          </p:pic>
-        </mc:Fallback>
-      </mc:AlternateContent>
-      <mc:AlternateContent xmlns:mc="http://schemas.openxmlformats.org/markup-compatibility/2006">
-        <mc:Choice xmlns:p14="http://schemas.microsoft.com/office/powerpoint/2010/main" Requires="p14">
-          <p:contentPart p14:bwMode="auto" r:id="rId112">
-            <p14:nvContentPartPr>
-              <p14:cNvPr id="416" name="Ink 415"/>
-              <p14:cNvContentPartPr/>
-              <p14:nvPr/>
-            </p14:nvContentPartPr>
-            <p14:xfrm>
-              <a:off x="1296860" y="4420477"/>
-              <a:ext cx="84240" cy="661354"/>
-            </p14:xfrm>
-          </p:contentPart>
-        </mc:Choice>
-        <mc:Fallback>
-          <p:pic>
-            <p:nvPicPr>
-              <p:cNvPr id="416" name="Ink 415"/>
-              <p:cNvPicPr/>
-              <p:nvPr/>
-            </p:nvPicPr>
-            <p:blipFill>
-              <a:blip r:embed="rId113"/>
-              <a:stretch>
-                <a:fillRect/>
-              </a:stretch>
-            </p:blipFill>
-            <p:spPr>
-              <a:xfrm>
-                <a:off x="1285700" y="4406436"/>
-                <a:ext cx="104400" cy="682955"/>
-              </a:xfrm>
-              <a:prstGeom prst="rect">
-                <a:avLst/>
-              </a:prstGeom>
-            </p:spPr>
-          </p:pic>
-        </mc:Fallback>
-      </mc:AlternateContent>
-      <mc:AlternateContent xmlns:mc="http://schemas.openxmlformats.org/markup-compatibility/2006">
-        <mc:Choice xmlns:p14="http://schemas.microsoft.com/office/powerpoint/2010/main" Requires="p14">
-          <p:contentPart p14:bwMode="auto" r:id="rId114">
-            <p14:nvContentPartPr>
-              <p14:cNvPr id="417" name="Ink 416"/>
-              <p14:cNvContentPartPr/>
-              <p14:nvPr/>
-            </p14:nvContentPartPr>
-            <p14:xfrm>
-              <a:off x="561020" y="5114197"/>
-              <a:ext cx="708120" cy="104074"/>
-            </p14:xfrm>
-          </p:contentPart>
-        </mc:Choice>
-        <mc:Fallback>
-          <p:pic>
-            <p:nvPicPr>
-              <p:cNvPr id="417" name="Ink 416"/>
-              <p:cNvPicPr/>
-              <p:nvPr/>
-            </p:nvPicPr>
-            <p:blipFill>
-              <a:blip r:embed="rId115"/>
-              <a:stretch>
-                <a:fillRect/>
-              </a:stretch>
-            </p:blipFill>
-            <p:spPr>
-              <a:xfrm>
-                <a:off x="550940" y="5100152"/>
-                <a:ext cx="730440" cy="133964"/>
-              </a:xfrm>
-              <a:prstGeom prst="rect">
-                <a:avLst/>
-              </a:prstGeom>
-            </p:spPr>
-          </p:pic>
-        </mc:Fallback>
-      </mc:AlternateContent>
-      <mc:AlternateContent xmlns:mc="http://schemas.openxmlformats.org/markup-compatibility/2006">
-        <mc:Choice xmlns:p14="http://schemas.microsoft.com/office/powerpoint/2010/main" Requires="p14">
-          <p:contentPart p14:bwMode="auto" r:id="rId116">
-            <p14:nvContentPartPr>
-              <p14:cNvPr id="419" name="Ink 418"/>
-              <p14:cNvContentPartPr/>
-              <p14:nvPr/>
-            </p14:nvContentPartPr>
-            <p14:xfrm>
-              <a:off x="8965220" y="3853871"/>
-              <a:ext cx="2221920" cy="625680"/>
-            </p14:xfrm>
-          </p:contentPart>
-        </mc:Choice>
-        <mc:Fallback>
-          <p:pic>
-            <p:nvPicPr>
-              <p:cNvPr id="419" name="Ink 418"/>
-              <p:cNvPicPr/>
-              <p:nvPr/>
-            </p:nvPicPr>
-            <p:blipFill>
-              <a:blip r:embed="rId117"/>
-              <a:stretch>
-                <a:fillRect/>
-              </a:stretch>
-            </p:blipFill>
-            <p:spPr>
-              <a:xfrm>
-                <a:off x="8957300" y="3833351"/>
-                <a:ext cx="2248920" cy="653040"/>
-              </a:xfrm>
-              <a:prstGeom prst="rect">
-                <a:avLst/>
-              </a:prstGeom>
-            </p:spPr>
-          </p:pic>
-        </mc:Fallback>
-      </mc:AlternateContent>
+      <p:sp>
+        <p:nvSpPr>
+          <p:cNvPr id="3" name="Content Placeholder 2"/>
+          <p:cNvSpPr>
+            <a:spLocks noGrp="1"/>
+          </p:cNvSpPr>
+          <p:nvPr>
+            <p:ph idx="1"/>
+          </p:nvPr>
+        </p:nvSpPr>
+        <p:spPr/>
+        <p:txBody>
+          <a:bodyPr/>
+          <a:lstStyle/>
+          <a:p>
+            <a:r>
+              <a:rPr lang="en-GB" dirty="0" smtClean="0"/>
+              <a:t>News organisation profiling</a:t>
+            </a:r>
+          </a:p>
+          <a:p>
+            <a:r>
+              <a:rPr lang="en-GB" dirty="0" smtClean="0"/>
+              <a:t>Original crime idea</a:t>
+            </a:r>
+          </a:p>
+          <a:p>
+            <a:pPr lvl="1"/>
+            <a:r>
+              <a:rPr lang="en-GB" dirty="0" smtClean="0"/>
+              <a:t>Problems with data granularity</a:t>
+            </a:r>
+          </a:p>
+          <a:p>
+            <a:r>
+              <a:rPr lang="en-GB" dirty="0" smtClean="0"/>
+              <a:t>Three plausible ideas</a:t>
+            </a:r>
+          </a:p>
+          <a:p>
+            <a:pPr lvl="1"/>
+            <a:r>
+              <a:rPr lang="en-GB" dirty="0" smtClean="0"/>
+              <a:t>3 cities idea</a:t>
+            </a:r>
+          </a:p>
+          <a:p>
+            <a:pPr lvl="1"/>
+            <a:r>
+              <a:rPr lang="en-GB" dirty="0" smtClean="0"/>
+              <a:t>Demographics looking at London</a:t>
+            </a:r>
+          </a:p>
+          <a:p>
+            <a:pPr lvl="1"/>
+            <a:r>
+              <a:rPr lang="en-GB" dirty="0" smtClean="0"/>
+              <a:t>Geolocated crime analysis </a:t>
+            </a:r>
+          </a:p>
+          <a:p>
+            <a:endParaRPr lang="en-GB" dirty="0"/>
+          </a:p>
+        </p:txBody>
+      </p:sp>
     </p:spTree>
     <p:extLst>
       <p:ext uri="{BB962C8B-B14F-4D97-AF65-F5344CB8AC3E}">
-        <p14:creationId xmlns:p14="http://schemas.microsoft.com/office/powerpoint/2010/main" val="828345143"/>
+        <p14:creationId xmlns:p14="http://schemas.microsoft.com/office/powerpoint/2010/main" val="410560707"/>
       </p:ext>
     </p:extLst>
   </p:cSld>
   <p:clrMapOvr>
     <a:masterClrMapping/>
   </p:clrMapOvr>
-  <p:timing>
-    <p:tnLst>
-      <p:par>
-        <p:cTn id="1" dur="indefinite" restart="never" nodeType="tmRoot"/>
-      </p:par>
-    </p:tnLst>
-  </p:timing>
 </p:sld>
 </file>
 
@@ -11697,7 +10140,12 @@
             <p:ph idx="1"/>
           </p:nvPr>
         </p:nvSpPr>
-        <p:spPr/>
+        <p:spPr>
+          <a:xfrm>
+            <a:off x="1141413" y="1626209"/>
+            <a:ext cx="5229109" cy="4164992"/>
+          </a:xfrm>
+        </p:spPr>
         <p:txBody>
           <a:bodyPr/>
           <a:lstStyle/>
@@ -11727,6 +10175,137 @@
               <a:t>London miscellaneous points of interest</a:t>
             </a:r>
             <a:endParaRPr lang="en-US" dirty="0"/>
+          </a:p>
+        </p:txBody>
+      </p:sp>
+      <p:sp>
+        <p:nvSpPr>
+          <p:cNvPr id="4" name="TextBox 3"/>
+          <p:cNvSpPr txBox="1"/>
+          <p:nvPr/>
+        </p:nvSpPr>
+        <p:spPr>
+          <a:xfrm flipH="1">
+            <a:off x="7218310" y="1747321"/>
+            <a:ext cx="3928324" cy="1754326"/>
+          </a:xfrm>
+          <a:prstGeom prst="rect">
+            <a:avLst/>
+          </a:prstGeom>
+          <a:solidFill>
+            <a:schemeClr val="tx2"/>
+          </a:solidFill>
+        </p:spPr>
+        <p:txBody>
+          <a:bodyPr wrap="square" rtlCol="0">
+            <a:spAutoFit/>
+          </a:bodyPr>
+          <a:lstStyle/>
+          <a:p>
+            <a:r>
+              <a:rPr lang="en-GB" dirty="0" smtClean="0">
+                <a:solidFill>
+                  <a:schemeClr val="bg1"/>
+                </a:solidFill>
+              </a:rPr>
+              <a:t>Sample head of crime records table</a:t>
+            </a:r>
+          </a:p>
+          <a:p>
+            <a:endParaRPr lang="en-GB" dirty="0">
+              <a:solidFill>
+                <a:schemeClr val="bg1"/>
+              </a:solidFill>
+            </a:endParaRPr>
+          </a:p>
+          <a:p>
+            <a:endParaRPr lang="en-GB" dirty="0" smtClean="0">
+              <a:solidFill>
+                <a:schemeClr val="bg1"/>
+              </a:solidFill>
+            </a:endParaRPr>
+          </a:p>
+          <a:p>
+            <a:endParaRPr lang="en-GB" dirty="0">
+              <a:solidFill>
+                <a:schemeClr val="bg1"/>
+              </a:solidFill>
+            </a:endParaRPr>
+          </a:p>
+          <a:p>
+            <a:endParaRPr lang="en-GB" dirty="0">
+              <a:solidFill>
+                <a:schemeClr val="bg1"/>
+              </a:solidFill>
+            </a:endParaRPr>
+          </a:p>
+        </p:txBody>
+      </p:sp>
+      <p:sp>
+        <p:nvSpPr>
+          <p:cNvPr id="5" name="TextBox 4"/>
+          <p:cNvSpPr txBox="1"/>
+          <p:nvPr/>
+        </p:nvSpPr>
+        <p:spPr>
+          <a:xfrm flipH="1">
+            <a:off x="7169865" y="3708705"/>
+            <a:ext cx="3928324" cy="1754326"/>
+          </a:xfrm>
+          <a:prstGeom prst="rect">
+            <a:avLst/>
+          </a:prstGeom>
+          <a:solidFill>
+            <a:schemeClr val="tx2"/>
+          </a:solidFill>
+        </p:spPr>
+        <p:txBody>
+          <a:bodyPr wrap="square" rtlCol="0">
+            <a:spAutoFit/>
+          </a:bodyPr>
+          <a:lstStyle/>
+          <a:p>
+            <a:r>
+              <a:rPr lang="en-GB" dirty="0" smtClean="0">
+                <a:solidFill>
+                  <a:schemeClr val="bg1"/>
+                </a:solidFill>
+              </a:rPr>
+              <a:t>Sample head of Demographic data table</a:t>
+            </a:r>
+            <a:endParaRPr lang="en-GB" dirty="0">
+              <a:solidFill>
+                <a:schemeClr val="bg1"/>
+              </a:solidFill>
+            </a:endParaRPr>
+          </a:p>
+          <a:p>
+            <a:endParaRPr lang="en-GB" dirty="0">
+              <a:solidFill>
+                <a:schemeClr val="bg1"/>
+              </a:solidFill>
+            </a:endParaRPr>
+          </a:p>
+          <a:p>
+            <a:endParaRPr lang="en-GB" dirty="0" smtClean="0">
+              <a:solidFill>
+                <a:schemeClr val="bg1"/>
+              </a:solidFill>
+            </a:endParaRPr>
+          </a:p>
+          <a:p>
+            <a:endParaRPr lang="en-GB" dirty="0">
+              <a:solidFill>
+                <a:schemeClr val="bg1"/>
+              </a:solidFill>
+            </a:endParaRPr>
+          </a:p>
+          <a:p>
+            <a:endParaRPr lang="en-GB" dirty="0">
+              <a:solidFill>
+                <a:schemeClr val="bg1"/>
+              </a:solidFill>
+            </a:endParaRPr>
           </a:p>
         </p:txBody>
       </p:sp>
@@ -11784,51 +10363,2278 @@
           <a:p>
             <a:r>
               <a:rPr lang="en-US" dirty="0" smtClean="0"/>
-              <a:t>The app – Data Model</a:t>
+              <a:t>The app - Overview</a:t>
             </a:r>
             <a:endParaRPr lang="en-US" dirty="0"/>
           </a:p>
         </p:txBody>
       </p:sp>
-      <p:sp>
-        <p:nvSpPr>
-          <p:cNvPr id="3" name="Content Placeholder 2"/>
-          <p:cNvSpPr>
-            <a:spLocks noGrp="1"/>
-          </p:cNvSpPr>
-          <p:nvPr>
-            <p:ph idx="1"/>
-          </p:nvPr>
-        </p:nvSpPr>
-        <p:spPr/>
-        <p:txBody>
-          <a:bodyPr/>
-          <a:lstStyle/>
-          <a:p>
-            <a:r>
-              <a:rPr lang="en-US" dirty="0" smtClean="0"/>
-              <a:t>Statistical understanding as per demographics fundamentals</a:t>
-            </a:r>
-          </a:p>
-          <a:p>
-            <a:r>
-              <a:rPr lang="en-US" dirty="0" smtClean="0"/>
-              <a:t>Heat indices per area</a:t>
-            </a:r>
-          </a:p>
-          <a:p>
-            <a:r>
-              <a:rPr lang="en-US" dirty="0" smtClean="0"/>
-              <a:t>Potential impact of close points of interest</a:t>
-            </a:r>
-            <a:endParaRPr lang="en-US" dirty="0"/>
-          </a:p>
-        </p:txBody>
-      </p:sp>
+      <mc:AlternateContent xmlns:mc="http://schemas.openxmlformats.org/markup-compatibility/2006" xmlns:p14="http://schemas.microsoft.com/office/powerpoint/2010/main">
+        <mc:Choice Requires="p14">
+          <p:contentPart p14:bwMode="auto" r:id="rId2">
+            <p14:nvContentPartPr>
+              <p14:cNvPr id="22" name="Ink 21"/>
+              <p14:cNvContentPartPr/>
+              <p14:nvPr/>
+            </p14:nvContentPartPr>
+            <p14:xfrm>
+              <a:off x="541220" y="1541197"/>
+              <a:ext cx="774720" cy="2986560"/>
+            </p14:xfrm>
+          </p:contentPart>
+        </mc:Choice>
+        <mc:Fallback xmlns="">
+          <p:pic>
+            <p:nvPicPr>
+              <p:cNvPr id="22" name="Ink 21"/>
+              <p:cNvPicPr/>
+              <p:nvPr/>
+            </p:nvPicPr>
+            <p:blipFill>
+              <a:blip r:embed="rId3"/>
+              <a:stretch>
+                <a:fillRect/>
+              </a:stretch>
+            </p:blipFill>
+            <p:spPr>
+              <a:xfrm>
+                <a:off x="526460" y="1532557"/>
+                <a:ext cx="808200" cy="3011400"/>
+              </a:xfrm>
+              <a:prstGeom prst="rect">
+                <a:avLst/>
+              </a:prstGeom>
+            </p:spPr>
+          </p:pic>
+        </mc:Fallback>
+      </mc:AlternateContent>
+      <mc:AlternateContent xmlns:mc="http://schemas.openxmlformats.org/markup-compatibility/2006" xmlns:p14="http://schemas.microsoft.com/office/powerpoint/2010/main">
+        <mc:Choice Requires="p14">
+          <p:contentPart p14:bwMode="auto" r:id="rId4">
+            <p14:nvContentPartPr>
+              <p14:cNvPr id="32" name="Ink 31"/>
+              <p14:cNvContentPartPr/>
+              <p14:nvPr/>
+            </p14:nvContentPartPr>
+            <p14:xfrm>
+              <a:off x="1188860" y="1883557"/>
+              <a:ext cx="1394640" cy="1121400"/>
+            </p14:xfrm>
+          </p:contentPart>
+        </mc:Choice>
+        <mc:Fallback xmlns="">
+          <p:pic>
+            <p:nvPicPr>
+              <p:cNvPr id="32" name="Ink 31"/>
+              <p:cNvPicPr/>
+              <p:nvPr/>
+            </p:nvPicPr>
+            <p:blipFill>
+              <a:blip r:embed="rId5"/>
+              <a:stretch>
+                <a:fillRect/>
+              </a:stretch>
+            </p:blipFill>
+            <p:spPr>
+              <a:xfrm>
+                <a:off x="1180940" y="1867357"/>
+                <a:ext cx="1416240" cy="1154880"/>
+              </a:xfrm>
+              <a:prstGeom prst="rect">
+                <a:avLst/>
+              </a:prstGeom>
+            </p:spPr>
+          </p:pic>
+        </mc:Fallback>
+      </mc:AlternateContent>
+      <mc:AlternateContent xmlns:mc="http://schemas.openxmlformats.org/markup-compatibility/2006" xmlns:p14="http://schemas.microsoft.com/office/powerpoint/2010/main">
+        <mc:Choice Requires="p14">
+          <p:contentPart p14:bwMode="auto" r:id="rId6">
+            <p14:nvContentPartPr>
+              <p14:cNvPr id="34" name="Ink 33"/>
+              <p14:cNvContentPartPr/>
+              <p14:nvPr/>
+            </p14:nvContentPartPr>
+            <p14:xfrm>
+              <a:off x="1284620" y="3256957"/>
+              <a:ext cx="1293840" cy="114840"/>
+            </p14:xfrm>
+          </p:contentPart>
+        </mc:Choice>
+        <mc:Fallback xmlns="">
+          <p:pic>
+            <p:nvPicPr>
+              <p:cNvPr id="34" name="Ink 33"/>
+              <p:cNvPicPr/>
+              <p:nvPr/>
+            </p:nvPicPr>
+            <p:blipFill>
+              <a:blip r:embed="rId7"/>
+              <a:stretch>
+                <a:fillRect/>
+              </a:stretch>
+            </p:blipFill>
+            <p:spPr>
+              <a:xfrm>
+                <a:off x="1271660" y="3240397"/>
+                <a:ext cx="1317960" cy="145440"/>
+              </a:xfrm>
+              <a:prstGeom prst="rect">
+                <a:avLst/>
+              </a:prstGeom>
+            </p:spPr>
+          </p:pic>
+        </mc:Fallback>
+      </mc:AlternateContent>
+      <mc:AlternateContent xmlns:mc="http://schemas.openxmlformats.org/markup-compatibility/2006" xmlns:p14="http://schemas.microsoft.com/office/powerpoint/2010/main">
+        <mc:Choice Requires="p14">
+          <p:contentPart p14:bwMode="auto" r:id="rId8">
+            <p14:nvContentPartPr>
+              <p14:cNvPr id="38" name="Ink 37"/>
+              <p14:cNvContentPartPr/>
+              <p14:nvPr/>
+            </p14:nvContentPartPr>
+            <p14:xfrm>
+              <a:off x="2605460" y="2575477"/>
+              <a:ext cx="43920" cy="1395000"/>
+            </p14:xfrm>
+          </p:contentPart>
+        </mc:Choice>
+        <mc:Fallback xmlns="">
+          <p:pic>
+            <p:nvPicPr>
+              <p:cNvPr id="38" name="Ink 37"/>
+              <p:cNvPicPr/>
+              <p:nvPr/>
+            </p:nvPicPr>
+            <p:blipFill>
+              <a:blip r:embed="rId9"/>
+              <a:stretch>
+                <a:fillRect/>
+              </a:stretch>
+            </p:blipFill>
+            <p:spPr>
+              <a:xfrm>
+                <a:off x="2591420" y="2562877"/>
+                <a:ext cx="71640" cy="1422000"/>
+              </a:xfrm>
+              <a:prstGeom prst="rect">
+                <a:avLst/>
+              </a:prstGeom>
+            </p:spPr>
+          </p:pic>
+        </mc:Fallback>
+      </mc:AlternateContent>
+      <mc:AlternateContent xmlns:mc="http://schemas.openxmlformats.org/markup-compatibility/2006" xmlns:p14="http://schemas.microsoft.com/office/powerpoint/2010/main">
+        <mc:Choice Requires="p14">
+          <p:contentPart p14:bwMode="auto" r:id="rId10">
+            <p14:nvContentPartPr>
+              <p14:cNvPr id="40" name="Ink 39"/>
+              <p14:cNvContentPartPr/>
+              <p14:nvPr/>
+            </p14:nvContentPartPr>
+            <p14:xfrm>
+              <a:off x="2574140" y="2463517"/>
+              <a:ext cx="1320840" cy="320760"/>
+            </p14:xfrm>
+          </p:contentPart>
+        </mc:Choice>
+        <mc:Fallback xmlns="">
+          <p:pic>
+            <p:nvPicPr>
+              <p:cNvPr id="40" name="Ink 39"/>
+              <p:cNvPicPr/>
+              <p:nvPr/>
+            </p:nvPicPr>
+            <p:blipFill>
+              <a:blip r:embed="rId11"/>
+              <a:stretch>
+                <a:fillRect/>
+              </a:stretch>
+            </p:blipFill>
+            <p:spPr>
+              <a:xfrm>
+                <a:off x="2562980" y="2446957"/>
+                <a:ext cx="1348200" cy="350280"/>
+              </a:xfrm>
+              <a:prstGeom prst="rect">
+                <a:avLst/>
+              </a:prstGeom>
+            </p:spPr>
+          </p:pic>
+        </mc:Fallback>
+      </mc:AlternateContent>
+      <mc:AlternateContent xmlns:mc="http://schemas.openxmlformats.org/markup-compatibility/2006" xmlns:p14="http://schemas.microsoft.com/office/powerpoint/2010/main">
+        <mc:Choice Requires="p14">
+          <p:contentPart p14:bwMode="auto" r:id="rId12">
+            <p14:nvContentPartPr>
+              <p14:cNvPr id="43" name="Ink 42"/>
+              <p14:cNvContentPartPr/>
+              <p14:nvPr/>
+            </p14:nvContentPartPr>
+            <p14:xfrm>
+              <a:off x="3818660" y="2585197"/>
+              <a:ext cx="70200" cy="1247400"/>
+            </p14:xfrm>
+          </p:contentPart>
+        </mc:Choice>
+        <mc:Fallback xmlns="">
+          <p:pic>
+            <p:nvPicPr>
+              <p:cNvPr id="43" name="Ink 42"/>
+              <p:cNvPicPr/>
+              <p:nvPr/>
+            </p:nvPicPr>
+            <p:blipFill>
+              <a:blip r:embed="rId13"/>
+              <a:stretch>
+                <a:fillRect/>
+              </a:stretch>
+            </p:blipFill>
+            <p:spPr>
+              <a:xfrm>
+                <a:off x="3802460" y="2575477"/>
+                <a:ext cx="98640" cy="1263600"/>
+              </a:xfrm>
+              <a:prstGeom prst="rect">
+                <a:avLst/>
+              </a:prstGeom>
+            </p:spPr>
+          </p:pic>
+        </mc:Fallback>
+      </mc:AlternateContent>
+      <mc:AlternateContent xmlns:mc="http://schemas.openxmlformats.org/markup-compatibility/2006" xmlns:p14="http://schemas.microsoft.com/office/powerpoint/2010/main">
+        <mc:Choice Requires="p14">
+          <p:contentPart p14:bwMode="auto" r:id="rId14">
+            <p14:nvContentPartPr>
+              <p14:cNvPr id="50" name="Ink 49"/>
+              <p14:cNvContentPartPr/>
+              <p14:nvPr/>
+            </p14:nvContentPartPr>
+            <p14:xfrm>
+              <a:off x="2603300" y="3973717"/>
+              <a:ext cx="1208880" cy="364680"/>
+            </p14:xfrm>
+          </p:contentPart>
+        </mc:Choice>
+        <mc:Fallback xmlns="">
+          <p:pic>
+            <p:nvPicPr>
+              <p:cNvPr id="50" name="Ink 49"/>
+              <p:cNvPicPr/>
+              <p:nvPr/>
+            </p:nvPicPr>
+            <p:blipFill>
+              <a:blip r:embed="rId15"/>
+              <a:stretch>
+                <a:fillRect/>
+              </a:stretch>
+            </p:blipFill>
+            <p:spPr>
+              <a:xfrm>
+                <a:off x="2592860" y="3967597"/>
+                <a:ext cx="1231920" cy="388080"/>
+              </a:xfrm>
+              <a:prstGeom prst="rect">
+                <a:avLst/>
+              </a:prstGeom>
+            </p:spPr>
+          </p:pic>
+        </mc:Fallback>
+      </mc:AlternateContent>
+      <mc:AlternateContent xmlns:mc="http://schemas.openxmlformats.org/markup-compatibility/2006" xmlns:p14="http://schemas.microsoft.com/office/powerpoint/2010/main">
+        <mc:Choice Requires="p14">
+          <p:contentPart p14:bwMode="auto" r:id="rId16">
+            <p14:nvContentPartPr>
+              <p14:cNvPr id="62" name="Ink 61"/>
+              <p14:cNvContentPartPr/>
+              <p14:nvPr/>
+            </p14:nvContentPartPr>
+            <p14:xfrm>
+              <a:off x="2399900" y="1049831"/>
+              <a:ext cx="8653680" cy="1286280"/>
+            </p14:xfrm>
+          </p:contentPart>
+        </mc:Choice>
+        <mc:Fallback xmlns="">
+          <p:pic>
+            <p:nvPicPr>
+              <p:cNvPr id="62" name="Ink 61"/>
+              <p:cNvPicPr/>
+              <p:nvPr/>
+            </p:nvPicPr>
+            <p:blipFill>
+              <a:blip r:embed="rId17"/>
+              <a:stretch>
+                <a:fillRect/>
+              </a:stretch>
+            </p:blipFill>
+            <p:spPr>
+              <a:xfrm>
+                <a:off x="2390180" y="1033991"/>
+                <a:ext cx="8673840" cy="1321560"/>
+              </a:xfrm>
+              <a:prstGeom prst="rect">
+                <a:avLst/>
+              </a:prstGeom>
+            </p:spPr>
+          </p:pic>
+        </mc:Fallback>
+      </mc:AlternateContent>
+      <mc:AlternateContent xmlns:mc="http://schemas.openxmlformats.org/markup-compatibility/2006" xmlns:p14="http://schemas.microsoft.com/office/powerpoint/2010/main">
+        <mc:Choice Requires="p14">
+          <p:contentPart p14:bwMode="auto" r:id="rId18">
+            <p14:nvContentPartPr>
+              <p14:cNvPr id="72" name="Ink 71"/>
+              <p14:cNvContentPartPr/>
+              <p14:nvPr/>
+            </p14:nvContentPartPr>
+            <p14:xfrm>
+              <a:off x="5406260" y="1589471"/>
+              <a:ext cx="6369480" cy="3813086"/>
+            </p14:xfrm>
+          </p:contentPart>
+        </mc:Choice>
+        <mc:Fallback xmlns="">
+          <p:pic>
+            <p:nvPicPr>
+              <p:cNvPr id="72" name="Ink 71"/>
+              <p:cNvPicPr/>
+              <p:nvPr/>
+            </p:nvPicPr>
+            <p:blipFill>
+              <a:blip r:embed="rId19"/>
+              <a:stretch>
+                <a:fillRect/>
+              </a:stretch>
+            </p:blipFill>
+            <p:spPr>
+              <a:xfrm>
+                <a:off x="5387180" y="1569671"/>
+                <a:ext cx="6394680" cy="3849446"/>
+              </a:xfrm>
+              <a:prstGeom prst="rect">
+                <a:avLst/>
+              </a:prstGeom>
+            </p:spPr>
+          </p:pic>
+        </mc:Fallback>
+      </mc:AlternateContent>
+      <mc:AlternateContent xmlns:mc="http://schemas.openxmlformats.org/markup-compatibility/2006" xmlns:p14="http://schemas.microsoft.com/office/powerpoint/2010/main">
+        <mc:Choice Requires="p14">
+          <p:contentPart p14:bwMode="auto" r:id="rId20">
+            <p14:nvContentPartPr>
+              <p14:cNvPr id="88" name="Ink 87"/>
+              <p14:cNvContentPartPr/>
+              <p14:nvPr/>
+            </p14:nvContentPartPr>
+            <p14:xfrm>
+              <a:off x="7118060" y="2489831"/>
+              <a:ext cx="136800" cy="2560680"/>
+            </p14:xfrm>
+          </p:contentPart>
+        </mc:Choice>
+        <mc:Fallback xmlns="">
+          <p:pic>
+            <p:nvPicPr>
+              <p:cNvPr id="88" name="Ink 87"/>
+              <p:cNvPicPr/>
+              <p:nvPr/>
+            </p:nvPicPr>
+            <p:blipFill>
+              <a:blip r:embed="rId21"/>
+              <a:stretch>
+                <a:fillRect/>
+              </a:stretch>
+            </p:blipFill>
+            <p:spPr>
+              <a:xfrm>
+                <a:off x="7104740" y="2471471"/>
+                <a:ext cx="167760" cy="2594160"/>
+              </a:xfrm>
+              <a:prstGeom prst="rect">
+                <a:avLst/>
+              </a:prstGeom>
+            </p:spPr>
+          </p:pic>
+        </mc:Fallback>
+      </mc:AlternateContent>
+      <mc:AlternateContent xmlns:mc="http://schemas.openxmlformats.org/markup-compatibility/2006" xmlns:p14="http://schemas.microsoft.com/office/powerpoint/2010/main">
+        <mc:Choice Requires="p14">
+          <p:contentPart p14:bwMode="auto" r:id="rId22">
+            <p14:nvContentPartPr>
+              <p14:cNvPr id="91" name="Ink 90"/>
+              <p14:cNvContentPartPr/>
+              <p14:nvPr/>
+            </p14:nvContentPartPr>
+            <p14:xfrm>
+              <a:off x="9080420" y="7076591"/>
+              <a:ext cx="31320" cy="7526"/>
+            </p14:xfrm>
+          </p:contentPart>
+        </mc:Choice>
+        <mc:Fallback xmlns="">
+          <p:pic>
+            <p:nvPicPr>
+              <p:cNvPr id="91" name="Ink 90"/>
+              <p:cNvPicPr/>
+              <p:nvPr/>
+            </p:nvPicPr>
+            <p:blipFill>
+              <a:blip r:embed="rId23"/>
+              <a:stretch>
+                <a:fillRect/>
+              </a:stretch>
+            </p:blipFill>
+            <p:spPr>
+              <a:xfrm>
+                <a:off x="9063500" y="7059747"/>
+                <a:ext cx="65160" cy="41214"/>
+              </a:xfrm>
+              <a:prstGeom prst="rect">
+                <a:avLst/>
+              </a:prstGeom>
+            </p:spPr>
+          </p:pic>
+        </mc:Fallback>
+      </mc:AlternateContent>
+      <mc:AlternateContent xmlns:mc="http://schemas.openxmlformats.org/markup-compatibility/2006" xmlns:p14="http://schemas.microsoft.com/office/powerpoint/2010/main">
+        <mc:Choice Requires="p14">
+          <p:contentPart p14:bwMode="auto" r:id="rId24">
+            <p14:nvContentPartPr>
+              <p14:cNvPr id="111" name="Ink 110"/>
+              <p14:cNvContentPartPr/>
+              <p14:nvPr/>
+            </p14:nvContentPartPr>
+            <p14:xfrm>
+              <a:off x="3924500" y="3331151"/>
+              <a:ext cx="1379880" cy="78120"/>
+            </p14:xfrm>
+          </p:contentPart>
+        </mc:Choice>
+        <mc:Fallback xmlns="">
+          <p:pic>
+            <p:nvPicPr>
+              <p:cNvPr id="111" name="Ink 110"/>
+              <p:cNvPicPr/>
+              <p:nvPr/>
+            </p:nvPicPr>
+            <p:blipFill>
+              <a:blip r:embed="rId25"/>
+              <a:stretch>
+                <a:fillRect/>
+              </a:stretch>
+            </p:blipFill>
+            <p:spPr>
+              <a:xfrm>
+                <a:off x="3909380" y="3311351"/>
+                <a:ext cx="1404360" cy="114120"/>
+              </a:xfrm>
+              <a:prstGeom prst="rect">
+                <a:avLst/>
+              </a:prstGeom>
+            </p:spPr>
+          </p:pic>
+        </mc:Fallback>
+      </mc:AlternateContent>
+      <mc:AlternateContent xmlns:mc="http://schemas.openxmlformats.org/markup-compatibility/2006" xmlns:p14="http://schemas.microsoft.com/office/powerpoint/2010/main">
+        <mc:Choice Requires="p14">
+          <p:contentPart p14:bwMode="auto" r:id="rId26">
+            <p14:nvContentPartPr>
+              <p14:cNvPr id="117" name="Ink 116"/>
+              <p14:cNvContentPartPr/>
+              <p14:nvPr/>
+            </p14:nvContentPartPr>
+            <p14:xfrm>
+              <a:off x="8139020" y="1666151"/>
+              <a:ext cx="106560" cy="3385080"/>
+            </p14:xfrm>
+          </p:contentPart>
+        </mc:Choice>
+        <mc:Fallback xmlns="">
+          <p:pic>
+            <p:nvPicPr>
+              <p:cNvPr id="117" name="Ink 116"/>
+              <p:cNvPicPr/>
+              <p:nvPr/>
+            </p:nvPicPr>
+            <p:blipFill>
+              <a:blip r:embed="rId27"/>
+              <a:stretch>
+                <a:fillRect/>
+              </a:stretch>
+            </p:blipFill>
+            <p:spPr>
+              <a:xfrm>
+                <a:off x="8123900" y="1658951"/>
+                <a:ext cx="137160" cy="3406680"/>
+              </a:xfrm>
+              <a:prstGeom prst="rect">
+                <a:avLst/>
+              </a:prstGeom>
+            </p:spPr>
+          </p:pic>
+        </mc:Fallback>
+      </mc:AlternateContent>
+      <mc:AlternateContent xmlns:mc="http://schemas.openxmlformats.org/markup-compatibility/2006" xmlns:p14="http://schemas.microsoft.com/office/powerpoint/2010/main">
+        <mc:Choice Requires="p14">
+          <p:contentPart p14:bwMode="auto" r:id="rId28">
+            <p14:nvContentPartPr>
+              <p14:cNvPr id="121" name="Ink 120"/>
+              <p14:cNvContentPartPr/>
+              <p14:nvPr/>
+            </p14:nvContentPartPr>
+            <p14:xfrm>
+              <a:off x="3786620" y="3778271"/>
+              <a:ext cx="49320" cy="371520"/>
+            </p14:xfrm>
+          </p:contentPart>
+        </mc:Choice>
+        <mc:Fallback xmlns="">
+          <p:pic>
+            <p:nvPicPr>
+              <p:cNvPr id="121" name="Ink 120"/>
+              <p:cNvPicPr/>
+              <p:nvPr/>
+            </p:nvPicPr>
+            <p:blipFill>
+              <a:blip r:embed="rId29"/>
+              <a:stretch>
+                <a:fillRect/>
+              </a:stretch>
+            </p:blipFill>
+            <p:spPr>
+              <a:xfrm>
+                <a:off x="3769340" y="3770711"/>
+                <a:ext cx="74160" cy="392400"/>
+              </a:xfrm>
+              <a:prstGeom prst="rect">
+                <a:avLst/>
+              </a:prstGeom>
+            </p:spPr>
+          </p:pic>
+        </mc:Fallback>
+      </mc:AlternateContent>
+      <mc:AlternateContent xmlns:mc="http://schemas.openxmlformats.org/markup-compatibility/2006" xmlns:p14="http://schemas.microsoft.com/office/powerpoint/2010/main">
+        <mc:Choice Requires="p14">
+          <p:contentPart p14:bwMode="auto" r:id="rId30">
+            <p14:nvContentPartPr>
+              <p14:cNvPr id="125" name="Ink 124"/>
+              <p14:cNvContentPartPr/>
+              <p14:nvPr/>
+            </p14:nvContentPartPr>
+            <p14:xfrm>
+              <a:off x="11579540" y="1680191"/>
+              <a:ext cx="252360" cy="3175560"/>
+            </p14:xfrm>
+          </p:contentPart>
+        </mc:Choice>
+        <mc:Fallback xmlns="">
+          <p:pic>
+            <p:nvPicPr>
+              <p:cNvPr id="125" name="Ink 124"/>
+              <p:cNvPicPr/>
+              <p:nvPr/>
+            </p:nvPicPr>
+            <p:blipFill>
+              <a:blip r:embed="rId31"/>
+              <a:stretch>
+                <a:fillRect/>
+              </a:stretch>
+            </p:blipFill>
+            <p:spPr>
+              <a:xfrm>
+                <a:off x="11560460" y="1672631"/>
+                <a:ext cx="280800" cy="3193920"/>
+              </a:xfrm>
+              <a:prstGeom prst="rect">
+                <a:avLst/>
+              </a:prstGeom>
+            </p:spPr>
+          </p:pic>
+        </mc:Fallback>
+      </mc:AlternateContent>
+      <mc:AlternateContent xmlns:mc="http://schemas.openxmlformats.org/markup-compatibility/2006" xmlns:p14="http://schemas.microsoft.com/office/powerpoint/2010/main">
+        <mc:Choice Requires="p14">
+          <p:contentPart p14:bwMode="auto" r:id="rId32">
+            <p14:nvContentPartPr>
+              <p14:cNvPr id="160" name="Ink 159"/>
+              <p14:cNvContentPartPr/>
+              <p14:nvPr/>
+            </p14:nvContentPartPr>
+            <p14:xfrm>
+              <a:off x="6570860" y="2632031"/>
+              <a:ext cx="513720" cy="450360"/>
+            </p14:xfrm>
+          </p:contentPart>
+        </mc:Choice>
+        <mc:Fallback xmlns="">
+          <p:pic>
+            <p:nvPicPr>
+              <p:cNvPr id="160" name="Ink 159"/>
+              <p:cNvPicPr/>
+              <p:nvPr/>
+            </p:nvPicPr>
+            <p:blipFill>
+              <a:blip r:embed="rId33"/>
+              <a:stretch>
+                <a:fillRect/>
+              </a:stretch>
+            </p:blipFill>
+            <p:spPr>
+              <a:xfrm>
+                <a:off x="6562940" y="2625191"/>
+                <a:ext cx="528480" cy="468720"/>
+              </a:xfrm>
+              <a:prstGeom prst="rect">
+                <a:avLst/>
+              </a:prstGeom>
+            </p:spPr>
+          </p:pic>
+        </mc:Fallback>
+      </mc:AlternateContent>
+      <mc:AlternateContent xmlns:mc="http://schemas.openxmlformats.org/markup-compatibility/2006" xmlns:p14="http://schemas.microsoft.com/office/powerpoint/2010/main">
+        <mc:Choice Requires="p14">
+          <p:contentPart p14:bwMode="auto" r:id="rId34">
+            <p14:nvContentPartPr>
+              <p14:cNvPr id="163" name="Ink 162"/>
+              <p14:cNvContentPartPr/>
+              <p14:nvPr/>
+            </p14:nvContentPartPr>
+            <p14:xfrm>
+              <a:off x="6052460" y="4494311"/>
+              <a:ext cx="548640" cy="427320"/>
+            </p14:xfrm>
+          </p:contentPart>
+        </mc:Choice>
+        <mc:Fallback xmlns="">
+          <p:pic>
+            <p:nvPicPr>
+              <p:cNvPr id="163" name="Ink 162"/>
+              <p:cNvPicPr/>
+              <p:nvPr/>
+            </p:nvPicPr>
+            <p:blipFill>
+              <a:blip r:embed="rId35"/>
+              <a:stretch>
+                <a:fillRect/>
+              </a:stretch>
+            </p:blipFill>
+            <p:spPr>
+              <a:xfrm>
+                <a:off x="6039860" y="4475951"/>
+                <a:ext cx="578880" cy="461880"/>
+              </a:xfrm>
+              <a:prstGeom prst="rect">
+                <a:avLst/>
+              </a:prstGeom>
+            </p:spPr>
+          </p:pic>
+        </mc:Fallback>
+      </mc:AlternateContent>
+      <mc:AlternateContent xmlns:mc="http://schemas.openxmlformats.org/markup-compatibility/2006" xmlns:p14="http://schemas.microsoft.com/office/powerpoint/2010/main">
+        <mc:Choice Requires="p14">
+          <p:contentPart p14:bwMode="auto" r:id="rId36">
+            <p14:nvContentPartPr>
+              <p14:cNvPr id="174" name="Ink 173"/>
+              <p14:cNvContentPartPr/>
+              <p14:nvPr/>
+            </p14:nvContentPartPr>
+            <p14:xfrm>
+              <a:off x="8686220" y="2113631"/>
+              <a:ext cx="2930400" cy="2624040"/>
+            </p14:xfrm>
+          </p:contentPart>
+        </mc:Choice>
+        <mc:Fallback xmlns="">
+          <p:pic>
+            <p:nvPicPr>
+              <p:cNvPr id="174" name="Ink 173"/>
+              <p:cNvPicPr/>
+              <p:nvPr/>
+            </p:nvPicPr>
+            <p:blipFill>
+              <a:blip r:embed="rId37"/>
+              <a:stretch>
+                <a:fillRect/>
+              </a:stretch>
+            </p:blipFill>
+            <p:spPr>
+              <a:xfrm>
+                <a:off x="8669660" y="2099231"/>
+                <a:ext cx="2953800" cy="2655000"/>
+              </a:xfrm>
+              <a:prstGeom prst="rect">
+                <a:avLst/>
+              </a:prstGeom>
+            </p:spPr>
+          </p:pic>
+        </mc:Fallback>
+      </mc:AlternateContent>
+      <mc:AlternateContent xmlns:mc="http://schemas.openxmlformats.org/markup-compatibility/2006" xmlns:p14="http://schemas.microsoft.com/office/powerpoint/2010/main">
+        <mc:Choice Requires="p14">
+          <p:contentPart p14:bwMode="auto" r:id="rId38">
+            <p14:nvContentPartPr>
+              <p14:cNvPr id="176" name="Ink 175"/>
+              <p14:cNvContentPartPr/>
+              <p14:nvPr/>
+            </p14:nvContentPartPr>
+            <p14:xfrm>
+              <a:off x="10223060" y="2479391"/>
+              <a:ext cx="9720" cy="89640"/>
+            </p14:xfrm>
+          </p:contentPart>
+        </mc:Choice>
+        <mc:Fallback xmlns="">
+          <p:pic>
+            <p:nvPicPr>
+              <p:cNvPr id="176" name="Ink 175"/>
+              <p:cNvPicPr/>
+              <p:nvPr/>
+            </p:nvPicPr>
+            <p:blipFill>
+              <a:blip r:embed="rId39"/>
+              <a:stretch>
+                <a:fillRect/>
+              </a:stretch>
+            </p:blipFill>
+            <p:spPr>
+              <a:xfrm>
+                <a:off x="10214420" y="2466071"/>
+                <a:ext cx="33480" cy="114120"/>
+              </a:xfrm>
+              <a:prstGeom prst="rect">
+                <a:avLst/>
+              </a:prstGeom>
+            </p:spPr>
+          </p:pic>
+        </mc:Fallback>
+      </mc:AlternateContent>
+      <mc:AlternateContent xmlns:mc="http://schemas.openxmlformats.org/markup-compatibility/2006" xmlns:p14="http://schemas.microsoft.com/office/powerpoint/2010/main">
+        <mc:Choice Requires="p14">
+          <p:contentPart p14:bwMode="auto" r:id="rId40">
+            <p14:nvContentPartPr>
+              <p14:cNvPr id="179" name="Ink 178"/>
+              <p14:cNvContentPartPr/>
+              <p14:nvPr/>
+            </p14:nvContentPartPr>
+            <p14:xfrm>
+              <a:off x="10236740" y="2399831"/>
+              <a:ext cx="767880" cy="57240"/>
+            </p14:xfrm>
+          </p:contentPart>
+        </mc:Choice>
+        <mc:Fallback xmlns="">
+          <p:pic>
+            <p:nvPicPr>
+              <p:cNvPr id="179" name="Ink 178"/>
+              <p:cNvPicPr/>
+              <p:nvPr/>
+            </p:nvPicPr>
+            <p:blipFill>
+              <a:blip r:embed="rId41"/>
+              <a:stretch>
+                <a:fillRect/>
+              </a:stretch>
+            </p:blipFill>
+            <p:spPr>
+              <a:xfrm>
+                <a:off x="10228820" y="2385791"/>
+                <a:ext cx="788040" cy="79200"/>
+              </a:xfrm>
+              <a:prstGeom prst="rect">
+                <a:avLst/>
+              </a:prstGeom>
+            </p:spPr>
+          </p:pic>
+        </mc:Fallback>
+      </mc:AlternateContent>
+      <mc:AlternateContent xmlns:mc="http://schemas.openxmlformats.org/markup-compatibility/2006" xmlns:p14="http://schemas.microsoft.com/office/powerpoint/2010/main">
+        <mc:Choice Requires="p14">
+          <p:contentPart p14:bwMode="auto" r:id="rId42">
+            <p14:nvContentPartPr>
+              <p14:cNvPr id="180" name="Ink 179"/>
+              <p14:cNvContentPartPr/>
+              <p14:nvPr/>
+            </p14:nvContentPartPr>
+            <p14:xfrm>
+              <a:off x="10236740" y="2394431"/>
+              <a:ext cx="821160" cy="218520"/>
+            </p14:xfrm>
+          </p:contentPart>
+        </mc:Choice>
+        <mc:Fallback xmlns="">
+          <p:pic>
+            <p:nvPicPr>
+              <p:cNvPr id="180" name="Ink 179"/>
+              <p:cNvPicPr/>
+              <p:nvPr/>
+            </p:nvPicPr>
+            <p:blipFill>
+              <a:blip r:embed="rId43"/>
+              <a:stretch>
+                <a:fillRect/>
+              </a:stretch>
+            </p:blipFill>
+            <p:spPr>
+              <a:xfrm>
+                <a:off x="10224860" y="2387951"/>
+                <a:ext cx="848160" cy="236880"/>
+              </a:xfrm>
+              <a:prstGeom prst="rect">
+                <a:avLst/>
+              </a:prstGeom>
+            </p:spPr>
+          </p:pic>
+        </mc:Fallback>
+      </mc:AlternateContent>
+      <mc:AlternateContent xmlns:mc="http://schemas.openxmlformats.org/markup-compatibility/2006" xmlns:p14="http://schemas.microsoft.com/office/powerpoint/2010/main">
+        <mc:Choice Requires="p14">
+          <p:contentPart p14:bwMode="auto" r:id="rId44">
+            <p14:nvContentPartPr>
+              <p14:cNvPr id="182" name="Ink 181"/>
+              <p14:cNvContentPartPr/>
+              <p14:nvPr/>
+            </p14:nvContentPartPr>
+            <p14:xfrm>
+              <a:off x="10227380" y="2744351"/>
+              <a:ext cx="10080" cy="104040"/>
+            </p14:xfrm>
+          </p:contentPart>
+        </mc:Choice>
+        <mc:Fallback xmlns="">
+          <p:pic>
+            <p:nvPicPr>
+              <p:cNvPr id="182" name="Ink 181"/>
+              <p:cNvPicPr/>
+              <p:nvPr/>
+            </p:nvPicPr>
+            <p:blipFill>
+              <a:blip r:embed="rId45"/>
+              <a:stretch>
+                <a:fillRect/>
+              </a:stretch>
+            </p:blipFill>
+            <p:spPr>
+              <a:xfrm>
+                <a:off x="10216580" y="2733191"/>
+                <a:ext cx="36720" cy="129240"/>
+              </a:xfrm>
+              <a:prstGeom prst="rect">
+                <a:avLst/>
+              </a:prstGeom>
+            </p:spPr>
+          </p:pic>
+        </mc:Fallback>
+      </mc:AlternateContent>
+      <mc:AlternateContent xmlns:mc="http://schemas.openxmlformats.org/markup-compatibility/2006" xmlns:p14="http://schemas.microsoft.com/office/powerpoint/2010/main">
+        <mc:Choice Requires="p14">
+          <p:contentPart p14:bwMode="auto" r:id="rId46">
+            <p14:nvContentPartPr>
+              <p14:cNvPr id="184" name="Ink 183"/>
+              <p14:cNvContentPartPr/>
+              <p14:nvPr/>
+            </p14:nvContentPartPr>
+            <p14:xfrm>
+              <a:off x="10202180" y="2712671"/>
+              <a:ext cx="994320" cy="229320"/>
+            </p14:xfrm>
+          </p:contentPart>
+        </mc:Choice>
+        <mc:Fallback xmlns="">
+          <p:pic>
+            <p:nvPicPr>
+              <p:cNvPr id="184" name="Ink 183"/>
+              <p:cNvPicPr/>
+              <p:nvPr/>
+            </p:nvPicPr>
+            <p:blipFill>
+              <a:blip r:embed="rId47"/>
+              <a:stretch>
+                <a:fillRect/>
+              </a:stretch>
+            </p:blipFill>
+            <p:spPr>
+              <a:xfrm>
+                <a:off x="10191380" y="2695031"/>
+                <a:ext cx="1022760" cy="263520"/>
+              </a:xfrm>
+              <a:prstGeom prst="rect">
+                <a:avLst/>
+              </a:prstGeom>
+            </p:spPr>
+          </p:pic>
+        </mc:Fallback>
+      </mc:AlternateContent>
+      <mc:AlternateContent xmlns:mc="http://schemas.openxmlformats.org/markup-compatibility/2006" xmlns:p14="http://schemas.microsoft.com/office/powerpoint/2010/main">
+        <mc:Choice Requires="p14">
+          <p:contentPart p14:bwMode="auto" r:id="rId48">
+            <p14:nvContentPartPr>
+              <p14:cNvPr id="187" name="Ink 186"/>
+              <p14:cNvContentPartPr/>
+              <p14:nvPr/>
+            </p14:nvContentPartPr>
+            <p14:xfrm>
+              <a:off x="10047380" y="2563631"/>
+              <a:ext cx="10080" cy="896400"/>
+            </p14:xfrm>
+          </p:contentPart>
+        </mc:Choice>
+        <mc:Fallback xmlns="">
+          <p:pic>
+            <p:nvPicPr>
+              <p:cNvPr id="187" name="Ink 186"/>
+              <p:cNvPicPr/>
+              <p:nvPr/>
+            </p:nvPicPr>
+            <p:blipFill>
+              <a:blip r:embed="rId49"/>
+              <a:stretch>
+                <a:fillRect/>
+              </a:stretch>
+            </p:blipFill>
+            <p:spPr>
+              <a:xfrm>
+                <a:off x="10034420" y="2558591"/>
+                <a:ext cx="37080" cy="916560"/>
+              </a:xfrm>
+              <a:prstGeom prst="rect">
+                <a:avLst/>
+              </a:prstGeom>
+            </p:spPr>
+          </p:pic>
+        </mc:Fallback>
+      </mc:AlternateContent>
+      <mc:AlternateContent xmlns:mc="http://schemas.openxmlformats.org/markup-compatibility/2006" xmlns:p14="http://schemas.microsoft.com/office/powerpoint/2010/main">
+        <mc:Choice Requires="p14">
+          <p:contentPart p14:bwMode="auto" r:id="rId50">
+            <p14:nvContentPartPr>
+              <p14:cNvPr id="188" name="Ink 187"/>
+              <p14:cNvContentPartPr/>
+              <p14:nvPr/>
+            </p14:nvContentPartPr>
+            <p14:xfrm>
+              <a:off x="10206500" y="3057551"/>
+              <a:ext cx="359640" cy="195840"/>
+            </p14:xfrm>
+          </p:contentPart>
+        </mc:Choice>
+        <mc:Fallback xmlns="">
+          <p:pic>
+            <p:nvPicPr>
+              <p:cNvPr id="188" name="Ink 187"/>
+              <p:cNvPicPr/>
+              <p:nvPr/>
+            </p:nvPicPr>
+            <p:blipFill>
+              <a:blip r:embed="rId51"/>
+              <a:stretch>
+                <a:fillRect/>
+              </a:stretch>
+            </p:blipFill>
+            <p:spPr>
+              <a:xfrm>
+                <a:off x="10193540" y="3040271"/>
+                <a:ext cx="390960" cy="227880"/>
+              </a:xfrm>
+              <a:prstGeom prst="rect">
+                <a:avLst/>
+              </a:prstGeom>
+            </p:spPr>
+          </p:pic>
+        </mc:Fallback>
+      </mc:AlternateContent>
+      <mc:AlternateContent xmlns:mc="http://schemas.openxmlformats.org/markup-compatibility/2006" xmlns:p14="http://schemas.microsoft.com/office/powerpoint/2010/main">
+        <mc:Choice Requires="p14">
+          <p:contentPart p14:bwMode="auto" r:id="rId52">
+            <p14:nvContentPartPr>
+              <p14:cNvPr id="190" name="Ink 189"/>
+              <p14:cNvContentPartPr/>
+              <p14:nvPr/>
+            </p14:nvContentPartPr>
+            <p14:xfrm>
+              <a:off x="10037300" y="2321351"/>
+              <a:ext cx="1302840" cy="1128960"/>
+            </p14:xfrm>
+          </p:contentPart>
+        </mc:Choice>
+        <mc:Fallback xmlns="">
+          <p:pic>
+            <p:nvPicPr>
+              <p:cNvPr id="190" name="Ink 189"/>
+              <p:cNvPicPr/>
+              <p:nvPr/>
+            </p:nvPicPr>
+            <p:blipFill>
+              <a:blip r:embed="rId53"/>
+              <a:stretch>
+                <a:fillRect/>
+              </a:stretch>
+            </p:blipFill>
+            <p:spPr>
+              <a:xfrm>
+                <a:off x="10030100" y="2305151"/>
+                <a:ext cx="1326960" cy="1150920"/>
+              </a:xfrm>
+              <a:prstGeom prst="rect">
+                <a:avLst/>
+              </a:prstGeom>
+            </p:spPr>
+          </p:pic>
+        </mc:Fallback>
+      </mc:AlternateContent>
+      <mc:AlternateContent xmlns:mc="http://schemas.openxmlformats.org/markup-compatibility/2006" xmlns:p14="http://schemas.microsoft.com/office/powerpoint/2010/main">
+        <mc:Choice Requires="p14">
+          <p:contentPart p14:bwMode="auto" r:id="rId54">
+            <p14:nvContentPartPr>
+              <p14:cNvPr id="193" name="Ink 192"/>
+              <p14:cNvContentPartPr/>
+              <p14:nvPr/>
+            </p14:nvContentPartPr>
+            <p14:xfrm>
+              <a:off x="10085180" y="3439151"/>
+              <a:ext cx="1097280" cy="83520"/>
+            </p14:xfrm>
+          </p:contentPart>
+        </mc:Choice>
+        <mc:Fallback xmlns="">
+          <p:pic>
+            <p:nvPicPr>
+              <p:cNvPr id="193" name="Ink 192"/>
+              <p:cNvPicPr/>
+              <p:nvPr/>
+            </p:nvPicPr>
+            <p:blipFill>
+              <a:blip r:embed="rId55"/>
+              <a:stretch>
+                <a:fillRect/>
+              </a:stretch>
+            </p:blipFill>
+            <p:spPr>
+              <a:xfrm>
+                <a:off x="10077260" y="3421151"/>
+                <a:ext cx="1119600" cy="109440"/>
+              </a:xfrm>
+              <a:prstGeom prst="rect">
+                <a:avLst/>
+              </a:prstGeom>
+            </p:spPr>
+          </p:pic>
+        </mc:Fallback>
+      </mc:AlternateContent>
+      <mc:AlternateContent xmlns:mc="http://schemas.openxmlformats.org/markup-compatibility/2006" xmlns:p14="http://schemas.microsoft.com/office/powerpoint/2010/main">
+        <mc:Choice Requires="p14">
+          <p:contentPart p14:bwMode="auto" r:id="rId56">
+            <p14:nvContentPartPr>
+              <p14:cNvPr id="195" name="Ink 194"/>
+              <p14:cNvContentPartPr/>
+              <p14:nvPr/>
+            </p14:nvContentPartPr>
+            <p14:xfrm>
+              <a:off x="10095260" y="1917071"/>
+              <a:ext cx="720000" cy="22320"/>
+            </p14:xfrm>
+          </p:contentPart>
+        </mc:Choice>
+        <mc:Fallback xmlns="">
+          <p:pic>
+            <p:nvPicPr>
+              <p:cNvPr id="195" name="Ink 194"/>
+              <p:cNvPicPr/>
+              <p:nvPr/>
+            </p:nvPicPr>
+            <p:blipFill>
+              <a:blip r:embed="rId57"/>
+              <a:stretch>
+                <a:fillRect/>
+              </a:stretch>
+            </p:blipFill>
+            <p:spPr>
+              <a:xfrm>
+                <a:off x="10083740" y="1903751"/>
+                <a:ext cx="740160" cy="48240"/>
+              </a:xfrm>
+              <a:prstGeom prst="rect">
+                <a:avLst/>
+              </a:prstGeom>
+            </p:spPr>
+          </p:pic>
+        </mc:Fallback>
+      </mc:AlternateContent>
+      <mc:AlternateContent xmlns:mc="http://schemas.openxmlformats.org/markup-compatibility/2006" xmlns:p14="http://schemas.microsoft.com/office/powerpoint/2010/main">
+        <mc:Choice Requires="p14">
+          <p:contentPart p14:bwMode="auto" r:id="rId58">
+            <p14:nvContentPartPr>
+              <p14:cNvPr id="201" name="Ink 200"/>
+              <p14:cNvContentPartPr/>
+              <p14:nvPr/>
+            </p14:nvContentPartPr>
+            <p14:xfrm>
+              <a:off x="10008860" y="1911671"/>
+              <a:ext cx="29880" cy="165600"/>
+            </p14:xfrm>
+          </p:contentPart>
+        </mc:Choice>
+        <mc:Fallback xmlns="">
+          <p:pic>
+            <p:nvPicPr>
+              <p:cNvPr id="201" name="Ink 200"/>
+              <p:cNvPicPr/>
+              <p:nvPr/>
+            </p:nvPicPr>
+            <p:blipFill>
+              <a:blip r:embed="rId59"/>
+              <a:stretch>
+                <a:fillRect/>
+              </a:stretch>
+            </p:blipFill>
+            <p:spPr>
+              <a:xfrm>
+                <a:off x="9995540" y="1902311"/>
+                <a:ext cx="56880" cy="188280"/>
+              </a:xfrm>
+              <a:prstGeom prst="rect">
+                <a:avLst/>
+              </a:prstGeom>
+            </p:spPr>
+          </p:pic>
+        </mc:Fallback>
+      </mc:AlternateContent>
+      <mc:AlternateContent xmlns:mc="http://schemas.openxmlformats.org/markup-compatibility/2006" xmlns:p14="http://schemas.microsoft.com/office/powerpoint/2010/main">
+        <mc:Choice Requires="p14">
+          <p:contentPart p14:bwMode="auto" r:id="rId60">
+            <p14:nvContentPartPr>
+              <p14:cNvPr id="202" name="Ink 201"/>
+              <p14:cNvContentPartPr/>
+              <p14:nvPr/>
+            </p14:nvContentPartPr>
+            <p14:xfrm>
+              <a:off x="9450140" y="1922111"/>
+              <a:ext cx="557280" cy="116280"/>
+            </p14:xfrm>
+          </p:contentPart>
+        </mc:Choice>
+        <mc:Fallback xmlns="">
+          <p:pic>
+            <p:nvPicPr>
+              <p:cNvPr id="202" name="Ink 201"/>
+              <p:cNvPicPr/>
+              <p:nvPr/>
+            </p:nvPicPr>
+            <p:blipFill>
+              <a:blip r:embed="rId61"/>
+              <a:stretch>
+                <a:fillRect/>
+              </a:stretch>
+            </p:blipFill>
+            <p:spPr>
+              <a:xfrm>
+                <a:off x="9440060" y="1912751"/>
+                <a:ext cx="572400" cy="135720"/>
+              </a:xfrm>
+              <a:prstGeom prst="rect">
+                <a:avLst/>
+              </a:prstGeom>
+            </p:spPr>
+          </p:pic>
+        </mc:Fallback>
+      </mc:AlternateContent>
+      <mc:AlternateContent xmlns:mc="http://schemas.openxmlformats.org/markup-compatibility/2006" xmlns:p14="http://schemas.microsoft.com/office/powerpoint/2010/main">
+        <mc:Choice Requires="p14">
+          <p:contentPart p14:bwMode="auto" r:id="rId62">
+            <p14:nvContentPartPr>
+              <p14:cNvPr id="203" name="Ink 202"/>
+              <p14:cNvContentPartPr/>
+              <p14:nvPr/>
+            </p14:nvContentPartPr>
+            <p14:xfrm>
+              <a:off x="9415580" y="2003471"/>
+              <a:ext cx="9000" cy="191520"/>
+            </p14:xfrm>
+          </p:contentPart>
+        </mc:Choice>
+        <mc:Fallback xmlns="">
+          <p:pic>
+            <p:nvPicPr>
+              <p:cNvPr id="203" name="Ink 202"/>
+              <p:cNvPicPr/>
+              <p:nvPr/>
+            </p:nvPicPr>
+            <p:blipFill>
+              <a:blip r:embed="rId63"/>
+              <a:stretch>
+                <a:fillRect/>
+              </a:stretch>
+            </p:blipFill>
+            <p:spPr>
+              <a:xfrm>
+                <a:off x="9401900" y="1991951"/>
+                <a:ext cx="33120" cy="208440"/>
+              </a:xfrm>
+              <a:prstGeom prst="rect">
+                <a:avLst/>
+              </a:prstGeom>
+            </p:spPr>
+          </p:pic>
+        </mc:Fallback>
+      </mc:AlternateContent>
+      <mc:AlternateContent xmlns:mc="http://schemas.openxmlformats.org/markup-compatibility/2006" xmlns:p14="http://schemas.microsoft.com/office/powerpoint/2010/main">
+        <mc:Choice Requires="p14">
+          <p:contentPart p14:bwMode="auto" r:id="rId64">
+            <p14:nvContentPartPr>
+              <p14:cNvPr id="206" name="Ink 205"/>
+              <p14:cNvContentPartPr/>
+              <p14:nvPr/>
+            </p14:nvContentPartPr>
+            <p14:xfrm>
+              <a:off x="8797820" y="1951991"/>
+              <a:ext cx="619920" cy="84960"/>
+            </p14:xfrm>
+          </p:contentPart>
+        </mc:Choice>
+        <mc:Fallback xmlns="">
+          <p:pic>
+            <p:nvPicPr>
+              <p:cNvPr id="206" name="Ink 205"/>
+              <p:cNvPicPr/>
+              <p:nvPr/>
+            </p:nvPicPr>
+            <p:blipFill>
+              <a:blip r:embed="rId65"/>
+              <a:stretch>
+                <a:fillRect/>
+              </a:stretch>
+            </p:blipFill>
+            <p:spPr>
+              <a:xfrm>
+                <a:off x="8789900" y="1936151"/>
+                <a:ext cx="639360" cy="108720"/>
+              </a:xfrm>
+              <a:prstGeom prst="rect">
+                <a:avLst/>
+              </a:prstGeom>
+            </p:spPr>
+          </p:pic>
+        </mc:Fallback>
+      </mc:AlternateContent>
+      <mc:AlternateContent xmlns:mc="http://schemas.openxmlformats.org/markup-compatibility/2006" xmlns:p14="http://schemas.microsoft.com/office/powerpoint/2010/main">
+        <mc:Choice Requires="p14">
+          <p:contentPart p14:bwMode="auto" r:id="rId66">
+            <p14:nvContentPartPr>
+              <p14:cNvPr id="207" name="Ink 206"/>
+              <p14:cNvContentPartPr/>
+              <p14:nvPr/>
+            </p14:nvContentPartPr>
+            <p14:xfrm>
+              <a:off x="8803220" y="2041271"/>
+              <a:ext cx="26280" cy="106200"/>
+            </p14:xfrm>
+          </p:contentPart>
+        </mc:Choice>
+        <mc:Fallback xmlns="">
+          <p:pic>
+            <p:nvPicPr>
+              <p:cNvPr id="207" name="Ink 206"/>
+              <p:cNvPicPr/>
+              <p:nvPr/>
+            </p:nvPicPr>
+            <p:blipFill>
+              <a:blip r:embed="rId67"/>
+              <a:stretch>
+                <a:fillRect/>
+              </a:stretch>
+            </p:blipFill>
+            <p:spPr>
+              <a:xfrm>
+                <a:off x="8792420" y="2033711"/>
+                <a:ext cx="44280" cy="119160"/>
+              </a:xfrm>
+              <a:prstGeom prst="rect">
+                <a:avLst/>
+              </a:prstGeom>
+            </p:spPr>
+          </p:pic>
+        </mc:Fallback>
+      </mc:AlternateContent>
+      <mc:AlternateContent xmlns:mc="http://schemas.openxmlformats.org/markup-compatibility/2006" xmlns:p14="http://schemas.microsoft.com/office/powerpoint/2010/main">
+        <mc:Choice Requires="p14">
+          <p:contentPart p14:bwMode="auto" r:id="rId68">
+            <p14:nvContentPartPr>
+              <p14:cNvPr id="221" name="Ink 220"/>
+              <p14:cNvContentPartPr/>
+              <p14:nvPr/>
+            </p14:nvContentPartPr>
+            <p14:xfrm>
+              <a:off x="8819060" y="3652991"/>
+              <a:ext cx="42120" cy="992880"/>
+            </p14:xfrm>
+          </p:contentPart>
+        </mc:Choice>
+        <mc:Fallback xmlns="">
+          <p:pic>
+            <p:nvPicPr>
+              <p:cNvPr id="221" name="Ink 220"/>
+              <p:cNvPicPr/>
+              <p:nvPr/>
+            </p:nvPicPr>
+            <p:blipFill>
+              <a:blip r:embed="rId69"/>
+              <a:stretch>
+                <a:fillRect/>
+              </a:stretch>
+            </p:blipFill>
+            <p:spPr>
+              <a:xfrm>
+                <a:off x="8801420" y="3642911"/>
+                <a:ext cx="74880" cy="1020600"/>
+              </a:xfrm>
+              <a:prstGeom prst="rect">
+                <a:avLst/>
+              </a:prstGeom>
+            </p:spPr>
+          </p:pic>
+        </mc:Fallback>
+      </mc:AlternateContent>
+      <mc:AlternateContent xmlns:mc="http://schemas.openxmlformats.org/markup-compatibility/2006" xmlns:p14="http://schemas.microsoft.com/office/powerpoint/2010/main">
+        <mc:Choice Requires="p14">
+          <p:contentPart p14:bwMode="auto" r:id="rId70">
+            <p14:nvContentPartPr>
+              <p14:cNvPr id="223" name="Ink 222"/>
+              <p14:cNvContentPartPr/>
+              <p14:nvPr/>
+            </p14:nvContentPartPr>
+            <p14:xfrm>
+              <a:off x="8920940" y="3546791"/>
+              <a:ext cx="2341440" cy="96480"/>
+            </p14:xfrm>
+          </p:contentPart>
+        </mc:Choice>
+        <mc:Fallback xmlns="">
+          <p:pic>
+            <p:nvPicPr>
+              <p:cNvPr id="223" name="Ink 222"/>
+              <p:cNvPicPr/>
+              <p:nvPr/>
+            </p:nvPicPr>
+            <p:blipFill>
+              <a:blip r:embed="rId71"/>
+              <a:stretch>
+                <a:fillRect/>
+              </a:stretch>
+            </p:blipFill>
+            <p:spPr>
+              <a:xfrm>
+                <a:off x="8914100" y="3532391"/>
+                <a:ext cx="2355120" cy="127800"/>
+              </a:xfrm>
+              <a:prstGeom prst="rect">
+                <a:avLst/>
+              </a:prstGeom>
+            </p:spPr>
+          </p:pic>
+        </mc:Fallback>
+      </mc:AlternateContent>
+      <mc:AlternateContent xmlns:mc="http://schemas.openxmlformats.org/markup-compatibility/2006" xmlns:p14="http://schemas.microsoft.com/office/powerpoint/2010/main">
+        <mc:Choice Requires="p14">
+          <p:contentPart p14:bwMode="auto" r:id="rId72">
+            <p14:nvContentPartPr>
+              <p14:cNvPr id="225" name="Ink 224"/>
+              <p14:cNvContentPartPr/>
+              <p14:nvPr/>
+            </p14:nvContentPartPr>
+            <p14:xfrm>
+              <a:off x="11293340" y="3591431"/>
+              <a:ext cx="27360" cy="1032840"/>
+            </p14:xfrm>
+          </p:contentPart>
+        </mc:Choice>
+        <mc:Fallback xmlns="">
+          <p:pic>
+            <p:nvPicPr>
+              <p:cNvPr id="225" name="Ink 224"/>
+              <p:cNvPicPr/>
+              <p:nvPr/>
+            </p:nvPicPr>
+            <p:blipFill>
+              <a:blip r:embed="rId73"/>
+              <a:stretch>
+                <a:fillRect/>
+              </a:stretch>
+            </p:blipFill>
+            <p:spPr>
+              <a:xfrm>
+                <a:off x="11276420" y="3584591"/>
+                <a:ext cx="55080" cy="1055520"/>
+              </a:xfrm>
+              <a:prstGeom prst="rect">
+                <a:avLst/>
+              </a:prstGeom>
+            </p:spPr>
+          </p:pic>
+        </mc:Fallback>
+      </mc:AlternateContent>
+      <mc:AlternateContent xmlns:mc="http://schemas.openxmlformats.org/markup-compatibility/2006" xmlns:p14="http://schemas.microsoft.com/office/powerpoint/2010/main">
+        <mc:Choice Requires="p14">
+          <p:contentPart p14:bwMode="auto" r:id="rId74">
+            <p14:nvContentPartPr>
+              <p14:cNvPr id="227" name="Ink 226"/>
+              <p14:cNvContentPartPr/>
+              <p14:nvPr/>
+            </p14:nvContentPartPr>
+            <p14:xfrm>
+              <a:off x="8851100" y="4619231"/>
+              <a:ext cx="2458080" cy="83160"/>
+            </p14:xfrm>
+          </p:contentPart>
+        </mc:Choice>
+        <mc:Fallback xmlns="">
+          <p:pic>
+            <p:nvPicPr>
+              <p:cNvPr id="227" name="Ink 226"/>
+              <p:cNvPicPr/>
+              <p:nvPr/>
+            </p:nvPicPr>
+            <p:blipFill>
+              <a:blip r:embed="rId75"/>
+              <a:stretch>
+                <a:fillRect/>
+              </a:stretch>
+            </p:blipFill>
+            <p:spPr>
+              <a:xfrm>
+                <a:off x="8842100" y="4598351"/>
+                <a:ext cx="2484000" cy="122760"/>
+              </a:xfrm>
+              <a:prstGeom prst="rect">
+                <a:avLst/>
+              </a:prstGeom>
+            </p:spPr>
+          </p:pic>
+        </mc:Fallback>
+      </mc:AlternateContent>
+      <mc:AlternateContent xmlns:mc="http://schemas.openxmlformats.org/markup-compatibility/2006" xmlns:p14="http://schemas.microsoft.com/office/powerpoint/2010/main">
+        <mc:Choice Requires="p14">
+          <p:contentPart p14:bwMode="auto" r:id="rId76">
+            <p14:nvContentPartPr>
+              <p14:cNvPr id="264" name="Ink 263"/>
+              <p14:cNvContentPartPr/>
+              <p14:nvPr/>
+            </p14:nvContentPartPr>
+            <p14:xfrm>
+              <a:off x="10771700" y="1935431"/>
+              <a:ext cx="37800" cy="275040"/>
+            </p14:xfrm>
+          </p:contentPart>
+        </mc:Choice>
+        <mc:Fallback xmlns="">
+          <p:pic>
+            <p:nvPicPr>
+              <p:cNvPr id="264" name="Ink 263"/>
+              <p:cNvPicPr/>
+              <p:nvPr/>
+            </p:nvPicPr>
+            <p:blipFill>
+              <a:blip r:embed="rId77"/>
+              <a:stretch>
+                <a:fillRect/>
+              </a:stretch>
+            </p:blipFill>
+            <p:spPr>
+              <a:xfrm>
+                <a:off x="10758740" y="1926071"/>
+                <a:ext cx="62640" cy="289800"/>
+              </a:xfrm>
+              <a:prstGeom prst="rect">
+                <a:avLst/>
+              </a:prstGeom>
+            </p:spPr>
+          </p:pic>
+        </mc:Fallback>
+      </mc:AlternateContent>
+      <mc:AlternateContent xmlns:mc="http://schemas.openxmlformats.org/markup-compatibility/2006" xmlns:p14="http://schemas.microsoft.com/office/powerpoint/2010/main">
+        <mc:Choice Requires="p14">
+          <p:contentPart p14:bwMode="auto" r:id="rId78">
+            <p14:nvContentPartPr>
+              <p14:cNvPr id="276" name="Ink 275"/>
+              <p14:cNvContentPartPr/>
+              <p14:nvPr/>
+            </p14:nvContentPartPr>
+            <p14:xfrm>
+              <a:off x="6198260" y="2259431"/>
+              <a:ext cx="184680" cy="440640"/>
+            </p14:xfrm>
+          </p:contentPart>
+        </mc:Choice>
+        <mc:Fallback xmlns="">
+          <p:pic>
+            <p:nvPicPr>
+              <p:cNvPr id="276" name="Ink 275"/>
+              <p:cNvPicPr/>
+              <p:nvPr/>
+            </p:nvPicPr>
+            <p:blipFill>
+              <a:blip r:embed="rId79"/>
+              <a:stretch>
+                <a:fillRect/>
+              </a:stretch>
+            </p:blipFill>
+            <p:spPr>
+              <a:xfrm>
+                <a:off x="6184580" y="2250791"/>
+                <a:ext cx="208440" cy="462600"/>
+              </a:xfrm>
+              <a:prstGeom prst="rect">
+                <a:avLst/>
+              </a:prstGeom>
+            </p:spPr>
+          </p:pic>
+        </mc:Fallback>
+      </mc:AlternateContent>
+      <mc:AlternateContent xmlns:mc="http://schemas.openxmlformats.org/markup-compatibility/2006" xmlns:p14="http://schemas.microsoft.com/office/powerpoint/2010/main">
+        <mc:Choice Requires="p14">
+          <p:contentPart p14:bwMode="auto" r:id="rId80">
+            <p14:nvContentPartPr>
+              <p14:cNvPr id="277" name="Ink 276"/>
+              <p14:cNvContentPartPr/>
+              <p14:nvPr/>
+            </p14:nvContentPartPr>
+            <p14:xfrm>
+              <a:off x="6428660" y="2205791"/>
+              <a:ext cx="132840" cy="470880"/>
+            </p14:xfrm>
+          </p:contentPart>
+        </mc:Choice>
+        <mc:Fallback xmlns="">
+          <p:pic>
+            <p:nvPicPr>
+              <p:cNvPr id="277" name="Ink 276"/>
+              <p:cNvPicPr/>
+              <p:nvPr/>
+            </p:nvPicPr>
+            <p:blipFill>
+              <a:blip r:embed="rId81"/>
+              <a:stretch>
+                <a:fillRect/>
+              </a:stretch>
+            </p:blipFill>
+            <p:spPr>
+              <a:xfrm>
+                <a:off x="6413180" y="2192471"/>
+                <a:ext cx="167040" cy="502560"/>
+              </a:xfrm>
+              <a:prstGeom prst="rect">
+                <a:avLst/>
+              </a:prstGeom>
+            </p:spPr>
+          </p:pic>
+        </mc:Fallback>
+      </mc:AlternateContent>
+      <mc:AlternateContent xmlns:mc="http://schemas.openxmlformats.org/markup-compatibility/2006" xmlns:p14="http://schemas.microsoft.com/office/powerpoint/2010/main">
+        <mc:Choice Requires="p14">
+          <p:contentPart p14:bwMode="auto" r:id="rId82">
+            <p14:nvContentPartPr>
+              <p14:cNvPr id="278" name="Ink 277"/>
+              <p14:cNvContentPartPr/>
+              <p14:nvPr/>
+            </p14:nvContentPartPr>
+            <p14:xfrm>
+              <a:off x="6211940" y="2758751"/>
+              <a:ext cx="321480" cy="27000"/>
+            </p14:xfrm>
+          </p:contentPart>
+        </mc:Choice>
+        <mc:Fallback xmlns="">
+          <p:pic>
+            <p:nvPicPr>
+              <p:cNvPr id="278" name="Ink 277"/>
+              <p:cNvPicPr/>
+              <p:nvPr/>
+            </p:nvPicPr>
+            <p:blipFill>
+              <a:blip r:embed="rId83"/>
+              <a:stretch>
+                <a:fillRect/>
+              </a:stretch>
+            </p:blipFill>
+            <p:spPr>
+              <a:xfrm>
+                <a:off x="6205100" y="2741111"/>
+                <a:ext cx="339120" cy="51840"/>
+              </a:xfrm>
+              <a:prstGeom prst="rect">
+                <a:avLst/>
+              </a:prstGeom>
+            </p:spPr>
+          </p:pic>
+        </mc:Fallback>
+      </mc:AlternateContent>
+      <mc:AlternateContent xmlns:mc="http://schemas.openxmlformats.org/markup-compatibility/2006" xmlns:p14="http://schemas.microsoft.com/office/powerpoint/2010/main">
+        <mc:Choice Requires="p14">
+          <p:contentPart p14:bwMode="auto" r:id="rId84">
+            <p14:nvContentPartPr>
+              <p14:cNvPr id="279" name="Ink 278"/>
+              <p14:cNvContentPartPr/>
+              <p14:nvPr/>
+            </p14:nvContentPartPr>
+            <p14:xfrm>
+              <a:off x="6155420" y="3459671"/>
+              <a:ext cx="28440" cy="397800"/>
+            </p14:xfrm>
+          </p:contentPart>
+        </mc:Choice>
+        <mc:Fallback xmlns="">
+          <p:pic>
+            <p:nvPicPr>
+              <p:cNvPr id="279" name="Ink 278"/>
+              <p:cNvPicPr/>
+              <p:nvPr/>
+            </p:nvPicPr>
+            <p:blipFill>
+              <a:blip r:embed="rId85"/>
+              <a:stretch>
+                <a:fillRect/>
+              </a:stretch>
+            </p:blipFill>
+            <p:spPr>
+              <a:xfrm>
+                <a:off x="6138500" y="3448511"/>
+                <a:ext cx="62280" cy="425880"/>
+              </a:xfrm>
+              <a:prstGeom prst="rect">
+                <a:avLst/>
+              </a:prstGeom>
+            </p:spPr>
+          </p:pic>
+        </mc:Fallback>
+      </mc:AlternateContent>
+      <mc:AlternateContent xmlns:mc="http://schemas.openxmlformats.org/markup-compatibility/2006" xmlns:p14="http://schemas.microsoft.com/office/powerpoint/2010/main">
+        <mc:Choice Requires="p14">
+          <p:contentPart p14:bwMode="auto" r:id="rId86">
+            <p14:nvContentPartPr>
+              <p14:cNvPr id="318" name="Ink 317"/>
+              <p14:cNvContentPartPr/>
+              <p14:nvPr/>
+            </p14:nvContentPartPr>
+            <p14:xfrm>
+              <a:off x="8904380" y="2367071"/>
+              <a:ext cx="45360" cy="1057320"/>
+            </p14:xfrm>
+          </p:contentPart>
+        </mc:Choice>
+        <mc:Fallback xmlns="">
+          <p:pic>
+            <p:nvPicPr>
+              <p:cNvPr id="318" name="Ink 317"/>
+              <p:cNvPicPr/>
+              <p:nvPr/>
+            </p:nvPicPr>
+            <p:blipFill>
+              <a:blip r:embed="rId87"/>
+              <a:stretch>
+                <a:fillRect/>
+              </a:stretch>
+            </p:blipFill>
+            <p:spPr>
+              <a:xfrm>
+                <a:off x="8889260" y="2352671"/>
+                <a:ext cx="67680" cy="1089720"/>
+              </a:xfrm>
+              <a:prstGeom prst="rect">
+                <a:avLst/>
+              </a:prstGeom>
+            </p:spPr>
+          </p:pic>
+        </mc:Fallback>
+      </mc:AlternateContent>
+      <mc:AlternateContent xmlns:mc="http://schemas.openxmlformats.org/markup-compatibility/2006" xmlns:p14="http://schemas.microsoft.com/office/powerpoint/2010/main">
+        <mc:Choice Requires="p14">
+          <p:contentPart p14:bwMode="auto" r:id="rId88">
+            <p14:nvContentPartPr>
+              <p14:cNvPr id="319" name="Ink 318"/>
+              <p14:cNvContentPartPr/>
+              <p14:nvPr/>
+            </p14:nvContentPartPr>
+            <p14:xfrm>
+              <a:off x="8911580" y="3633911"/>
+              <a:ext cx="2294280" cy="1040040"/>
+            </p14:xfrm>
+          </p:contentPart>
+        </mc:Choice>
+        <mc:Fallback xmlns="">
+          <p:pic>
+            <p:nvPicPr>
+              <p:cNvPr id="319" name="Ink 318"/>
+              <p:cNvPicPr/>
+              <p:nvPr/>
+            </p:nvPicPr>
+            <p:blipFill>
+              <a:blip r:embed="rId89"/>
+              <a:stretch>
+                <a:fillRect/>
+              </a:stretch>
+            </p:blipFill>
+            <p:spPr>
+              <a:xfrm>
+                <a:off x="8903300" y="3624551"/>
+                <a:ext cx="2308680" cy="1054440"/>
+              </a:xfrm>
+              <a:prstGeom prst="rect">
+                <a:avLst/>
+              </a:prstGeom>
+            </p:spPr>
+          </p:pic>
+        </mc:Fallback>
+      </mc:AlternateContent>
+      <mc:AlternateContent xmlns:mc="http://schemas.openxmlformats.org/markup-compatibility/2006" xmlns:p14="http://schemas.microsoft.com/office/powerpoint/2010/main">
+        <mc:Choice Requires="p14">
+          <p:contentPart p14:bwMode="auto" r:id="rId90">
+            <p14:nvContentPartPr>
+              <p14:cNvPr id="325" name="Ink 324"/>
+              <p14:cNvContentPartPr/>
+              <p14:nvPr/>
+            </p14:nvContentPartPr>
+            <p14:xfrm>
+              <a:off x="8949020" y="2358431"/>
+              <a:ext cx="868320" cy="21960"/>
+            </p14:xfrm>
+          </p:contentPart>
+        </mc:Choice>
+        <mc:Fallback xmlns="">
+          <p:pic>
+            <p:nvPicPr>
+              <p:cNvPr id="325" name="Ink 324"/>
+              <p:cNvPicPr/>
+              <p:nvPr/>
+            </p:nvPicPr>
+            <p:blipFill>
+              <a:blip r:embed="rId91"/>
+              <a:stretch>
+                <a:fillRect/>
+              </a:stretch>
+            </p:blipFill>
+            <p:spPr>
+              <a:xfrm>
+                <a:off x="8939660" y="2347991"/>
+                <a:ext cx="890640" cy="44280"/>
+              </a:xfrm>
+              <a:prstGeom prst="rect">
+                <a:avLst/>
+              </a:prstGeom>
+            </p:spPr>
+          </p:pic>
+        </mc:Fallback>
+      </mc:AlternateContent>
+      <mc:AlternateContent xmlns:mc="http://schemas.openxmlformats.org/markup-compatibility/2006" xmlns:p14="http://schemas.microsoft.com/office/powerpoint/2010/main">
+        <mc:Choice Requires="p14">
+          <p:contentPart p14:bwMode="auto" r:id="rId92">
+            <p14:nvContentPartPr>
+              <p14:cNvPr id="326" name="Ink 325"/>
+              <p14:cNvContentPartPr/>
+              <p14:nvPr/>
+            </p14:nvContentPartPr>
+            <p14:xfrm>
+              <a:off x="5238140" y="3302317"/>
+              <a:ext cx="289440" cy="174240"/>
+            </p14:xfrm>
+          </p:contentPart>
+        </mc:Choice>
+        <mc:Fallback xmlns="">
+          <p:pic>
+            <p:nvPicPr>
+              <p:cNvPr id="326" name="Ink 325"/>
+              <p:cNvPicPr/>
+              <p:nvPr/>
+            </p:nvPicPr>
+            <p:blipFill>
+              <a:blip r:embed="rId93"/>
+              <a:stretch>
+                <a:fillRect/>
+              </a:stretch>
+            </p:blipFill>
+            <p:spPr>
+              <a:xfrm>
+                <a:off x="5232020" y="3282517"/>
+                <a:ext cx="315000" cy="208800"/>
+              </a:xfrm>
+              <a:prstGeom prst="rect">
+                <a:avLst/>
+              </a:prstGeom>
+            </p:spPr>
+          </p:pic>
+        </mc:Fallback>
+      </mc:AlternateContent>
+      <mc:AlternateContent xmlns:mc="http://schemas.openxmlformats.org/markup-compatibility/2006" xmlns:p14="http://schemas.microsoft.com/office/powerpoint/2010/main">
+        <mc:Choice Requires="p14">
+          <p:contentPart p14:bwMode="auto" r:id="rId94">
+            <p14:nvContentPartPr>
+              <p14:cNvPr id="328" name="Ink 327"/>
+              <p14:cNvContentPartPr/>
+              <p14:nvPr/>
+            </p14:nvContentPartPr>
+            <p14:xfrm>
+              <a:off x="9861980" y="2394431"/>
+              <a:ext cx="75240" cy="1056240"/>
+            </p14:xfrm>
+          </p:contentPart>
+        </mc:Choice>
+        <mc:Fallback xmlns="">
+          <p:pic>
+            <p:nvPicPr>
+              <p:cNvPr id="328" name="Ink 327"/>
+              <p:cNvPicPr/>
+              <p:nvPr/>
+            </p:nvPicPr>
+            <p:blipFill>
+              <a:blip r:embed="rId95"/>
+              <a:stretch>
+                <a:fillRect/>
+              </a:stretch>
+            </p:blipFill>
+            <p:spPr>
+              <a:xfrm>
+                <a:off x="9854780" y="2387231"/>
+                <a:ext cx="99720" cy="1075320"/>
+              </a:xfrm>
+              <a:prstGeom prst="rect">
+                <a:avLst/>
+              </a:prstGeom>
+            </p:spPr>
+          </p:pic>
+        </mc:Fallback>
+      </mc:AlternateContent>
+      <mc:AlternateContent xmlns:mc="http://schemas.openxmlformats.org/markup-compatibility/2006" xmlns:p14="http://schemas.microsoft.com/office/powerpoint/2010/main">
+        <mc:Choice Requires="p14">
+          <p:contentPart p14:bwMode="auto" r:id="rId96">
+            <p14:nvContentPartPr>
+              <p14:cNvPr id="329" name="Ink 328"/>
+              <p14:cNvContentPartPr/>
+              <p14:nvPr/>
+            </p14:nvContentPartPr>
+            <p14:xfrm>
+              <a:off x="8891420" y="3442031"/>
+              <a:ext cx="977760" cy="30960"/>
+            </p14:xfrm>
+          </p:contentPart>
+        </mc:Choice>
+        <mc:Fallback xmlns="">
+          <p:pic>
+            <p:nvPicPr>
+              <p:cNvPr id="329" name="Ink 328"/>
+              <p:cNvPicPr/>
+              <p:nvPr/>
+            </p:nvPicPr>
+            <p:blipFill>
+              <a:blip r:embed="rId97"/>
+              <a:stretch>
+                <a:fillRect/>
+              </a:stretch>
+            </p:blipFill>
+            <p:spPr>
+              <a:xfrm>
+                <a:off x="8884940" y="3426191"/>
+                <a:ext cx="999720" cy="60480"/>
+              </a:xfrm>
+              <a:prstGeom prst="rect">
+                <a:avLst/>
+              </a:prstGeom>
+            </p:spPr>
+          </p:pic>
+        </mc:Fallback>
+      </mc:AlternateContent>
+      <mc:AlternateContent xmlns:mc="http://schemas.openxmlformats.org/markup-compatibility/2006" xmlns:p14="http://schemas.microsoft.com/office/powerpoint/2010/main">
+        <mc:Choice Requires="p14">
+          <p:contentPart p14:bwMode="auto" r:id="rId98">
+            <p14:nvContentPartPr>
+              <p14:cNvPr id="334" name="Ink 333"/>
+              <p14:cNvContentPartPr/>
+              <p14:nvPr/>
+            </p14:nvContentPartPr>
+            <p14:xfrm>
+              <a:off x="9068180" y="2778551"/>
+              <a:ext cx="727560" cy="507960"/>
+            </p14:xfrm>
+          </p:contentPart>
+        </mc:Choice>
+        <mc:Fallback xmlns="">
+          <p:pic>
+            <p:nvPicPr>
+              <p:cNvPr id="334" name="Ink 333"/>
+              <p:cNvPicPr/>
+              <p:nvPr/>
+            </p:nvPicPr>
+            <p:blipFill>
+              <a:blip r:embed="rId99"/>
+              <a:stretch>
+                <a:fillRect/>
+              </a:stretch>
+            </p:blipFill>
+            <p:spPr>
+              <a:xfrm>
+                <a:off x="9050900" y="2763431"/>
+                <a:ext cx="758880" cy="538560"/>
+              </a:xfrm>
+              <a:prstGeom prst="rect">
+                <a:avLst/>
+              </a:prstGeom>
+            </p:spPr>
+          </p:pic>
+        </mc:Fallback>
+      </mc:AlternateContent>
+      <mc:AlternateContent xmlns:mc="http://schemas.openxmlformats.org/markup-compatibility/2006" xmlns:p14="http://schemas.microsoft.com/office/powerpoint/2010/main">
+        <mc:Choice Requires="p14">
+          <p:contentPart p14:bwMode="auto" r:id="rId100">
+            <p14:nvContentPartPr>
+              <p14:cNvPr id="346" name="Ink 345"/>
+              <p14:cNvContentPartPr/>
+              <p14:nvPr/>
+            </p14:nvContentPartPr>
+            <p14:xfrm>
+              <a:off x="8262140" y="1828151"/>
+              <a:ext cx="386640" cy="2174400"/>
+            </p14:xfrm>
+          </p:contentPart>
+        </mc:Choice>
+        <mc:Fallback xmlns="">
+          <p:pic>
+            <p:nvPicPr>
+              <p:cNvPr id="346" name="Ink 345"/>
+              <p:cNvPicPr/>
+              <p:nvPr/>
+            </p:nvPicPr>
+            <p:blipFill>
+              <a:blip r:embed="rId101"/>
+              <a:stretch>
+                <a:fillRect/>
+              </a:stretch>
+            </p:blipFill>
+            <p:spPr>
+              <a:xfrm>
+                <a:off x="8245970" y="1820231"/>
+                <a:ext cx="420776" cy="2201760"/>
+              </a:xfrm>
+              <a:prstGeom prst="rect">
+                <a:avLst/>
+              </a:prstGeom>
+            </p:spPr>
+          </p:pic>
+        </mc:Fallback>
+      </mc:AlternateContent>
+      <mc:AlternateContent xmlns:mc="http://schemas.openxmlformats.org/markup-compatibility/2006" xmlns:p14="http://schemas.microsoft.com/office/powerpoint/2010/main">
+        <mc:Choice Requires="p14">
+          <p:contentPart p14:bwMode="auto" r:id="rId102">
+            <p14:nvContentPartPr>
+              <p14:cNvPr id="363" name="Ink 362"/>
+              <p14:cNvContentPartPr/>
+              <p14:nvPr/>
+            </p14:nvContentPartPr>
+            <p14:xfrm>
+              <a:off x="10011740" y="7060751"/>
+              <a:ext cx="360" cy="360"/>
+            </p14:xfrm>
+          </p:contentPart>
+        </mc:Choice>
+        <mc:Fallback xmlns="">
+          <p:pic>
+            <p:nvPicPr>
+              <p:cNvPr id="363" name="Ink 362"/>
+              <p:cNvPicPr/>
+              <p:nvPr/>
+            </p:nvPicPr>
+            <p:blipFill>
+              <a:blip r:embed="rId103"/>
+              <a:stretch>
+                <a:fillRect/>
+              </a:stretch>
+            </p:blipFill>
+            <p:spPr>
+              <a:xfrm>
+                <a:off x="9994820" y="7043831"/>
+                <a:ext cx="34200" cy="34200"/>
+              </a:xfrm>
+              <a:prstGeom prst="rect">
+                <a:avLst/>
+              </a:prstGeom>
+            </p:spPr>
+          </p:pic>
+        </mc:Fallback>
+      </mc:AlternateContent>
+      <mc:AlternateContent xmlns:mc="http://schemas.openxmlformats.org/markup-compatibility/2006" xmlns:p14="http://schemas.microsoft.com/office/powerpoint/2010/main">
+        <mc:Choice Requires="p14">
+          <p:contentPart p14:bwMode="auto" r:id="rId104">
+            <p14:nvContentPartPr>
+              <p14:cNvPr id="370" name="Ink 369"/>
+              <p14:cNvContentPartPr/>
+              <p14:nvPr/>
+            </p14:nvContentPartPr>
+            <p14:xfrm>
+              <a:off x="7335140" y="2434751"/>
+              <a:ext cx="772560" cy="117720"/>
+            </p14:xfrm>
+          </p:contentPart>
+        </mc:Choice>
+        <mc:Fallback xmlns="">
+          <p:pic>
+            <p:nvPicPr>
+              <p:cNvPr id="370" name="Ink 369"/>
+              <p:cNvPicPr/>
+              <p:nvPr/>
+            </p:nvPicPr>
+            <p:blipFill>
+              <a:blip r:embed="rId105"/>
+              <a:stretch>
+                <a:fillRect/>
+              </a:stretch>
+            </p:blipFill>
+            <p:spPr>
+              <a:xfrm>
+                <a:off x="7325060" y="2421431"/>
+                <a:ext cx="789840" cy="141480"/>
+              </a:xfrm>
+              <a:prstGeom prst="rect">
+                <a:avLst/>
+              </a:prstGeom>
+            </p:spPr>
+          </p:pic>
+        </mc:Fallback>
+      </mc:AlternateContent>
+      <mc:AlternateContent xmlns:mc="http://schemas.openxmlformats.org/markup-compatibility/2006" xmlns:p14="http://schemas.microsoft.com/office/powerpoint/2010/main">
+        <mc:Choice Requires="p14">
+          <p:contentPart p14:bwMode="auto" r:id="rId106">
+            <p14:nvContentPartPr>
+              <p14:cNvPr id="413" name="Ink 412"/>
+              <p14:cNvContentPartPr/>
+              <p14:nvPr/>
+            </p14:nvContentPartPr>
+            <p14:xfrm>
+              <a:off x="446540" y="5325911"/>
+              <a:ext cx="1303200" cy="307800"/>
+            </p14:xfrm>
+          </p:contentPart>
+        </mc:Choice>
+        <mc:Fallback xmlns="">
+          <p:pic>
+            <p:nvPicPr>
+              <p:cNvPr id="413" name="Ink 412"/>
+              <p:cNvPicPr/>
+              <p:nvPr/>
+            </p:nvPicPr>
+            <p:blipFill>
+              <a:blip r:embed="rId107"/>
+              <a:stretch>
+                <a:fillRect/>
+              </a:stretch>
+            </p:blipFill>
+            <p:spPr>
+              <a:xfrm>
+                <a:off x="431780" y="5314391"/>
+                <a:ext cx="1335960" cy="338400"/>
+              </a:xfrm>
+              <a:prstGeom prst="rect">
+                <a:avLst/>
+              </a:prstGeom>
+            </p:spPr>
+          </p:pic>
+        </mc:Fallback>
+      </mc:AlternateContent>
+      <mc:AlternateContent xmlns:mc="http://schemas.openxmlformats.org/markup-compatibility/2006" xmlns:p14="http://schemas.microsoft.com/office/powerpoint/2010/main">
+        <mc:Choice Requires="p14">
+          <p:contentPart p14:bwMode="auto" r:id="rId108">
+            <p14:nvContentPartPr>
+              <p14:cNvPr id="414" name="Ink 413"/>
+              <p14:cNvContentPartPr/>
+              <p14:nvPr/>
+            </p14:nvContentPartPr>
+            <p14:xfrm>
+              <a:off x="1425740" y="3499597"/>
+              <a:ext cx="1160280" cy="1380634"/>
+            </p14:xfrm>
+          </p:contentPart>
+        </mc:Choice>
+        <mc:Fallback xmlns="">
+          <p:pic>
+            <p:nvPicPr>
+              <p:cNvPr id="414" name="Ink 413"/>
+              <p:cNvPicPr/>
+              <p:nvPr/>
+            </p:nvPicPr>
+            <p:blipFill>
+              <a:blip r:embed="rId109"/>
+              <a:stretch>
+                <a:fillRect/>
+              </a:stretch>
+            </p:blipFill>
+            <p:spPr>
+              <a:xfrm>
+                <a:off x="1415300" y="3480517"/>
+                <a:ext cx="1189440" cy="1410875"/>
+              </a:xfrm>
+              <a:prstGeom prst="rect">
+                <a:avLst/>
+              </a:prstGeom>
+            </p:spPr>
+          </p:pic>
+        </mc:Fallback>
+      </mc:AlternateContent>
+      <mc:AlternateContent xmlns:mc="http://schemas.openxmlformats.org/markup-compatibility/2006" xmlns:p14="http://schemas.microsoft.com/office/powerpoint/2010/main">
+        <mc:Choice Requires="p14">
+          <p:contentPart p14:bwMode="auto" r:id="rId110">
+            <p14:nvContentPartPr>
+              <p14:cNvPr id="415" name="Ink 414"/>
+              <p14:cNvContentPartPr/>
+              <p14:nvPr/>
+            </p14:nvContentPartPr>
+            <p14:xfrm>
+              <a:off x="531140" y="4469077"/>
+              <a:ext cx="12240" cy="570240"/>
+            </p14:xfrm>
+          </p:contentPart>
+        </mc:Choice>
+        <mc:Fallback xmlns="">
+          <p:pic>
+            <p:nvPicPr>
+              <p:cNvPr id="415" name="Ink 414"/>
+              <p:cNvPicPr/>
+              <p:nvPr/>
+            </p:nvPicPr>
+            <p:blipFill>
+              <a:blip r:embed="rId111"/>
+              <a:stretch>
+                <a:fillRect/>
+              </a:stretch>
+            </p:blipFill>
+            <p:spPr>
+              <a:xfrm>
+                <a:off x="516020" y="4454317"/>
+                <a:ext cx="42120" cy="591840"/>
+              </a:xfrm>
+              <a:prstGeom prst="rect">
+                <a:avLst/>
+              </a:prstGeom>
+            </p:spPr>
+          </p:pic>
+        </mc:Fallback>
+      </mc:AlternateContent>
+      <mc:AlternateContent xmlns:mc="http://schemas.openxmlformats.org/markup-compatibility/2006" xmlns:p14="http://schemas.microsoft.com/office/powerpoint/2010/main">
+        <mc:Choice Requires="p14">
+          <p:contentPart p14:bwMode="auto" r:id="rId112">
+            <p14:nvContentPartPr>
+              <p14:cNvPr id="416" name="Ink 415"/>
+              <p14:cNvContentPartPr/>
+              <p14:nvPr/>
+            </p14:nvContentPartPr>
+            <p14:xfrm>
+              <a:off x="1296860" y="4420477"/>
+              <a:ext cx="84240" cy="661354"/>
+            </p14:xfrm>
+          </p:contentPart>
+        </mc:Choice>
+        <mc:Fallback xmlns="">
+          <p:pic>
+            <p:nvPicPr>
+              <p:cNvPr id="416" name="Ink 415"/>
+              <p:cNvPicPr/>
+              <p:nvPr/>
+            </p:nvPicPr>
+            <p:blipFill>
+              <a:blip r:embed="rId113"/>
+              <a:stretch>
+                <a:fillRect/>
+              </a:stretch>
+            </p:blipFill>
+            <p:spPr>
+              <a:xfrm>
+                <a:off x="1285700" y="4406436"/>
+                <a:ext cx="104400" cy="682955"/>
+              </a:xfrm>
+              <a:prstGeom prst="rect">
+                <a:avLst/>
+              </a:prstGeom>
+            </p:spPr>
+          </p:pic>
+        </mc:Fallback>
+      </mc:AlternateContent>
+      <mc:AlternateContent xmlns:mc="http://schemas.openxmlformats.org/markup-compatibility/2006" xmlns:p14="http://schemas.microsoft.com/office/powerpoint/2010/main">
+        <mc:Choice Requires="p14">
+          <p:contentPart p14:bwMode="auto" r:id="rId114">
+            <p14:nvContentPartPr>
+              <p14:cNvPr id="417" name="Ink 416"/>
+              <p14:cNvContentPartPr/>
+              <p14:nvPr/>
+            </p14:nvContentPartPr>
+            <p14:xfrm>
+              <a:off x="561020" y="5114197"/>
+              <a:ext cx="708120" cy="104074"/>
+            </p14:xfrm>
+          </p:contentPart>
+        </mc:Choice>
+        <mc:Fallback xmlns="">
+          <p:pic>
+            <p:nvPicPr>
+              <p:cNvPr id="417" name="Ink 416"/>
+              <p:cNvPicPr/>
+              <p:nvPr/>
+            </p:nvPicPr>
+            <p:blipFill>
+              <a:blip r:embed="rId115"/>
+              <a:stretch>
+                <a:fillRect/>
+              </a:stretch>
+            </p:blipFill>
+            <p:spPr>
+              <a:xfrm>
+                <a:off x="550940" y="5100152"/>
+                <a:ext cx="730440" cy="133964"/>
+              </a:xfrm>
+              <a:prstGeom prst="rect">
+                <a:avLst/>
+              </a:prstGeom>
+            </p:spPr>
+          </p:pic>
+        </mc:Fallback>
+      </mc:AlternateContent>
+      <mc:AlternateContent xmlns:mc="http://schemas.openxmlformats.org/markup-compatibility/2006" xmlns:p14="http://schemas.microsoft.com/office/powerpoint/2010/main">
+        <mc:Choice Requires="p14">
+          <p:contentPart p14:bwMode="auto" r:id="rId116">
+            <p14:nvContentPartPr>
+              <p14:cNvPr id="419" name="Ink 418"/>
+              <p14:cNvContentPartPr/>
+              <p14:nvPr/>
+            </p14:nvContentPartPr>
+            <p14:xfrm>
+              <a:off x="8965220" y="3853871"/>
+              <a:ext cx="2221920" cy="625680"/>
+            </p14:xfrm>
+          </p:contentPart>
+        </mc:Choice>
+        <mc:Fallback xmlns="">
+          <p:pic>
+            <p:nvPicPr>
+              <p:cNvPr id="419" name="Ink 418"/>
+              <p:cNvPicPr/>
+              <p:nvPr/>
+            </p:nvPicPr>
+            <p:blipFill>
+              <a:blip r:embed="rId117"/>
+              <a:stretch>
+                <a:fillRect/>
+              </a:stretch>
+            </p:blipFill>
+            <p:spPr>
+              <a:xfrm>
+                <a:off x="8957300" y="3833351"/>
+                <a:ext cx="2248920" cy="653040"/>
+              </a:xfrm>
+              <a:prstGeom prst="rect">
+                <a:avLst/>
+              </a:prstGeom>
+            </p:spPr>
+          </p:pic>
+        </mc:Fallback>
+      </mc:AlternateContent>
     </p:spTree>
     <p:extLst>
       <p:ext uri="{BB962C8B-B14F-4D97-AF65-F5344CB8AC3E}">
-        <p14:creationId xmlns:p14="http://schemas.microsoft.com/office/powerpoint/2010/main" val="396724666"/>
+        <p14:creationId xmlns:p14="http://schemas.microsoft.com/office/powerpoint/2010/main" val="828345143"/>
       </p:ext>
     </p:extLst>
   </p:cSld>
@@ -11879,7 +12685,7 @@
           <a:p>
             <a:r>
               <a:rPr lang="en-US" dirty="0" smtClean="0"/>
-              <a:t>The App - Visualization</a:t>
+              <a:t>The app – Data Model</a:t>
             </a:r>
             <a:endParaRPr lang="en-US" dirty="0"/>
           </a:p>
@@ -11895,34 +12701,40 @@
             <p:ph idx="1"/>
           </p:nvPr>
         </p:nvSpPr>
-        <p:spPr/>
+        <p:spPr>
+          <a:xfrm>
+            <a:off x="1141412" y="1626209"/>
+            <a:ext cx="9310603" cy="4164992"/>
+          </a:xfrm>
+        </p:spPr>
         <p:txBody>
           <a:bodyPr/>
           <a:lstStyle/>
           <a:p>
             <a:r>
               <a:rPr lang="en-US" dirty="0" smtClean="0"/>
-              <a:t>Web App rendered in ASP.NET + JavaScript</a:t>
+              <a:t>Statistical understanding as per demographics fundamentals</a:t>
             </a:r>
           </a:p>
           <a:p>
             <a:r>
               <a:rPr lang="en-US" dirty="0" smtClean="0"/>
-              <a:t>Client JavaScript uses D3</a:t>
+              <a:t>Heat indices per area</a:t>
             </a:r>
           </a:p>
           <a:p>
             <a:r>
               <a:rPr lang="en-US" dirty="0" smtClean="0"/>
-              <a:t>Geographic data uses Open Layer</a:t>
-            </a:r>
+              <a:t>Potential impact of close points of interest</a:t>
+            </a:r>
+            <a:endParaRPr lang="en-US" dirty="0"/>
           </a:p>
         </p:txBody>
       </p:sp>
     </p:spTree>
     <p:extLst>
       <p:ext uri="{BB962C8B-B14F-4D97-AF65-F5344CB8AC3E}">
-        <p14:creationId xmlns:p14="http://schemas.microsoft.com/office/powerpoint/2010/main" val="203187620"/>
+        <p14:creationId xmlns:p14="http://schemas.microsoft.com/office/powerpoint/2010/main" val="396724666"/>
       </p:ext>
     </p:extLst>
   </p:cSld>
@@ -11973,7 +12785,7 @@
           <a:p>
             <a:r>
               <a:rPr lang="en-US" dirty="0" smtClean="0"/>
-              <a:t>Impact</a:t>
+              <a:t>The App - Visualization</a:t>
             </a:r>
             <a:endParaRPr lang="en-US" dirty="0"/>
           </a:p>
@@ -11996,28 +12808,27 @@
           <a:p>
             <a:r>
               <a:rPr lang="en-US" dirty="0" smtClean="0"/>
-              <a:t>All people in London. This helps increasing the awareness.</a:t>
+              <a:t>Web App rendered in ASP.NET + JavaScript</a:t>
             </a:r>
           </a:p>
           <a:p>
             <a:r>
               <a:rPr lang="en-US" dirty="0" smtClean="0"/>
-              <a:t>Government agencies, specially if the application shows unseen factors</a:t>
+              <a:t>Client JavaScript uses D3</a:t>
             </a:r>
           </a:p>
           <a:p>
             <a:r>
               <a:rPr lang="en-US" dirty="0" smtClean="0"/>
-              <a:t>Real State </a:t>
-            </a:r>
-            <a:endParaRPr lang="en-US" dirty="0"/>
+              <a:t>Geographic data uses Open Layer</a:t>
+            </a:r>
           </a:p>
         </p:txBody>
       </p:sp>
     </p:spTree>
     <p:extLst>
       <p:ext uri="{BB962C8B-B14F-4D97-AF65-F5344CB8AC3E}">
-        <p14:creationId xmlns:p14="http://schemas.microsoft.com/office/powerpoint/2010/main" val="187502220"/>
+        <p14:creationId xmlns:p14="http://schemas.microsoft.com/office/powerpoint/2010/main" val="203187620"/>
       </p:ext>
     </p:extLst>
   </p:cSld>
@@ -12068,7 +12879,7 @@
           <a:p>
             <a:r>
               <a:rPr lang="en-US" dirty="0" smtClean="0"/>
-              <a:t>Potential grow</a:t>
+              <a:t>Impact</a:t>
             </a:r>
             <a:endParaRPr lang="en-US" dirty="0"/>
           </a:p>
@@ -12091,19 +12902,23 @@
           <a:p>
             <a:r>
               <a:rPr lang="en-US" dirty="0" smtClean="0"/>
-              <a:t>Other cities in UK</a:t>
+              <a:t>All people in London. This helps increasing the awareness.</a:t>
             </a:r>
           </a:p>
           <a:p>
             <a:r>
               <a:rPr lang="en-US" dirty="0" smtClean="0"/>
-              <a:t>Including other human activity datasets</a:t>
+              <a:t>Government agencies, specially if the application shows unseen factors</a:t>
             </a:r>
           </a:p>
           <a:p>
             <a:r>
               <a:rPr lang="en-US" dirty="0" smtClean="0"/>
-              <a:t>Prediction</a:t>
+              <a:t>Real </a:t>
+            </a:r>
+            <a:r>
+              <a:rPr lang="en-US" dirty="0" smtClean="0"/>
+              <a:t>Estate </a:t>
             </a:r>
             <a:endParaRPr lang="en-US" dirty="0"/>
           </a:p>
@@ -12112,7 +12927,7 @@
     </p:spTree>
     <p:extLst>
       <p:ext uri="{BB962C8B-B14F-4D97-AF65-F5344CB8AC3E}">
-        <p14:creationId xmlns:p14="http://schemas.microsoft.com/office/powerpoint/2010/main" val="1678848181"/>
+        <p14:creationId xmlns:p14="http://schemas.microsoft.com/office/powerpoint/2010/main" val="187502220"/>
       </p:ext>
     </p:extLst>
   </p:cSld>
@@ -12383,4 +13198,265 @@
     </a:ext>
   </a:extLst>
 </a:theme>
+</file>
+
+<file path=ppt/theme/theme2.xml><?xml version="1.0" encoding="utf-8"?>
+<a:theme xmlns:a="http://schemas.openxmlformats.org/drawingml/2006/main" name="Office Theme">
+  <a:themeElements>
+    <a:clrScheme name="Office">
+      <a:dk1>
+        <a:sysClr val="windowText" lastClr="000000"/>
+      </a:dk1>
+      <a:lt1>
+        <a:sysClr val="window" lastClr="FFFFFF"/>
+      </a:lt1>
+      <a:dk2>
+        <a:srgbClr val="44546A"/>
+      </a:dk2>
+      <a:lt2>
+        <a:srgbClr val="E7E6E6"/>
+      </a:lt2>
+      <a:accent1>
+        <a:srgbClr val="5B9BD5"/>
+      </a:accent1>
+      <a:accent2>
+        <a:srgbClr val="ED7D31"/>
+      </a:accent2>
+      <a:accent3>
+        <a:srgbClr val="A5A5A5"/>
+      </a:accent3>
+      <a:accent4>
+        <a:srgbClr val="FFC000"/>
+      </a:accent4>
+      <a:accent5>
+        <a:srgbClr val="4472C4"/>
+      </a:accent5>
+      <a:accent6>
+        <a:srgbClr val="70AD47"/>
+      </a:accent6>
+      <a:hlink>
+        <a:srgbClr val="0563C1"/>
+      </a:hlink>
+      <a:folHlink>
+        <a:srgbClr val="954F72"/>
+      </a:folHlink>
+    </a:clrScheme>
+    <a:fontScheme name="Office">
+      <a:majorFont>
+        <a:latin typeface="Calibri Light" panose="020F0302020204030204"/>
+        <a:ea typeface=""/>
+        <a:cs typeface=""/>
+        <a:font script="Jpan" typeface="ＭＳ Ｐゴシック"/>
+        <a:font script="Hang" typeface="맑은 고딕"/>
+        <a:font script="Hans" typeface="宋体"/>
+        <a:font script="Hant" typeface="新細明體"/>
+        <a:font script="Arab" typeface="Times New Roman"/>
+        <a:font script="Hebr" typeface="Times New Roman"/>
+        <a:font script="Thai" typeface="Angsana New"/>
+        <a:font script="Ethi" typeface="Nyala"/>
+        <a:font script="Beng" typeface="Vrinda"/>
+        <a:font script="Gujr" typeface="Shruti"/>
+        <a:font script="Khmr" typeface="MoolBoran"/>
+        <a:font script="Knda" typeface="Tunga"/>
+        <a:font script="Guru" typeface="Raavi"/>
+        <a:font script="Cans" typeface="Euphemia"/>
+        <a:font script="Cher" typeface="Plantagenet Cherokee"/>
+        <a:font script="Yiii" typeface="Microsoft Yi Baiti"/>
+        <a:font script="Tibt" typeface="Microsoft Himalaya"/>
+        <a:font script="Thaa" typeface="MV Boli"/>
+        <a:font script="Deva" typeface="Mangal"/>
+        <a:font script="Telu" typeface="Gautami"/>
+        <a:font script="Taml" typeface="Latha"/>
+        <a:font script="Syrc" typeface="Estrangelo Edessa"/>
+        <a:font script="Orya" typeface="Kalinga"/>
+        <a:font script="Mlym" typeface="Kartika"/>
+        <a:font script="Laoo" typeface="DokChampa"/>
+        <a:font script="Sinh" typeface="Iskoola Pota"/>
+        <a:font script="Mong" typeface="Mongolian Baiti"/>
+        <a:font script="Viet" typeface="Times New Roman"/>
+        <a:font script="Uigh" typeface="Microsoft Uighur"/>
+        <a:font script="Geor" typeface="Sylfaen"/>
+      </a:majorFont>
+      <a:minorFont>
+        <a:latin typeface="Calibri" panose="020F0502020204030204"/>
+        <a:ea typeface=""/>
+        <a:cs typeface=""/>
+        <a:font script="Jpan" typeface="ＭＳ Ｐゴシック"/>
+        <a:font script="Hang" typeface="맑은 고딕"/>
+        <a:font script="Hans" typeface="宋体"/>
+        <a:font script="Hant" typeface="新細明體"/>
+        <a:font script="Arab" typeface="Arial"/>
+        <a:font script="Hebr" typeface="Arial"/>
+        <a:font script="Thai" typeface="Cordia New"/>
+        <a:font script="Ethi" typeface="Nyala"/>
+        <a:font script="Beng" typeface="Vrinda"/>
+        <a:font script="Gujr" typeface="Shruti"/>
+        <a:font script="Khmr" typeface="DaunPenh"/>
+        <a:font script="Knda" typeface="Tunga"/>
+        <a:font script="Guru" typeface="Raavi"/>
+        <a:font script="Cans" typeface="Euphemia"/>
+        <a:font script="Cher" typeface="Plantagenet Cherokee"/>
+        <a:font script="Yiii" typeface="Microsoft Yi Baiti"/>
+        <a:font script="Tibt" typeface="Microsoft Himalaya"/>
+        <a:font script="Thaa" typeface="MV Boli"/>
+        <a:font script="Deva" typeface="Mangal"/>
+        <a:font script="Telu" typeface="Gautami"/>
+        <a:font script="Taml" typeface="Latha"/>
+        <a:font script="Syrc" typeface="Estrangelo Edessa"/>
+        <a:font script="Orya" typeface="Kalinga"/>
+        <a:font script="Mlym" typeface="Kartika"/>
+        <a:font script="Laoo" typeface="DokChampa"/>
+        <a:font script="Sinh" typeface="Iskoola Pota"/>
+        <a:font script="Mong" typeface="Mongolian Baiti"/>
+        <a:font script="Viet" typeface="Arial"/>
+        <a:font script="Uigh" typeface="Microsoft Uighur"/>
+        <a:font script="Geor" typeface="Sylfaen"/>
+      </a:minorFont>
+    </a:fontScheme>
+    <a:fmtScheme name="Office">
+      <a:fillStyleLst>
+        <a:solidFill>
+          <a:schemeClr val="phClr"/>
+        </a:solidFill>
+        <a:gradFill rotWithShape="1">
+          <a:gsLst>
+            <a:gs pos="0">
+              <a:schemeClr val="phClr">
+                <a:lumMod val="110000"/>
+                <a:satMod val="105000"/>
+                <a:tint val="67000"/>
+              </a:schemeClr>
+            </a:gs>
+            <a:gs pos="50000">
+              <a:schemeClr val="phClr">
+                <a:lumMod val="105000"/>
+                <a:satMod val="103000"/>
+                <a:tint val="73000"/>
+              </a:schemeClr>
+            </a:gs>
+            <a:gs pos="100000">
+              <a:schemeClr val="phClr">
+                <a:lumMod val="105000"/>
+                <a:satMod val="109000"/>
+                <a:tint val="81000"/>
+              </a:schemeClr>
+            </a:gs>
+          </a:gsLst>
+          <a:lin ang="5400000" scaled="0"/>
+        </a:gradFill>
+        <a:gradFill rotWithShape="1">
+          <a:gsLst>
+            <a:gs pos="0">
+              <a:schemeClr val="phClr">
+                <a:satMod val="103000"/>
+                <a:lumMod val="102000"/>
+                <a:tint val="94000"/>
+              </a:schemeClr>
+            </a:gs>
+            <a:gs pos="50000">
+              <a:schemeClr val="phClr">
+                <a:satMod val="110000"/>
+                <a:lumMod val="100000"/>
+                <a:shade val="100000"/>
+              </a:schemeClr>
+            </a:gs>
+            <a:gs pos="100000">
+              <a:schemeClr val="phClr">
+                <a:lumMod val="99000"/>
+                <a:satMod val="120000"/>
+                <a:shade val="78000"/>
+              </a:schemeClr>
+            </a:gs>
+          </a:gsLst>
+          <a:lin ang="5400000" scaled="0"/>
+        </a:gradFill>
+      </a:fillStyleLst>
+      <a:lnStyleLst>
+        <a:ln w="6350" cap="flat" cmpd="sng" algn="ctr">
+          <a:solidFill>
+            <a:schemeClr val="phClr"/>
+          </a:solidFill>
+          <a:prstDash val="solid"/>
+          <a:miter lim="800000"/>
+        </a:ln>
+        <a:ln w="12700" cap="flat" cmpd="sng" algn="ctr">
+          <a:solidFill>
+            <a:schemeClr val="phClr"/>
+          </a:solidFill>
+          <a:prstDash val="solid"/>
+          <a:miter lim="800000"/>
+        </a:ln>
+        <a:ln w="19050" cap="flat" cmpd="sng" algn="ctr">
+          <a:solidFill>
+            <a:schemeClr val="phClr"/>
+          </a:solidFill>
+          <a:prstDash val="solid"/>
+          <a:miter lim="800000"/>
+        </a:ln>
+      </a:lnStyleLst>
+      <a:effectStyleLst>
+        <a:effectStyle>
+          <a:effectLst/>
+        </a:effectStyle>
+        <a:effectStyle>
+          <a:effectLst/>
+        </a:effectStyle>
+        <a:effectStyle>
+          <a:effectLst>
+            <a:outerShdw blurRad="57150" dist="19050" dir="5400000" algn="ctr" rotWithShape="0">
+              <a:srgbClr val="000000">
+                <a:alpha val="63000"/>
+              </a:srgbClr>
+            </a:outerShdw>
+          </a:effectLst>
+        </a:effectStyle>
+      </a:effectStyleLst>
+      <a:bgFillStyleLst>
+        <a:solidFill>
+          <a:schemeClr val="phClr"/>
+        </a:solidFill>
+        <a:solidFill>
+          <a:schemeClr val="phClr">
+            <a:tint val="95000"/>
+            <a:satMod val="170000"/>
+          </a:schemeClr>
+        </a:solidFill>
+        <a:gradFill rotWithShape="1">
+          <a:gsLst>
+            <a:gs pos="0">
+              <a:schemeClr val="phClr">
+                <a:tint val="93000"/>
+                <a:satMod val="150000"/>
+                <a:shade val="98000"/>
+                <a:lumMod val="102000"/>
+              </a:schemeClr>
+            </a:gs>
+            <a:gs pos="50000">
+              <a:schemeClr val="phClr">
+                <a:tint val="98000"/>
+                <a:satMod val="130000"/>
+                <a:shade val="90000"/>
+                <a:lumMod val="103000"/>
+              </a:schemeClr>
+            </a:gs>
+            <a:gs pos="100000">
+              <a:schemeClr val="phClr">
+                <a:shade val="63000"/>
+                <a:satMod val="120000"/>
+              </a:schemeClr>
+            </a:gs>
+          </a:gsLst>
+          <a:lin ang="5400000" scaled="0"/>
+        </a:gradFill>
+      </a:bgFillStyleLst>
+    </a:fmtScheme>
+  </a:themeElements>
+  <a:objectDefaults/>
+  <a:extraClrSchemeLst/>
+  <a:extLst>
+    <a:ext uri="{05A4C25C-085E-4340-85A3-A5531E510DB2}">
+      <thm15:themeFamily xmlns:thm15="http://schemas.microsoft.com/office/thememl/2012/main" name="Office Theme" id="{62F939B6-93AF-4DB8-9C6B-D6C7DFDC589F}" vid="{4A3C46E8-61CC-4603-A589-7422A47A8E4A}"/>
+    </a:ext>
+  </a:extLst>
+</a:theme>
 </file>
--- a/Presentation/Team5.pptx
+++ b/Presentation/Team5.pptx
@@ -215,7 +215,7 @@
           <inkml:trace contextRef="#ctx0" brushRef="#br0" timeOffset="3690.3958">1112 3570 140 0,'-22'4'62'0,"9"0"-49"0,-8-4-16 16,12 4 68-16,-4-4-52 16,-4 0 27-16,-1 0-29 15,-8 0 10-15,-8 4-15 0,-1 0-1 0,-4 0-3 0,-4-1 4 16,-1 1-5-16,-8 8 3 15,0-1-3-15,0 13 11 16,-9-5-10-16,9 4 17 16,0-4-15-16,0 0 7 15,0 5-8-15,5-1 6 32,-1 4-6-32,5 0 1 0,4 7-3 15,4-3-3-15,5 0 1 16,4 0 1-16,4 3 0 15,0 1 0-15,5 4 0 16,4-1 0-16,0 5 0 16,4 7 2-16,5-8-1 15,4-7 5-15,4-1-5 0,9-3 9 16,5 0-8-16,8-8 5 16,8-4-6-16,5-3 3 15,9-1-3-15,8-3 5 16,5-4-5-16,0-5 0 15,8 1 0-15,0 0 1 0,1-4-1 16,8 0 5-16,-13-4-5 0,0 0 0 16,0 1 0-16,0-5 10 15,-4 0-9-15,-1-3 0 32,5-1-1-32,0-3 1 15,-4 3-1-15,-5-19 8 16,5 0-7-16,-5 4-7 15,1 0 5-15,-10 0 5 0,1 1-5 16,-5-1-2-16,-4-4 2 16,-4 8 17-16,-5-1-14 15,-8 5 25-15,-4 0-22 16,-5-4 15-16,0 0-16 16,-13-4 6-16,-9 0-8 15,0 0-8-15,-4 4 5 0,-4 0 2 16,-1-1-2-16,1 5 3 15,-9-4-2-15,-4 0-1 16,-5 4 1-16,0-8-1 0,-4 4 0 16,0 3 0-16,-8 5 0 15,-5-4-6-15,4 11 5 32,-4 4-11-32,0 16 9 0,0-1-29 15,4 1 24-15,1-1-61 16,-5 5 53-16,4-1-113 15,5 1 98-15,8 7-193 16</inkml:trace>
           <inkml:trace contextRef="#ctx0" brushRef="#br0" timeOffset="4491.2663">28 4599 220 0,'-4'-42'98'0,"4"38"-77"0,4-11-26 0,1 7 86 0,-1-4-65 15,0 1 48-15,5-5-47 16,-5 1 8-16,1 0-18 15,-1-1 12-15,-4 8-14 0,0 5-5 16,0 3 0 0,0 15-6-16,4 8 5 15,-4 16-3-15,5 15 3 16,-1 15 1-16,0 23 0 16,1 16-3-16,-1 4 2 15,-4-4 1-15,0 0 0 16,-4 4 5-16,-1-5-4 15,1-10-3-15,0-1 2 0,-1-15 5 16,-3-15-4-16,-1-13-5 16,5-6 3-16,-1-13-126 15,1-7 100-15,4-4-252 16</inkml:trace>
           <inkml:trace contextRef="#ctx0" brushRef="#br0" timeOffset="5170.5016">-6 6075 200 0,'-22'-8'92'0,"13"4"-73"0,1 1-24 16,3 3 33-16,-3 3-23 16,8-3 18-16,-9 4-18 15,5 4 12-15,8 0-12 0,5-1 11 0,4 5-12 16,4 0 12-16,5-1-12 15,8 1 17-15,5-1-16 32,8-3 15-32,9 0-15 0,4-5 14 15,5 1-14-15,17-4 23 16,0-4-22-16,0 1 15 16,13-5-16-16,-8-4 3 15,3 1-6-15,1-5 2 16,8 1-3-16,-8 3-1 15,-5 1 1-15,-8-5 7 0,0 5-6 16,-5-1 13-16,-8 1-11 16,-9-1 6-16,-5 1-7 15,-8-1-2-15,-4 4 0 16,-9 1-1-16,-4-1 0 16,-5 0-45-16,-4-3 35 15,0-12-122-15,0 3 102 0,0-3-252 16</inkml:trace>
-          <inkml:trace contextRef="#ctx0" brushRef="#br0" timeOffset="5438.9147">1762 4330 132 0,'13'-43'59'0,"-8"12"-47"0,3 8-15 0,-3 16 68 15,-1-1-52-15,0 4 49 16,1 0-46-1,-1 12 17-15,-4 0-13 0,0 30-14 16,0 35 6 0,0 4-9-16,0 12 15 15,4 27-14-15,-4 3 1 16,0 8-3-16,5-15 10 16,-5-4-10-16,0-12 5 15,0-3-5-15,0-1-1 0,0-15 0 16,0-8 1-16,-5-11-1 15,1-12-278-15</inkml:trace>
+          <inkml:trace contextRef="#ctx0" brushRef="#br0" timeOffset="5438.9146">1762 4330 132 0,'13'-43'59'0,"-8"12"-47"0,3 8-15 0,-3 16 68 15,-1-1-52-15,0 4 49 16,1 0-46-1,-1 12 17-15,-4 0-13 0,0 30-14 16,0 35 6 0,0 4-9-16,0 12 15 15,4 27-14-15,-4 3 1 16,0 8-3-16,5-15 10 16,-5-4-10-16,0-12 5 15,0-3-5-15,0-1-1 0,0-15 0 16,0-8 1-16,-5-11-1 15,1-12-278-15</inkml:trace>
           <inkml:trace contextRef="#ctx0" brushRef="#br0" timeOffset="7173.3871">965 7343 168 0,'-52'4'78'0,"21"-4"-61"0,-21 0-21 15,35 3 51-15,-9 1-38 0,-9 0 11 16,-12 4-14-16,-1-1 7 16,-4 5-10-16,-9 0 24 0,5 3-21 15,4 12 9-15,-9 8-11 16,5-1-2-16,4 9-1 16,4-9-13-16,0 1 10 0,5 0 23 15,4-4-17-15,0 3 2 16,0 5-4-16,9-5-4 15,4-3 1-15,8 0 4 16,5 0-3-16,9 0 0 16,8 3 1-16,5-3-1 15,8 0 0-15,5 4-3 0,4 7 2 16,4-7 6-16,9 0-4 16,5-5 9-16,3 1-8 15,5-8 2-15,5-3-3 16,3-9-1-16,10-3 1 15,-1-4 10-15,0 0-9 0,14-4 11 32,-5 0-10-32,4-4 4 15,1-4-5-15,8 0-1 0,0-7 0 16,-5-8 7-16,5 0-6 16,18-12 10-16,-10 4-9 15,-3 0 2-15,-14 4-4 16,5 0-1-16,-5 0 1 15,-17 4 13-15,-8 0-11 0,-14 0 7 16,-4 4-7-16,-4-8 6 16,-9-4-6-16,-9 4 12 15,-8 0-11-15,-1 0 6 16,-12-4-7-16,-5 0 9 16,-4 1-9-16,-4-9-4 15,-18 4 1 1,-4-7 0-16,-4 7 0 15,-5 4 2-15,-4 1-1 16,0 7-3-16,-13 7 1 16,0 5 1-16,0-1 0 15,0 0 0-15,-13 5 0 16,0 3-14-16,0 0 11 0,0 4-39 16,4 4 33-16,5 4-58 0,0-1 51 15,8 5-102-15,9 11 90 16,4-4-189-1</inkml:trace>
         </inkml:traceGroup>
       </inkml:traceGroup>
@@ -1972,7 +1972,7 @@
           <inkml:trace contextRef="#ctx0" brushRef="#br0" timeOffset="-21278.4946">5456 181 108 0,'0'15'52'0,"0"20"-41"0,0 15-14 0,0-31 35 15,0 8-26-15,0 4 6 16,0 4-8-16,0 11-3 16,0 8 0-16,0-8-35 15,0-4 27-15,0-3-118 16</inkml:trace>
           <inkml:trace contextRef="#ctx0" brushRef="#br0" timeOffset="-19343.5947">4741 123 124 0,'-22'-4'59'0,"44"-4"-47"0,-5 8-15 0,-8 0 51 16,4 0-38-16,4 0 33 0,9 0-32 16,5 0 11-16,3-4-16 15,18 4-4-15,0 0 0 0,13 4-5 16,5 0 2-16,3 0-55 16,6 0 44-16,-1 0-111 15,0 0 94-15,4 3-46 31</inkml:trace>
           <inkml:trace contextRef="#ctx0" brushRef="#br0" timeOffset="-15645.2725">4732-605 120 0,'26'0'55'0,"-21"0"-43"0,-5 11-15 31,0-3 43-31,0 7-32 0,0 5 25 16,0 3-24-16,-9 15 11 16,-4 1-14-16,9-1-6 0,-1 1 0 15,1-1-11-15,0 1 8 16,-1-1-195 0</inkml:trace>
-          <inkml:trace contextRef="#ctx0" brushRef="#br0" timeOffset="-18094.3995">5604-613 96 0,'0'0'46'0,"0"0"-37"0,4 0-11 15,-4 0 55-15,0 0-42 16,4 4 41-16,-4 3-39 0,9 5 5 16,-5 3-13-16,5 9-3 15,-5 10-1-15,1 9-1 0,-1 3 0 16,0 4 2 0,1 8-1-16,-5 19 2 15,8-8-2-15,-3-3-57 16,-1-1 45-16,0-11-157 15</inkml:trace>
+          <inkml:trace contextRef="#ctx0" brushRef="#br0" timeOffset="-18094.3994">5604-613 96 0,'0'0'46'0,"0"0"-37"0,4 0-11 15,-4 0 55-15,0 0-42 16,4 4 41-16,-4 3-39 0,9 5 5 16,-5 3-13-16,5 9-3 15,-5 10-1-15,1 9-1 0,-1 3 0 16,0 4 2 0,1 8-1-16,-5 19 2 15,8-8-2-15,-3-3-57 16,-1-1 45-16,0-11-157 15</inkml:trace>
           <inkml:trace contextRef="#ctx0" brushRef="#br0" timeOffset="-20779.0011">5491 150 108 0,'35'-4'52'0,"-9"4"-41"0,30-8-14 0,-21 8 32 15,8-4-24-15,13 1 27 16,5-1-24-16,13 0-18 16,-1 0 9-16,-3 0-158 15</inkml:trace>
         </inkml:traceGroup>
       </inkml:traceGroup>
@@ -2024,8 +2024,8 @@
           <inkml:trace contextRef="#ctx0" brushRef="#br0" timeOffset="-36670.9315">98 1699 132 0,'-17'0'62'0,"34"4"-49"0,-3-1-16 0,-6-3 46 0,5 0-35 16,9 0 37-16,13 0-34 15,4-3 17-15,17-1-20 16,5 0-2-16,-1 0-4 0,10 0-35 15,12 0 26-15,5 0-68 16,-1 1 58-16,5 3-136 31</inkml:trace>
           <inkml:trace contextRef="#ctx0" brushRef="#br0" timeOffset="2419.8919">155 508 116 0,'-4'0'52'0,"4"0"-41"0,0 4-14 0,0-4 49 16,0 0-37-16,0 4 33 16,0 4-31-16,-5-1 11 15,1 13-16 1,4 18-4-16,0-3 0 0,0-1 3 16,0 1-4-16,0 4-3 15,-4 3 2-15,4 4-3 16,0-3 2-16,0-5-75 15,0 1 60-15,0-1-138 16</inkml:trace>
           <inkml:trace contextRef="#ctx0" brushRef="#br0" timeOffset="3284.4257">259 978 220 0,'17'0'101'0,"1"0"-79"0,8 0-28 0,-13 0 35 0,13 0-24 16,8 0 4-16,1 0-7 15,0-4-54 1,4 4 41-16,-5 0-209 0</inkml:trace>
-          <inkml:trace contextRef="#ctx0" brushRef="#br0" timeOffset="-38760.0226">688 878 132 0,'30'0'59'0,"-21"4"-47"0,21-4-15 0,-12 0 18 0,3 11-13 15,5-11 0-15,0 0-1 16,5-3-43-16,-1-1 33 0,-4 0-107 16</inkml:trace>
-          <inkml:trace contextRef="#ctx0" brushRef="#br0" timeOffset="-35385.003">1009 1649 124 0,'4'-4'55'0,"0"4"-43"0,-8 0-15 0,4 0 40 16,0 0-30-16,0 0 35 15,0 7-32-15,0 5 9 16,-4 3-13-16,-5 9-2 0,0 3-2 0,-4 3-2 16,0 17 1-16,-4-5-1 15,0 0 0-15,-1-3-28 16,5-4 22-16,0-8-66 16,0-4 56-16,5-4-117 15</inkml:trace>
+          <inkml:trace contextRef="#ctx0" brushRef="#br0" timeOffset="-38760.0225">688 878 132 0,'30'0'59'0,"-21"4"-47"0,21-4-15 0,-12 0 18 0,3 11-13 15,5-11 0-15,0 0-1 16,5-3-43-16,-1-1 33 0,-4 0-107 16</inkml:trace>
+          <inkml:trace contextRef="#ctx0" brushRef="#br0" timeOffset="-35385.0029">1009 1649 124 0,'4'-4'55'0,"0"4"-43"0,-8 0-15 0,4 0 40 16,0 0-30-16,0 0 35 15,0 7-32-15,0 5 9 16,-4 3-13-16,-5 9-2 0,0 3-2 0,-4 3-2 16,0 17 1-16,-4-5-1 15,0 0 0-15,-1-3-28 16,5-4 22-16,0-8-66 16,0-4 56-16,5-4-117 15</inkml:trace>
           <inkml:trace contextRef="#ctx0" brushRef="#br0" timeOffset="-44783.4476">1213 446 96 0,'-5'4'46'0,"5"0"-37"0,-4 4-11 0,4-4 47 15,0 3-36-15,0 5 5 16,-4 3-9-16,-1 12-1 15,-3 12-3-15,-1 15-1 0,-8 4 1 16,-10 11 4-16,1 8-4 16,-4 8-31-16,0 19 24 15,-5-4-130-15</inkml:trace>
           <inkml:trace contextRef="#ctx0" brushRef="#br0" timeOffset="-43598.1153">1039 1132 112 0,'-9'-4'52'0,"9"4"-41"0,0 0-14 0,0 0 49 0,0 0-37 15,0 0 30 1,13 8-3-16,9-4-26 15,4 4 4-15,0-4-10 0,5-1-6 0,-1 1 2 16,5 0 3-16,12-4-3 16,1-4-50-16,4 0 39 15,-4-3-127-15,-1-1 106 16,1 0-35-16</inkml:trace>
           <inkml:trace contextRef="#ctx0" brushRef="#br0" timeOffset="-37324.7642">1204 1263 112 0,'4'-11'52'0,"-4"11"-41"0,0 0-14 16,0 0 43-16,0 7-32 0,0 9 14 16,-4-1-16-16,0 5 10 15,-1 3-11-15,-3 0-1 0,-1 0-2 16,0 0 1-16,-4-4-2 16,0 1-3-16,4-5 1 15,1-3-19-15,-1-5 16 16,9-7-27-16,9 0-27 15,-1-4 43-15,1-3-2 16,0-5 11-16,0 1 5 16,-1-1 1-16,1-3 16 15,-5 7-12-15,1 4 35 16,-5 4-30-16,0 8 18 31,-5 3-19-31,-3 9-8 0,-5-1 1 16,0 8-4-16,-1 4 2 15,6-4-83-15,-10 0 66 16,5 0-64-16</inkml:trace>
@@ -2059,7 +2059,7 @@
           <inkml:trace contextRef="#ctx0" brushRef="#br0" timeOffset="-41233.1069">2184 955 188 0,'-9'-27'85'0,"9"27"-67"0,4 4-23 16,-4 11 50-1,-4 8-40 1,-1 8 0-16,-3 8-2 16,-1 26-3-16,-8-3-107 15,4-4 84-15,-9 7-123 16</inkml:trace>
           <inkml:trace contextRef="#ctx0" brushRef="#br0" timeOffset="-41611.6545">1451 1298 156 0,'35'-27'69'0,"-14"27"-55"0,14-4-18 0,-13-4 56 16,4-3-42-16,8 7 6 0,10 8-11 15,3 7-7-15,-3 5 2 16,-1-16-56-16,0 11 44 0,5 1-145 16,4-4 121-1,-4-1 1-15</inkml:trace>
           <inkml:trace contextRef="#ctx0" brushRef="#br0" timeOffset="-30394.1927">3644 1009 168 0,'9'-8'75'0,"0"8"-59"0,-1 8-20 0,-3 0 53 0,-1 3-39 16,13 5 10-16,-8 7-13 15,-9 4-3-15,0 11-2 16,0 9-35-16,-4-5 26 0,-1 4-205 15</inkml:trace>
-          <inkml:trace contextRef="#ctx0" brushRef="#br0" timeOffset="-33580.665">1932 1421 88 0,'0'4'42'0,"4"-4"-33"0,5-4-11 15,0 4 21-15,4 0-15 16,8 0 12-16,5 0-11 16,5-4 16-16,8 1-16 0,4-1 18 15,5 0-18-15,4 0-2 0,9 0-1 16,-1 0-8-16,-16 4 5 0,-10 0 3 16,14-4-2-16,8 1-28 15,1-1 23-15,-10 0-55 16,-8 0 46-1,-4 0-73-15</inkml:trace>
+          <inkml:trace contextRef="#ctx0" brushRef="#br0" timeOffset="-33580.6649">1932 1421 88 0,'0'4'42'0,"4"-4"-33"0,5-4-11 15,0 4 21-15,4 0-15 16,8 0 12-16,5 0-11 16,5-4 16-16,8 1-16 0,4-1 18 15,5 0-18-15,4 0-2 0,9 0-1 16,-1 0-8-16,-16 4 5 0,-10 0 3 16,14-4-2-16,8 1-28 15,1-1 23-15,-10 0-55 16,-8 0 46-1,-4 0-73-15</inkml:trace>
           <inkml:trace contextRef="#ctx0" brushRef="#br0" timeOffset="-31916.8301">3449 211 116 0,'0'-3'55'0,"0"3"-43"0,0 30-15 0,0-18 40 0,0 7-30 15,-4 4 9-15,-5 4-11 16,-4 8-9-16,-4 4 4 15,4 7-12-15,0 12 9 0,0-4-153 16</inkml:trace>
           <inkml:trace contextRef="#ctx0" brushRef="#br0" timeOffset="-34482.65">1702 1433 140 0,'5'-4'62'0,"-5"4"-49"0,4 8-16 16,-4-1 35-16,0 5-26 0,0 3 14 16,0 16-14-16,0 0 2 15,-4 8-6-15,-1 7 2 0,1 4-3 16,-5 19-3-16,1 1 1 0,-1-1-61 16,-4-4 49-16,4 9-133 15</inkml:trace>
           <inkml:trace contextRef="#ctx0" brushRef="#br0" timeOffset="-34969.2452">801 2123 92 0,'4'3'42'0,"5"1"-33"0,-1-4-11 0,1 4 44 16,0-4-34-16,4 0 26 16,4 0-25-16,5 0 3 15,4 0-8-15,8 0 8 16,10 0-9-16,-1 0 4 0,5-4-5 0,-1 0-1 15,10 1 0-15,8-5 4 16,9 4-4-16,-5-4 11 0,5 4-9 16,4 1-1-1,0-5-1-15,-5 0 7 0,-8 4-6 16,9 0-4-16,-9 1 2 16,-9 3-6-16,-4 0 5 15,-8 0-78-15,-5 0 61 16,-9 0-122-1</inkml:trace>
@@ -2073,8 +2073,8 @@
           <inkml:trace contextRef="#ctx0" brushRef="#br0" timeOffset="9266.6675">2899 1105 132 0,'-35'27'59'0,"13"-4"-47"0,-8 31-15 16,13-23 12-16,-14 8-8 16,-8-1 17-16,0-3-14 15,5 0 1-15,-1-5-3 16,5-3-7-16,8-7 4 0,5-5-160 16</inkml:trace>
           <inkml:trace contextRef="#ctx0" brushRef="#br0" timeOffset="9536.083">2998 1082 160 0,'-21'16'75'0,"3"-1"-59"0,-12 8-20 0,17-7 53 16,-9 11-39-16,1 7 22 15,-10 5-24-15,-8-1-4 16,5-7-2-16,3-4-8 0,5-8 5 16,5-3-87-16,3-5 69 15</inkml:trace>
           <inkml:trace contextRef="#ctx0" brushRef="#br0" timeOffset="9805.2118">2847 1063 184 0,'-26'15'82'0,"13"1"-65"0,-5 7-21 16,5-8 62-16,-8 1-47 15,3 11 14-15,1 7-18 0,0-7-10 32,4 0 3-32,4-7-32 0,5-5 25 0,12-7-101 15,14-16 84-15,0-11-117 16</inkml:trace>
-          <inkml:trace contextRef="#ctx0" brushRef="#br0" timeOffset="-43116.7957">1811 396 120 0,'0'-7'55'0,"-5"7"-43"0,5-4-15 0,0 4 51 16,0 0-38-1,-8 11 16-15,-1 9-7 32,-4 7-14-32,-4 27-2 0,-1 3-2 0,1 13-4 15,-5 7 2-15,1-4-94 16,-1 4 74 0,0 12-99-16</inkml:trace>
-          <inkml:trace contextRef="#ctx0" brushRef="#br0" timeOffset="-33116.7214">3011 1387 132 0,'0'3'62'0,"0"-3"-49"0,-4 12-16 0,4-4 43 16,0 7-32-16,-4 4 5 15,-1 16-8-15,-3 0-4 16,-1-1 0-16,0 5-1 0,1 3 0 16,-5 1-34-16,0-5 27 15,4 9-152-15</inkml:trace>
+          <inkml:trace contextRef="#ctx0" brushRef="#br0" timeOffset="-43116.7956">1811 396 120 0,'0'-7'55'0,"-5"7"-43"0,5-4-15 0,0 4 51 16,0 0-38-1,-8 11 16-15,-1 9-7 32,-4 7-14-32,-4 27-2 0,-1 3-2 0,1 13-4 15,-5 7 2-15,1-4-94 16,-1 4 74 0,0 12-99-16</inkml:trace>
+          <inkml:trace contextRef="#ctx0" brushRef="#br0" timeOffset="-33116.7213">3011 1387 132 0,'0'3'62'0,"0"-3"-49"0,-4 12-16 0,4-4 43 16,0 7-32-16,-4 4 5 15,-1 16-8-15,-3 0-4 16,-1-1 0-16,0 5-1 0,1 3 0 16,-5 1-34-16,0-5 27 15,4 9-152-15</inkml:trace>
           <inkml:trace contextRef="#ctx0" brushRef="#br0" timeOffset="-32764.3144">2500 2030 128 0,'91'-15'59'0,"-52"7"-47"0,48 0-15 16,-53 4 12-16,14-7-8 16,0-1-14-16,12 1 11 0,-3 3-124 15,-10 0 99-15,1 4 4 32</inkml:trace>
           <inkml:trace contextRef="#ctx0" brushRef="#br0" timeOffset="-31099.3378">2686 994 96 0,'87'0'46'0,"-61"-4"-37"0,30-4-11 0,-25 8 41 0,12 0-31 15,9-8 14-15,4 4-16 16,5 1-1-16,4-5-3 16,5 0-2-16,-5-7 1 0,-5 3 1 15,-3 5-1-15,-5-1-1 0,-5 0 1 16,-8 4-10-16,0 0 7 16,-4 1-49-1,0 3 39-15,-5 0-98 16</inkml:trace>
           <inkml:trace contextRef="#ctx0" brushRef="#br0" timeOffset="-28758.8007">3579 1063 64 0,'5'4'29'0,"3"-4"-23"0,14 0-7 0,-13 0 50 16,4 0-39-16,13-4 45 15,8 0-42 1,10 0 45-16,-1 0-44 15,18 1 7-15,8-5-14 16,5 4 0-16,-1 0-5 0,1 0-6 16,4 0 3-16,-4 1-36 15,-5-1 28-15,-8 0-57 16,0 0 50-16,-9 4-122 16</inkml:trace>
@@ -2085,7 +2085,7 @@
           <inkml:trace contextRef="#ctx0" brushRef="#br0" timeOffset="9537.083">3076 1067 128 0,'-47'11'59'0,"34"1"-47"0,-13 7-15 15,13-7 37-15,-9 3-27 16,-8 16 23-16,-1 8-23 16,-12-5 0-16,4 5-5 15,4-8-32-15,5-8 23 0,4-4-162 31</inkml:trace>
           <inkml:trace contextRef="#ctx0" brushRef="#br0" timeOffset="10084.1136">3050 1105 184 0,'-34'20'82'0,"21"-5"-65"0,-13 8-21 0,13-11 37 16,-9 22-27-16,-4 1 6 15,0 0-8-15,4-8-3 16,5-4 0 0,4-4-80-16,4-7 62 0,5-5-148 15</inkml:trace>
           <inkml:trace contextRef="#ctx0" brushRef="#br0" timeOffset="10654.1106">3280 1063 156 0,'-21'15'72'0,"8"1"-57"0,-13 7-19 0,12-8 28 16,-12 12-20-16,-4 12 24 16,-5-1-21-16,1 1-3 15,3-8-2-15,5-4-8 0,5-4 5 0,3-4-81 16,10-7 64-16,8-9-120 16</inkml:trace>
-          <inkml:trace contextRef="#ctx0" brushRef="#br0" timeOffset="10368.8852">3250 1021 188 0,'-13'7'85'0,"0"9"-67"0,-9 7-23 15,13-8 25-15,-12 4-17 16,-10 5 1-16,1 22-2 16,4-8 7-16,0-3-7 15,4 0-26-15,1-8 19 0,12-8-133 16,0-4 107-16,9-3-55 15</inkml:trace>
+          <inkml:trace contextRef="#ctx0" brushRef="#br0" timeOffset="10368.8851">3250 1021 188 0,'-13'7'85'0,"0"9"-67"0,-9 7-23 15,13-8 25-15,-12 4-17 16,-10 5 1-16,1 22-2 16,4-8 7-16,0-3-7 15,4 0-26-15,1-8 19 0,12-8-133 16,0-4 107-16,9-3-55 15</inkml:trace>
           <inkml:trace contextRef="#ctx0" brushRef="#br0" timeOffset="10970.1829">3475 1032 148 0,'-21'12'69'0,"8"-1"-55"0,-18 12-18 16,14-7 65-16,-5 3-49 15,-4 12 29-15,-8 11-30 32,-1 1 5-32,-4-1-11 0,4-7-9 0,-4-4 4 15,17-8-23-15,5-4 17 16,17-11-117-1,9-8-17 1</inkml:trace>
           <inkml:trace contextRef="#ctx0" brushRef="#br0" timeOffset="10655.1106">3441 1013 168 0,'-9'4'75'0,"-17"3"-59"0,-13 9-20 0,30-5 45 15,-8 9-33-15,-5 3 19 16,-4 11-19-16,-4 9 1 15,0-1-7-15,-1-3-15 0,5-1 11 0,4-11-118 16,5-7 94-16</inkml:trace>
           <inkml:trace contextRef="#ctx0" brushRef="#br0" timeOffset="11223.3303">3532 1059 208 0,'-13'12'92'0,"4"-1"-73"0,-13 12-24 0,14-7 44 15,-14 3-32-15,0 20 15 32,-12 3-16-32,-1 4-6 0,5-7 0 15,-1-5-23-15,5-3 18 0,5-4-132 16,8-8 106-16,4-3-100 16</inkml:trace>
@@ -2118,7 +2118,7 @@
             </emma:emma>
           </inkml:annotationXML>
           <inkml:trace contextRef="#ctx0" brushRef="#br0" timeOffset="-22581.3449">5274 1456 144 0,'-4'0'65'0,"4"0"-51"0,4-4-17 0,-4 4 49 0,5 0-37 16,-1 0 13-16,0 0-15 15,9 0 4-15,5 0-8 16,8 0 4-16,8-4-6 0,-8 0 11 16,22 1-9-16,-5-1 10 15,14-4-10-15,-1 4 2 16,22-4-4-16,-13 1-1 0,9-1 1 16,-9 0 4-16,8 4-4 15,-12 1-25-15,0-1 19 16,-9 0-57-16,-5 0 47 15,-8 0-167 1</inkml:trace>
-          <inkml:trace contextRef="#ctx0" brushRef="#br0" timeOffset="-23303.679">5287 1001 148 0,'0'-11'65'0,"0"11"-51"0,9-4-17 16,-5 4 74-16,-4 0-57 0,0 0 49 15,0 0-47-15,0 0 9 16,0 4-18-16,0 0 1 0,0 11-6 16,0 0-4-16,0 16 2 15,0-8 3-15,0 24-3 16,-4-9 3-16,-5 8-2 0,9-7-85 15,-4 7 67-15,0-11-158 16,-1 3 134 0,-4 9-38-16</inkml:trace>
+          <inkml:trace contextRef="#ctx0" brushRef="#br0" timeOffset="-23303.6789">5287 1001 148 0,'0'-11'65'0,"0"11"-51"0,9-4-17 16,-5 4 74-16,-4 0-57 0,0 0 49 15,0 0-47-15,0 0 9 16,0 4-18-16,0 0 1 0,0 11-6 16,0 0-4-16,0 16 2 15,0-8 3-15,0 24-3 16,-4-9 3-16,-5 8-2 0,9-7-85 15,-4 7 67-15,0-11-158 16,-1 3 134 0,-4 9-38-16</inkml:trace>
           <inkml:trace contextRef="#ctx0" brushRef="#br0" timeOffset="-28274.6843">4858 870 116 0,'0'-4'55'0,"0"12"-43"0,0-8-15 16,0 12 63-1,0 11-18-15,0 4-24 16,-4 4-9 0,-5-1-7-16,9 5-1 0,-4 0-38 0,4-4 29 15,0 7-176 1</inkml:trace>
           <inkml:trace contextRef="#ctx0" brushRef="#br0" timeOffset="-24884.9475">4203 1676 28 0,'22'-4'13'0,"-5"0"-11"0,18 0-2 0,-17 4 51 15,16-4-40-15,10 0 52 16,-5 0-47-16,-9 1 48 15,31-9-48 1,-14 4 8-16,23-7-16 16,21-4-6-16,-22 7 0 15,-17 4-11-15,-4 1 7 0,12-1-69 16,-12 0 56-16,-13 4-124 16</inkml:trace>
           <inkml:trace contextRef="#ctx0" brushRef="#br0" timeOffset="-24584.3056">5183 1510 132 0,'-4'8'59'0,"-5"-5"-47"0,5 24-15 0,4-7 40 31,-5 3-30-31,-3 8 18 0,8 11-19 16,-13 12 14-16,0 8-15 15,4-1-5-15,-13-3 0 0,5 0-59 16,4-12 46-16,4 4-144 15</inkml:trace>
@@ -2781,7 +2781,7 @@
           <inkml:trace contextRef="#ctx0" brushRef="#br0" timeOffset="2170.7956">2630 21 196 0,'8'-15'88'0,"-8"15"-69"0,9-8-24 0,-5 8 50 16,1 0-37-16,-5 0 20 15,0 0-20-15,0 0 15 16,-5 0-18-16,1 0 23 0,-9 0-21 15,0 0 11-15,-9 0-13 16,5 0 5-16,-9 4-7 16,4 0 1-1,-4 7-3-15,5-3-3 16,-1 11 1-16,5 0 4 16,-1 12-3-16,5-4 6 15,5 12-5-15,3-5-3 16,10 1 2-16,-1-4 17 15,9-4-14-15,0-4 11 0,13-4-11 16,-4-3 10-16,4-1-10 0,-5-7-7 16,5-4 4-16,-4 0-9 15,0-4 6-15,-1 0-82 16,1-4 67-16,-5 0-224 16,1 0 187-1,-5 0-34-15</inkml:trace>
           <inkml:trace contextRef="#ctx0" brushRef="#br0" timeOffset="2517.747">2842 98 160 0,'-9'16'75'0,"9"-16"-59"0,-4 26-20 0,4-22 51 16,0 16-38-16,0-5 13 15,0 16-15-15,0-8 12 16,0 4-14-16,0-4 23 0,13 0-22 0,-4-4 26 16,12 1-24-16,-3-1 40 15,8-7-36-15,-5-1 17 16,10-7-21-16,-5 0-2 15,8-4-4-15,-3 0-4 16,4 0 1-16,-5 0-27 31,-4-4 22-31,-4 0-113 0,-5 0 92 16,-4 0-216 0</inkml:trace>
           <inkml:trace contextRef="#ctx0" brushRef="#br0" timeOffset="2771.1508">2864 125 232 0,'-9'-8'105'0,"9"8"-83"0,22-3-28 0,-18 3 74 16,13 0-55-16,-4 0 35 15,13-4-35-15,-4 0 18 31,8-4-23-31,-4 0 4 0,13 1-8 0,-8-1-70 16,-1 0 52-16,-4 4-312 16</inkml:trace>
-          <inkml:trace contextRef="#ctx0" brushRef="#br0" timeOffset="3086.7825">2864-37 300 0,'17'-23'134'0,"-17"23"-105"0,22 0-37 16,-18 0 64-16,9 0-46 15,0 0 11-15,0 0-14 16,0 0-5-16,4-4-1 0,-4 0-13 15,5 1 10-15,-1-1-100 0,0-4 79 16,-4 4-240 15,14 0 202-31,-6 0 3 0</inkml:trace>
+          <inkml:trace contextRef="#ctx0" brushRef="#br0" timeOffset="3086.7824">2864-37 300 0,'17'-23'134'0,"-17"23"-105"0,22 0-37 16,-18 0 64-16,9 0-46 15,0 0 11-15,0 0-14 16,0 0-5-16,4-4-1 0,-4 0-13 15,5 1 10-15,-1-1-100 0,0-4 79 16,-4 4-240 15,14 0 202-31,-6 0 3 0</inkml:trace>
           <inkml:trace contextRef="#ctx0" brushRef="#br0" timeOffset="3372.0899">3488-152 188 0,'-56'0'85'0,"56"0"-67"0,-48 3-23 0,44 1 47 16,-9 0-34-16,4 0 22 15,0 8-22-15,5-5 21 16,8 9-22-1,1-5 30-15,16 5-28 0,-3-5 13 16,16 5-16-16,-3-5 5 16,3 12-8-16,-3-3-2 15,-1 7 0-15,-4-4 1 0,-9 8-1 16,-4-4 13-16,-4 7-10 16,-5-3 26-16,-12 0-23 15,-1-8 16-15,-8 0-17 0,-1-4 6 16,-3-7-9-16,3-1 1 15,-8-3-3-15,5 0-40 16,-5-24 31-16,4 5-194 16,0-5 158-16,5 5-172 15</inkml:trace>
         </inkml:traceGroup>
       </inkml:traceGroup>
@@ -3166,7 +3166,7 @@
           </inkml:annotationXML>
           <inkml:trace contextRef="#ctx0" brushRef="#br0">-8838 1756 152 0,'-13'-16'69'0,"18"8"-55"0,3 1-18 16,1 3 59-16,4-4-44 16,13-3 38-16,17-1-36 15,5 4 15-15,13 1-20 16,-1 3 9-16,-3 8-12 0,-1 7-6 0,0 9 1 16,-8 6 0-16,-5 5 0 15,-8 4 25-15,-9 0-20 16,-9 3 24-16,-12 5-22 0,-10-1 28 15,-8 12-27-15,-8-4 13 16,-1-4-15-16,-4-7-4 31,-4-5 0-31,-5-10 0 0,0-5-1 16,5-11-31-16,0-5 23 16,4-14-132-16,0-16 108 15,8 4-212 1</inkml:trace>
           <inkml:trace contextRef="#ctx0" brushRef="#br0" timeOffset="-382.3936">-8595 1702 220 0,'9'-20'101'15,"-5"17"-79"-15,0-1-28 0,-4 4 74 0,0 0-55 16,5 11 13-16,-1 5-18 31,0 11 14-31,1 3-17 0,-1 1 12 0,0 4-12 16,1 3-1-16,-1 5-2 15,0-1 4-15,1 8-5 16,-1 0-22-16,-4-7 16 16,4-8-152-16,-4-9 123 15,0-2-170 1</inkml:trace>
-          <inkml:trace contextRef="#ctx0" brushRef="#br0" timeOffset="818.5561">-8183 2187 176 0,'4'0'82'0,"5"0"-65"0,4 0-21 16,-5 0 59-16,10 0-44 16,12 12 4-16,1-5-9 15,3 1-5-15,-3-4 0 16,-5 0-153-16,17 4 120 16,-8-5-88-1</inkml:trace>
+          <inkml:trace contextRef="#ctx0" brushRef="#br0" timeOffset="818.556">-8183 2187 176 0,'4'0'82'0,"5"0"-65"0,4 0-21 16,-5 0 59-16,10 0-44 16,12 12 4-16,1-5-9 15,3 1-5-15,-3-4 0 16,-5 0-153-16,17 4 120 16,-8-5-88-1</inkml:trace>
           <inkml:trace contextRef="#ctx0" brushRef="#br0" timeOffset="550.1658">-7992 1914 244 0,'-9'-4'111'0,"5"8"-87"0,-1-1-30 16,-3 5 43-16,-1 4-30 31,0 7 23-31,5 4-23 0,-5 8 11 16,1 19-13-16,-1 0 11 0,0-4-12 15,5-3-2-15,0-5-1 16,-1-7-1-16,1 0 0 16,4-12 5-16,0-3-4 15,0-5-25-15,4-11 19 16,1-4-49-16,3-7 41 0,-3-20-22 16,-1-11 26-16,5-9 5 15,-5-3 2-15,-4 4 2 16,0 4 0-16,0 0 16 15,0-4-12-15,0 19 43 16,9 12-36-16,4 7 18 16,0 8-21-1,4 12 26-15,0 15-26 16,1 8 30-16,3 19-29 16,1 8 16-16,0 0-19 15,-5-4-3-15,0-8-1 16,5-4 0-16,-5-7-1 0,-4-8-17 15,0-4 12-15,-4-8-166 16,0-3 133-16,-14-4-223 16</inkml:trace>
           <inkml:trace contextRef="#ctx0" brushRef="#br0" timeOffset="1120.4606">-7849 1917 168 0,'13'-7'78'0,"-13"7"-61"0,60 0-21 0,-51 0 45 0,21 0-33 15,18-4 11-15,-9 4-13 16,-9 0-10-16,22 0 4 16,-13 0-121-16,9 0 94 15,-9 0-96-15</inkml:trace>
           <inkml:trace contextRef="#ctx0" brushRef="#br0" timeOffset="1119.4606">-7503 1987 296 0,'-13'4'131'0,"13"-4"-103"0,-8 19-35 16,8-15 62-16,-5 11-45 0,5-3 20 16,0 22-22-16,0 17 6 15,0-1-10-15,5-8 6 0,-1 0-7 16,5 5-5-16,-5-9 2 15,0-7-104-15,1-12 82 16,-1-3-276 0,-4-13 230-1,0 1 11-15</inkml:trace>
@@ -3174,15 +3174,15 @@
           <inkml:trace contextRef="#ctx0" brushRef="#br0" timeOffset="5923.2589">-7208 2314 176 0,'9'-7'78'0,"-1"10"-61"0,5-3-21 0,5 0 53 16,3 0-39-16,5 0 16 15,5-3-19-15,4-1-4 0,-1 4-1 16,1-4-126-16,0 4 98 16,4-4-120-16</inkml:trace>
           <inkml:trace contextRef="#ctx0" brushRef="#br0" timeOffset="5591.0678">-7061 1863 236 0,'5'-38'108'0,"-1"15"-85"0,1 15-29 0,-5 8 55 0,4 0-40 16,9 19 16 0,0 5 8-16,0 6-25 15,4 9 14-15,1 7-17 0,-1 27 6 16,-4-3-8-16,0-9-2 16,4-3 0-16,-4-4 4 0,0 0-4 15,0-12 3-15,0-7-3 16,-4-8-15-16,0-4 12 15,-5-4-205-15,-4-15 162 16,-4-15-141 0</inkml:trace>
           <inkml:trace contextRef="#ctx0" brushRef="#br0" timeOffset="6945.2633">-6501 1601 252 0,'0'-11'111'0,"4"19"-87"0,13-1-30 15,-8 1 38-15,13 4-27 16,-5 7 27-16,5 8-24 16,8 11 10-16,0-3-13 31,1 0-3-31,-1 3-1 0,0 5 1 0,-4-1-1 16,0 0 2-16,-4-7-2 15,-5 4 2-15,-4-1-2 16,0 5-1-16,0-13 1 0,0-7-139 15,13-34-98 1</inkml:trace>
-          <inkml:trace contextRef="#ctx0" brushRef="#br0" timeOffset="6644.4237">-6285 1706 140 0,'-8'-4'65'0,"3"11"-51"0,-3 9-17 15,8-9 71 1,-5 17-54-16,1 3 40 16,0 3-40-16,-1 5 20 15,1 7-24-15,0 5-1 0,-1 10-6 16,5 5 4-16,0-12-6 16,5-7 3-16,-1-5-3 0,0-7 2 15,1-8-2-15,-1-4-138 16,0-11 108-16,5-4-159 15</inkml:trace>
+          <inkml:trace contextRef="#ctx0" brushRef="#br0" timeOffset="6644.4236">-6285 1706 140 0,'-8'-4'65'0,"3"11"-51"0,-3 9-17 15,8-9 71 1,-5 17-54-16,1 3 40 16,0 3-40-16,-1 5 20 15,1 7-24-15,0 5-1 0,-1 10-6 16,5 5 4-16,0-12-6 16,5-7 3-16,-1-5-3 0,0-7 2 15,1-8-2-15,-1-4-138 16,0-11 108-16,5-4-159 15</inkml:trace>
           <inkml:trace contextRef="#ctx0" brushRef="#br0" timeOffset="7261.7971">-5730 1474 212 0,'-4'0'98'0,"4"35"-77"0,-17 23-26 0,12-35 30 0,-8 12-21 16,-4 3 16-16,-5 8-15 15,-4 1-5-15,0-1 0 16,5-4 8-16,-1-3-6 0,5-5-4 16,4-7 2-16,4-7-37 15,5-5 29-15,-1-7-120 16,5-16 99-16,5-3-98 15</inkml:trace>
           <inkml:trace contextRef="#ctx0" brushRef="#br0" timeOffset="7546.5581">-5847 1521 168 0,'9'-89'75'0,"-5"70"-59"0,1-4-20 16,-1 19 93-16,5 0-71 16,-1 4 19-1,-3 8-26-15,3 11 18 16,-3 19-22-16,-1 12 25 0,0 8-24 15,1 12 21-15,3-5-22 16,-3 4 16-16,-1 1-17 16,0-5 3-16,1 12-7 15,3-3 5-15,-3-13-6 16,3-7 6-16,1-8-6 0,-5-7-3 16,5-8 2-16,0-8-93 15,-1-8 73-15,5-3-292 16,0-4 241-1,-4-5 20-15</inkml:trace>
           <inkml:trace contextRef="#ctx0" brushRef="#br0" timeOffset="8179.2412">-5478 2102 212 0,'-13'-7'98'0,"4"7"-77"0,0 0-26 0,5 4 78 15,-5-1-59-15,-4 13 32 16,0-1-33-16,0 8 9 0,5 4-16 15,-1 0 8-15,5 0-11 0,8 0-1 16,5 0-1-16,8-8 4 16,5 1-4-16,8-5 3 15,5-3-3-15,4-8 22 16,4-8-18-16,5-4 6 16,4-4-7-1,-9-3-6-15,-4-24 2 16,-9 1 3-16,-8-1-3 0,-5 1 0 15,-12-1 1-15,-18 5-1 16,-9-1 0-16,-8 8 8 16,-1 4-6-16,-12 4-1 15,0 3 0-15,-1 9-4 16,10 3 2-16,-1 4-19 0,9 4 16 16,9 3-167-16,12 5 134 15,14-1-206 1</inkml:trace>
           <inkml:trace contextRef="#ctx0" brushRef="#br0" timeOffset="8447.6429">-5054 1914 168 0,'-21'-8'75'0,"8"0"-59"0,4 4-20 15,9 4 76-15,4 0-58 16,5 0 21-16,4 0-25 15,9 0 27-15,12 4-28 16,10 4 24-16,4 3-24 0,4 5 9 16,0 7-13-16,-5 8-3 15,-3 0-1-15,-5 15 1 0,-9 4-1 16,-4-8-3-16,-13 8 1 0,-9-3 29 16,-8-5-22-16,-9 4 23 15,-9-7-22-15,-8-5 8 16,-5-7-11-16,-4-3-2 15,0-9-1-15,5-3-10 16,3-5 7-16,10-18-125 16,12-9 100-16,13 1-269 15</inkml:trace>
-          <inkml:trace contextRef="#ctx0" brushRef="#br0" timeOffset="8197.3777">-4980 1968 304 0,'-13'11'138'0,"9"12"-109"0,4 8-37 0,0-16 47 16,4 16-32-16,0 8 3 0,5 3-7 15,0-3-2-15,4-1 0 16,0-3 4-16,0-4-4 0,0-8-59 16,0-4 46-16,0-11-265 15,0 0 215 1,-4-8-18-16</inkml:trace>
+          <inkml:trace contextRef="#ctx0" brushRef="#br0" timeOffset="8197.3776">-4980 1968 304 0,'-13'11'138'0,"9"12"-109"0,4 8-37 0,0-16 47 16,4 16-32-16,0 8 3 0,5 3-7 15,0-3-2-15,4-1 0 16,0-3 4-16,0-4-4 0,0-8-59 16,0-4 46-16,0-11-265 15,0 0 215 1,-4-8-18-16</inkml:trace>
           <inkml:trace contextRef="#ctx0" brushRef="#br0" timeOffset="8797.0202">-4525 2068 252 0,'-13'-8'115'0,"13"8"-91"0,-8 4-30 16,8 0 60-16,-5 3-44 16,1 5 22-16,0 7-23 15,-5 8 3-15,0 8-8 0,1 0 5 16,-1 3-6-16,5-3-2 0,-1 7 0 0,5-7 1 15,0 0-1-15,5-5 13 16,3-3-10-16,5-4 28 16,13-3-24-16,5-5 10 15,3-7-12-15,5 0 1 16,5-5-5-16,-1-3-1 31,-4 0 0-31,0 0-1 0,-4-7 0 16,-9-1-48-16,-5 4 38 15,-3 0-145-15,-5-15-113 32</inkml:trace>
           <inkml:trace contextRef="#ctx0" brushRef="#br0" timeOffset="9065.5975">-4551 2314 252 0,'-13'-7'115'0,"13"10"-91"0,0-6-30 0,5 3 63 15,3-4-46-15,14 4 4 16,8-4-9-16,5 0 1 31,0-4-6-31,4 1-196 0,-9-5 154 0,-4 1-127 16</inkml:trace>
-          <inkml:trace contextRef="#ctx0" brushRef="#br0" timeOffset="9404.2568">-4455 1960 300 0,'-5'-4'134'0,"23"8"-105"0,-1-4-37 0,-4 0 33 16,4 0-21-16,9 0 1 15,9 0-3-15,4-4 1 16,0 4-2-16,9-4 2 0,-14 4-2 0,-8 0-20 15,5 0 15-15,-5 0-13 0,0 0 13 16,-5 0-7-16,1 0 8 16,0 0 13-16,-5 0-8 15,-4 4 28-15,-4 4-23 16,-5 3 5-16,-4 8-8 31,-4 5 3-31,-1-1-6 0,1 19 0 16,0 4 0-16,-1-3-4 15,1 3 2-15,4-4 4 16,0-3-3-16,0-1 3 16,4 1-2-16,9-12 2 15,5 0-2-15,4-8 22 16,17-3-18-16,0-5 15 0,4-3-15 16,0-8 6-16,1 0-8 15,-5 0-19-15,0 0 13 16,-9 4-349-1,5 0 276-15,8-16-19 16</inkml:trace>
+          <inkml:trace contextRef="#ctx0" brushRef="#br0" timeOffset="9404.2567">-4455 1960 300 0,'-5'-4'134'0,"23"8"-105"0,-1-4-37 0,-4 0 33 16,4 0-21-16,9 0 1 15,9 0-3-15,4-4 1 16,0 4-2-16,9-4 2 0,-14 4-2 0,-8 0-20 15,5 0 15-15,-5 0-13 0,0 0 13 16,-5 0-7-16,1 0 8 16,0 0 13-16,-5 0-8 15,-4 4 28-15,-4 4-23 16,-5 3 5-16,-4 8-8 31,-4 5 3-31,-1-1-6 0,1 19 0 16,0 4 0-16,-1-3-4 15,1 3 2-15,4-4 4 16,0-3-3-16,0-1 3 16,4 1-2-16,9-12 2 15,5 0-2-15,4-8 22 16,17-3-18-16,0-5 15 0,4-3-15 16,0-8 6-16,1 0-8 15,-5 0-19-15,0 0 13 16,-9 4-349-1,5 0 276-15,8-16-19 16</inkml:trace>
         </inkml:traceGroup>
         <inkml:traceGroup>
           <inkml:annotationXML>
@@ -3219,10 +3219,10 @@
           <inkml:trace contextRef="#ctx0" brushRef="#br0" timeOffset="-353150.855">1813 444 232 0,'-5'8'105'0,"5"3"-83"0,0 12-28 0,5 0 60 0,-1 4-44 15,0 16 28-15,-4 11-28 16,5 0 6-16,-5 0-12 15,4-4-2-15,0-12-1 0,-4 8 4 16,5-11 2 0,-1-8-5-16,0-15-60 0,1-5 46 15,-1-11-212 1,0-3 174-16,9-13-57 16</inkml:trace>
           <inkml:trace contextRef="#ctx0" brushRef="#br0" timeOffset="-351596.2333">2372 636 192 0,'13'-15'85'0,"4"11"-67"0,14-7-23 0,-14 7 30 16,13 0-21-16,5 0-1 15,4 0-1-15,4 4-70 16,9-4 54-16,9 1-152 15</inkml:trace>
           <inkml:trace contextRef="#ctx0" brushRef="#br0" timeOffset="-351796.8747">2658 255 212 0,'0'-15'95'0,"4"11"-75"0,-8 4-25 0,4 0 22 0,0 7-15 15,0 9 11-15,-4 3-10 16,-5 12 18-16,0 4-16 16,-4 11 18-16,-4 12-18 0,-5 26 4 15,1-6-7-15,-1-9 5 16,0-7-6-16,1-12 3 15,-1 0-3 1,5-8-1-16,-1-11 1 16,10-16 4-1,3-15-60-15,5-11 44 0,9-12-47 16,0-27 43-16,-1-8-25 16,1-4 29-16,8-7-8 15,-4-4 14-15,5 3 3 16,-5-3 1-16,0-4 20 0,0 4-15 15,0 7 58-15,0 12-48 16,0 12 42-16,0 11-42 16,0 12 7-16,0 19-14 15,0 23 17-15,4 15-18 16,5 20 25-16,4 0-23 16,-9 8 10-16,9 3-13 0,-4 23 2 15,4-3-5-15,0-16 8 16,-5-3-8-16,1-13-4 15,0 1 2-15,-1-4 5 16,-3-12-4-16,-5-7-112 16</inkml:trace>
-          <inkml:trace contextRef="#ctx0" brushRef="#br0" timeOffset="-351111.2417">2892 463 200 0,'0'-15'92'0,"13"11"-73"0,13-4-24 15,-4 4 47-15,8-3-34 16,9 7 22-16,13-8-22 0,0 8 24 15,-17 4-24-15,-5 0 1 0,5 3-6 16,4 9-2-16,-13 3 0 16,-13 4 1-16,-13 4-1 0,-9-4 5 15,-13 0-5-15,-4 0 3 16,0-3-3-16,0 7-37 16,0-16 28-16,9 8-252 15,4-19 203 1,9-3-10-16</inkml:trace>
+          <inkml:trace contextRef="#ctx0" brushRef="#br0" timeOffset="-351111.2416">2892 463 200 0,'0'-15'92'0,"13"11"-73"0,13-4-24 15,-4 4 47-15,8-3-34 16,9 7 22-16,13-8-22 0,0 8 24 15,-17 4-24-15,-5 0 1 0,5 3-6 16,4 9-2-16,-13 3 0 16,-13 4 1-16,-13 4-1 0,-9-4 5 15,-13 0-5-15,-4 0 3 16,0-3-3-16,0 7-37 16,0-16 28-16,9 8-252 15,4-19 203 1,9-3-10-16</inkml:trace>
           <inkml:trace contextRef="#ctx0" brushRef="#br0" timeOffset="-351348.7903">3096 532 240 0,'-9'-3'108'0,"9"10"-85"0,-4 9-29 0,4-5 74 16,4 9-55-16,0 14 19 0,1 16-23 15,3 0 5-15,1 4-10 16,0 12-2-16,-5-8-1 0,0-4 1 16,5-4-1-16,-5-4 5 15,1-8-5-15,-1-7 0 16,0-8 0-16,1-7-122 16,3-9 95-16,-8-7-232 15</inkml:trace>
           <inkml:trace contextRef="#ctx0" brushRef="#br0" timeOffset="-350610.2623">3447 448 176 0,'4'-23'82'0,"22"23"-65"0,13-16-21 0,-21 12 56 15,8 0-42-15,13 1 36 16,4 10-34-16,5 1 33 15,-9 0-34-15,-9-1 6 0,5 13-12 16,4 11 25-16,-9 7-23 16,-17-3 13-16,-17 3-14 0,-9 8 2 15,-18-7-6-15,1-4 5 16,-5-8-6-16,1-4-61 0,3-8 47 16,5-3-290-1,0-8 236-15</inkml:trace>
-          <inkml:trace contextRef="#ctx0" brushRef="#br0" timeOffset="-350879.378">3564 479 244 0,'-9'11'111'0,"9"4"-87"0,-4 12-30 16,4-11 43-16,0 7-30 16,0 27 9-16,0 4-12 0,0 0-2 15,0-4-1-15,0 4-1 0,4 0 0 16,1-8-20-16,-1-11 16 16,0-8-153-1,-4-4 123-15</inkml:trace>
+          <inkml:trace contextRef="#ctx0" brushRef="#br0" timeOffset="-350879.3779">3564 479 244 0,'-9'11'111'0,"9"4"-87"0,-4 12-30 16,4-11 43-16,0 7-30 16,0 27 9-16,0 4-12 0,0 0-2 15,0-4-1-15,0 4-1 0,4 0 0 16,1-8-20-16,-1-11 16 16,0-8-153-1,-4-4 123-15</inkml:trace>
         </inkml:traceGroup>
         <inkml:traceGroup>
           <inkml:annotationXML>
@@ -3263,15 +3263,15 @@
           <inkml:trace contextRef="#ctx0" brushRef="#br0" timeOffset="31700.5082">11072-699 212 0,'0'-4'95'0,"4"8"-75"0,0 8-25 16,1-5 111-16,3 9-84 15,1 7 54-15,4 8-56 16,0 11 26-16,0 12-34 16,0 0-1-16,-4-15-8 0,-1-5 4 15,1 9-6-15,4 14 3 0,-4-6-3 16,-1-13-54-16,1-3 42 16,-5-8-153-16,1-4 126 15,3-4-214 1</inkml:trace>
           <inkml:trace contextRef="#ctx0" brushRef="#br0" timeOffset="32318.1844">11284-348 300 0,'26'0'134'0,"-4"-12"-105"0,8-19-37 0,-4 28 53 16,9-13-37-16,12 1 5 15,5-1-8-15,5 1-7 16,-5 3 2-16,4 1-126 0,-17 3 99 0,-8 4-229 15</inkml:trace>
           <inkml:trace contextRef="#ctx0" brushRef="#br0" timeOffset="32317.1844">11340-718 232 0,'-13'-23'105'0,"18"23"-83"0,3-4-28 16,1 0 83-16,13-4-62 15,4 8 23-15,4 0-27 0,0 0-7 16,5 8-2-16,-5 4-5 0,-4 3 2 15,-4 8-2-15,-4 12 2 16,-10 3 4-16,-8 24-3 16,-4 4-2-16,0-5 1 0,-1 1 4 15,1 3-3-15,4-11 3 32,4-19-2-32,1-8 5 0,12 0-5 15,13 0 9-15,9-8-8 16,0-7 5-16,0-12-6 15,0-8 0-15,-4-4 0 16,4-3-80-16,-13 0 62 16,-9-9-282-1</inkml:trace>
-          <inkml:trace contextRef="#ctx0" brushRef="#br0" timeOffset="33087.2717">12004-283 224 0,'8'-7'101'15,"10"-1"-79"-15,25 8-28 16,-17 0 77-16,9-4-57 0,4 0 17 15,4 0-21-15,5 4-4 16,-5-4-4-16,5 1-119 0,-18 3 92 16,-8 0-205-1</inkml:trace>
+          <inkml:trace contextRef="#ctx0" brushRef="#br0" timeOffset="33087.2716">12004-283 224 0,'8'-7'101'15,"10"-1"-79"-15,25 8-28 16,-17 0 77-16,9-4-57 0,4 0 17 15,4 0-21-15,5 4-4 16,-5-4-4-16,5 1-119 0,-18 3 92 16,-8 0-205-1</inkml:trace>
           <inkml:trace contextRef="#ctx0" brushRef="#br0" timeOffset="32538.8948">12164-637 236 0,'-13'-4'108'0,"-4"8"-85"0,4 11-29 15,4-3 60-15,-4 7-44 16,4 4 22-16,1 23-23 16,3 1-2-16,-3 3-5 15,3-4-2-15,1-4 1 0,4-3 7 16,0-8-6-16,0-8-23 16,0-8 16-16,0-3-73 0,13-20-24 15,0-11 73 1,-4-16-106-1,-1 0 104-15,-3 5-25 16</inkml:trace>
-          <inkml:trace contextRef="#ctx0" brushRef="#br0" timeOffset="32817.6736">12177-845 208 0,'0'-27'92'0,"0"27"-73"0,0 4-24 16,4 3 41-16,1 5-29 0,3 19 37 16,1 3-34-16,8 9 35 15,9 11-34-15,5 19 28 0,-1 0-29 16,-4-3 23-16,13-5-24 15,-4-3 3-15,-1-5-8 32,-3-10 0-32,-5-9-3 0,-5-7-9 15,1-8 6-15,-9-4-125 16,4-3 100-16,-8-5-260 16</inkml:trace>
-          <inkml:trace contextRef="#ctx0" brushRef="#br0" timeOffset="33657.7371">12420-803 208 0,'21'-4'92'0,"-21"4"-73"0,57 0-24 16,-31 0 86-16,4 0-65 16,22-4 37-16,0 1-38 15,0-1-1 1,0 0-9-16,0 4-7 0,-4 0 2 15,-5 4-163-15,-8 0 128 16,-9-1-170 0</inkml:trace>
+          <inkml:trace contextRef="#ctx0" brushRef="#br0" timeOffset="32817.6735">12177-845 208 0,'0'-27'92'0,"0"27"-73"0,0 4-24 16,4 3 41-16,1 5-29 0,3 19 37 16,1 3-34-16,8 9 35 15,9 11-34-15,5 19 28 0,-1 0-29 16,-4-3 23-16,13-5-24 15,-4-3 3-15,-1-5-8 32,-3-10 0-32,-5-9-3 0,-5-7-9 15,1-8 6-15,-9-4-125 16,4-3 100-16,-8-5-260 16</inkml:trace>
+          <inkml:trace contextRef="#ctx0" brushRef="#br0" timeOffset="33657.737">12420-803 208 0,'21'-4'92'0,"-21"4"-73"0,57 0-24 16,-31 0 86-16,4 0-65 16,22-4 37-16,0 1-38 15,0-1-1 1,0 0-9-16,0 4-7 0,-4 0 2 15,-5 4-163-15,-8 0 128 16,-9-1-170 0</inkml:trace>
           <inkml:trace contextRef="#ctx0" brushRef="#br0" timeOffset="33372.4966">12819-637 272 0,'-5'8'121'0,"10"3"-95"0,3 12-33 0,1-7 85 16,4 7-63-16,4 23 42 16,5 0-42-16,0-3 3 15,-1-1-12-15,1-3-1 0,0-5-4 16,-5-3 8-16,5-4-7 0,-9-8-29 15,0-3 22-15,-5-5-159 32,-8-11-116-17</inkml:trace>
           <inkml:trace contextRef="#ctx0" brushRef="#br0" timeOffset="33937.9033">13317-791 296 0,'0'0'131'0,"0"15"-103"0,4 8-35 0,-4-11 57 15,9-1-41-15,0 9 16 0,-1 10-18 16,10 5 5-16,-18 11-9 16,8 8 1-16,-3 0-3 0,-5 0 2 15,0-4-2-15,0-7 2 16,0-5-2-16,13-7-54 15,-9-8 42-15,9-7-170 32,9-5 140-32,-1-7-152 15</inkml:trace>
           <inkml:trace contextRef="#ctx0" brushRef="#br0" timeOffset="34206.0466">13907-799 264 0,'-13'0'121'0,"0"19"-95"0,0-3-33 0,4-1 34 16,0 4-23-16,-4 12 8 31,0 8-9-31,-4-1-2 0,13 24 0 15,-5 0 4-15,18-9-4 0,4-6 6 16,8-9-6-16,10-7 0 16,12-8 0-16,9-11 7 15,0-5-6-15,-9-7 5 16,9-7-6-16,-4-28 0 16,-9 0 0-16,-9-7 4 0,-12 0-4 15,-14-5-5-15,-4 5 3 0,-17 7-3 16,-18-7 3-16,-8 3 1 15,-9 9 0-15,4-1-6 16,0 15 5-16,5 13-70 16,17 3 56-16,0 0-256 31</inkml:trace>
           <inkml:trace contextRef="#ctx0" brushRef="#br0" timeOffset="34505.5029">14435-849 244 0,'22'-4'111'0,"-13"12"-87"0,-5 7-30 16,13 1 71-16,-4 3-52 15,9 4 32-15,-5 8-33 0,1 3 4 16,-5 13-11-16,0 3 8 0,0 8-10 15,-5-4 2-15,1-1-4 16,-5-6 2-16,9-5-2 0,-8-7-48 16,3-8 37-1,-3-8-159-15,3-4 130 0</inkml:trace>
-          <inkml:trace contextRef="#ctx0" brushRef="#br0" timeOffset="34805.8976">14470-888 152 0,'-35'-3'69'0,"35"10"-55"0,18 9-18 0,-14-5 39 0,9 8-28 15,4 8 14-15,-4 8-15 16,9-8 16-16,8 19-17 15,5 4 29-15,4 1-26 0,9 6 24 16,0-7-23-16,-1-7 6 16,5-5-11-16,-4-7-2 0,4-8-1 31,-9-7-1-31,5-9 0 16,-13-7 5-16,4-3-4 15,-9-17 6-15,-4-7-6 16,-9-4 3-16,-12-3-3 0,-5-9 22 15,0 1-18-15,-5 0 20 16,-3-8-18-16,-1-1 27 16,0-2-26-16,5 6 16 0,-5-7-18 15,9 8 6-15,0 0-9 16,9 7-8-16,0 8 5 16,-1 8-1-16,5 4 1 15,0 15-118-15,-4 0 93 16,4 20-286-1</inkml:trace>
+          <inkml:trace contextRef="#ctx0" brushRef="#br0" timeOffset="34805.8975">14470-888 152 0,'-35'-3'69'0,"35"10"-55"0,18 9-18 0,-14-5 39 0,9 8-28 15,4 8 14-15,-4 8-15 16,9-8 16-16,8 19-17 15,5 4 29-15,4 1-26 0,9 6 24 16,0-7-23-16,-1-7 6 16,5-5-11-16,-4-7-2 0,4-8-1 31,-9-7-1-31,5-9 0 16,-13-7 5-16,4-3-4 15,-9-17 6-15,-4-7-6 16,-9-4 3-16,-12-3-3 0,-5-9 22 15,0 1-18-15,-5 0 20 16,-3-8-18-16,-1-1 27 16,0-2-26-16,5 6 16 0,-5-7-18 15,9 8 6-15,0 0-9 16,9 7-8-16,0 8 5 16,-1 8-1-16,5 4 1 15,0 15-118-15,-4 0 93 16,4 20-286-1</inkml:trace>
         </inkml:traceGroup>
       </inkml:traceGroup>
     </inkml:traceGroup>
@@ -3310,7 +3310,7 @@
     <inkml:annotationXML>
       <emma:emma xmlns:emma="http://www.w3.org/2003/04/emma" version="1.0">
         <emma:interpretation id="{7BD64BF9-E0F1-4263-BD12-7A93B2EF49EF}" emma:medium="tactile" emma:mode="ink">
-          <msink:context xmlns:msink="http://schemas.microsoft.com/ink/2010/main" type="inkDrawing" rotatedBoundingBox="14160,5606 32274,3790 33314,14173 15201,15988" semanticType="9" shapeName="Other">
+          <msink:context xmlns:msink="http://schemas.microsoft.com/ink/2010/main" type="inkDrawing" rotatedBoundingBox="14160,5606 32274,3790 33314,14173 15201,15988" semanticType="underline" shapeName="Other">
             <msink:destinationLink direction="with" ref="{A3A98A47-23E5-4AE4-B746-D923AE1BA3BC}"/>
             <msink:destinationLink direction="with" ref="{DBD951C1-A55C-4716-B882-45C77310C459}"/>
           </msink:context>
@@ -3326,19 +3326,19 @@
     <inkml:trace contextRef="#ctx0" brushRef="#br0" timeOffset="102911.9745">9737 7787 136 0,'18'0'62'0,"-5"0"-49"0,0 0-16 0,-5 0 35 0,5 0-26 16,5 0 28-16,3 4-25 15,5-4 15-15,9 0-18 16,0 0 6-16,4 0-9 0,0 0 9 15,9 0-9-15,-5 0-1 16,5 0-1 0,4 0 4-16,0-4-4 15,0 4 11-15,0-4-9 16,13 1 2-16,-5-1-4 16,5 0 2-16,0 0-2 15,0 0-3-15,9 4 1 16,0-4 1-16,-22 4 0 15,-9 0 2-15,22-4-1 0,-8 1 8 0,12-1-7 16,39-4 2-16,1 0-3 16,-10 4 11-16,-34 1-10 15,-13-1 3-15,22 0-4 16,-9 0 5-16,17 0-5 16,48-3-3-16,-13 3 2 15,-4 0 3-15,-35 4-3 0,-8 0 3 16,21-4-2-16,47 0 8 15,-3-4-7-15,-10 1 5 16,-38 7-6-16,-13 0 0 16,17-4 0-16,87-4 4 15,-31 4-4-15,-4 0 6 32,-65 4-6-32,-4 0 3 0,17 0-3 15,-13 0 8-15,21-3-7 16,-16-1 5-16,25 4-6 15,-21 0 6-15,30-12-6 16,-13 4 3-16,9 1-3 16,-18-1-1-16,22 0 1 0,-13 4 1 15,13-3-1-15,-17 3 16 0,17-8-13 16,-17 5 4-16,12-1-6 16,-16 0-1-16,8 1 0 15,-18-1 13-15,5 0-11 16,-13 0 24-16,5 5-21 15,-18-1 12-15,8-4-13 32,-12 4 2-32,-5 0-5 0,-8 0-1 15,-4 1 0-15,-1-1-10 16,-13 0 7-16,1 0-86 16,-5 0 69-16,0 0-237 15,-13 0 198 1,-5 4-72-16</inkml:trace>
     <inkml:trace contextRef="#ctx0" brushRef="#br0" timeOffset="45631.9082">3469 7699 112 0,'-8'0'52'0,"8"0"-41"0,-9 4-14 16,9-4 43-16,-4 3-32 15,4-3 22-15,-5 0-22 16,1 0 13-16,0 4-16 16,-1-4 6-16,-3 4-8 0,3 0 4 15,-8 0-6 1,5-4 14-16,-1 0-11 15,0 0 6-15,5 4-7 16,0-1 6-16,-1 1-6 16,1 0 4-16,0 0-6 0,-1 0 3 15,5 4-3-15,0-5 8 16,5 5-7-16,-1 0 7 16,5 7-6-16,-5-3-2 0,9 7 0 15,0-3 15-15,9 3-12 16,-5-4 1-16,13 4-3 15,-4-3 4-15,9 7-5 16,-5-4-3-16,9 4 2 16,-4 1 5-16,8-1-4 15,-8 0 6-15,8 4-6 0,-3-4 9 16,3 8-8-16,-4-4 10 16,0-4-9-16,-4 0 2 15,4 0-4-15,-5-4 5 16,1 1-5-16,-5-1 9 15,5-4-8-15,-9-3 5 16,9-1-6 0,-9 1 3-16,4-1-3 15,-4-3-1-15,4 0 1 16,-4 0-1-16,0-1 0 16,-8 1 0-16,-1 0 0 0,-4-4-20 15,0-1 16-15,0 1-75 16,-4 0 62-16,-1 0-117 15,1 0 102-15,0-4-114 16</inkml:trace>
     <inkml:trace contextRef="#ctx0" brushRef="#br0" timeOffset="99943.3679">9174 7622 116 0,'9'0'55'0,"-1"-8"-43"0,5 12-15 0,-4-12 46 15,8 0-35-15,9 4 31 0,0-3-29 16,0-1 18-16,5-7-21 16,-1 3 2-16,0 1-7 0,5-1 10 15,0 4-9-15,-5 1 2 16,13-1-4-16,-4 4 5 15,0 0-5-15,0 0 3 0,-4 0-3 16,0 1 2-16,-1 3-2 16,5 0 16-16,5-4-13 15,-5 4 10-15,0 0-11 0,0 0 4 16,4 0-5-16,1 0-1 16,3 0 0-16,-3 4-1 15,3-1 0-15,-3 1 0 31,-1 0 0-31,0 0 0 0,-4 4 0 16,-4 3 0-16,0-3 0 16,4 7-6-16,4-7 5 15,-4 8-34-15,-4-16 28 16,-1 0-71-16,-3 11 60 16,-1 4-166-1</inkml:trace>
-    <inkml:trace contextRef="#ctx0" brushRef="#br0" timeOffset="51510.4936">4575 1507 76 0,'-18'4'36'0,"10"-1"-29"0,-10 5-9 0,14-4 27 16,0 4-20-16,-5 3 15 15,-4 1-15-15,0 3 6 16,0 5-8-16,-4-1-2 0,-1 19 0 31,-3-3 1-31,-1 4-1 16,0-5-1-16,1 5 1 0,-5-1 1 15,0-3-1-15,0 11-3 16,0-3 1-16,0-1 1 16,0 0 0-16,0 5 14 15,-9-1-11-15,0 8 15 16,1 7-13-16,3-3 3 0,1-4-6 15,0-4 2-15,4 0-3 0,-5 0 19 16,5 0-16-16,0-7 10 16,-4-1-10-16,-5 1 12 15,5-1-12-15,-1 0 12 16,1 1-12-16,0 7 6 16,-1 12-7-1,1-9-2-15,0-6 0 16,-1-1 13-16,1-4-11 15,4-7 15-15,-9 11-13 16,5-3 0-16,-9-5-3 16,4 1 12-16,1-5-10 15,3 1 3-15,-3 0-5 0,3-1 5 16,1 1-6-16,-9-4 9 16,4 7-8-16,5 9 10 0,4-9-9 15,0-3 4-15,0-4-5 16,0 0-1-16,4-8 0 15,5 0-7-15,4-4 5 16,0-7-316 0</inkml:trace>
+    <inkml:trace contextRef="#ctx0" brushRef="#br0" timeOffset="51510.4935">4575 1507 76 0,'-18'4'36'0,"10"-1"-29"0,-10 5-9 0,14-4 27 16,0 4-20-16,-5 3 15 15,-4 1-15-15,0 3 6 16,0 5-8-16,-4-1-2 0,-1 19 0 31,-3-3 1-31,-1 4-1 16,0-5-1-16,1 5 1 0,-5-1 1 15,0-3-1-15,0 11-3 16,0-3 1-16,0-1 1 16,0 0 0-16,0 5 14 15,-9-1-11-15,0 8 15 16,1 7-13-16,3-3 3 0,1-4-6 15,0-4 2-15,4 0-3 0,-5 0 19 16,5 0-16-16,0-7 10 16,-4-1-10-16,-5 1 12 15,5-1-12-15,-1 0 12 16,1 1-12-16,0 7 6 16,-1 12-7-1,1-9-2-15,0-6 0 16,-1-1 13-16,1-4-11 15,4-7 15-15,-9 11-13 16,5-3 0-16,-9-5-3 16,4 1 12-16,1-5-10 15,3 1 3-15,-3 0-5 0,3-1 5 16,1 1-6-16,-9-4 9 16,4 7-8-16,5 9 10 0,4-9-9 15,0-3 4-15,0-4-5 16,0 0-1-16,4-8 0 15,5 0-7-15,4-4 5 16,0-7-316 0</inkml:trace>
     <inkml:trace contextRef="#ctx0" brushRef="#br0" timeOffset="334501.5564">5247 6527 84 0,'4'0'39'0,"-4"0"-31"0,4 0-10 0,1 0 27 16,-1 0-20-16,0 0 9 16,5 0-10-16,0 0 3 15,4-4-5-15,0 4 2 16,0-3-3-16,0 3-1 0,4 0 1 15,-4 0 4-15,9-4-4 16,-5 0-3-16,9 0 2 0,-4 0-3 16,12 0 2-16,-8 1 1 15,18-1 0-15,-5 0 0 16,8-4 0-16,-8 0-3 16,18-3 2-16,-10 3 4 15,18-3-3-15,-12-1 3 16,16-11-2-16,-13 4-1 0,18-4 1 15,-9-1-4-15,17 1 2 16,-12 0 1-16,12 0 0 16,-13 0-3-16,18 0 2 15,-9 4 15-15,9-5-11 0,-14 5 1 16,19-4-2 0,-14 4-2-1,8-1 1-15,-12 5 1 0,8 0-1 16,-12-1-3-16,3 1 1 15,-8 3-2-15,0 1 2 0,-13 3-142 16</inkml:trace>
     <inkml:trace contextRef="#ctx0" brushRef="#br0" timeOffset="331734.4862">5316 2844 44 0,'-4'0'23'0,"4"0"-19"0,0 4-5 0,0-4 28 16,-5 3-22-16,1-3 21 16,0 4-19-16,-1-4 21 15,1 0-21-15,4 0 16 16,0 4-17-16,0 0 6 15,-4 0-9 1,-1 0-5-16,1 0 2 16,4-4 3-16,-4 3-3 0,-1 1-2 15,1 0 1-15,0 0 4 0,4-4-3 16,0 0-2-16,0 0 1 16,0 0 1-16,13 0 0 15,-5 0 0-15,10-4 0 16,-1 0 5-16,9 0-4 15,-4 1-5-15,8-5 3 0,-4 4 6 16,9-4-5-16,-5 1-2 16,13-1 2-16,-4 0 25 15,9 1-20-15,-9-1 7 16,9-4-8-16,-9 5-3 16,13-1 0-16,-9 4 1 0,9-8-1 15,-8 1 2-15,8-1-2 16,-9 5-3-16,13-5 1 15,-8 0 1-15,13 1 0 16,-9-1 0-16,13 1 0 16,-13-1 0-16,13-3 0 31,-9 3 5-31,13-3-4 0,-12 3 0 16,21 1 0-16,-18-1-4 15,5 1 2-15,-8-1 4 16,4 0-3-16,-9 1-5 0,8 3 4 15,-12 1 0-15,4-1 1 16,-9 0 5-16,5 0-4 16,-9 5-5-16,9-13 3 0,-9 5-3 15,17-1 3-15,-8 0 1 16,4 1 0-16,-9 3-14 16,5 0 11-16,-9 1-123 15,-5-1 99 1,-3 0-35-16</inkml:trace>
-    <inkml:trace contextRef="#ctx0" brushRef="#br0" timeOffset="39588.5903">2143 3900 168 0,'17'-20'78'0,"-17"20"-61"0,39-11-21 0,-30 11 84 16,13-4-64-16,-5 0 29 0,18 0-33 16,-5 0 13-16,18 4-19 15,-9 0 8-15,21 0-10 0,-8 0 3 16,18 4-5-16,-10-4 13 15,14 0-11-15,-13 0 0 16,4 0-2-16,-9 0-4 16,1 0 1-1,-10 0 9-15,-3 0-6 16,-10 0 10-16,-3 4-9 16,-5 0 2-16,-5 0-4 15,1 0-3-15,0-1 1 16,-9 1 4-16,0 4-3 15,-5-4 0-15,5 4 1 16,0-1 1-16,0 5-1 0,-4-1-6 16,4 5 4-16,0-5 0 0,0 1 1 15,0-1-68-15,0 1 54 16,-4-4-211 0,4 3 174-16,0-3-58 15</inkml:trace>
+    <inkml:trace contextRef="#ctx0" brushRef="#br0" timeOffset="39588.5902">2143 3900 168 0,'17'-20'78'0,"-17"20"-61"0,39-11-21 0,-30 11 84 16,13-4-64-16,-5 0 29 0,18 0-33 16,-5 0 13-16,18 4-19 15,-9 0 8-15,21 0-10 0,-8 0 3 16,18 4-5-16,-10-4 13 15,14 0-11-15,-13 0 0 16,4 0-2-16,-9 0-4 16,1 0 1-1,-10 0 9-15,-3 0-6 16,-10 0 10-16,-3 4-9 16,-5 0 2-16,-5 0-4 15,1 0-3-15,0-1 1 16,-9 1 4-16,0 4-3 15,-5-4 0-15,5 4 1 16,0-1 1-16,0 5-1 0,-4-1-6 16,4 5 4-16,0-5 0 0,0 1 1 15,0-1-68-15,0 1 54 16,-4-4-211 0,4 3 174-16,0-3-58 15</inkml:trace>
     <inkml:trace contextRef="#ctx0" brushRef="#br0" timeOffset="40805.6458">2121 5364 148 0,'-21'4'65'0,"16"-1"-51"0,-3 5-17 0,8-4 54 16,0 4-41-16,0-1 28 15,4 1-28-15,5 4 25 16,12-1-26-16,14-3 21 0,8 0-23 0,18-1 36 16,8-3-33-16,18-4 43 15,4-4-40-15,4-3 19 16,-4-1-23-16,-4 0 3 16,-4 0-8-16,-10 1 0 15,-12 3-3-15,-9 0-3 16,-9 0 1-16,-8 4-24 0,-13 0 19 15,-9 0-213-15,-9 4 171 16,-4 4-154 0</inkml:trace>
     <inkml:trace contextRef="#ctx0" brushRef="#br0" timeOffset="333035.8224">5216 4793 80 0,'-8'4'39'0,"8"-4"-31"0,-5 8-10 0,5-4 24 16,0 0-18-16,-4 0 10 16,0-1-10-16,4 1 9 15,0 0-10-15,0 0 4 16,0 0-5-16,0 0 2 15,4 0-3 1,0-4 19-16,5 0-16 16,0 0 5-16,12-4-7 15,1 0 2-15,8-4-3 16,-4 0 2-16,9-3-2 0,-5 3-3 0,9-3 1 16,-4 3 4-16,21-4-3 15,18-3 3-15,-26 7-2 16,-5 0-3-16,18 1 1 0,-9-1 1 15,13-7 0 1,-9 3 2-16,18-7-1 0,-13 3 2 16,12 1-2-16,-12 0 11 15,17-1-10-15,-9 1-3 16,14-1 1-16,-14 1 0 16,22-4 0-1,-9 3-3-15,5-3 2 16,-13 4 9-16,17-1-6 15,-13 1 2-15,4-4-3 16,-8-1 2-16,0 5-2 16,-14 3-6-16,1 1 4 15,-9-1-188 1</inkml:trace>
     <inkml:trace contextRef="#ctx0" brushRef="#br0" timeOffset="336074.8606">5342 8022 108 0,'17'-4'49'0,"-17"4"-39"0,9-7-12 16,-5 7 35-16,1 0-26 0,-1 0 17 16,5-4-18-16,-5 0 3 15,9 0-7-15,-4 0 10 0,4 1-9 16,0-1 2-16,8-4-4 16,1 4 5-16,4 0-5 15,-4 0 3-15,17-7-3 16,-5 3-1-1,10-3 1-15,-10 3-1 16,14-8 0-16,-9 1 0 16,13 0 0-16,-8-1 2 15,16-3-1-15,-12 4-3 0,21-5 1 16,-12 5-2-16,12-4 2 16,-8 3 1-16,17-11 0 15,-13 4 2-15,17-8-1 0,-13 4-3 16,18 0 1-16,-9 4 1 15,4-8 0-15,-12 8-3 16,17 0 2-16,-14 4 4 16,1-4-3-16,-9 3-14 15,0 5 12-15,-13 4-177 16</inkml:trace>
-    <inkml:trace contextRef="#ctx0" brushRef="#br0" timeOffset="49755.231">4570 4720 156 0,'0'0'69'0,"-4"0"-55"0,4 0-18 0,0 0 48 16,-4 0-36-16,-1 0 29 15,1 0-28-15,0-4 7 16,-5 1-12-16,0-1 1 0,1 0-4 16,-1 0 11-16,-4 0-10 0,0 0 3 15,0-3-4-15,-4-1 5 16,-1 4-5-16,-3-4 6 0,-1 1-6 15,0-1 6-15,1 0-6 16,-5-3 11-16,4-1-9 16,0 0 7-16,1 1-7 31,-1 3 1-31,0 1-3 0,1-1 2 16,-1 0-2-16,0 4 2 15,5-3-2-15,-5 3 2 16,1 0-2-16,-5 0-1 15,4 0 1-15,-4 0-1 16,4 0 0-16,1 1 2 16,-5-5-1-16,4 0-1 15,-4 4 1-15,4 0-1 16,-4 1 2-16,-4-1-1 16,0 4-3-16,-1 0 1 15,1 0 6-15,-1 0-4 16,5 0-36-16,0 0 27 0,5 0-173 31,3 0 140-31,1-4-90 16</inkml:trace>
+    <inkml:trace contextRef="#ctx0" brushRef="#br0" timeOffset="49755.2309">4570 4720 156 0,'0'0'69'0,"-4"0"-55"0,4 0-18 0,0 0 48 16,-4 0-36-16,-1 0 29 15,1 0-28-15,0-4 7 16,-5 1-12-16,0-1 1 0,1 0-4 16,-1 0 11-16,-4 0-10 0,0 0 3 15,0-3-4-15,-4-1 5 16,-1 4-5-16,-3-4 6 0,-1 1-6 15,0-1 6-15,1 0-6 16,-5-3 11-16,4-1-9 16,0 0 7-16,1 1-7 31,-1 3 1-31,0 1-3 0,1-1 2 16,-1 0-2-16,0 4 2 15,5-3-2-15,-5 3 2 16,1 0-2-16,-5 0-1 15,4 0 1-15,-4 0-1 16,4 0 0-16,1 1 2 16,-5-5-1-16,4 0-1 15,-4 4 1-15,4 0-1 16,-4 1 2-16,-4-1-1 16,0 4-3-16,-1 0 1 15,1 0 6-15,-1 0-4 16,5 0-36-16,0 0 27 0,5 0-173 31,3 0 140-31,1-4-90 16</inkml:trace>
     <inkml:trace contextRef="#ctx0" brushRef="#br0" timeOffset="40104.3589">3469 4046 152 0,'5'-4'69'0,"-5"4"-55"0,8 0-18 0,-3 0 70 15,-1 4-53-15,0 0 33 16,1 3-34-16,-1 1 21 31,0 11-24-31,1-3 23 0,-1 19-24 0,-4 26 18 16,0 5-19-16,-4-1 7 16,-1 8-10-16,-3-3 9 15,-5 3-10-15,0 0 2 16,0 8-4-16,0 4 13 15,0-8-10-15,4-4 9 16,0-11-10-16,1-4 7 0,3-1-7 16,1-10-13-16,0-9 8 15,-1-7 14-15,5-4-9 16,0-8-4-16,0-3 1 16,0-5-76-16,5 1 60 15,-5-5-197-15,4 1 165 16,5-12-101-16</inkml:trace>
     <inkml:trace contextRef="#ctx0" brushRef="#br0" timeOffset="47087.8278">4687 6635 112 0,'-21'-4'52'0,"21"4"-41"0,-5 0-14 0,5 0 43 15,0 0-32-15,0 0 31 16,-4 0-30-16,0 0 21 16,-1 0-22-16,1 0 1 0,0 0-6 15,-1 0 7-15,-3 0-8 16,3 0 5-16,-3-7-6 15,-1 3 9-15,0 0-8 0,1 0 10 16,-5 0-9-16,0 0 10 16,-5-7-10-16,5 3 4 15,-4 0-5-15,4 1 5 16,-13-5-6-16,4 1 11 0,1-1-9 16,3 0 16-16,-3 1-15 31,3-1 12-31,-3-3-11 0,-5 3 5 15,0-3-7-15,4 0 6 16,-4-9-6-16,4 5-2 16,-4-8 0-16,5 4 4 15,-5-4-4-15,4 4-3 16,-8 0 2-16,4-4 0 16,0 4 0-16,0 4 2 0,0-5-1 15,4 5 2-15,-4-4-2 16,4 4-1-16,-4-4 1 15,5 3 7-15,-5-7-6 16,4 4-1-16,-4-4 0 16,4 4 13-16,0-4-11 15,5 4-4 1,0 0 1-16,-1 0 3 16,1-4-3-16,0 4 9 15,-1-16-7-15,1 8-1 16,0 1 0-16,4 3 1 15,-5-4-1-15,5 4-1 16,-4-4 1-16,4 8-1 0,-4-8 0 16,4 8-3-16,-5 0 2 0,5 4 4 15,0-1-3-15,0 5-25 16,0 3 20-16,5 1-214 16,3 7 171-16,5 4-120 15</inkml:trace>
     <inkml:trace contextRef="#ctx0" brushRef="#br0" timeOffset="48253.4952">4718 5086 104 0,'-5'-7'49'0,"5"7"-39"0,-4 0-12 0,4 0 38 0,-9 0-29 16,1 3 9-16,-5 5-11 16,0 4 19-16,0 3-18 15,-5 1 17-15,1-1-18 0,0 4 7 16,-1 4-9-16,1 4 6 16,0-4-6-16,-1 1-2 31,1-1 0-31,0 0-1 0,-1 0 0 15,-3 4 2-15,3 0-1 16,-3 4-1-16,-1-1 1 16,0 9-7-16,1 7 5 15,-5-3 8-15,4 3-5 16,-4-8-4-16,0-3 2 16,4 0 5-16,-4-4-4 0,5 3 11 15,3-7-9-15,5-4-1 16,-8 0-1-16,3 1-1 0,-3 3 0 15,-1-4 14-15,0 7-11 16,5-6 10-16,-5 6-10 16,5-6 13-16,-5 10-12 31,5-3-2-31,-5 8-1 0,5-5-1 16,-5 1 0-16,5-4 14 15,-9 7-11-15,4-11 4 16,-4 4-5-16,4-8-1 15,1 8 0-15,3-4-1 16,-3 4 0-16,3-4 2 16,1 4-1-16,0-8 11 0,-1 4-10 15,1-4 14-15,0 4-12 16,-1-4 12-16,1 4-12 16,0-4 0-16,-1 4-2 15,1-4 1-15,0 16-2 16,-1-9 5-16,-3 5-5 0,3-4 0 31,-8 0 0-31,5 0 1 0,3-8-1 16,5 0-12-16,0-4 9 15,5-3-308 1</inkml:trace>
     <inkml:trace contextRef="#ctx0" brushRef="#br0" timeOffset="58231.2283">2225 1407 132 0,'5'-16'59'0,"-5"20"-47"0,4-4-15 16,-4 8 49-16,0-1-12 15,-4-3-23-15,-1 0 1 0,-3 0-9 16,-1 0-5-16,-4 0 2 0,0 0 5 31,-4-1-4-31,-1 5 0 0,-8-4 0 16,5 4-4-16,-10-1 2 15,-3 1 1-15,8 4 0 16,-5-1 2-16,1 5-1 16,4 3-1-16,-4 0 1 15,-1 0-1-15,-3 8 0 16,-1 4 2-16,0 8-1 0,1-5-1 15,-1 1 1-15,0 0 1 16,-4-1-1-16,0 1-3 16,4 8 1-16,1 3-2 15,-10-12 2-15,5 1 4 16,0 0-3-16,0 3-2 16,0 1 1-16,5-1 6 0,-10 1-4 15,5 7-3-15,-4 12 2 16,4-8-3-16,4 0 2 15,1 0 4-15,-1-7-3 16,0 3 3-16,1 4-2 0,-5-4-1 16,8 0 1-16,1-3 4 31,0 3-4-31,4-4 11 0,-5 16-9 16,5 4 4-16,5-8-5 15,-1-4 16-15,4 0-14 16,5-4 7-16,0 0-8 15,0 1 9-15,0-1-9 16,0 0 4-16,5 0-5 16,-5 1 5-16,0-5-6 0,0 8 9 15,0 4-8-15,0-4 7 16,0-4-6-16,0-7 1 16,0-4-3-16,4-1-23 15,0-7 17-15,5-8-286 16</inkml:trace>
-    <inkml:trace contextRef="#ctx0" brushRef="#br0" timeOffset="82680.0625">7518-936 184 0,'9'4'82'0,"-1"0"-65"0,10-1-21 0,-10 1 45 15,5-4-33-15,18 4 28 16,-1-4-27-16,0 0 12 15,1 0-15-15,3-4 13 0,5 4-14 16,5-4 9-16,3 1-11 16,1-1 13-16,0 0-12 15,4 0 3 1,0 0-5-16,4 0 2 16,5 0-3-16,0 1-1 15,-5-1 1-15,-8 0 7 0,25 0-6 16,1 0-4-16,0 0 2 15,-1 1 0-15,5-1 0 16,5 0 5-16,-1 0-4 16,1 0 11-16,8 0-9 0,-5 0-1 15,5 1-1-15,5-1 1 16,-1 0-1-16,0 4 8 16,1-4-7-16,-1 0 5 15,5 0-6-15,-1 0 6 16,6-3-6-16,-1 3 9 15,-5-4-8-15,10 0-1 0,-5 1 0 16,0-1 7-16,8 0-6 16,-8 1-4-16,-4-5 2 15,30 8 3-15,-8-3-3 16,-1-1 3-16,-4 0-2 16,0 0 2-16,-9 5-2 0,9-1-9 31,-4 0 6-31,0 0 10 15,8-4-7-15,-12 1 6 0,-1-1-6 16,9 4 0-16,-9 0 0 16,1 8 4-16,8-8-4 15,-9 0 6-15,0 0-6 16,9 12 3-16,-4-12-3 16,0 0 2-16,4 1-2 0,-9 3 2 15,1 0-2-15,8 0 2 16,-5 7-2-16,5 1-1 15,5-12 1-15,-9 0-1 16,4 0 0-16,0 4 2 16,0-3-1-16,4-1-1 15,-4 0 1 1,-4-4-7-16,-9 8 5 16,0 0 3-16,-9-11-2 15,-4 11 0-15,-4-8 1 16,0 4 4-16,-14 0-4 15,10 0 0-15,-18 0 0 16,21 1 1-16,-8-1-1 16,-4-4-6-16,0 4 4 0,-5 0 0 15,-8 1 1-15,8 3 0 16,-12-4 0-16,-5 0 0 16,-9 4 0-16,5-4 2 0,-9 4-1 15,8 0-3-15,5 0 1 16,-4 0 4-16,-5 0-3 15,1 0 3-15,-10 0-2 0,10 0 2 16,-1 0-2-16,5 0-6 16,-5 4 4-16,0 0 3 15,1 3-2-15,-5-3 0 16,-5 0 1-16,-3-4-1 16,-1 4 0-16,0-4-3 31,-4 4 2-31,5 7 4 0,8-3-3 15,-18 0 9-15,10-1-7 16,-18-14-32-16,4 11 24 16,-4-1-57-16,0 1 48 15,-4-4-128-15,0 4-108 32</inkml:trace>
+    <inkml:trace contextRef="#ctx0" brushRef="#br0" timeOffset="82680.0624">7518-936 184 0,'9'4'82'0,"-1"0"-65"0,10-1-21 0,-10 1 45 15,5-4-33-15,18 4 28 16,-1-4-27-16,0 0 12 15,1 0-15-15,3-4 13 0,5 4-14 16,5-4 9-16,3 1-11 16,1-1 13-16,0 0-12 15,4 0 3 1,0 0-5-16,4 0 2 16,5 0-3-16,0 1-1 15,-5-1 1-15,-8 0 7 0,25 0-6 16,1 0-4-16,0 0 2 15,-1 1 0-15,5-1 0 16,5 0 5-16,-1 0-4 16,1 0 11-16,8 0-9 0,-5 0-1 15,5 1-1-15,5-1 1 16,-1 0-1-16,0 4 8 16,1-4-7-16,-1 0 5 15,5 0-6-15,-1 0 6 16,6-3-6-16,-1 3 9 15,-5-4-8-15,10 0-1 0,-5 1 0 16,0-1 7-16,8 0-6 16,-8 1-4-16,-4-5 2 15,30 8 3-15,-8-3-3 16,-1-1 3-16,-4 0-2 16,0 0 2-16,-9 5-2 0,9-1-9 31,-4 0 6-31,0 0 10 15,8-4-7-15,-12 1 6 0,-1-1-6 16,9 4 0-16,-9 0 0 16,1 8 4-16,8-8-4 15,-9 0 6-15,0 0-6 16,9 12 3-16,-4-12-3 16,0 0 2-16,4 1-2 0,-9 3 2 15,1 0-2-15,8 0 2 16,-5 7-2-16,5 1-1 15,5-12 1-15,-9 0-1 16,4 0 0-16,0 4 2 16,0-3-1-16,4-1-1 15,-4 0 1 1,-4-4-7-16,-9 8 5 16,0 0 3-16,-9-11-2 15,-4 11 0-15,-4-8 1 16,0 4 4-16,-14 0-4 15,10 0 0-15,-18 0 0 16,21 1 1-16,-8-1-1 16,-4-4-6-16,0 4 4 0,-5 0 0 15,-8 1 1-15,8 3 0 16,-12-4 0-16,-5 0 0 16,-9 4 0-16,5-4 2 0,-9 4-1 15,8 0-3-15,5 0 1 16,-4 0 4-16,-5 0-3 15,1 0 3-15,-10 0-2 0,10 0 2 16,-1 0-2-16,5 0-6 16,-5 4 4-16,0 0 3 15,1 3-2-15,-5-3 0 16,-5 0 1-16,-3-4-1 16,-1 4 0-16,0-4-3 31,-4 4 2-31,5 7 4 0,8-3-3 15,-18 0 9-15,10-1-7 16,-18-14-32-16,4 11 24 16,-4-1-57-16,0 1 48 15,-4-4-128-15,0 4-108 32</inkml:trace>
     <inkml:trace contextRef="#ctx0" brushRef="#br0" timeOffset="85860.5551">7869 9009 140 0,'22'-4'62'0,"-5"4"-49"0,18 4-16 0,-13-4 51 16,-1 0-38-16,1 0 33 16,4 0-32-16,0-4 11 0,4 0-16 15,5 4 13-15,0 0-14 0,12 0 11 16,1 0-11-16,0-4 5 15,-1 4-7-15,1 0 15 16,13 0-14-16,4-4 15 16,0 0-14-16,8 1 6 31,10-5-8-31,-5 4 6 0,0-4-6 16,22 1 4-16,-9 3-6 15,4-12 6-15,9-3-6 16,4 8 3-16,1-1-3 15,8-7 8-15,0 3-7 16,8 1-1-16,1-1 0 16,4 5 7-16,5-4-6 0,3-1 2 15,10 5-3-15,-5-1 8 16,8-3-7-16,1-1 5 16,0 1-6-16,4-1 3 15,-52 9-3-15,-13-1 2 0,39-4-2 16,82-7-1-16,-82 8 1 31,-17 3 7-31,39-8-6 0,160-14-12 16,-169 18 8-16,-22 0 17 15,35-3-12-15,-21 4 2 16,38-5-3-16,-25 5-2 16,42-1 1-16,-34 0 4 15,35 5-4-15,-26-1 0 16,17 0 0-16,-17 1 4 0,21 3-4 15,-34 0 17-15,25 4-14 16,-21 0 1-16,14 0-3 16,-23 0 4-16,13 4-5 15,-25-4 3-15,34 0-3 16,-31 0 5-16,10 4-5 16,-14-1-3-16,5 5 2 0,-26 0 11 15,17 0-9-15,-18-5 3 16,10 1-4-16,-23 0 8 0,-3 0-7 15,-9 0 10-15,-14 0-9 16,1 0 7-16,-13-1-7 16,-9 1-5-16,-9-4 2 31,-8 0-17-31,-5 0 13 0,-4 0-85 16,-9 0 69-16,1 0-230 15,-5 4 193-15,0 0-123 16</inkml:trace>
     <inkml:trace contextRef="#ctx0" brushRef="#br0" timeOffset="59178.8679">1978 4713 116 0,'-30'-4'52'0,"30"4"-41"0,-9-4-14 16,5 4 60-16,-5 0-46 16,1-4 47-16,-5 0-43 15,0 0 26-15,-5 0-31 16,-3 1 12-16,-10-1-16 0,-3 4-1 0,-1-4-3 15,0 0 10-15,-4 4-10 16,0-8 5-16,0 1-5 16,0-1 8-16,4 0-8 15,-8-3 2-15,4 3-3 16,0-4 2-16,0 1-2 16,4-1 2-16,-4 1-2 0,5-1 11 15,-10-3-10-15,-3 3 0 16,-1-3-1-16,0-1 4 0,1-3-4 15,3 4 0-15,1-5 0 16,0-3 4-16,-1 0-4 16,10-8 0-16,-10 4 0 31,5 0 1-31,5 4-1 0,-1 0-1 16,0-4 1-16,5 4 1 15,-5 0-1-15,0 4-3 16,-4 3 1-16,0 1-2 15,5 3 2-15,-5 1-5 16,4 3 5-16,5 0-45 16,4 4 36-16,4 4-131 0,5 0 109 15,8 4-138 1</inkml:trace>
   </inkml:traceGroup>
@@ -4102,7 +4102,7 @@
           <a:p>
             <a:fld id="{BDDAFA7A-6445-4002-8C74-4055B96B083F}" type="datetimeFigureOut">
               <a:rPr lang="en-US" smtClean="0"/>
-              <a:t>12/14/2015</a:t>
+              <a:t>14-Dec-15</a:t>
             </a:fld>
             <a:endParaRPr lang="en-US"/>
           </a:p>
@@ -4393,7 +4393,7 @@
           <a:p>
             <a:fld id="{BDDAFA7A-6445-4002-8C74-4055B96B083F}" type="datetimeFigureOut">
               <a:rPr lang="en-US" smtClean="0"/>
-              <a:t>12/14/2015</a:t>
+              <a:t>14-Dec-15</a:t>
             </a:fld>
             <a:endParaRPr lang="en-US"/>
           </a:p>
@@ -4652,7 +4652,7 @@
           <a:p>
             <a:fld id="{BDDAFA7A-6445-4002-8C74-4055B96B083F}" type="datetimeFigureOut">
               <a:rPr lang="en-US" smtClean="0"/>
-              <a:t>12/14/2015</a:t>
+              <a:t>14-Dec-15</a:t>
             </a:fld>
             <a:endParaRPr lang="en-US"/>
           </a:p>
@@ -5121,7 +5121,7 @@
           <a:p>
             <a:fld id="{BDDAFA7A-6445-4002-8C74-4055B96B083F}" type="datetimeFigureOut">
               <a:rPr lang="en-US" smtClean="0"/>
-              <a:t>12/14/2015</a:t>
+              <a:t>14-Dec-15</a:t>
             </a:fld>
             <a:endParaRPr lang="en-US"/>
           </a:p>
@@ -5301,7 +5301,7 @@
           <a:p>
             <a:fld id="{BDDAFA7A-6445-4002-8C74-4055B96B083F}" type="datetimeFigureOut">
               <a:rPr lang="en-US" smtClean="0"/>
-              <a:t>12/14/2015</a:t>
+              <a:t>14-Dec-15</a:t>
             </a:fld>
             <a:endParaRPr lang="en-US"/>
           </a:p>
@@ -5877,7 +5877,7 @@
           <a:p>
             <a:fld id="{BDDAFA7A-6445-4002-8C74-4055B96B083F}" type="datetimeFigureOut">
               <a:rPr lang="en-US" smtClean="0"/>
-              <a:t>12/14/2015</a:t>
+              <a:t>14-Dec-15</a:t>
             </a:fld>
             <a:endParaRPr lang="en-US"/>
           </a:p>
@@ -6209,7 +6209,7 @@
           <a:p>
             <a:fld id="{BDDAFA7A-6445-4002-8C74-4055B96B083F}" type="datetimeFigureOut">
               <a:rPr lang="en-US" smtClean="0"/>
-              <a:t>12/14/2015</a:t>
+              <a:t>14-Dec-15</a:t>
             </a:fld>
             <a:endParaRPr lang="en-US"/>
           </a:p>
@@ -6384,7 +6384,7 @@
           <a:p>
             <a:fld id="{BDDAFA7A-6445-4002-8C74-4055B96B083F}" type="datetimeFigureOut">
               <a:rPr lang="en-US" smtClean="0"/>
-              <a:t>12/14/2015</a:t>
+              <a:t>14-Dec-15</a:t>
             </a:fld>
             <a:endParaRPr lang="en-US"/>
           </a:p>
@@ -6564,7 +6564,7 @@
           <a:p>
             <a:fld id="{BDDAFA7A-6445-4002-8C74-4055B96B083F}" type="datetimeFigureOut">
               <a:rPr lang="en-US" smtClean="0"/>
-              <a:t>12/14/2015</a:t>
+              <a:t>14-Dec-15</a:t>
             </a:fld>
             <a:endParaRPr lang="en-US"/>
           </a:p>
@@ -6744,7 +6744,7 @@
           <a:p>
             <a:fld id="{BDDAFA7A-6445-4002-8C74-4055B96B083F}" type="datetimeFigureOut">
               <a:rPr lang="en-US" smtClean="0"/>
-              <a:t>12/14/2015</a:t>
+              <a:t>14-Dec-15</a:t>
             </a:fld>
             <a:endParaRPr lang="en-US"/>
           </a:p>
@@ -7008,7 +7008,7 @@
           <a:p>
             <a:fld id="{BDDAFA7A-6445-4002-8C74-4055B96B083F}" type="datetimeFigureOut">
               <a:rPr lang="en-US" smtClean="0"/>
-              <a:t>12/14/2015</a:t>
+              <a:t>14-Dec-15</a:t>
             </a:fld>
             <a:endParaRPr lang="en-US"/>
           </a:p>
@@ -7307,7 +7307,7 @@
           <a:p>
             <a:fld id="{BDDAFA7A-6445-4002-8C74-4055B96B083F}" type="datetimeFigureOut">
               <a:rPr lang="en-US" smtClean="0"/>
-              <a:t>12/14/2015</a:t>
+              <a:t>14-Dec-15</a:t>
             </a:fld>
             <a:endParaRPr lang="en-US"/>
           </a:p>
@@ -7744,7 +7744,7 @@
           <a:p>
             <a:fld id="{BDDAFA7A-6445-4002-8C74-4055B96B083F}" type="datetimeFigureOut">
               <a:rPr lang="en-US" smtClean="0"/>
-              <a:t>12/14/2015</a:t>
+              <a:t>14-Dec-15</a:t>
             </a:fld>
             <a:endParaRPr lang="en-US"/>
           </a:p>
@@ -7869,7 +7869,7 @@
           <a:p>
             <a:fld id="{BDDAFA7A-6445-4002-8C74-4055B96B083F}" type="datetimeFigureOut">
               <a:rPr lang="en-US" smtClean="0"/>
-              <a:t>12/14/2015</a:t>
+              <a:t>14-Dec-15</a:t>
             </a:fld>
             <a:endParaRPr lang="en-US"/>
           </a:p>
@@ -7971,7 +7971,7 @@
           <a:p>
             <a:fld id="{BDDAFA7A-6445-4002-8C74-4055B96B083F}" type="datetimeFigureOut">
               <a:rPr lang="en-US" smtClean="0"/>
-              <a:t>12/14/2015</a:t>
+              <a:t>14-Dec-15</a:t>
             </a:fld>
             <a:endParaRPr lang="en-US"/>
           </a:p>
@@ -8261,7 +8261,7 @@
           <a:p>
             <a:fld id="{BDDAFA7A-6445-4002-8C74-4055B96B083F}" type="datetimeFigureOut">
               <a:rPr lang="en-US" smtClean="0"/>
-              <a:t>12/14/2015</a:t>
+              <a:t>14-Dec-15</a:t>
             </a:fld>
             <a:endParaRPr lang="en-US"/>
           </a:p>
@@ -8559,7 +8559,7 @@
           <a:p>
             <a:fld id="{BDDAFA7A-6445-4002-8C74-4055B96B083F}" type="datetimeFigureOut">
               <a:rPr lang="en-US" smtClean="0"/>
-              <a:t>12/14/2015</a:t>
+              <a:t>14-Dec-15</a:t>
             </a:fld>
             <a:endParaRPr lang="en-US"/>
           </a:p>
@@ -8797,7 +8797,7 @@
           <a:p>
             <a:fld id="{BDDAFA7A-6445-4002-8C74-4055B96B083F}" type="datetimeFigureOut">
               <a:rPr lang="en-US" smtClean="0"/>
-              <a:t>12/14/2015</a:t>
+              <a:t>14-Dec-15</a:t>
             </a:fld>
             <a:endParaRPr lang="en-US"/>
           </a:p>
@@ -9606,7 +9606,18 @@
           <a:p>
             <a:r>
               <a:rPr lang="en-US" dirty="0" smtClean="0"/>
-              <a:t>A visual tool</a:t>
+              <a:t>A visual </a:t>
+            </a:r>
+            <a:r>
+              <a:rPr lang="en-US" dirty="0" smtClean="0"/>
+              <a:t>tool</a:t>
+            </a:r>
+            <a:endParaRPr lang="en-US" dirty="0"/>
+          </a:p>
+          <a:p>
+            <a:r>
+              <a:rPr lang="en-US" dirty="0" smtClean="0"/>
+              <a:t>Team 5</a:t>
             </a:r>
             <a:endParaRPr lang="en-US" dirty="0"/>
           </a:p>
@@ -9779,11 +9790,7 @@
           <a:p>
             <a:r>
               <a:rPr lang="en-US" dirty="0" smtClean="0"/>
-              <a:t>The </a:t>
-            </a:r>
-            <a:r>
-              <a:rPr lang="en-US" dirty="0" smtClean="0"/>
-              <a:t>Scenario</a:t>
+              <a:t>The Scenario</a:t>
             </a:r>
           </a:p>
           <a:p>
@@ -9799,7 +9806,6 @@
               <a:rPr lang="en-US" dirty="0" smtClean="0"/>
               <a:t>The data</a:t>
             </a:r>
-            <a:endParaRPr lang="en-US" dirty="0" smtClean="0"/>
           </a:p>
           <a:p>
             <a:r>
@@ -12914,11 +12920,7 @@
           <a:p>
             <a:r>
               <a:rPr lang="en-US" dirty="0" smtClean="0"/>
-              <a:t>Real </a:t>
-            </a:r>
-            <a:r>
-              <a:rPr lang="en-US" dirty="0" smtClean="0"/>
-              <a:t>Estate </a:t>
+              <a:t>Real Estate </a:t>
             </a:r>
             <a:endParaRPr lang="en-US" dirty="0"/>
           </a:p>
